--- a/_book/plot/unnamed-chunk-69-1.pptx
+++ b/_book/plot/unnamed-chunk-69-1.pptx
@@ -3218,7 +3218,7 @@
           </p:nvSpPr>
           <p:spPr>
             <a:xfrm>
-              <a:off x="3289042" y="1590617"/>
+              <a:off x="2979271" y="1590617"/>
               <a:ext cx="0" cy="4048310"/>
             </a:xfrm>
             <a:custGeom>
@@ -3261,7 +3261,7 @@
           </p:nvSpPr>
           <p:spPr>
             <a:xfrm>
-              <a:off x="5820029" y="1590617"/>
+              <a:off x="4890716" y="1590617"/>
               <a:ext cx="0" cy="4048310"/>
             </a:xfrm>
             <a:custGeom>
@@ -3304,7 +3304,7 @@
           </p:nvSpPr>
           <p:spPr>
             <a:xfrm>
-              <a:off x="8351017" y="1590617"/>
+              <a:off x="6802161" y="1590617"/>
               <a:ext cx="0" cy="4048310"/>
             </a:xfrm>
             <a:custGeom>
@@ -3347,6 +3347,49 @@
           </p:nvSpPr>
           <p:spPr>
             <a:xfrm>
+              <a:off x="8713606" y="1590617"/>
+              <a:ext cx="0" cy="4048310"/>
+            </a:xfrm>
+            <a:custGeom>
+              <a:avLst/>
+              <a:pathLst>
+                <a:path w="0" h="4048310">
+                  <a:moveTo>
+                    <a:pt x="0" y="4048310"/>
+                  </a:moveTo>
+                  <a:lnTo>
+                    <a:pt x="0" y="0"/>
+                  </a:lnTo>
+                  <a:lnTo>
+                    <a:pt x="0" y="0"/>
+                  </a:lnTo>
+                </a:path>
+              </a:pathLst>
+            </a:custGeom>
+            <a:ln w="3387" cap="flat">
+              <a:solidFill>
+                <a:srgbClr val="DEDEDE">
+                  <a:alpha val="100000"/>
+                </a:srgbClr>
+              </a:solidFill>
+              <a:prstDash val="solid"/>
+              <a:round/>
+            </a:ln>
+          </p:spPr>
+          <p:txBody>
+            <a:bodyPr/>
+            <a:lstStyle/>
+            <a:p/>
+          </p:txBody>
+        </p:sp>
+        <p:sp>
+          <p:nvSpPr>
+            <p:cNvPr id="10" name="pl10"/>
+            <p:cNvSpPr/>
+            <p:nvPr/>
+          </p:nvSpPr>
+          <p:spPr>
+            <a:xfrm>
               <a:off x="2023549" y="5301568"/>
               <a:ext cx="6913543" cy="0"/>
             </a:xfrm>
@@ -3384,7 +3427,7 @@
         </p:sp>
         <p:sp>
           <p:nvSpPr>
-            <p:cNvPr id="10" name="pl10"/>
+            <p:cNvPr id="11" name="pl11"/>
             <p:cNvSpPr/>
             <p:nvPr/>
           </p:nvSpPr>
@@ -3427,7 +3470,7 @@
         </p:sp>
         <p:sp>
           <p:nvSpPr>
-            <p:cNvPr id="11" name="pl11"/>
+            <p:cNvPr id="12" name="pl12"/>
             <p:cNvSpPr/>
             <p:nvPr/>
           </p:nvSpPr>
@@ -3470,7 +3513,7 @@
         </p:sp>
         <p:sp>
           <p:nvSpPr>
-            <p:cNvPr id="12" name="pl12"/>
+            <p:cNvPr id="13" name="pl13"/>
             <p:cNvSpPr/>
             <p:nvPr/>
           </p:nvSpPr>
@@ -3513,7 +3556,7 @@
         </p:sp>
         <p:sp>
           <p:nvSpPr>
-            <p:cNvPr id="13" name="pl13"/>
+            <p:cNvPr id="14" name="pl14"/>
             <p:cNvSpPr/>
             <p:nvPr/>
           </p:nvSpPr>
@@ -3556,7 +3599,7 @@
         </p:sp>
         <p:sp>
           <p:nvSpPr>
-            <p:cNvPr id="14" name="pl14"/>
+            <p:cNvPr id="15" name="pl15"/>
             <p:cNvSpPr/>
             <p:nvPr/>
           </p:nvSpPr>
@@ -3599,7 +3642,7 @@
         </p:sp>
         <p:sp>
           <p:nvSpPr>
-            <p:cNvPr id="15" name="pl15"/>
+            <p:cNvPr id="16" name="pl16"/>
             <p:cNvSpPr/>
             <p:nvPr/>
           </p:nvSpPr>
@@ -3642,7 +3685,7 @@
         </p:sp>
         <p:sp>
           <p:nvSpPr>
-            <p:cNvPr id="16" name="pl16"/>
+            <p:cNvPr id="17" name="pl17"/>
             <p:cNvSpPr/>
             <p:nvPr/>
           </p:nvSpPr>
@@ -3685,13 +3728,13 @@
         </p:sp>
         <p:sp>
           <p:nvSpPr>
-            <p:cNvPr id="17" name="pl17"/>
+            <p:cNvPr id="18" name="pl18"/>
             <p:cNvSpPr/>
             <p:nvPr/>
           </p:nvSpPr>
           <p:spPr>
             <a:xfrm>
-              <a:off x="4554536" y="1590617"/>
+              <a:off x="3934994" y="1590617"/>
               <a:ext cx="0" cy="4048310"/>
             </a:xfrm>
             <a:custGeom>
@@ -3728,13 +3771,13 @@
         </p:sp>
         <p:sp>
           <p:nvSpPr>
-            <p:cNvPr id="18" name="pl18"/>
+            <p:cNvPr id="19" name="pl19"/>
             <p:cNvSpPr/>
             <p:nvPr/>
           </p:nvSpPr>
           <p:spPr>
             <a:xfrm>
-              <a:off x="7085523" y="1590617"/>
+              <a:off x="5846439" y="1590617"/>
               <a:ext cx="0" cy="4048310"/>
             </a:xfrm>
             <a:custGeom>
@@ -3771,7 +3814,50 @@
         </p:sp>
         <p:sp>
           <p:nvSpPr>
-            <p:cNvPr id="19" name="rc19"/>
+            <p:cNvPr id="20" name="pl20"/>
+            <p:cNvSpPr/>
+            <p:nvPr/>
+          </p:nvSpPr>
+          <p:spPr>
+            <a:xfrm>
+              <a:off x="7757883" y="1590617"/>
+              <a:ext cx="0" cy="4048310"/>
+            </a:xfrm>
+            <a:custGeom>
+              <a:avLst/>
+              <a:pathLst>
+                <a:path w="0" h="4048310">
+                  <a:moveTo>
+                    <a:pt x="0" y="4048310"/>
+                  </a:moveTo>
+                  <a:lnTo>
+                    <a:pt x="0" y="0"/>
+                  </a:lnTo>
+                  <a:lnTo>
+                    <a:pt x="0" y="0"/>
+                  </a:lnTo>
+                </a:path>
+              </a:pathLst>
+            </a:custGeom>
+            <a:ln w="6775" cap="flat">
+              <a:solidFill>
+                <a:srgbClr val="DEDEDE">
+                  <a:alpha val="100000"/>
+                </a:srgbClr>
+              </a:solidFill>
+              <a:prstDash val="solid"/>
+              <a:round/>
+            </a:ln>
+          </p:spPr>
+          <p:txBody>
+            <a:bodyPr/>
+            <a:lstStyle/>
+            <a:p/>
+          </p:txBody>
+        </p:sp>
+        <p:sp>
+          <p:nvSpPr>
+            <p:cNvPr id="21" name="rc21"/>
             <p:cNvSpPr/>
             <p:nvPr/>
           </p:nvSpPr>
@@ -3797,66 +3883,14 @@
         </p:sp>
         <p:sp>
           <p:nvSpPr>
-            <p:cNvPr id="20" name="rc20"/>
+            <p:cNvPr id="22" name="rc22"/>
             <p:cNvSpPr/>
             <p:nvPr/>
           </p:nvSpPr>
           <p:spPr>
             <a:xfrm>
               <a:off x="2023549" y="2237222"/>
-              <a:ext cx="5049319" cy="506038"/>
-            </a:xfrm>
-            <a:prstGeom prst="rect">
-              <a:avLst/>
-            </a:prstGeom>
-            <a:solidFill>
-              <a:srgbClr val="595959">
-                <a:alpha val="100000"/>
-              </a:srgbClr>
-            </a:solidFill>
-          </p:spPr>
-          <p:txBody>
-            <a:bodyPr/>
-            <a:lstStyle/>
-            <a:p/>
-          </p:txBody>
-        </p:sp>
-        <p:sp>
-          <p:nvSpPr>
-            <p:cNvPr id="21" name="rc21"/>
-            <p:cNvSpPr/>
-            <p:nvPr/>
-          </p:nvSpPr>
-          <p:spPr>
-            <a:xfrm>
-              <a:off x="2023549" y="2799487"/>
-              <a:ext cx="4839247" cy="506038"/>
-            </a:xfrm>
-            <a:prstGeom prst="rect">
-              <a:avLst/>
-            </a:prstGeom>
-            <a:solidFill>
-              <a:srgbClr val="595959">
-                <a:alpha val="100000"/>
-              </a:srgbClr>
-            </a:solidFill>
-          </p:spPr>
-          <p:txBody>
-            <a:bodyPr/>
-            <a:lstStyle/>
-            <a:p/>
-          </p:txBody>
-        </p:sp>
-        <p:sp>
-          <p:nvSpPr>
-            <p:cNvPr id="22" name="rc22"/>
-            <p:cNvSpPr/>
-            <p:nvPr/>
-          </p:nvSpPr>
-          <p:spPr>
-            <a:xfrm>
-              <a:off x="2023549" y="3361753"/>
-              <a:ext cx="4211562" cy="506038"/>
+              <a:ext cx="6770337" cy="506038"/>
             </a:xfrm>
             <a:prstGeom prst="rect">
               <a:avLst/>
@@ -3881,8 +3915,8 @@
           </p:nvSpPr>
           <p:spPr>
             <a:xfrm>
-              <a:off x="2023549" y="3924018"/>
-              <a:ext cx="3143486" cy="506038"/>
+              <a:off x="2023549" y="2799487"/>
+              <a:ext cx="5705662" cy="506038"/>
             </a:xfrm>
             <a:prstGeom prst="rect">
               <a:avLst/>
@@ -3907,8 +3941,8 @@
           </p:nvSpPr>
           <p:spPr>
             <a:xfrm>
-              <a:off x="2023549" y="4486283"/>
-              <a:ext cx="1551495" cy="506038"/>
+              <a:off x="2023549" y="3361753"/>
+              <a:ext cx="4851247" cy="506038"/>
             </a:xfrm>
             <a:prstGeom prst="rect">
               <a:avLst/>
@@ -3933,8 +3967,8 @@
           </p:nvSpPr>
           <p:spPr>
             <a:xfrm>
-              <a:off x="2023549" y="5048549"/>
-              <a:ext cx="602374" cy="506038"/>
+              <a:off x="2023549" y="3924018"/>
+              <a:ext cx="4813018" cy="506038"/>
             </a:xfrm>
             <a:prstGeom prst="rect">
               <a:avLst/>
@@ -3953,14 +3987,66 @@
         </p:sp>
         <p:sp>
           <p:nvSpPr>
-            <p:cNvPr id="26" name="tx26"/>
+            <p:cNvPr id="26" name="rc26"/>
             <p:cNvSpPr/>
             <p:nvPr/>
           </p:nvSpPr>
           <p:spPr>
             <a:xfrm>
-              <a:off x="7346282" y="1883502"/>
-              <a:ext cx="1300860" cy="67753"/>
+              <a:off x="2023549" y="4486283"/>
+              <a:ext cx="1301693" cy="506038"/>
+            </a:xfrm>
+            <a:prstGeom prst="rect">
+              <a:avLst/>
+            </a:prstGeom>
+            <a:solidFill>
+              <a:srgbClr val="595959">
+                <a:alpha val="100000"/>
+              </a:srgbClr>
+            </a:solidFill>
+          </p:spPr>
+          <p:txBody>
+            <a:bodyPr/>
+            <a:lstStyle/>
+            <a:p/>
+          </p:txBody>
+        </p:sp>
+        <p:sp>
+          <p:nvSpPr>
+            <p:cNvPr id="27" name="rc27"/>
+            <p:cNvSpPr/>
+            <p:nvPr/>
+          </p:nvSpPr>
+          <p:spPr>
+            <a:xfrm>
+              <a:off x="2023549" y="5048549"/>
+              <a:ext cx="162472" cy="506038"/>
+            </a:xfrm>
+            <a:prstGeom prst="rect">
+              <a:avLst/>
+            </a:prstGeom>
+            <a:solidFill>
+              <a:srgbClr val="595959">
+                <a:alpha val="100000"/>
+              </a:srgbClr>
+            </a:solidFill>
+          </p:spPr>
+          <p:txBody>
+            <a:bodyPr/>
+            <a:lstStyle/>
+            <a:p/>
+          </p:txBody>
+        </p:sp>
+        <p:sp>
+          <p:nvSpPr>
+            <p:cNvPr id="28" name="tx28"/>
+            <p:cNvSpPr/>
+            <p:nvPr/>
+          </p:nvSpPr>
+          <p:spPr>
+            <a:xfrm>
+              <a:off x="7792989" y="1871010"/>
+              <a:ext cx="843155" cy="80245"/>
             </a:xfrm>
             <a:prstGeom prst="rect">
               <a:avLst/>
@@ -3992,21 +4078,21 @@
                   <a:latin typeface="Arial"/>
                   <a:cs typeface="Arial"/>
                 </a:rPr>
-                <a:t>综合性跨境电商平台（如天猫国际）</a:t>
+                <a:t>大品牌/知名品牌的产品</a:t>
               </a:r>
             </a:p>
           </p:txBody>
         </p:sp>
         <p:sp>
           <p:nvSpPr>
-            <p:cNvPr id="27" name="tx27"/>
+            <p:cNvPr id="29" name="tx29"/>
             <p:cNvSpPr/>
             <p:nvPr/>
           </p:nvSpPr>
           <p:spPr>
             <a:xfrm>
-              <a:off x="5536314" y="2445768"/>
-              <a:ext cx="1382163" cy="67753"/>
+              <a:off x="7896765" y="2445768"/>
+              <a:ext cx="731733" cy="67753"/>
             </a:xfrm>
             <a:prstGeom prst="rect">
               <a:avLst/>
@@ -4038,21 +4124,21 @@
                   <a:latin typeface="Arial"/>
                   <a:cs typeface="Arial"/>
                 </a:rPr>
-                <a:t>跨境购物社区（如小红书、洋码头等）</a:t>
+                <a:t>包装设计特别吸眼球</a:t>
               </a:r>
             </a:p>
           </p:txBody>
         </p:sp>
         <p:sp>
           <p:nvSpPr>
-            <p:cNvPr id="28" name="tx28"/>
+            <p:cNvPr id="30" name="tx30"/>
             <p:cNvSpPr/>
             <p:nvPr/>
           </p:nvSpPr>
           <p:spPr>
             <a:xfrm>
-              <a:off x="5326242" y="3008033"/>
-              <a:ext cx="1382163" cy="67753"/>
+              <a:off x="6750786" y="3008033"/>
+              <a:ext cx="813037" cy="67753"/>
             </a:xfrm>
             <a:prstGeom prst="rect">
               <a:avLst/>
@@ -4084,21 +4170,21 @@
                   <a:latin typeface="Arial"/>
                   <a:cs typeface="Arial"/>
                 </a:rPr>
-                <a:t>私人代购（如微博代购达人、微商等）</a:t>
+                <a:t>该产品的价格很吸引人</a:t>
               </a:r>
             </a:p>
           </p:txBody>
         </p:sp>
         <p:sp>
           <p:nvSpPr>
-            <p:cNvPr id="29" name="tx29"/>
+            <p:cNvPr id="31" name="tx31"/>
             <p:cNvSpPr/>
             <p:nvPr/>
           </p:nvSpPr>
           <p:spPr>
             <a:xfrm>
-              <a:off x="5105076" y="3570299"/>
-              <a:ext cx="975645" cy="67753"/>
+              <a:off x="5164637" y="3570299"/>
+              <a:ext cx="1544771" cy="67753"/>
             </a:xfrm>
             <a:prstGeom prst="rect">
               <a:avLst/>
@@ -4130,21 +4216,67 @@
                   <a:latin typeface="Arial"/>
                   <a:cs typeface="Arial"/>
                 </a:rPr>
-                <a:t>海外电商平台（如亚马逊）</a:t>
+                <a:t>有专业人士（如医生、科普专家）推荐购买</a:t>
               </a:r>
             </a:p>
           </p:txBody>
         </p:sp>
         <p:sp>
           <p:nvSpPr>
-            <p:cNvPr id="30" name="tx30"/>
+            <p:cNvPr id="32" name="tx32"/>
             <p:cNvSpPr/>
             <p:nvPr/>
           </p:nvSpPr>
           <p:spPr>
             <a:xfrm>
-              <a:off x="5321425" y="4148084"/>
-              <a:ext cx="487822" cy="67753"/>
+              <a:off x="5014986" y="4120072"/>
+              <a:ext cx="1656193" cy="80245"/>
+            </a:xfrm>
+            <a:prstGeom prst="rect">
+              <a:avLst/>
+            </a:prstGeom>
+            <a:noFill/>
+          </p:spPr>
+          <p:txBody>
+            <a:bodyPr lIns="0" rIns="0" tIns="0" bIns="0" anchorCtr="1" anchor="ctr" wrap="none"/>
+            <a:lstStyle/>
+            <a:p>
+              <a:pPr algn="l" marL="0" marR="0" indent="0">
+                <a:lnSpc>
+                  <a:spcPts val="853"/>
+                </a:lnSpc>
+                <a:spcBef>
+                  <a:spcPts val="0"/>
+                </a:spcBef>
+                <a:spcAft>
+                  <a:spcPts val="0"/>
+                </a:spcAft>
+              </a:pPr>
+              <a:r>
+                <a:rPr sz="853" b="1">
+                  <a:solidFill>
+                    <a:srgbClr val="FFFFFF">
+                      <a:alpha val="100000"/>
+                    </a:srgbClr>
+                  </a:solidFill>
+                  <a:latin typeface="Arial"/>
+                  <a:cs typeface="Arial"/>
+                </a:rPr>
+                <a:t>该产品宣称的卖点/适应症契合自己或家人所需</a:t>
+              </a:r>
+            </a:p>
+          </p:txBody>
+        </p:sp>
+        <p:sp>
+          <p:nvSpPr>
+            <p:cNvPr id="33" name="tx33"/>
+            <p:cNvSpPr/>
+            <p:nvPr/>
+          </p:nvSpPr>
+          <p:spPr>
+            <a:xfrm>
+              <a:off x="3490630" y="4710349"/>
+              <a:ext cx="1056948" cy="67753"/>
             </a:xfrm>
             <a:prstGeom prst="rect">
               <a:avLst/>
@@ -4176,21 +4308,21 @@
                   <a:latin typeface="Arial"/>
                   <a:cs typeface="Arial"/>
                 </a:rPr>
-                <a:t>海外品牌官网</a:t>
+                <a:t>有明星、直播带货大主播推荐</a:t>
               </a:r>
             </a:p>
           </p:txBody>
         </p:sp>
         <p:sp>
           <p:nvSpPr>
-            <p:cNvPr id="31" name="tx31"/>
+            <p:cNvPr id="34" name="tx34"/>
             <p:cNvSpPr/>
             <p:nvPr/>
           </p:nvSpPr>
           <p:spPr>
             <a:xfrm>
-              <a:off x="3729434" y="4710349"/>
-              <a:ext cx="487822" cy="67753"/>
+              <a:off x="2351409" y="5272614"/>
+              <a:ext cx="1382163" cy="67753"/>
             </a:xfrm>
             <a:prstGeom prst="rect">
               <a:avLst/>
@@ -4222,60 +4354,14 @@
                   <a:latin typeface="Arial"/>
                   <a:cs typeface="Arial"/>
                 </a:rPr>
-                <a:t>委托亲友代购</a:t>
+                <a:t>不存在购买特定品牌特定益生菌的习惯</a:t>
               </a:r>
             </a:p>
           </p:txBody>
         </p:sp>
         <p:sp>
           <p:nvSpPr>
-            <p:cNvPr id="32" name="tx32"/>
-            <p:cNvSpPr/>
-            <p:nvPr/>
-          </p:nvSpPr>
-          <p:spPr>
-            <a:xfrm>
-              <a:off x="2780314" y="5272614"/>
-              <a:ext cx="975645" cy="67753"/>
-            </a:xfrm>
-            <a:prstGeom prst="rect">
-              <a:avLst/>
-            </a:prstGeom>
-            <a:noFill/>
-          </p:spPr>
-          <p:txBody>
-            <a:bodyPr lIns="0" rIns="0" tIns="0" bIns="0" anchorCtr="1" anchor="ctr" wrap="none"/>
-            <a:lstStyle/>
-            <a:p>
-              <a:pPr algn="l" marL="0" marR="0" indent="0">
-                <a:lnSpc>
-                  <a:spcPts val="853"/>
-                </a:lnSpc>
-                <a:spcBef>
-                  <a:spcPts val="0"/>
-                </a:spcBef>
-                <a:spcAft>
-                  <a:spcPts val="0"/>
-                </a:spcAft>
-              </a:pPr>
-              <a:r>
-                <a:rPr sz="853">
-                  <a:solidFill>
-                    <a:srgbClr val="000000">
-                      <a:alpha val="100000"/>
-                    </a:srgbClr>
-                  </a:solidFill>
-                  <a:latin typeface="Arial"/>
-                  <a:cs typeface="Arial"/>
-                </a:rPr>
-                <a:t>不会选择海外品牌的益生菌</a:t>
-              </a:r>
-            </a:p>
-          </p:txBody>
-        </p:sp>
-        <p:sp>
-          <p:nvSpPr>
-            <p:cNvPr id="33" name="rc33"/>
+            <p:cNvPr id="35" name="rc35"/>
             <p:cNvSpPr/>
             <p:nvPr/>
           </p:nvSpPr>
@@ -4305,7 +4391,7 @@
         </p:sp>
         <p:sp>
           <p:nvSpPr>
-            <p:cNvPr id="34" name="tx34"/>
+            <p:cNvPr id="36" name="tx36"/>
             <p:cNvSpPr/>
             <p:nvPr/>
           </p:nvSpPr>
@@ -4351,7 +4437,7 @@
         </p:sp>
         <p:sp>
           <p:nvSpPr>
-            <p:cNvPr id="35" name="tx35"/>
+            <p:cNvPr id="37" name="tx37"/>
             <p:cNvSpPr/>
             <p:nvPr/>
           </p:nvSpPr>
@@ -4397,7 +4483,7 @@
         </p:sp>
         <p:sp>
           <p:nvSpPr>
-            <p:cNvPr id="36" name="tx36"/>
+            <p:cNvPr id="38" name="tx38"/>
             <p:cNvSpPr/>
             <p:nvPr/>
           </p:nvSpPr>
@@ -4443,7 +4529,7 @@
         </p:sp>
         <p:sp>
           <p:nvSpPr>
-            <p:cNvPr id="37" name="tx37"/>
+            <p:cNvPr id="39" name="tx39"/>
             <p:cNvSpPr/>
             <p:nvPr/>
           </p:nvSpPr>
@@ -4489,7 +4575,7 @@
         </p:sp>
         <p:sp>
           <p:nvSpPr>
-            <p:cNvPr id="38" name="tx38"/>
+            <p:cNvPr id="40" name="tx40"/>
             <p:cNvSpPr/>
             <p:nvPr/>
           </p:nvSpPr>
@@ -4535,7 +4621,7 @@
         </p:sp>
         <p:sp>
           <p:nvSpPr>
-            <p:cNvPr id="39" name="tx39"/>
+            <p:cNvPr id="41" name="tx41"/>
             <p:cNvSpPr/>
             <p:nvPr/>
           </p:nvSpPr>
@@ -4581,7 +4667,7 @@
         </p:sp>
         <p:sp>
           <p:nvSpPr>
-            <p:cNvPr id="40" name="tx40"/>
+            <p:cNvPr id="42" name="tx42"/>
             <p:cNvSpPr/>
             <p:nvPr/>
           </p:nvSpPr>
@@ -4627,7 +4713,7 @@
         </p:sp>
         <p:sp>
           <p:nvSpPr>
-            <p:cNvPr id="41" name="pl41"/>
+            <p:cNvPr id="43" name="pl43"/>
             <p:cNvSpPr/>
             <p:nvPr/>
           </p:nvSpPr>
@@ -4667,7 +4753,7 @@
         </p:sp>
         <p:sp>
           <p:nvSpPr>
-            <p:cNvPr id="42" name="pl42"/>
+            <p:cNvPr id="44" name="pl44"/>
             <p:cNvSpPr/>
             <p:nvPr/>
           </p:nvSpPr>
@@ -4707,7 +4793,7 @@
         </p:sp>
         <p:sp>
           <p:nvSpPr>
-            <p:cNvPr id="43" name="pl43"/>
+            <p:cNvPr id="45" name="pl45"/>
             <p:cNvSpPr/>
             <p:nvPr/>
           </p:nvSpPr>
@@ -4747,7 +4833,7 @@
         </p:sp>
         <p:sp>
           <p:nvSpPr>
-            <p:cNvPr id="44" name="pl44"/>
+            <p:cNvPr id="46" name="pl46"/>
             <p:cNvSpPr/>
             <p:nvPr/>
           </p:nvSpPr>
@@ -4787,7 +4873,7 @@
         </p:sp>
         <p:sp>
           <p:nvSpPr>
-            <p:cNvPr id="45" name="pl45"/>
+            <p:cNvPr id="47" name="pl47"/>
             <p:cNvSpPr/>
             <p:nvPr/>
           </p:nvSpPr>
@@ -4827,7 +4913,7 @@
         </p:sp>
         <p:sp>
           <p:nvSpPr>
-            <p:cNvPr id="46" name="pl46"/>
+            <p:cNvPr id="48" name="pl48"/>
             <p:cNvSpPr/>
             <p:nvPr/>
           </p:nvSpPr>
@@ -4867,7 +4953,7 @@
         </p:sp>
         <p:sp>
           <p:nvSpPr>
-            <p:cNvPr id="47" name="pl47"/>
+            <p:cNvPr id="49" name="pl49"/>
             <p:cNvSpPr/>
             <p:nvPr/>
           </p:nvSpPr>
@@ -4907,7 +4993,7 @@
         </p:sp>
         <p:sp>
           <p:nvSpPr>
-            <p:cNvPr id="48" name="pl48"/>
+            <p:cNvPr id="50" name="pl50"/>
             <p:cNvSpPr/>
             <p:nvPr/>
           </p:nvSpPr>
@@ -4947,13 +5033,13 @@
         </p:sp>
         <p:sp>
           <p:nvSpPr>
-            <p:cNvPr id="49" name="pl49"/>
+            <p:cNvPr id="51" name="pl51"/>
             <p:cNvSpPr/>
             <p:nvPr/>
           </p:nvSpPr>
           <p:spPr>
             <a:xfrm>
-              <a:off x="4554536" y="5638927"/>
+              <a:off x="3934994" y="5638927"/>
               <a:ext cx="0" cy="34794"/>
             </a:xfrm>
             <a:custGeom>
@@ -4987,13 +5073,13 @@
         </p:sp>
         <p:sp>
           <p:nvSpPr>
-            <p:cNvPr id="50" name="pl50"/>
+            <p:cNvPr id="52" name="pl52"/>
             <p:cNvSpPr/>
             <p:nvPr/>
           </p:nvSpPr>
           <p:spPr>
             <a:xfrm>
-              <a:off x="7085523" y="5638927"/>
+              <a:off x="5846439" y="5638927"/>
               <a:ext cx="0" cy="34794"/>
             </a:xfrm>
             <a:custGeom>
@@ -5027,7 +5113,47 @@
         </p:sp>
         <p:sp>
           <p:nvSpPr>
-            <p:cNvPr id="51" name="tx51"/>
+            <p:cNvPr id="53" name="pl53"/>
+            <p:cNvSpPr/>
+            <p:nvPr/>
+          </p:nvSpPr>
+          <p:spPr>
+            <a:xfrm>
+              <a:off x="7757883" y="5638927"/>
+              <a:ext cx="0" cy="34794"/>
+            </a:xfrm>
+            <a:custGeom>
+              <a:avLst/>
+              <a:pathLst>
+                <a:path w="0" h="34794">
+                  <a:moveTo>
+                    <a:pt x="0" y="34794"/>
+                  </a:moveTo>
+                  <a:lnTo>
+                    <a:pt x="0" y="0"/>
+                  </a:lnTo>
+                </a:path>
+              </a:pathLst>
+            </a:custGeom>
+            <a:ln w="6775" cap="flat">
+              <a:solidFill>
+                <a:srgbClr val="B3B3B3">
+                  <a:alpha val="100000"/>
+                </a:srgbClr>
+              </a:solidFill>
+              <a:prstDash val="solid"/>
+              <a:round/>
+            </a:ln>
+          </p:spPr>
+          <p:txBody>
+            <a:bodyPr/>
+            <a:lstStyle/>
+            <a:p/>
+          </p:txBody>
+        </p:sp>
+        <p:sp>
+          <p:nvSpPr>
+            <p:cNvPr id="54" name="tx54"/>
             <p:cNvSpPr/>
             <p:nvPr/>
           </p:nvSpPr>
@@ -5073,13 +5199,13 @@
         </p:sp>
         <p:sp>
           <p:nvSpPr>
-            <p:cNvPr id="52" name="tx52"/>
+            <p:cNvPr id="55" name="tx55"/>
             <p:cNvSpPr/>
             <p:nvPr/>
           </p:nvSpPr>
           <p:spPr>
             <a:xfrm>
-              <a:off x="4430225" y="5699866"/>
+              <a:off x="3810682" y="5699866"/>
               <a:ext cx="248622" cy="81691"/>
             </a:xfrm>
             <a:prstGeom prst="rect">
@@ -5119,13 +5245,13 @@
         </p:sp>
         <p:sp>
           <p:nvSpPr>
-            <p:cNvPr id="53" name="tx53"/>
+            <p:cNvPr id="56" name="tx56"/>
             <p:cNvSpPr/>
             <p:nvPr/>
           </p:nvSpPr>
           <p:spPr>
             <a:xfrm>
-              <a:off x="6961212" y="5699866"/>
+              <a:off x="5722127" y="5699866"/>
               <a:ext cx="248622" cy="81691"/>
             </a:xfrm>
             <a:prstGeom prst="rect">
@@ -5159,6 +5285,52 @@
                   <a:cs typeface="Arial"/>
                 </a:rPr>
                 <a:t>2000</a:t>
+              </a:r>
+            </a:p>
+          </p:txBody>
+        </p:sp>
+        <p:sp>
+          <p:nvSpPr>
+            <p:cNvPr id="57" name="tx57"/>
+            <p:cNvSpPr/>
+            <p:nvPr/>
+          </p:nvSpPr>
+          <p:spPr>
+            <a:xfrm>
+              <a:off x="7633572" y="5699811"/>
+              <a:ext cx="248622" cy="81746"/>
+            </a:xfrm>
+            <a:prstGeom prst="rect">
+              <a:avLst/>
+            </a:prstGeom>
+            <a:noFill/>
+          </p:spPr>
+          <p:txBody>
+            <a:bodyPr lIns="0" rIns="0" tIns="0" bIns="0" anchorCtr="1" anchor="ctr" wrap="none"/>
+            <a:lstStyle/>
+            <a:p>
+              <a:pPr algn="l" marL="0" marR="0" indent="0">
+                <a:lnSpc>
+                  <a:spcPts val="880"/>
+                </a:lnSpc>
+                <a:spcBef>
+                  <a:spcPts val="0"/>
+                </a:spcBef>
+                <a:spcAft>
+                  <a:spcPts val="0"/>
+                </a:spcAft>
+              </a:pPr>
+              <a:r>
+                <a:rPr sz="880">
+                  <a:solidFill>
+                    <a:srgbClr val="4D4D4D">
+                      <a:alpha val="100000"/>
+                    </a:srgbClr>
+                  </a:solidFill>
+                  <a:latin typeface="Arial"/>
+                  <a:cs typeface="Arial"/>
+                </a:rPr>
+                <a:t>3000</a:t>
               </a:r>
             </a:p>
           </p:txBody>

--- a/_book/plot/unnamed-chunk-69-1.pptx
+++ b/_book/plot/unnamed-chunk-69-1.pptx
@@ -3192,8 +3192,8 @@
           </p:nvSpPr>
           <p:spPr>
             <a:xfrm>
-              <a:off x="2023549" y="1590617"/>
-              <a:ext cx="6913543" cy="4048310"/>
+              <a:off x="2179881" y="1809173"/>
+              <a:ext cx="1295770" cy="3245468"/>
             </a:xfrm>
             <a:prstGeom prst="rect">
               <a:avLst/>
@@ -3218,28 +3218,28 @@
           </p:nvSpPr>
           <p:spPr>
             <a:xfrm>
-              <a:off x="2979271" y="1590617"/>
-              <a:ext cx="0" cy="4048310"/>
-            </a:xfrm>
-            <a:custGeom>
-              <a:avLst/>
-              <a:pathLst>
-                <a:path w="0" h="4048310">
-                  <a:moveTo>
-                    <a:pt x="0" y="4048310"/>
-                  </a:moveTo>
-                  <a:lnTo>
-                    <a:pt x="0" y="0"/>
-                  </a:lnTo>
-                  <a:lnTo>
-                    <a:pt x="0" y="0"/>
-                  </a:lnTo>
-                </a:path>
-              </a:pathLst>
-            </a:custGeom>
-            <a:ln w="3387" cap="flat">
-              <a:solidFill>
-                <a:srgbClr val="DEDEDE">
+              <a:off x="2179881" y="4549058"/>
+              <a:ext cx="1295770" cy="0"/>
+            </a:xfrm>
+            <a:custGeom>
+              <a:avLst/>
+              <a:pathLst>
+                <a:path w="1295770" h="0">
+                  <a:moveTo>
+                    <a:pt x="0" y="0"/>
+                  </a:moveTo>
+                  <a:lnTo>
+                    <a:pt x="1295770" y="0"/>
+                  </a:lnTo>
+                  <a:lnTo>
+                    <a:pt x="1295770" y="0"/>
+                  </a:lnTo>
+                </a:path>
+              </a:pathLst>
+            </a:custGeom>
+            <a:ln w="6775" cap="flat">
+              <a:solidFill>
+                <a:srgbClr val="EBEBEB">
                   <a:alpha val="100000"/>
                 </a:srgbClr>
               </a:solidFill>
@@ -3261,28 +3261,28 @@
           </p:nvSpPr>
           <p:spPr>
             <a:xfrm>
-              <a:off x="4890716" y="1590617"/>
-              <a:ext cx="0" cy="4048310"/>
-            </a:xfrm>
-            <a:custGeom>
-              <a:avLst/>
-              <a:pathLst>
-                <a:path w="0" h="4048310">
-                  <a:moveTo>
-                    <a:pt x="0" y="4048310"/>
-                  </a:moveTo>
-                  <a:lnTo>
-                    <a:pt x="0" y="0"/>
-                  </a:lnTo>
-                  <a:lnTo>
-                    <a:pt x="0" y="0"/>
-                  </a:lnTo>
-                </a:path>
-              </a:pathLst>
-            </a:custGeom>
-            <a:ln w="3387" cap="flat">
-              <a:solidFill>
-                <a:srgbClr val="DEDEDE">
+              <a:off x="2179881" y="3832936"/>
+              <a:ext cx="1295770" cy="0"/>
+            </a:xfrm>
+            <a:custGeom>
+              <a:avLst/>
+              <a:pathLst>
+                <a:path w="1295770" h="0">
+                  <a:moveTo>
+                    <a:pt x="0" y="0"/>
+                  </a:moveTo>
+                  <a:lnTo>
+                    <a:pt x="1295770" y="0"/>
+                  </a:lnTo>
+                  <a:lnTo>
+                    <a:pt x="1295770" y="0"/>
+                  </a:lnTo>
+                </a:path>
+              </a:pathLst>
+            </a:custGeom>
+            <a:ln w="6775" cap="flat">
+              <a:solidFill>
+                <a:srgbClr val="EBEBEB">
                   <a:alpha val="100000"/>
                 </a:srgbClr>
               </a:solidFill>
@@ -3304,28 +3304,28 @@
           </p:nvSpPr>
           <p:spPr>
             <a:xfrm>
-              <a:off x="6802161" y="1590617"/>
-              <a:ext cx="0" cy="4048310"/>
-            </a:xfrm>
-            <a:custGeom>
-              <a:avLst/>
-              <a:pathLst>
-                <a:path w="0" h="4048310">
-                  <a:moveTo>
-                    <a:pt x="0" y="4048310"/>
-                  </a:moveTo>
-                  <a:lnTo>
-                    <a:pt x="0" y="0"/>
-                  </a:lnTo>
-                  <a:lnTo>
-                    <a:pt x="0" y="0"/>
-                  </a:lnTo>
-                </a:path>
-              </a:pathLst>
-            </a:custGeom>
-            <a:ln w="3387" cap="flat">
-              <a:solidFill>
-                <a:srgbClr val="DEDEDE">
+              <a:off x="2179881" y="3116813"/>
+              <a:ext cx="1295770" cy="0"/>
+            </a:xfrm>
+            <a:custGeom>
+              <a:avLst/>
+              <a:pathLst>
+                <a:path w="1295770" h="0">
+                  <a:moveTo>
+                    <a:pt x="0" y="0"/>
+                  </a:moveTo>
+                  <a:lnTo>
+                    <a:pt x="1295770" y="0"/>
+                  </a:lnTo>
+                  <a:lnTo>
+                    <a:pt x="1295770" y="0"/>
+                  </a:lnTo>
+                </a:path>
+              </a:pathLst>
+            </a:custGeom>
+            <a:ln w="6775" cap="flat">
+              <a:solidFill>
+                <a:srgbClr val="EBEBEB">
                   <a:alpha val="100000"/>
                 </a:srgbClr>
               </a:solidFill>
@@ -3347,28 +3347,28 @@
           </p:nvSpPr>
           <p:spPr>
             <a:xfrm>
-              <a:off x="8713606" y="1590617"/>
-              <a:ext cx="0" cy="4048310"/>
-            </a:xfrm>
-            <a:custGeom>
-              <a:avLst/>
-              <a:pathLst>
-                <a:path w="0" h="4048310">
-                  <a:moveTo>
-                    <a:pt x="0" y="4048310"/>
-                  </a:moveTo>
-                  <a:lnTo>
-                    <a:pt x="0" y="0"/>
-                  </a:lnTo>
-                  <a:lnTo>
-                    <a:pt x="0" y="0"/>
-                  </a:lnTo>
-                </a:path>
-              </a:pathLst>
-            </a:custGeom>
-            <a:ln w="3387" cap="flat">
-              <a:solidFill>
-                <a:srgbClr val="DEDEDE">
+              <a:off x="2179881" y="2400690"/>
+              <a:ext cx="1295770" cy="0"/>
+            </a:xfrm>
+            <a:custGeom>
+              <a:avLst/>
+              <a:pathLst>
+                <a:path w="1295770" h="0">
+                  <a:moveTo>
+                    <a:pt x="0" y="0"/>
+                  </a:moveTo>
+                  <a:lnTo>
+                    <a:pt x="1295770" y="0"/>
+                  </a:lnTo>
+                  <a:lnTo>
+                    <a:pt x="1295770" y="0"/>
+                  </a:lnTo>
+                </a:path>
+              </a:pathLst>
+            </a:custGeom>
+            <a:ln w="6775" cap="flat">
+              <a:solidFill>
+                <a:srgbClr val="EBEBEB">
                   <a:alpha val="100000"/>
                 </a:srgbClr>
               </a:solidFill>
@@ -3390,28 +3390,28 @@
           </p:nvSpPr>
           <p:spPr>
             <a:xfrm>
-              <a:off x="2023549" y="5301568"/>
-              <a:ext cx="6913543" cy="0"/>
-            </a:xfrm>
-            <a:custGeom>
-              <a:avLst/>
-              <a:pathLst>
-                <a:path w="6913543" h="0">
-                  <a:moveTo>
-                    <a:pt x="0" y="0"/>
-                  </a:moveTo>
-                  <a:lnTo>
-                    <a:pt x="6913543" y="0"/>
-                  </a:lnTo>
-                  <a:lnTo>
-                    <a:pt x="6913543" y="0"/>
-                  </a:lnTo>
-                </a:path>
-              </a:pathLst>
-            </a:custGeom>
-            <a:ln w="6775" cap="flat">
-              <a:solidFill>
-                <a:srgbClr val="DEDEDE">
+              <a:off x="2179881" y="4907120"/>
+              <a:ext cx="1295770" cy="0"/>
+            </a:xfrm>
+            <a:custGeom>
+              <a:avLst/>
+              <a:pathLst>
+                <a:path w="1295770" h="0">
+                  <a:moveTo>
+                    <a:pt x="0" y="0"/>
+                  </a:moveTo>
+                  <a:lnTo>
+                    <a:pt x="1295770" y="0"/>
+                  </a:lnTo>
+                  <a:lnTo>
+                    <a:pt x="1295770" y="0"/>
+                  </a:lnTo>
+                </a:path>
+              </a:pathLst>
+            </a:custGeom>
+            <a:ln w="13550" cap="flat">
+              <a:solidFill>
+                <a:srgbClr val="EBEBEB">
                   <a:alpha val="100000"/>
                 </a:srgbClr>
               </a:solidFill>
@@ -3433,28 +3433,28 @@
           </p:nvSpPr>
           <p:spPr>
             <a:xfrm>
-              <a:off x="2023549" y="4739303"/>
-              <a:ext cx="6913543" cy="0"/>
-            </a:xfrm>
-            <a:custGeom>
-              <a:avLst/>
-              <a:pathLst>
-                <a:path w="6913543" h="0">
-                  <a:moveTo>
-                    <a:pt x="0" y="0"/>
-                  </a:moveTo>
-                  <a:lnTo>
-                    <a:pt x="6913543" y="0"/>
-                  </a:lnTo>
-                  <a:lnTo>
-                    <a:pt x="6913543" y="0"/>
-                  </a:lnTo>
-                </a:path>
-              </a:pathLst>
-            </a:custGeom>
-            <a:ln w="6775" cap="flat">
-              <a:solidFill>
-                <a:srgbClr val="DEDEDE">
+              <a:off x="2179881" y="4190997"/>
+              <a:ext cx="1295770" cy="0"/>
+            </a:xfrm>
+            <a:custGeom>
+              <a:avLst/>
+              <a:pathLst>
+                <a:path w="1295770" h="0">
+                  <a:moveTo>
+                    <a:pt x="0" y="0"/>
+                  </a:moveTo>
+                  <a:lnTo>
+                    <a:pt x="1295770" y="0"/>
+                  </a:lnTo>
+                  <a:lnTo>
+                    <a:pt x="1295770" y="0"/>
+                  </a:lnTo>
+                </a:path>
+              </a:pathLst>
+            </a:custGeom>
+            <a:ln w="13550" cap="flat">
+              <a:solidFill>
+                <a:srgbClr val="EBEBEB">
                   <a:alpha val="100000"/>
                 </a:srgbClr>
               </a:solidFill>
@@ -3476,28 +3476,28 @@
           </p:nvSpPr>
           <p:spPr>
             <a:xfrm>
-              <a:off x="2023549" y="4177037"/>
-              <a:ext cx="6913543" cy="0"/>
-            </a:xfrm>
-            <a:custGeom>
-              <a:avLst/>
-              <a:pathLst>
-                <a:path w="6913543" h="0">
-                  <a:moveTo>
-                    <a:pt x="0" y="0"/>
-                  </a:moveTo>
-                  <a:lnTo>
-                    <a:pt x="6913543" y="0"/>
-                  </a:lnTo>
-                  <a:lnTo>
-                    <a:pt x="6913543" y="0"/>
-                  </a:lnTo>
-                </a:path>
-              </a:pathLst>
-            </a:custGeom>
-            <a:ln w="6775" cap="flat">
-              <a:solidFill>
-                <a:srgbClr val="DEDEDE">
+              <a:off x="2179881" y="3474874"/>
+              <a:ext cx="1295770" cy="0"/>
+            </a:xfrm>
+            <a:custGeom>
+              <a:avLst/>
+              <a:pathLst>
+                <a:path w="1295770" h="0">
+                  <a:moveTo>
+                    <a:pt x="0" y="0"/>
+                  </a:moveTo>
+                  <a:lnTo>
+                    <a:pt x="1295770" y="0"/>
+                  </a:lnTo>
+                  <a:lnTo>
+                    <a:pt x="1295770" y="0"/>
+                  </a:lnTo>
+                </a:path>
+              </a:pathLst>
+            </a:custGeom>
+            <a:ln w="13550" cap="flat">
+              <a:solidFill>
+                <a:srgbClr val="EBEBEB">
                   <a:alpha val="100000"/>
                 </a:srgbClr>
               </a:solidFill>
@@ -3519,28 +3519,28 @@
           </p:nvSpPr>
           <p:spPr>
             <a:xfrm>
-              <a:off x="2023549" y="3614772"/>
-              <a:ext cx="6913543" cy="0"/>
-            </a:xfrm>
-            <a:custGeom>
-              <a:avLst/>
-              <a:pathLst>
-                <a:path w="6913543" h="0">
-                  <a:moveTo>
-                    <a:pt x="0" y="0"/>
-                  </a:moveTo>
-                  <a:lnTo>
-                    <a:pt x="6913543" y="0"/>
-                  </a:lnTo>
-                  <a:lnTo>
-                    <a:pt x="6913543" y="0"/>
-                  </a:lnTo>
-                </a:path>
-              </a:pathLst>
-            </a:custGeom>
-            <a:ln w="6775" cap="flat">
-              <a:solidFill>
-                <a:srgbClr val="DEDEDE">
+              <a:off x="2179881" y="2758751"/>
+              <a:ext cx="1295770" cy="0"/>
+            </a:xfrm>
+            <a:custGeom>
+              <a:avLst/>
+              <a:pathLst>
+                <a:path w="1295770" h="0">
+                  <a:moveTo>
+                    <a:pt x="0" y="0"/>
+                  </a:moveTo>
+                  <a:lnTo>
+                    <a:pt x="1295770" y="0"/>
+                  </a:lnTo>
+                  <a:lnTo>
+                    <a:pt x="1295770" y="0"/>
+                  </a:lnTo>
+                </a:path>
+              </a:pathLst>
+            </a:custGeom>
+            <a:ln w="13550" cap="flat">
+              <a:solidFill>
+                <a:srgbClr val="EBEBEB">
                   <a:alpha val="100000"/>
                 </a:srgbClr>
               </a:solidFill>
@@ -3562,28 +3562,28 @@
           </p:nvSpPr>
           <p:spPr>
             <a:xfrm>
-              <a:off x="2023549" y="3052507"/>
-              <a:ext cx="6913543" cy="0"/>
-            </a:xfrm>
-            <a:custGeom>
-              <a:avLst/>
-              <a:pathLst>
-                <a:path w="6913543" h="0">
-                  <a:moveTo>
-                    <a:pt x="0" y="0"/>
-                  </a:moveTo>
-                  <a:lnTo>
-                    <a:pt x="6913543" y="0"/>
-                  </a:lnTo>
-                  <a:lnTo>
-                    <a:pt x="6913543" y="0"/>
-                  </a:lnTo>
-                </a:path>
-              </a:pathLst>
-            </a:custGeom>
-            <a:ln w="6775" cap="flat">
-              <a:solidFill>
-                <a:srgbClr val="DEDEDE">
+              <a:off x="2179881" y="2042629"/>
+              <a:ext cx="1295770" cy="0"/>
+            </a:xfrm>
+            <a:custGeom>
+              <a:avLst/>
+              <a:pathLst>
+                <a:path w="1295770" h="0">
+                  <a:moveTo>
+                    <a:pt x="0" y="0"/>
+                  </a:moveTo>
+                  <a:lnTo>
+                    <a:pt x="1295770" y="0"/>
+                  </a:lnTo>
+                  <a:lnTo>
+                    <a:pt x="1295770" y="0"/>
+                  </a:lnTo>
+                </a:path>
+              </a:pathLst>
+            </a:custGeom>
+            <a:ln w="13550" cap="flat">
+              <a:solidFill>
+                <a:srgbClr val="EBEBEB">
                   <a:alpha val="100000"/>
                 </a:srgbClr>
               </a:solidFill>
@@ -3605,28 +3605,28 @@
           </p:nvSpPr>
           <p:spPr>
             <a:xfrm>
-              <a:off x="2023549" y="2490241"/>
-              <a:ext cx="6913543" cy="0"/>
-            </a:xfrm>
-            <a:custGeom>
-              <a:avLst/>
-              <a:pathLst>
-                <a:path w="6913543" h="0">
-                  <a:moveTo>
-                    <a:pt x="0" y="0"/>
-                  </a:moveTo>
-                  <a:lnTo>
-                    <a:pt x="6913543" y="0"/>
-                  </a:lnTo>
-                  <a:lnTo>
-                    <a:pt x="6913543" y="0"/>
-                  </a:lnTo>
-                </a:path>
-              </a:pathLst>
-            </a:custGeom>
-            <a:ln w="6775" cap="flat">
-              <a:solidFill>
-                <a:srgbClr val="DEDEDE">
+              <a:off x="2274694" y="1809173"/>
+              <a:ext cx="0" cy="3245468"/>
+            </a:xfrm>
+            <a:custGeom>
+              <a:avLst/>
+              <a:pathLst>
+                <a:path w="0" h="3245468">
+                  <a:moveTo>
+                    <a:pt x="0" y="3245468"/>
+                  </a:moveTo>
+                  <a:lnTo>
+                    <a:pt x="0" y="0"/>
+                  </a:lnTo>
+                  <a:lnTo>
+                    <a:pt x="0" y="0"/>
+                  </a:lnTo>
+                </a:path>
+              </a:pathLst>
+            </a:custGeom>
+            <a:ln w="13550" cap="flat">
+              <a:solidFill>
+                <a:srgbClr val="EBEBEB">
                   <a:alpha val="100000"/>
                 </a:srgbClr>
               </a:solidFill>
@@ -3648,28 +3648,28 @@
           </p:nvSpPr>
           <p:spPr>
             <a:xfrm>
-              <a:off x="2023549" y="1927976"/>
-              <a:ext cx="6913543" cy="0"/>
-            </a:xfrm>
-            <a:custGeom>
-              <a:avLst/>
-              <a:pathLst>
-                <a:path w="6913543" h="0">
-                  <a:moveTo>
-                    <a:pt x="0" y="0"/>
-                  </a:moveTo>
-                  <a:lnTo>
-                    <a:pt x="6913543" y="0"/>
-                  </a:lnTo>
-                  <a:lnTo>
-                    <a:pt x="6913543" y="0"/>
-                  </a:lnTo>
-                </a:path>
-              </a:pathLst>
-            </a:custGeom>
-            <a:ln w="6775" cap="flat">
-              <a:solidFill>
-                <a:srgbClr val="DEDEDE">
+              <a:off x="2432715" y="1809173"/>
+              <a:ext cx="0" cy="3245468"/>
+            </a:xfrm>
+            <a:custGeom>
+              <a:avLst/>
+              <a:pathLst>
+                <a:path w="0" h="3245468">
+                  <a:moveTo>
+                    <a:pt x="0" y="3245468"/>
+                  </a:moveTo>
+                  <a:lnTo>
+                    <a:pt x="0" y="0"/>
+                  </a:lnTo>
+                  <a:lnTo>
+                    <a:pt x="0" y="0"/>
+                  </a:lnTo>
+                </a:path>
+              </a:pathLst>
+            </a:custGeom>
+            <a:ln w="13550" cap="flat">
+              <a:solidFill>
+                <a:srgbClr val="EBEBEB">
                   <a:alpha val="100000"/>
                 </a:srgbClr>
               </a:solidFill>
@@ -3691,28 +3691,28 @@
           </p:nvSpPr>
           <p:spPr>
             <a:xfrm>
-              <a:off x="2023549" y="1590617"/>
-              <a:ext cx="0" cy="4048310"/>
-            </a:xfrm>
-            <a:custGeom>
-              <a:avLst/>
-              <a:pathLst>
-                <a:path w="0" h="4048310">
-                  <a:moveTo>
-                    <a:pt x="0" y="4048310"/>
-                  </a:moveTo>
-                  <a:lnTo>
-                    <a:pt x="0" y="0"/>
-                  </a:lnTo>
-                  <a:lnTo>
-                    <a:pt x="0" y="0"/>
-                  </a:lnTo>
-                </a:path>
-              </a:pathLst>
-            </a:custGeom>
-            <a:ln w="6775" cap="flat">
-              <a:solidFill>
-                <a:srgbClr val="DEDEDE">
+              <a:off x="2590735" y="1809173"/>
+              <a:ext cx="0" cy="3245468"/>
+            </a:xfrm>
+            <a:custGeom>
+              <a:avLst/>
+              <a:pathLst>
+                <a:path w="0" h="3245468">
+                  <a:moveTo>
+                    <a:pt x="0" y="3245468"/>
+                  </a:moveTo>
+                  <a:lnTo>
+                    <a:pt x="0" y="0"/>
+                  </a:lnTo>
+                  <a:lnTo>
+                    <a:pt x="0" y="0"/>
+                  </a:lnTo>
+                </a:path>
+              </a:pathLst>
+            </a:custGeom>
+            <a:ln w="13550" cap="flat">
+              <a:solidFill>
+                <a:srgbClr val="EBEBEB">
                   <a:alpha val="100000"/>
                 </a:srgbClr>
               </a:solidFill>
@@ -3734,28 +3734,28 @@
           </p:nvSpPr>
           <p:spPr>
             <a:xfrm>
-              <a:off x="3934994" y="1590617"/>
-              <a:ext cx="0" cy="4048310"/>
-            </a:xfrm>
-            <a:custGeom>
-              <a:avLst/>
-              <a:pathLst>
-                <a:path w="0" h="4048310">
-                  <a:moveTo>
-                    <a:pt x="0" y="4048310"/>
-                  </a:moveTo>
-                  <a:lnTo>
-                    <a:pt x="0" y="0"/>
-                  </a:lnTo>
-                  <a:lnTo>
-                    <a:pt x="0" y="0"/>
-                  </a:lnTo>
-                </a:path>
-              </a:pathLst>
-            </a:custGeom>
-            <a:ln w="6775" cap="flat">
-              <a:solidFill>
-                <a:srgbClr val="DEDEDE">
+              <a:off x="2748756" y="1809173"/>
+              <a:ext cx="0" cy="3245468"/>
+            </a:xfrm>
+            <a:custGeom>
+              <a:avLst/>
+              <a:pathLst>
+                <a:path w="0" h="3245468">
+                  <a:moveTo>
+                    <a:pt x="0" y="3245468"/>
+                  </a:moveTo>
+                  <a:lnTo>
+                    <a:pt x="0" y="0"/>
+                  </a:lnTo>
+                  <a:lnTo>
+                    <a:pt x="0" y="0"/>
+                  </a:lnTo>
+                </a:path>
+              </a:pathLst>
+            </a:custGeom>
+            <a:ln w="13550" cap="flat">
+              <a:solidFill>
+                <a:srgbClr val="EBEBEB">
                   <a:alpha val="100000"/>
                 </a:srgbClr>
               </a:solidFill>
@@ -3777,28 +3777,28 @@
           </p:nvSpPr>
           <p:spPr>
             <a:xfrm>
-              <a:off x="5846439" y="1590617"/>
-              <a:ext cx="0" cy="4048310"/>
-            </a:xfrm>
-            <a:custGeom>
-              <a:avLst/>
-              <a:pathLst>
-                <a:path w="0" h="4048310">
-                  <a:moveTo>
-                    <a:pt x="0" y="4048310"/>
-                  </a:moveTo>
-                  <a:lnTo>
-                    <a:pt x="0" y="0"/>
-                  </a:lnTo>
-                  <a:lnTo>
-                    <a:pt x="0" y="0"/>
-                  </a:lnTo>
-                </a:path>
-              </a:pathLst>
-            </a:custGeom>
-            <a:ln w="6775" cap="flat">
-              <a:solidFill>
-                <a:srgbClr val="DEDEDE">
+              <a:off x="2906777" y="1809173"/>
+              <a:ext cx="0" cy="3245468"/>
+            </a:xfrm>
+            <a:custGeom>
+              <a:avLst/>
+              <a:pathLst>
+                <a:path w="0" h="3245468">
+                  <a:moveTo>
+                    <a:pt x="0" y="3245468"/>
+                  </a:moveTo>
+                  <a:lnTo>
+                    <a:pt x="0" y="0"/>
+                  </a:lnTo>
+                  <a:lnTo>
+                    <a:pt x="0" y="0"/>
+                  </a:lnTo>
+                </a:path>
+              </a:pathLst>
+            </a:custGeom>
+            <a:ln w="13550" cap="flat">
+              <a:solidFill>
+                <a:srgbClr val="EBEBEB">
                   <a:alpha val="100000"/>
                 </a:srgbClr>
               </a:solidFill>
@@ -3820,57 +3820,143 @@
           </p:nvSpPr>
           <p:spPr>
             <a:xfrm>
-              <a:off x="7757883" y="1590617"/>
-              <a:ext cx="0" cy="4048310"/>
-            </a:xfrm>
-            <a:custGeom>
-              <a:avLst/>
-              <a:pathLst>
-                <a:path w="0" h="4048310">
-                  <a:moveTo>
-                    <a:pt x="0" y="4048310"/>
-                  </a:moveTo>
-                  <a:lnTo>
-                    <a:pt x="0" y="0"/>
-                  </a:lnTo>
-                  <a:lnTo>
-                    <a:pt x="0" y="0"/>
-                  </a:lnTo>
-                </a:path>
-              </a:pathLst>
-            </a:custGeom>
-            <a:ln w="6775" cap="flat">
-              <a:solidFill>
-                <a:srgbClr val="DEDEDE">
-                  <a:alpha val="100000"/>
-                </a:srgbClr>
-              </a:solidFill>
-              <a:prstDash val="solid"/>
-              <a:round/>
-            </a:ln>
-          </p:spPr>
-          <p:txBody>
-            <a:bodyPr/>
-            <a:lstStyle/>
-            <a:p/>
-          </p:txBody>
-        </p:sp>
-        <p:sp>
-          <p:nvSpPr>
-            <p:cNvPr id="21" name="rc21"/>
-            <p:cNvSpPr/>
-            <p:nvPr/>
-          </p:nvSpPr>
-          <p:spPr>
-            <a:xfrm>
-              <a:off x="2023549" y="1674957"/>
-              <a:ext cx="6777983" cy="506038"/>
+              <a:off x="3064798" y="1809173"/>
+              <a:ext cx="0" cy="3245468"/>
+            </a:xfrm>
+            <a:custGeom>
+              <a:avLst/>
+              <a:pathLst>
+                <a:path w="0" h="3245468">
+                  <a:moveTo>
+                    <a:pt x="0" y="3245468"/>
+                  </a:moveTo>
+                  <a:lnTo>
+                    <a:pt x="0" y="0"/>
+                  </a:lnTo>
+                  <a:lnTo>
+                    <a:pt x="0" y="0"/>
+                  </a:lnTo>
+                </a:path>
+              </a:pathLst>
+            </a:custGeom>
+            <a:ln w="13550" cap="flat">
+              <a:solidFill>
+                <a:srgbClr val="EBEBEB">
+                  <a:alpha val="100000"/>
+                </a:srgbClr>
+              </a:solidFill>
+              <a:prstDash val="solid"/>
+              <a:round/>
+            </a:ln>
+          </p:spPr>
+          <p:txBody>
+            <a:bodyPr/>
+            <a:lstStyle/>
+            <a:p/>
+          </p:txBody>
+        </p:sp>
+        <p:sp>
+          <p:nvSpPr>
+            <p:cNvPr id="21" name="pl21"/>
+            <p:cNvSpPr/>
+            <p:nvPr/>
+          </p:nvSpPr>
+          <p:spPr>
+            <a:xfrm>
+              <a:off x="3222819" y="1809173"/>
+              <a:ext cx="0" cy="3245468"/>
+            </a:xfrm>
+            <a:custGeom>
+              <a:avLst/>
+              <a:pathLst>
+                <a:path w="0" h="3245468">
+                  <a:moveTo>
+                    <a:pt x="0" y="3245468"/>
+                  </a:moveTo>
+                  <a:lnTo>
+                    <a:pt x="0" y="0"/>
+                  </a:lnTo>
+                  <a:lnTo>
+                    <a:pt x="0" y="0"/>
+                  </a:lnTo>
+                </a:path>
+              </a:pathLst>
+            </a:custGeom>
+            <a:ln w="13550" cap="flat">
+              <a:solidFill>
+                <a:srgbClr val="EBEBEB">
+                  <a:alpha val="100000"/>
+                </a:srgbClr>
+              </a:solidFill>
+              <a:prstDash val="solid"/>
+              <a:round/>
+            </a:ln>
+          </p:spPr>
+          <p:txBody>
+            <a:bodyPr/>
+            <a:lstStyle/>
+            <a:p/>
+          </p:txBody>
+        </p:sp>
+        <p:sp>
+          <p:nvSpPr>
+            <p:cNvPr id="22" name="pl22"/>
+            <p:cNvSpPr/>
+            <p:nvPr/>
+          </p:nvSpPr>
+          <p:spPr>
+            <a:xfrm>
+              <a:off x="3380840" y="1809173"/>
+              <a:ext cx="0" cy="3245468"/>
+            </a:xfrm>
+            <a:custGeom>
+              <a:avLst/>
+              <a:pathLst>
+                <a:path w="0" h="3245468">
+                  <a:moveTo>
+                    <a:pt x="0" y="3245468"/>
+                  </a:moveTo>
+                  <a:lnTo>
+                    <a:pt x="0" y="0"/>
+                  </a:lnTo>
+                  <a:lnTo>
+                    <a:pt x="0" y="0"/>
+                  </a:lnTo>
+                </a:path>
+              </a:pathLst>
+            </a:custGeom>
+            <a:ln w="13550" cap="flat">
+              <a:solidFill>
+                <a:srgbClr val="EBEBEB">
+                  <a:alpha val="100000"/>
+                </a:srgbClr>
+              </a:solidFill>
+              <a:prstDash val="solid"/>
+              <a:round/>
+            </a:ln>
+          </p:spPr>
+          <p:txBody>
+            <a:bodyPr/>
+            <a:lstStyle/>
+            <a:p/>
+          </p:txBody>
+        </p:sp>
+        <p:sp>
+          <p:nvSpPr>
+            <p:cNvPr id="23" name="rc23"/>
+            <p:cNvSpPr/>
+            <p:nvPr/>
+          </p:nvSpPr>
+          <p:spPr>
+            <a:xfrm>
+              <a:off x="2203584" y="3990483"/>
+              <a:ext cx="142218" cy="916637"/>
             </a:xfrm>
             <a:prstGeom prst="rect">
               <a:avLst/>
             </a:prstGeom>
             <a:solidFill>
-              <a:srgbClr val="595959">
+              <a:srgbClr val="FFF5F0">
                 <a:alpha val="100000"/>
               </a:srgbClr>
             </a:solidFill>
@@ -3883,20 +3969,20 @@
         </p:sp>
         <p:sp>
           <p:nvSpPr>
-            <p:cNvPr id="22" name="rc22"/>
-            <p:cNvSpPr/>
-            <p:nvPr/>
-          </p:nvSpPr>
-          <p:spPr>
-            <a:xfrm>
-              <a:off x="2023549" y="2237222"/>
-              <a:ext cx="6770337" cy="506038"/>
+            <p:cNvPr id="24" name="rc24"/>
+            <p:cNvSpPr/>
+            <p:nvPr/>
+          </p:nvSpPr>
+          <p:spPr>
+            <a:xfrm>
+              <a:off x="2361605" y="4105062"/>
+              <a:ext cx="142218" cy="802057"/>
             </a:xfrm>
             <a:prstGeom prst="rect">
               <a:avLst/>
             </a:prstGeom>
             <a:solidFill>
-              <a:srgbClr val="595959">
+              <a:srgbClr val="FEE0D2">
                 <a:alpha val="100000"/>
               </a:srgbClr>
             </a:solidFill>
@@ -3909,20 +3995,20 @@
         </p:sp>
         <p:sp>
           <p:nvSpPr>
-            <p:cNvPr id="23" name="rc23"/>
-            <p:cNvSpPr/>
-            <p:nvPr/>
-          </p:nvSpPr>
-          <p:spPr>
-            <a:xfrm>
-              <a:off x="2023549" y="2799487"/>
-              <a:ext cx="5705662" cy="506038"/>
+            <p:cNvPr id="25" name="rc25"/>
+            <p:cNvSpPr/>
+            <p:nvPr/>
+          </p:nvSpPr>
+          <p:spPr>
+            <a:xfrm>
+              <a:off x="2519626" y="4019127"/>
+              <a:ext cx="142218" cy="887992"/>
             </a:xfrm>
             <a:prstGeom prst="rect">
               <a:avLst/>
             </a:prstGeom>
             <a:solidFill>
-              <a:srgbClr val="595959">
+              <a:srgbClr val="FCBBA1">
                 <a:alpha val="100000"/>
               </a:srgbClr>
             </a:solidFill>
@@ -3935,20 +4021,20 @@
         </p:sp>
         <p:sp>
           <p:nvSpPr>
-            <p:cNvPr id="24" name="rc24"/>
-            <p:cNvSpPr/>
-            <p:nvPr/>
-          </p:nvSpPr>
-          <p:spPr>
-            <a:xfrm>
-              <a:off x="2023549" y="3361753"/>
-              <a:ext cx="4851247" cy="506038"/>
+            <p:cNvPr id="26" name="rc26"/>
+            <p:cNvSpPr/>
+            <p:nvPr/>
+          </p:nvSpPr>
+          <p:spPr>
+            <a:xfrm>
+              <a:off x="2677647" y="3904548"/>
+              <a:ext cx="142218" cy="1002571"/>
             </a:xfrm>
             <a:prstGeom prst="rect">
               <a:avLst/>
             </a:prstGeom>
             <a:solidFill>
-              <a:srgbClr val="595959">
+              <a:srgbClr val="FC9272">
                 <a:alpha val="100000"/>
               </a:srgbClr>
             </a:solidFill>
@@ -3961,20 +4047,20 @@
         </p:sp>
         <p:sp>
           <p:nvSpPr>
-            <p:cNvPr id="25" name="rc25"/>
-            <p:cNvSpPr/>
-            <p:nvPr/>
-          </p:nvSpPr>
-          <p:spPr>
-            <a:xfrm>
-              <a:off x="2023549" y="3924018"/>
-              <a:ext cx="4813018" cy="506038"/>
+            <p:cNvPr id="27" name="rc27"/>
+            <p:cNvSpPr/>
+            <p:nvPr/>
+          </p:nvSpPr>
+          <p:spPr>
+            <a:xfrm>
+              <a:off x="2835668" y="2672817"/>
+              <a:ext cx="142218" cy="2234303"/>
             </a:xfrm>
             <a:prstGeom prst="rect">
               <a:avLst/>
             </a:prstGeom>
             <a:solidFill>
-              <a:srgbClr val="595959">
+              <a:srgbClr val="FB6A4A">
                 <a:alpha val="100000"/>
               </a:srgbClr>
             </a:solidFill>
@@ -3987,20 +4073,20 @@
         </p:sp>
         <p:sp>
           <p:nvSpPr>
-            <p:cNvPr id="26" name="rc26"/>
-            <p:cNvSpPr/>
-            <p:nvPr/>
-          </p:nvSpPr>
-          <p:spPr>
-            <a:xfrm>
-              <a:off x="2023549" y="4486283"/>
-              <a:ext cx="1301693" cy="506038"/>
+            <p:cNvPr id="28" name="rc28"/>
+            <p:cNvSpPr/>
+            <p:nvPr/>
+          </p:nvSpPr>
+          <p:spPr>
+            <a:xfrm>
+              <a:off x="2993689" y="3159780"/>
+              <a:ext cx="142218" cy="1747339"/>
             </a:xfrm>
             <a:prstGeom prst="rect">
               <a:avLst/>
             </a:prstGeom>
             <a:solidFill>
-              <a:srgbClr val="595959">
+              <a:srgbClr val="EF3B2C">
                 <a:alpha val="100000"/>
               </a:srgbClr>
             </a:solidFill>
@@ -4013,20 +4099,20 @@
         </p:sp>
         <p:sp>
           <p:nvSpPr>
-            <p:cNvPr id="27" name="rc27"/>
-            <p:cNvSpPr/>
-            <p:nvPr/>
-          </p:nvSpPr>
-          <p:spPr>
-            <a:xfrm>
-              <a:off x="2023549" y="5048549"/>
-              <a:ext cx="162472" cy="506038"/>
+            <p:cNvPr id="29" name="rc29"/>
+            <p:cNvSpPr/>
+            <p:nvPr/>
+          </p:nvSpPr>
+          <p:spPr>
+            <a:xfrm>
+              <a:off x="3151709" y="1956694"/>
+              <a:ext cx="142218" cy="2950425"/>
             </a:xfrm>
             <a:prstGeom prst="rect">
               <a:avLst/>
             </a:prstGeom>
             <a:solidFill>
-              <a:srgbClr val="595959">
+              <a:srgbClr val="CB181D">
                 <a:alpha val="100000"/>
               </a:srgbClr>
             </a:solidFill>
@@ -4039,366 +4125,4085 @@
         </p:sp>
         <p:sp>
           <p:nvSpPr>
-            <p:cNvPr id="28" name="tx28"/>
-            <p:cNvSpPr/>
-            <p:nvPr/>
-          </p:nvSpPr>
-          <p:spPr>
-            <a:xfrm>
-              <a:off x="7792989" y="1871010"/>
-              <a:ext cx="843155" cy="80245"/>
+            <p:cNvPr id="30" name="rc30"/>
+            <p:cNvSpPr/>
+            <p:nvPr/>
+          </p:nvSpPr>
+          <p:spPr>
+            <a:xfrm>
+              <a:off x="3309730" y="2844686"/>
+              <a:ext cx="142218" cy="2062433"/>
             </a:xfrm>
             <a:prstGeom prst="rect">
               <a:avLst/>
             </a:prstGeom>
-            <a:noFill/>
-          </p:spPr>
-          <p:txBody>
-            <a:bodyPr lIns="0" rIns="0" tIns="0" bIns="0" anchorCtr="1" anchor="ctr" wrap="none"/>
-            <a:lstStyle/>
-            <a:p>
-              <a:pPr algn="l" marL="0" marR="0" indent="0">
-                <a:lnSpc>
-                  <a:spcPts val="853"/>
-                </a:lnSpc>
-                <a:spcBef>
-                  <a:spcPts val="0"/>
-                </a:spcBef>
-                <a:spcAft>
-                  <a:spcPts val="0"/>
-                </a:spcAft>
-              </a:pPr>
-              <a:r>
-                <a:rPr sz="853" b="1">
-                  <a:solidFill>
-                    <a:srgbClr val="FFFFFF">
-                      <a:alpha val="100000"/>
-                    </a:srgbClr>
-                  </a:solidFill>
-                  <a:latin typeface="Arial"/>
-                  <a:cs typeface="Arial"/>
-                </a:rPr>
-                <a:t>大品牌/知名品牌的产品</a:t>
-              </a:r>
-            </a:p>
-          </p:txBody>
-        </p:sp>
-        <p:sp>
-          <p:nvSpPr>
-            <p:cNvPr id="29" name="tx29"/>
-            <p:cNvSpPr/>
-            <p:nvPr/>
-          </p:nvSpPr>
-          <p:spPr>
-            <a:xfrm>
-              <a:off x="7896765" y="2445768"/>
-              <a:ext cx="731733" cy="67753"/>
-            </a:xfrm>
-            <a:prstGeom prst="rect">
-              <a:avLst/>
-            </a:prstGeom>
-            <a:noFill/>
-          </p:spPr>
-          <p:txBody>
-            <a:bodyPr lIns="0" rIns="0" tIns="0" bIns="0" anchorCtr="1" anchor="ctr" wrap="none"/>
-            <a:lstStyle/>
-            <a:p>
-              <a:pPr algn="l" marL="0" marR="0" indent="0">
-                <a:lnSpc>
-                  <a:spcPts val="853"/>
-                </a:lnSpc>
-                <a:spcBef>
-                  <a:spcPts val="0"/>
-                </a:spcBef>
-                <a:spcAft>
-                  <a:spcPts val="0"/>
-                </a:spcAft>
-              </a:pPr>
-              <a:r>
-                <a:rPr sz="853" b="1">
-                  <a:solidFill>
-                    <a:srgbClr val="FFFFFF">
-                      <a:alpha val="100000"/>
-                    </a:srgbClr>
-                  </a:solidFill>
-                  <a:latin typeface="Arial"/>
-                  <a:cs typeface="Arial"/>
-                </a:rPr>
-                <a:t>包装设计特别吸眼球</a:t>
-              </a:r>
-            </a:p>
-          </p:txBody>
-        </p:sp>
-        <p:sp>
-          <p:nvSpPr>
-            <p:cNvPr id="30" name="tx30"/>
-            <p:cNvSpPr/>
-            <p:nvPr/>
-          </p:nvSpPr>
-          <p:spPr>
-            <a:xfrm>
-              <a:off x="6750786" y="3008033"/>
-              <a:ext cx="813037" cy="67753"/>
-            </a:xfrm>
-            <a:prstGeom prst="rect">
-              <a:avLst/>
-            </a:prstGeom>
-            <a:noFill/>
-          </p:spPr>
-          <p:txBody>
-            <a:bodyPr lIns="0" rIns="0" tIns="0" bIns="0" anchorCtr="1" anchor="ctr" wrap="none"/>
-            <a:lstStyle/>
-            <a:p>
-              <a:pPr algn="l" marL="0" marR="0" indent="0">
-                <a:lnSpc>
-                  <a:spcPts val="853"/>
-                </a:lnSpc>
-                <a:spcBef>
-                  <a:spcPts val="0"/>
-                </a:spcBef>
-                <a:spcAft>
-                  <a:spcPts val="0"/>
-                </a:spcAft>
-              </a:pPr>
-              <a:r>
-                <a:rPr sz="853" b="1">
-                  <a:solidFill>
-                    <a:srgbClr val="FFFFFF">
-                      <a:alpha val="100000"/>
-                    </a:srgbClr>
-                  </a:solidFill>
-                  <a:latin typeface="Arial"/>
-                  <a:cs typeface="Arial"/>
-                </a:rPr>
-                <a:t>该产品的价格很吸引人</a:t>
-              </a:r>
-            </a:p>
-          </p:txBody>
-        </p:sp>
-        <p:sp>
-          <p:nvSpPr>
-            <p:cNvPr id="31" name="tx31"/>
-            <p:cNvSpPr/>
-            <p:nvPr/>
-          </p:nvSpPr>
-          <p:spPr>
-            <a:xfrm>
-              <a:off x="5164637" y="3570299"/>
-              <a:ext cx="1544771" cy="67753"/>
-            </a:xfrm>
-            <a:prstGeom prst="rect">
-              <a:avLst/>
-            </a:prstGeom>
-            <a:noFill/>
-          </p:spPr>
-          <p:txBody>
-            <a:bodyPr lIns="0" rIns="0" tIns="0" bIns="0" anchorCtr="1" anchor="ctr" wrap="none"/>
-            <a:lstStyle/>
-            <a:p>
-              <a:pPr algn="l" marL="0" marR="0" indent="0">
-                <a:lnSpc>
-                  <a:spcPts val="853"/>
-                </a:lnSpc>
-                <a:spcBef>
-                  <a:spcPts val="0"/>
-                </a:spcBef>
-                <a:spcAft>
-                  <a:spcPts val="0"/>
-                </a:spcAft>
-              </a:pPr>
-              <a:r>
-                <a:rPr sz="853" b="1">
-                  <a:solidFill>
-                    <a:srgbClr val="FFFFFF">
-                      <a:alpha val="100000"/>
-                    </a:srgbClr>
-                  </a:solidFill>
-                  <a:latin typeface="Arial"/>
-                  <a:cs typeface="Arial"/>
-                </a:rPr>
-                <a:t>有专业人士（如医生、科普专家）推荐购买</a:t>
-              </a:r>
-            </a:p>
-          </p:txBody>
-        </p:sp>
-        <p:sp>
-          <p:nvSpPr>
-            <p:cNvPr id="32" name="tx32"/>
-            <p:cNvSpPr/>
-            <p:nvPr/>
-          </p:nvSpPr>
-          <p:spPr>
-            <a:xfrm>
-              <a:off x="5014986" y="4120072"/>
-              <a:ext cx="1656193" cy="80245"/>
-            </a:xfrm>
-            <a:prstGeom prst="rect">
-              <a:avLst/>
-            </a:prstGeom>
-            <a:noFill/>
-          </p:spPr>
-          <p:txBody>
-            <a:bodyPr lIns="0" rIns="0" tIns="0" bIns="0" anchorCtr="1" anchor="ctr" wrap="none"/>
-            <a:lstStyle/>
-            <a:p>
-              <a:pPr algn="l" marL="0" marR="0" indent="0">
-                <a:lnSpc>
-                  <a:spcPts val="853"/>
-                </a:lnSpc>
-                <a:spcBef>
-                  <a:spcPts val="0"/>
-                </a:spcBef>
-                <a:spcAft>
-                  <a:spcPts val="0"/>
-                </a:spcAft>
-              </a:pPr>
-              <a:r>
-                <a:rPr sz="853" b="1">
-                  <a:solidFill>
-                    <a:srgbClr val="FFFFFF">
-                      <a:alpha val="100000"/>
-                    </a:srgbClr>
-                  </a:solidFill>
-                  <a:latin typeface="Arial"/>
-                  <a:cs typeface="Arial"/>
-                </a:rPr>
-                <a:t>该产品宣称的卖点/适应症契合自己或家人所需</a:t>
-              </a:r>
-            </a:p>
-          </p:txBody>
-        </p:sp>
-        <p:sp>
-          <p:nvSpPr>
-            <p:cNvPr id="33" name="tx33"/>
-            <p:cNvSpPr/>
-            <p:nvPr/>
-          </p:nvSpPr>
-          <p:spPr>
-            <a:xfrm>
-              <a:off x="3490630" y="4710349"/>
-              <a:ext cx="1056948" cy="67753"/>
-            </a:xfrm>
-            <a:prstGeom prst="rect">
-              <a:avLst/>
-            </a:prstGeom>
-            <a:noFill/>
-          </p:spPr>
-          <p:txBody>
-            <a:bodyPr lIns="0" rIns="0" tIns="0" bIns="0" anchorCtr="1" anchor="ctr" wrap="none"/>
-            <a:lstStyle/>
-            <a:p>
-              <a:pPr algn="l" marL="0" marR="0" indent="0">
-                <a:lnSpc>
-                  <a:spcPts val="853"/>
-                </a:lnSpc>
-                <a:spcBef>
-                  <a:spcPts val="0"/>
-                </a:spcBef>
-                <a:spcAft>
-                  <a:spcPts val="0"/>
-                </a:spcAft>
-              </a:pPr>
-              <a:r>
-                <a:rPr sz="853">
-                  <a:solidFill>
-                    <a:srgbClr val="000000">
-                      <a:alpha val="100000"/>
-                    </a:srgbClr>
-                  </a:solidFill>
-                  <a:latin typeface="Arial"/>
-                  <a:cs typeface="Arial"/>
-                </a:rPr>
-                <a:t>有明星、直播带货大主播推荐</a:t>
-              </a:r>
-            </a:p>
-          </p:txBody>
-        </p:sp>
-        <p:sp>
-          <p:nvSpPr>
-            <p:cNvPr id="34" name="tx34"/>
-            <p:cNvSpPr/>
-            <p:nvPr/>
-          </p:nvSpPr>
-          <p:spPr>
-            <a:xfrm>
-              <a:off x="2351409" y="5272614"/>
-              <a:ext cx="1382163" cy="67753"/>
-            </a:xfrm>
-            <a:prstGeom prst="rect">
-              <a:avLst/>
-            </a:prstGeom>
-            <a:noFill/>
-          </p:spPr>
-          <p:txBody>
-            <a:bodyPr lIns="0" rIns="0" tIns="0" bIns="0" anchorCtr="1" anchor="ctr" wrap="none"/>
-            <a:lstStyle/>
-            <a:p>
-              <a:pPr algn="l" marL="0" marR="0" indent="0">
-                <a:lnSpc>
-                  <a:spcPts val="853"/>
-                </a:lnSpc>
-                <a:spcBef>
-                  <a:spcPts val="0"/>
-                </a:spcBef>
-                <a:spcAft>
-                  <a:spcPts val="0"/>
-                </a:spcAft>
-              </a:pPr>
-              <a:r>
-                <a:rPr sz="853">
-                  <a:solidFill>
-                    <a:srgbClr val="000000">
-                      <a:alpha val="100000"/>
-                    </a:srgbClr>
-                  </a:solidFill>
-                  <a:latin typeface="Arial"/>
-                  <a:cs typeface="Arial"/>
-                </a:rPr>
-                <a:t>不存在购买特定品牌特定益生菌的习惯</a:t>
-              </a:r>
-            </a:p>
-          </p:txBody>
-        </p:sp>
-        <p:sp>
-          <p:nvSpPr>
-            <p:cNvPr id="35" name="rc35"/>
-            <p:cNvSpPr/>
-            <p:nvPr/>
-          </p:nvSpPr>
-          <p:spPr>
-            <a:xfrm>
-              <a:off x="2023549" y="1590617"/>
-              <a:ext cx="6913543" cy="4048310"/>
+            <a:solidFill>
+              <a:srgbClr val="99000D">
+                <a:alpha val="100000"/>
+              </a:srgbClr>
+            </a:solidFill>
+          </p:spPr>
+          <p:txBody>
+            <a:bodyPr/>
+            <a:lstStyle/>
+            <a:p/>
+          </p:txBody>
+        </p:sp>
+        <p:sp>
+          <p:nvSpPr>
+            <p:cNvPr id="31" name="rc31"/>
+            <p:cNvSpPr/>
+            <p:nvPr/>
+          </p:nvSpPr>
+          <p:spPr>
+            <a:xfrm>
+              <a:off x="2179881" y="1809173"/>
+              <a:ext cx="1295770" cy="3245468"/>
             </a:xfrm>
             <a:prstGeom prst="rect">
               <a:avLst/>
             </a:prstGeom>
             <a:ln w="13550" cap="rnd">
               <a:solidFill>
-                <a:srgbClr val="B3B3B3">
-                  <a:alpha val="100000"/>
-                </a:srgbClr>
-              </a:solidFill>
-              <a:prstDash val="solid"/>
-              <a:round/>
-            </a:ln>
-          </p:spPr>
-          <p:txBody>
-            <a:bodyPr/>
-            <a:lstStyle/>
-            <a:p/>
-          </p:txBody>
-        </p:sp>
-        <p:sp>
-          <p:nvSpPr>
-            <p:cNvPr id="36" name="tx36"/>
-            <p:cNvSpPr/>
-            <p:nvPr/>
-          </p:nvSpPr>
-          <p:spPr>
-            <a:xfrm>
-              <a:off x="1926599" y="5262660"/>
-              <a:ext cx="62155" cy="78908"/>
+                <a:srgbClr val="333333">
+                  <a:alpha val="100000"/>
+                </a:srgbClr>
+              </a:solidFill>
+              <a:prstDash val="solid"/>
+              <a:round/>
+            </a:ln>
+          </p:spPr>
+          <p:txBody>
+            <a:bodyPr/>
+            <a:lstStyle/>
+            <a:p/>
+          </p:txBody>
+        </p:sp>
+        <p:sp>
+          <p:nvSpPr>
+            <p:cNvPr id="32" name="rc32"/>
+            <p:cNvSpPr/>
+            <p:nvPr/>
+          </p:nvSpPr>
+          <p:spPr>
+            <a:xfrm>
+              <a:off x="3545241" y="1809173"/>
+              <a:ext cx="1295770" cy="3245468"/>
+            </a:xfrm>
+            <a:prstGeom prst="rect">
+              <a:avLst/>
+            </a:prstGeom>
+            <a:solidFill>
+              <a:srgbClr val="FFFFFF">
+                <a:alpha val="100000"/>
+              </a:srgbClr>
+            </a:solidFill>
+          </p:spPr>
+          <p:txBody>
+            <a:bodyPr/>
+            <a:lstStyle/>
+            <a:p/>
+          </p:txBody>
+        </p:sp>
+        <p:sp>
+          <p:nvSpPr>
+            <p:cNvPr id="33" name="pl33"/>
+            <p:cNvSpPr/>
+            <p:nvPr/>
+          </p:nvSpPr>
+          <p:spPr>
+            <a:xfrm>
+              <a:off x="3545241" y="4549058"/>
+              <a:ext cx="1295770" cy="0"/>
+            </a:xfrm>
+            <a:custGeom>
+              <a:avLst/>
+              <a:pathLst>
+                <a:path w="1295770" h="0">
+                  <a:moveTo>
+                    <a:pt x="0" y="0"/>
+                  </a:moveTo>
+                  <a:lnTo>
+                    <a:pt x="1295770" y="0"/>
+                  </a:lnTo>
+                  <a:lnTo>
+                    <a:pt x="1295770" y="0"/>
+                  </a:lnTo>
+                </a:path>
+              </a:pathLst>
+            </a:custGeom>
+            <a:ln w="6775" cap="flat">
+              <a:solidFill>
+                <a:srgbClr val="EBEBEB">
+                  <a:alpha val="100000"/>
+                </a:srgbClr>
+              </a:solidFill>
+              <a:prstDash val="solid"/>
+              <a:round/>
+            </a:ln>
+          </p:spPr>
+          <p:txBody>
+            <a:bodyPr/>
+            <a:lstStyle/>
+            <a:p/>
+          </p:txBody>
+        </p:sp>
+        <p:sp>
+          <p:nvSpPr>
+            <p:cNvPr id="34" name="pl34"/>
+            <p:cNvSpPr/>
+            <p:nvPr/>
+          </p:nvSpPr>
+          <p:spPr>
+            <a:xfrm>
+              <a:off x="3545241" y="3832936"/>
+              <a:ext cx="1295770" cy="0"/>
+            </a:xfrm>
+            <a:custGeom>
+              <a:avLst/>
+              <a:pathLst>
+                <a:path w="1295770" h="0">
+                  <a:moveTo>
+                    <a:pt x="0" y="0"/>
+                  </a:moveTo>
+                  <a:lnTo>
+                    <a:pt x="1295770" y="0"/>
+                  </a:lnTo>
+                  <a:lnTo>
+                    <a:pt x="1295770" y="0"/>
+                  </a:lnTo>
+                </a:path>
+              </a:pathLst>
+            </a:custGeom>
+            <a:ln w="6775" cap="flat">
+              <a:solidFill>
+                <a:srgbClr val="EBEBEB">
+                  <a:alpha val="100000"/>
+                </a:srgbClr>
+              </a:solidFill>
+              <a:prstDash val="solid"/>
+              <a:round/>
+            </a:ln>
+          </p:spPr>
+          <p:txBody>
+            <a:bodyPr/>
+            <a:lstStyle/>
+            <a:p/>
+          </p:txBody>
+        </p:sp>
+        <p:sp>
+          <p:nvSpPr>
+            <p:cNvPr id="35" name="pl35"/>
+            <p:cNvSpPr/>
+            <p:nvPr/>
+          </p:nvSpPr>
+          <p:spPr>
+            <a:xfrm>
+              <a:off x="3545241" y="3116813"/>
+              <a:ext cx="1295770" cy="0"/>
+            </a:xfrm>
+            <a:custGeom>
+              <a:avLst/>
+              <a:pathLst>
+                <a:path w="1295770" h="0">
+                  <a:moveTo>
+                    <a:pt x="0" y="0"/>
+                  </a:moveTo>
+                  <a:lnTo>
+                    <a:pt x="1295770" y="0"/>
+                  </a:lnTo>
+                  <a:lnTo>
+                    <a:pt x="1295770" y="0"/>
+                  </a:lnTo>
+                </a:path>
+              </a:pathLst>
+            </a:custGeom>
+            <a:ln w="6775" cap="flat">
+              <a:solidFill>
+                <a:srgbClr val="EBEBEB">
+                  <a:alpha val="100000"/>
+                </a:srgbClr>
+              </a:solidFill>
+              <a:prstDash val="solid"/>
+              <a:round/>
+            </a:ln>
+          </p:spPr>
+          <p:txBody>
+            <a:bodyPr/>
+            <a:lstStyle/>
+            <a:p/>
+          </p:txBody>
+        </p:sp>
+        <p:sp>
+          <p:nvSpPr>
+            <p:cNvPr id="36" name="pl36"/>
+            <p:cNvSpPr/>
+            <p:nvPr/>
+          </p:nvSpPr>
+          <p:spPr>
+            <a:xfrm>
+              <a:off x="3545241" y="2400690"/>
+              <a:ext cx="1295770" cy="0"/>
+            </a:xfrm>
+            <a:custGeom>
+              <a:avLst/>
+              <a:pathLst>
+                <a:path w="1295770" h="0">
+                  <a:moveTo>
+                    <a:pt x="0" y="0"/>
+                  </a:moveTo>
+                  <a:lnTo>
+                    <a:pt x="1295770" y="0"/>
+                  </a:lnTo>
+                  <a:lnTo>
+                    <a:pt x="1295770" y="0"/>
+                  </a:lnTo>
+                </a:path>
+              </a:pathLst>
+            </a:custGeom>
+            <a:ln w="6775" cap="flat">
+              <a:solidFill>
+                <a:srgbClr val="EBEBEB">
+                  <a:alpha val="100000"/>
+                </a:srgbClr>
+              </a:solidFill>
+              <a:prstDash val="solid"/>
+              <a:round/>
+            </a:ln>
+          </p:spPr>
+          <p:txBody>
+            <a:bodyPr/>
+            <a:lstStyle/>
+            <a:p/>
+          </p:txBody>
+        </p:sp>
+        <p:sp>
+          <p:nvSpPr>
+            <p:cNvPr id="37" name="pl37"/>
+            <p:cNvSpPr/>
+            <p:nvPr/>
+          </p:nvSpPr>
+          <p:spPr>
+            <a:xfrm>
+              <a:off x="3545241" y="4907120"/>
+              <a:ext cx="1295770" cy="0"/>
+            </a:xfrm>
+            <a:custGeom>
+              <a:avLst/>
+              <a:pathLst>
+                <a:path w="1295770" h="0">
+                  <a:moveTo>
+                    <a:pt x="0" y="0"/>
+                  </a:moveTo>
+                  <a:lnTo>
+                    <a:pt x="1295770" y="0"/>
+                  </a:lnTo>
+                  <a:lnTo>
+                    <a:pt x="1295770" y="0"/>
+                  </a:lnTo>
+                </a:path>
+              </a:pathLst>
+            </a:custGeom>
+            <a:ln w="13550" cap="flat">
+              <a:solidFill>
+                <a:srgbClr val="EBEBEB">
+                  <a:alpha val="100000"/>
+                </a:srgbClr>
+              </a:solidFill>
+              <a:prstDash val="solid"/>
+              <a:round/>
+            </a:ln>
+          </p:spPr>
+          <p:txBody>
+            <a:bodyPr/>
+            <a:lstStyle/>
+            <a:p/>
+          </p:txBody>
+        </p:sp>
+        <p:sp>
+          <p:nvSpPr>
+            <p:cNvPr id="38" name="pl38"/>
+            <p:cNvSpPr/>
+            <p:nvPr/>
+          </p:nvSpPr>
+          <p:spPr>
+            <a:xfrm>
+              <a:off x="3545241" y="4190997"/>
+              <a:ext cx="1295770" cy="0"/>
+            </a:xfrm>
+            <a:custGeom>
+              <a:avLst/>
+              <a:pathLst>
+                <a:path w="1295770" h="0">
+                  <a:moveTo>
+                    <a:pt x="0" y="0"/>
+                  </a:moveTo>
+                  <a:lnTo>
+                    <a:pt x="1295770" y="0"/>
+                  </a:lnTo>
+                  <a:lnTo>
+                    <a:pt x="1295770" y="0"/>
+                  </a:lnTo>
+                </a:path>
+              </a:pathLst>
+            </a:custGeom>
+            <a:ln w="13550" cap="flat">
+              <a:solidFill>
+                <a:srgbClr val="EBEBEB">
+                  <a:alpha val="100000"/>
+                </a:srgbClr>
+              </a:solidFill>
+              <a:prstDash val="solid"/>
+              <a:round/>
+            </a:ln>
+          </p:spPr>
+          <p:txBody>
+            <a:bodyPr/>
+            <a:lstStyle/>
+            <a:p/>
+          </p:txBody>
+        </p:sp>
+        <p:sp>
+          <p:nvSpPr>
+            <p:cNvPr id="39" name="pl39"/>
+            <p:cNvSpPr/>
+            <p:nvPr/>
+          </p:nvSpPr>
+          <p:spPr>
+            <a:xfrm>
+              <a:off x="3545241" y="3474874"/>
+              <a:ext cx="1295770" cy="0"/>
+            </a:xfrm>
+            <a:custGeom>
+              <a:avLst/>
+              <a:pathLst>
+                <a:path w="1295770" h="0">
+                  <a:moveTo>
+                    <a:pt x="0" y="0"/>
+                  </a:moveTo>
+                  <a:lnTo>
+                    <a:pt x="1295770" y="0"/>
+                  </a:lnTo>
+                  <a:lnTo>
+                    <a:pt x="1295770" y="0"/>
+                  </a:lnTo>
+                </a:path>
+              </a:pathLst>
+            </a:custGeom>
+            <a:ln w="13550" cap="flat">
+              <a:solidFill>
+                <a:srgbClr val="EBEBEB">
+                  <a:alpha val="100000"/>
+                </a:srgbClr>
+              </a:solidFill>
+              <a:prstDash val="solid"/>
+              <a:round/>
+            </a:ln>
+          </p:spPr>
+          <p:txBody>
+            <a:bodyPr/>
+            <a:lstStyle/>
+            <a:p/>
+          </p:txBody>
+        </p:sp>
+        <p:sp>
+          <p:nvSpPr>
+            <p:cNvPr id="40" name="pl40"/>
+            <p:cNvSpPr/>
+            <p:nvPr/>
+          </p:nvSpPr>
+          <p:spPr>
+            <a:xfrm>
+              <a:off x="3545241" y="2758751"/>
+              <a:ext cx="1295770" cy="0"/>
+            </a:xfrm>
+            <a:custGeom>
+              <a:avLst/>
+              <a:pathLst>
+                <a:path w="1295770" h="0">
+                  <a:moveTo>
+                    <a:pt x="0" y="0"/>
+                  </a:moveTo>
+                  <a:lnTo>
+                    <a:pt x="1295770" y="0"/>
+                  </a:lnTo>
+                  <a:lnTo>
+                    <a:pt x="1295770" y="0"/>
+                  </a:lnTo>
+                </a:path>
+              </a:pathLst>
+            </a:custGeom>
+            <a:ln w="13550" cap="flat">
+              <a:solidFill>
+                <a:srgbClr val="EBEBEB">
+                  <a:alpha val="100000"/>
+                </a:srgbClr>
+              </a:solidFill>
+              <a:prstDash val="solid"/>
+              <a:round/>
+            </a:ln>
+          </p:spPr>
+          <p:txBody>
+            <a:bodyPr/>
+            <a:lstStyle/>
+            <a:p/>
+          </p:txBody>
+        </p:sp>
+        <p:sp>
+          <p:nvSpPr>
+            <p:cNvPr id="41" name="pl41"/>
+            <p:cNvSpPr/>
+            <p:nvPr/>
+          </p:nvSpPr>
+          <p:spPr>
+            <a:xfrm>
+              <a:off x="3545241" y="2042629"/>
+              <a:ext cx="1295770" cy="0"/>
+            </a:xfrm>
+            <a:custGeom>
+              <a:avLst/>
+              <a:pathLst>
+                <a:path w="1295770" h="0">
+                  <a:moveTo>
+                    <a:pt x="0" y="0"/>
+                  </a:moveTo>
+                  <a:lnTo>
+                    <a:pt x="1295770" y="0"/>
+                  </a:lnTo>
+                  <a:lnTo>
+                    <a:pt x="1295770" y="0"/>
+                  </a:lnTo>
+                </a:path>
+              </a:pathLst>
+            </a:custGeom>
+            <a:ln w="13550" cap="flat">
+              <a:solidFill>
+                <a:srgbClr val="EBEBEB">
+                  <a:alpha val="100000"/>
+                </a:srgbClr>
+              </a:solidFill>
+              <a:prstDash val="solid"/>
+              <a:round/>
+            </a:ln>
+          </p:spPr>
+          <p:txBody>
+            <a:bodyPr/>
+            <a:lstStyle/>
+            <a:p/>
+          </p:txBody>
+        </p:sp>
+        <p:sp>
+          <p:nvSpPr>
+            <p:cNvPr id="42" name="pl42"/>
+            <p:cNvSpPr/>
+            <p:nvPr/>
+          </p:nvSpPr>
+          <p:spPr>
+            <a:xfrm>
+              <a:off x="3640054" y="1809173"/>
+              <a:ext cx="0" cy="3245468"/>
+            </a:xfrm>
+            <a:custGeom>
+              <a:avLst/>
+              <a:pathLst>
+                <a:path w="0" h="3245468">
+                  <a:moveTo>
+                    <a:pt x="0" y="3245468"/>
+                  </a:moveTo>
+                  <a:lnTo>
+                    <a:pt x="0" y="0"/>
+                  </a:lnTo>
+                  <a:lnTo>
+                    <a:pt x="0" y="0"/>
+                  </a:lnTo>
+                </a:path>
+              </a:pathLst>
+            </a:custGeom>
+            <a:ln w="13550" cap="flat">
+              <a:solidFill>
+                <a:srgbClr val="EBEBEB">
+                  <a:alpha val="100000"/>
+                </a:srgbClr>
+              </a:solidFill>
+              <a:prstDash val="solid"/>
+              <a:round/>
+            </a:ln>
+          </p:spPr>
+          <p:txBody>
+            <a:bodyPr/>
+            <a:lstStyle/>
+            <a:p/>
+          </p:txBody>
+        </p:sp>
+        <p:sp>
+          <p:nvSpPr>
+            <p:cNvPr id="43" name="pl43"/>
+            <p:cNvSpPr/>
+            <p:nvPr/>
+          </p:nvSpPr>
+          <p:spPr>
+            <a:xfrm>
+              <a:off x="3798075" y="1809173"/>
+              <a:ext cx="0" cy="3245468"/>
+            </a:xfrm>
+            <a:custGeom>
+              <a:avLst/>
+              <a:pathLst>
+                <a:path w="0" h="3245468">
+                  <a:moveTo>
+                    <a:pt x="0" y="3245468"/>
+                  </a:moveTo>
+                  <a:lnTo>
+                    <a:pt x="0" y="0"/>
+                  </a:lnTo>
+                  <a:lnTo>
+                    <a:pt x="0" y="0"/>
+                  </a:lnTo>
+                </a:path>
+              </a:pathLst>
+            </a:custGeom>
+            <a:ln w="13550" cap="flat">
+              <a:solidFill>
+                <a:srgbClr val="EBEBEB">
+                  <a:alpha val="100000"/>
+                </a:srgbClr>
+              </a:solidFill>
+              <a:prstDash val="solid"/>
+              <a:round/>
+            </a:ln>
+          </p:spPr>
+          <p:txBody>
+            <a:bodyPr/>
+            <a:lstStyle/>
+            <a:p/>
+          </p:txBody>
+        </p:sp>
+        <p:sp>
+          <p:nvSpPr>
+            <p:cNvPr id="44" name="pl44"/>
+            <p:cNvSpPr/>
+            <p:nvPr/>
+          </p:nvSpPr>
+          <p:spPr>
+            <a:xfrm>
+              <a:off x="3956095" y="1809173"/>
+              <a:ext cx="0" cy="3245468"/>
+            </a:xfrm>
+            <a:custGeom>
+              <a:avLst/>
+              <a:pathLst>
+                <a:path w="0" h="3245468">
+                  <a:moveTo>
+                    <a:pt x="0" y="3245468"/>
+                  </a:moveTo>
+                  <a:lnTo>
+                    <a:pt x="0" y="0"/>
+                  </a:lnTo>
+                  <a:lnTo>
+                    <a:pt x="0" y="0"/>
+                  </a:lnTo>
+                </a:path>
+              </a:pathLst>
+            </a:custGeom>
+            <a:ln w="13550" cap="flat">
+              <a:solidFill>
+                <a:srgbClr val="EBEBEB">
+                  <a:alpha val="100000"/>
+                </a:srgbClr>
+              </a:solidFill>
+              <a:prstDash val="solid"/>
+              <a:round/>
+            </a:ln>
+          </p:spPr>
+          <p:txBody>
+            <a:bodyPr/>
+            <a:lstStyle/>
+            <a:p/>
+          </p:txBody>
+        </p:sp>
+        <p:sp>
+          <p:nvSpPr>
+            <p:cNvPr id="45" name="pl45"/>
+            <p:cNvSpPr/>
+            <p:nvPr/>
+          </p:nvSpPr>
+          <p:spPr>
+            <a:xfrm>
+              <a:off x="4114116" y="1809173"/>
+              <a:ext cx="0" cy="3245468"/>
+            </a:xfrm>
+            <a:custGeom>
+              <a:avLst/>
+              <a:pathLst>
+                <a:path w="0" h="3245468">
+                  <a:moveTo>
+                    <a:pt x="0" y="3245468"/>
+                  </a:moveTo>
+                  <a:lnTo>
+                    <a:pt x="0" y="0"/>
+                  </a:lnTo>
+                  <a:lnTo>
+                    <a:pt x="0" y="0"/>
+                  </a:lnTo>
+                </a:path>
+              </a:pathLst>
+            </a:custGeom>
+            <a:ln w="13550" cap="flat">
+              <a:solidFill>
+                <a:srgbClr val="EBEBEB">
+                  <a:alpha val="100000"/>
+                </a:srgbClr>
+              </a:solidFill>
+              <a:prstDash val="solid"/>
+              <a:round/>
+            </a:ln>
+          </p:spPr>
+          <p:txBody>
+            <a:bodyPr/>
+            <a:lstStyle/>
+            <a:p/>
+          </p:txBody>
+        </p:sp>
+        <p:sp>
+          <p:nvSpPr>
+            <p:cNvPr id="46" name="pl46"/>
+            <p:cNvSpPr/>
+            <p:nvPr/>
+          </p:nvSpPr>
+          <p:spPr>
+            <a:xfrm>
+              <a:off x="4272137" y="1809173"/>
+              <a:ext cx="0" cy="3245468"/>
+            </a:xfrm>
+            <a:custGeom>
+              <a:avLst/>
+              <a:pathLst>
+                <a:path w="0" h="3245468">
+                  <a:moveTo>
+                    <a:pt x="0" y="3245468"/>
+                  </a:moveTo>
+                  <a:lnTo>
+                    <a:pt x="0" y="0"/>
+                  </a:lnTo>
+                  <a:lnTo>
+                    <a:pt x="0" y="0"/>
+                  </a:lnTo>
+                </a:path>
+              </a:pathLst>
+            </a:custGeom>
+            <a:ln w="13550" cap="flat">
+              <a:solidFill>
+                <a:srgbClr val="EBEBEB">
+                  <a:alpha val="100000"/>
+                </a:srgbClr>
+              </a:solidFill>
+              <a:prstDash val="solid"/>
+              <a:round/>
+            </a:ln>
+          </p:spPr>
+          <p:txBody>
+            <a:bodyPr/>
+            <a:lstStyle/>
+            <a:p/>
+          </p:txBody>
+        </p:sp>
+        <p:sp>
+          <p:nvSpPr>
+            <p:cNvPr id="47" name="pl47"/>
+            <p:cNvSpPr/>
+            <p:nvPr/>
+          </p:nvSpPr>
+          <p:spPr>
+            <a:xfrm>
+              <a:off x="4430158" y="1809173"/>
+              <a:ext cx="0" cy="3245468"/>
+            </a:xfrm>
+            <a:custGeom>
+              <a:avLst/>
+              <a:pathLst>
+                <a:path w="0" h="3245468">
+                  <a:moveTo>
+                    <a:pt x="0" y="3245468"/>
+                  </a:moveTo>
+                  <a:lnTo>
+                    <a:pt x="0" y="0"/>
+                  </a:lnTo>
+                  <a:lnTo>
+                    <a:pt x="0" y="0"/>
+                  </a:lnTo>
+                </a:path>
+              </a:pathLst>
+            </a:custGeom>
+            <a:ln w="13550" cap="flat">
+              <a:solidFill>
+                <a:srgbClr val="EBEBEB">
+                  <a:alpha val="100000"/>
+                </a:srgbClr>
+              </a:solidFill>
+              <a:prstDash val="solid"/>
+              <a:round/>
+            </a:ln>
+          </p:spPr>
+          <p:txBody>
+            <a:bodyPr/>
+            <a:lstStyle/>
+            <a:p/>
+          </p:txBody>
+        </p:sp>
+        <p:sp>
+          <p:nvSpPr>
+            <p:cNvPr id="48" name="pl48"/>
+            <p:cNvSpPr/>
+            <p:nvPr/>
+          </p:nvSpPr>
+          <p:spPr>
+            <a:xfrm>
+              <a:off x="4588179" y="1809173"/>
+              <a:ext cx="0" cy="3245468"/>
+            </a:xfrm>
+            <a:custGeom>
+              <a:avLst/>
+              <a:pathLst>
+                <a:path w="0" h="3245468">
+                  <a:moveTo>
+                    <a:pt x="0" y="3245468"/>
+                  </a:moveTo>
+                  <a:lnTo>
+                    <a:pt x="0" y="0"/>
+                  </a:lnTo>
+                  <a:lnTo>
+                    <a:pt x="0" y="0"/>
+                  </a:lnTo>
+                </a:path>
+              </a:pathLst>
+            </a:custGeom>
+            <a:ln w="13550" cap="flat">
+              <a:solidFill>
+                <a:srgbClr val="EBEBEB">
+                  <a:alpha val="100000"/>
+                </a:srgbClr>
+              </a:solidFill>
+              <a:prstDash val="solid"/>
+              <a:round/>
+            </a:ln>
+          </p:spPr>
+          <p:txBody>
+            <a:bodyPr/>
+            <a:lstStyle/>
+            <a:p/>
+          </p:txBody>
+        </p:sp>
+        <p:sp>
+          <p:nvSpPr>
+            <p:cNvPr id="49" name="pl49"/>
+            <p:cNvSpPr/>
+            <p:nvPr/>
+          </p:nvSpPr>
+          <p:spPr>
+            <a:xfrm>
+              <a:off x="4746200" y="1809173"/>
+              <a:ext cx="0" cy="3245468"/>
+            </a:xfrm>
+            <a:custGeom>
+              <a:avLst/>
+              <a:pathLst>
+                <a:path w="0" h="3245468">
+                  <a:moveTo>
+                    <a:pt x="0" y="3245468"/>
+                  </a:moveTo>
+                  <a:lnTo>
+                    <a:pt x="0" y="0"/>
+                  </a:lnTo>
+                  <a:lnTo>
+                    <a:pt x="0" y="0"/>
+                  </a:lnTo>
+                </a:path>
+              </a:pathLst>
+            </a:custGeom>
+            <a:ln w="13550" cap="flat">
+              <a:solidFill>
+                <a:srgbClr val="EBEBEB">
+                  <a:alpha val="100000"/>
+                </a:srgbClr>
+              </a:solidFill>
+              <a:prstDash val="solid"/>
+              <a:round/>
+            </a:ln>
+          </p:spPr>
+          <p:txBody>
+            <a:bodyPr/>
+            <a:lstStyle/>
+            <a:p/>
+          </p:txBody>
+        </p:sp>
+        <p:sp>
+          <p:nvSpPr>
+            <p:cNvPr id="50" name="rc50"/>
+            <p:cNvSpPr/>
+            <p:nvPr/>
+          </p:nvSpPr>
+          <p:spPr>
+            <a:xfrm>
+              <a:off x="3568944" y="4019127"/>
+              <a:ext cx="142218" cy="887992"/>
+            </a:xfrm>
+            <a:prstGeom prst="rect">
+              <a:avLst/>
+            </a:prstGeom>
+            <a:solidFill>
+              <a:srgbClr val="FFF5F0">
+                <a:alpha val="100000"/>
+              </a:srgbClr>
+            </a:solidFill>
+          </p:spPr>
+          <p:txBody>
+            <a:bodyPr/>
+            <a:lstStyle/>
+            <a:p/>
+          </p:txBody>
+        </p:sp>
+        <p:sp>
+          <p:nvSpPr>
+            <p:cNvPr id="51" name="rc51"/>
+            <p:cNvSpPr/>
+            <p:nvPr/>
+          </p:nvSpPr>
+          <p:spPr>
+            <a:xfrm>
+              <a:off x="3726965" y="4019127"/>
+              <a:ext cx="142218" cy="887992"/>
+            </a:xfrm>
+            <a:prstGeom prst="rect">
+              <a:avLst/>
+            </a:prstGeom>
+            <a:solidFill>
+              <a:srgbClr val="FEE0D2">
+                <a:alpha val="100000"/>
+              </a:srgbClr>
+            </a:solidFill>
+          </p:spPr>
+          <p:txBody>
+            <a:bodyPr/>
+            <a:lstStyle/>
+            <a:p/>
+          </p:txBody>
+        </p:sp>
+        <p:sp>
+          <p:nvSpPr>
+            <p:cNvPr id="52" name="rc52"/>
+            <p:cNvSpPr/>
+            <p:nvPr/>
+          </p:nvSpPr>
+          <p:spPr>
+            <a:xfrm>
+              <a:off x="3884986" y="4190997"/>
+              <a:ext cx="142218" cy="716122"/>
+            </a:xfrm>
+            <a:prstGeom prst="rect">
+              <a:avLst/>
+            </a:prstGeom>
+            <a:solidFill>
+              <a:srgbClr val="FCBBA1">
+                <a:alpha val="100000"/>
+              </a:srgbClr>
+            </a:solidFill>
+          </p:spPr>
+          <p:txBody>
+            <a:bodyPr/>
+            <a:lstStyle/>
+            <a:p/>
+          </p:txBody>
+        </p:sp>
+        <p:sp>
+          <p:nvSpPr>
+            <p:cNvPr id="53" name="rc53"/>
+            <p:cNvSpPr/>
+            <p:nvPr/>
+          </p:nvSpPr>
+          <p:spPr>
+            <a:xfrm>
+              <a:off x="4043007" y="4477446"/>
+              <a:ext cx="142218" cy="429673"/>
+            </a:xfrm>
+            <a:prstGeom prst="rect">
+              <a:avLst/>
+            </a:prstGeom>
+            <a:solidFill>
+              <a:srgbClr val="FC9272">
+                <a:alpha val="100000"/>
+              </a:srgbClr>
+            </a:solidFill>
+          </p:spPr>
+          <p:txBody>
+            <a:bodyPr/>
+            <a:lstStyle/>
+            <a:p/>
+          </p:txBody>
+        </p:sp>
+        <p:sp>
+          <p:nvSpPr>
+            <p:cNvPr id="54" name="rc54"/>
+            <p:cNvSpPr/>
+            <p:nvPr/>
+          </p:nvSpPr>
+          <p:spPr>
+            <a:xfrm>
+              <a:off x="4201028" y="3875903"/>
+              <a:ext cx="142218" cy="1031216"/>
+            </a:xfrm>
+            <a:prstGeom prst="rect">
+              <a:avLst/>
+            </a:prstGeom>
+            <a:solidFill>
+              <a:srgbClr val="FB6A4A">
+                <a:alpha val="100000"/>
+              </a:srgbClr>
+            </a:solidFill>
+          </p:spPr>
+          <p:txBody>
+            <a:bodyPr/>
+            <a:lstStyle/>
+            <a:p/>
+          </p:txBody>
+        </p:sp>
+        <p:sp>
+          <p:nvSpPr>
+            <p:cNvPr id="55" name="rc55"/>
+            <p:cNvSpPr/>
+            <p:nvPr/>
+          </p:nvSpPr>
+          <p:spPr>
+            <a:xfrm>
+              <a:off x="4359049" y="3847258"/>
+              <a:ext cx="142218" cy="1059861"/>
+            </a:xfrm>
+            <a:prstGeom prst="rect">
+              <a:avLst/>
+            </a:prstGeom>
+            <a:solidFill>
+              <a:srgbClr val="EF3B2C">
+                <a:alpha val="100000"/>
+              </a:srgbClr>
+            </a:solidFill>
+          </p:spPr>
+          <p:txBody>
+            <a:bodyPr/>
+            <a:lstStyle/>
+            <a:p/>
+          </p:txBody>
+        </p:sp>
+        <p:sp>
+          <p:nvSpPr>
+            <p:cNvPr id="56" name="rc56"/>
+            <p:cNvSpPr/>
+            <p:nvPr/>
+          </p:nvSpPr>
+          <p:spPr>
+            <a:xfrm>
+              <a:off x="4517069" y="3045200"/>
+              <a:ext cx="142218" cy="1861919"/>
+            </a:xfrm>
+            <a:prstGeom prst="rect">
+              <a:avLst/>
+            </a:prstGeom>
+            <a:solidFill>
+              <a:srgbClr val="CB181D">
+                <a:alpha val="100000"/>
+              </a:srgbClr>
+            </a:solidFill>
+          </p:spPr>
+          <p:txBody>
+            <a:bodyPr/>
+            <a:lstStyle/>
+            <a:p/>
+          </p:txBody>
+        </p:sp>
+        <p:sp>
+          <p:nvSpPr>
+            <p:cNvPr id="57" name="rc57"/>
+            <p:cNvSpPr/>
+            <p:nvPr/>
+          </p:nvSpPr>
+          <p:spPr>
+            <a:xfrm>
+              <a:off x="4675090" y="4362866"/>
+              <a:ext cx="142218" cy="544253"/>
+            </a:xfrm>
+            <a:prstGeom prst="rect">
+              <a:avLst/>
+            </a:prstGeom>
+            <a:solidFill>
+              <a:srgbClr val="99000D">
+                <a:alpha val="100000"/>
+              </a:srgbClr>
+            </a:solidFill>
+          </p:spPr>
+          <p:txBody>
+            <a:bodyPr/>
+            <a:lstStyle/>
+            <a:p/>
+          </p:txBody>
+        </p:sp>
+        <p:sp>
+          <p:nvSpPr>
+            <p:cNvPr id="58" name="rc58"/>
+            <p:cNvSpPr/>
+            <p:nvPr/>
+          </p:nvSpPr>
+          <p:spPr>
+            <a:xfrm>
+              <a:off x="3545241" y="1809173"/>
+              <a:ext cx="1295770" cy="3245468"/>
+            </a:xfrm>
+            <a:prstGeom prst="rect">
+              <a:avLst/>
+            </a:prstGeom>
+            <a:ln w="13550" cap="rnd">
+              <a:solidFill>
+                <a:srgbClr val="333333">
+                  <a:alpha val="100000"/>
+                </a:srgbClr>
+              </a:solidFill>
+              <a:prstDash val="solid"/>
+              <a:round/>
+            </a:ln>
+          </p:spPr>
+          <p:txBody>
+            <a:bodyPr/>
+            <a:lstStyle/>
+            <a:p/>
+          </p:txBody>
+        </p:sp>
+        <p:sp>
+          <p:nvSpPr>
+            <p:cNvPr id="59" name="rc59"/>
+            <p:cNvSpPr/>
+            <p:nvPr/>
+          </p:nvSpPr>
+          <p:spPr>
+            <a:xfrm>
+              <a:off x="4910601" y="1809173"/>
+              <a:ext cx="1295770" cy="3245468"/>
+            </a:xfrm>
+            <a:prstGeom prst="rect">
+              <a:avLst/>
+            </a:prstGeom>
+            <a:solidFill>
+              <a:srgbClr val="FFFFFF">
+                <a:alpha val="100000"/>
+              </a:srgbClr>
+            </a:solidFill>
+          </p:spPr>
+          <p:txBody>
+            <a:bodyPr/>
+            <a:lstStyle/>
+            <a:p/>
+          </p:txBody>
+        </p:sp>
+        <p:sp>
+          <p:nvSpPr>
+            <p:cNvPr id="60" name="pl60"/>
+            <p:cNvSpPr/>
+            <p:nvPr/>
+          </p:nvSpPr>
+          <p:spPr>
+            <a:xfrm>
+              <a:off x="4910601" y="4549058"/>
+              <a:ext cx="1295770" cy="0"/>
+            </a:xfrm>
+            <a:custGeom>
+              <a:avLst/>
+              <a:pathLst>
+                <a:path w="1295770" h="0">
+                  <a:moveTo>
+                    <a:pt x="0" y="0"/>
+                  </a:moveTo>
+                  <a:lnTo>
+                    <a:pt x="1295770" y="0"/>
+                  </a:lnTo>
+                  <a:lnTo>
+                    <a:pt x="1295770" y="0"/>
+                  </a:lnTo>
+                </a:path>
+              </a:pathLst>
+            </a:custGeom>
+            <a:ln w="6775" cap="flat">
+              <a:solidFill>
+                <a:srgbClr val="EBEBEB">
+                  <a:alpha val="100000"/>
+                </a:srgbClr>
+              </a:solidFill>
+              <a:prstDash val="solid"/>
+              <a:round/>
+            </a:ln>
+          </p:spPr>
+          <p:txBody>
+            <a:bodyPr/>
+            <a:lstStyle/>
+            <a:p/>
+          </p:txBody>
+        </p:sp>
+        <p:sp>
+          <p:nvSpPr>
+            <p:cNvPr id="61" name="pl61"/>
+            <p:cNvSpPr/>
+            <p:nvPr/>
+          </p:nvSpPr>
+          <p:spPr>
+            <a:xfrm>
+              <a:off x="4910601" y="3832936"/>
+              <a:ext cx="1295770" cy="0"/>
+            </a:xfrm>
+            <a:custGeom>
+              <a:avLst/>
+              <a:pathLst>
+                <a:path w="1295770" h="0">
+                  <a:moveTo>
+                    <a:pt x="0" y="0"/>
+                  </a:moveTo>
+                  <a:lnTo>
+                    <a:pt x="1295770" y="0"/>
+                  </a:lnTo>
+                  <a:lnTo>
+                    <a:pt x="1295770" y="0"/>
+                  </a:lnTo>
+                </a:path>
+              </a:pathLst>
+            </a:custGeom>
+            <a:ln w="6775" cap="flat">
+              <a:solidFill>
+                <a:srgbClr val="EBEBEB">
+                  <a:alpha val="100000"/>
+                </a:srgbClr>
+              </a:solidFill>
+              <a:prstDash val="solid"/>
+              <a:round/>
+            </a:ln>
+          </p:spPr>
+          <p:txBody>
+            <a:bodyPr/>
+            <a:lstStyle/>
+            <a:p/>
+          </p:txBody>
+        </p:sp>
+        <p:sp>
+          <p:nvSpPr>
+            <p:cNvPr id="62" name="pl62"/>
+            <p:cNvSpPr/>
+            <p:nvPr/>
+          </p:nvSpPr>
+          <p:spPr>
+            <a:xfrm>
+              <a:off x="4910601" y="3116813"/>
+              <a:ext cx="1295770" cy="0"/>
+            </a:xfrm>
+            <a:custGeom>
+              <a:avLst/>
+              <a:pathLst>
+                <a:path w="1295770" h="0">
+                  <a:moveTo>
+                    <a:pt x="0" y="0"/>
+                  </a:moveTo>
+                  <a:lnTo>
+                    <a:pt x="1295770" y="0"/>
+                  </a:lnTo>
+                  <a:lnTo>
+                    <a:pt x="1295770" y="0"/>
+                  </a:lnTo>
+                </a:path>
+              </a:pathLst>
+            </a:custGeom>
+            <a:ln w="6775" cap="flat">
+              <a:solidFill>
+                <a:srgbClr val="EBEBEB">
+                  <a:alpha val="100000"/>
+                </a:srgbClr>
+              </a:solidFill>
+              <a:prstDash val="solid"/>
+              <a:round/>
+            </a:ln>
+          </p:spPr>
+          <p:txBody>
+            <a:bodyPr/>
+            <a:lstStyle/>
+            <a:p/>
+          </p:txBody>
+        </p:sp>
+        <p:sp>
+          <p:nvSpPr>
+            <p:cNvPr id="63" name="pl63"/>
+            <p:cNvSpPr/>
+            <p:nvPr/>
+          </p:nvSpPr>
+          <p:spPr>
+            <a:xfrm>
+              <a:off x="4910601" y="2400690"/>
+              <a:ext cx="1295770" cy="0"/>
+            </a:xfrm>
+            <a:custGeom>
+              <a:avLst/>
+              <a:pathLst>
+                <a:path w="1295770" h="0">
+                  <a:moveTo>
+                    <a:pt x="0" y="0"/>
+                  </a:moveTo>
+                  <a:lnTo>
+                    <a:pt x="1295770" y="0"/>
+                  </a:lnTo>
+                  <a:lnTo>
+                    <a:pt x="1295770" y="0"/>
+                  </a:lnTo>
+                </a:path>
+              </a:pathLst>
+            </a:custGeom>
+            <a:ln w="6775" cap="flat">
+              <a:solidFill>
+                <a:srgbClr val="EBEBEB">
+                  <a:alpha val="100000"/>
+                </a:srgbClr>
+              </a:solidFill>
+              <a:prstDash val="solid"/>
+              <a:round/>
+            </a:ln>
+          </p:spPr>
+          <p:txBody>
+            <a:bodyPr/>
+            <a:lstStyle/>
+            <a:p/>
+          </p:txBody>
+        </p:sp>
+        <p:sp>
+          <p:nvSpPr>
+            <p:cNvPr id="64" name="pl64"/>
+            <p:cNvSpPr/>
+            <p:nvPr/>
+          </p:nvSpPr>
+          <p:spPr>
+            <a:xfrm>
+              <a:off x="4910601" y="4907120"/>
+              <a:ext cx="1295770" cy="0"/>
+            </a:xfrm>
+            <a:custGeom>
+              <a:avLst/>
+              <a:pathLst>
+                <a:path w="1295770" h="0">
+                  <a:moveTo>
+                    <a:pt x="0" y="0"/>
+                  </a:moveTo>
+                  <a:lnTo>
+                    <a:pt x="1295770" y="0"/>
+                  </a:lnTo>
+                  <a:lnTo>
+                    <a:pt x="1295770" y="0"/>
+                  </a:lnTo>
+                </a:path>
+              </a:pathLst>
+            </a:custGeom>
+            <a:ln w="13550" cap="flat">
+              <a:solidFill>
+                <a:srgbClr val="EBEBEB">
+                  <a:alpha val="100000"/>
+                </a:srgbClr>
+              </a:solidFill>
+              <a:prstDash val="solid"/>
+              <a:round/>
+            </a:ln>
+          </p:spPr>
+          <p:txBody>
+            <a:bodyPr/>
+            <a:lstStyle/>
+            <a:p/>
+          </p:txBody>
+        </p:sp>
+        <p:sp>
+          <p:nvSpPr>
+            <p:cNvPr id="65" name="pl65"/>
+            <p:cNvSpPr/>
+            <p:nvPr/>
+          </p:nvSpPr>
+          <p:spPr>
+            <a:xfrm>
+              <a:off x="4910601" y="4190997"/>
+              <a:ext cx="1295770" cy="0"/>
+            </a:xfrm>
+            <a:custGeom>
+              <a:avLst/>
+              <a:pathLst>
+                <a:path w="1295770" h="0">
+                  <a:moveTo>
+                    <a:pt x="0" y="0"/>
+                  </a:moveTo>
+                  <a:lnTo>
+                    <a:pt x="1295770" y="0"/>
+                  </a:lnTo>
+                  <a:lnTo>
+                    <a:pt x="1295770" y="0"/>
+                  </a:lnTo>
+                </a:path>
+              </a:pathLst>
+            </a:custGeom>
+            <a:ln w="13550" cap="flat">
+              <a:solidFill>
+                <a:srgbClr val="EBEBEB">
+                  <a:alpha val="100000"/>
+                </a:srgbClr>
+              </a:solidFill>
+              <a:prstDash val="solid"/>
+              <a:round/>
+            </a:ln>
+          </p:spPr>
+          <p:txBody>
+            <a:bodyPr/>
+            <a:lstStyle/>
+            <a:p/>
+          </p:txBody>
+        </p:sp>
+        <p:sp>
+          <p:nvSpPr>
+            <p:cNvPr id="66" name="pl66"/>
+            <p:cNvSpPr/>
+            <p:nvPr/>
+          </p:nvSpPr>
+          <p:spPr>
+            <a:xfrm>
+              <a:off x="4910601" y="3474874"/>
+              <a:ext cx="1295770" cy="0"/>
+            </a:xfrm>
+            <a:custGeom>
+              <a:avLst/>
+              <a:pathLst>
+                <a:path w="1295770" h="0">
+                  <a:moveTo>
+                    <a:pt x="0" y="0"/>
+                  </a:moveTo>
+                  <a:lnTo>
+                    <a:pt x="1295770" y="0"/>
+                  </a:lnTo>
+                  <a:lnTo>
+                    <a:pt x="1295770" y="0"/>
+                  </a:lnTo>
+                </a:path>
+              </a:pathLst>
+            </a:custGeom>
+            <a:ln w="13550" cap="flat">
+              <a:solidFill>
+                <a:srgbClr val="EBEBEB">
+                  <a:alpha val="100000"/>
+                </a:srgbClr>
+              </a:solidFill>
+              <a:prstDash val="solid"/>
+              <a:round/>
+            </a:ln>
+          </p:spPr>
+          <p:txBody>
+            <a:bodyPr/>
+            <a:lstStyle/>
+            <a:p/>
+          </p:txBody>
+        </p:sp>
+        <p:sp>
+          <p:nvSpPr>
+            <p:cNvPr id="67" name="pl67"/>
+            <p:cNvSpPr/>
+            <p:nvPr/>
+          </p:nvSpPr>
+          <p:spPr>
+            <a:xfrm>
+              <a:off x="4910601" y="2758751"/>
+              <a:ext cx="1295770" cy="0"/>
+            </a:xfrm>
+            <a:custGeom>
+              <a:avLst/>
+              <a:pathLst>
+                <a:path w="1295770" h="0">
+                  <a:moveTo>
+                    <a:pt x="0" y="0"/>
+                  </a:moveTo>
+                  <a:lnTo>
+                    <a:pt x="1295770" y="0"/>
+                  </a:lnTo>
+                  <a:lnTo>
+                    <a:pt x="1295770" y="0"/>
+                  </a:lnTo>
+                </a:path>
+              </a:pathLst>
+            </a:custGeom>
+            <a:ln w="13550" cap="flat">
+              <a:solidFill>
+                <a:srgbClr val="EBEBEB">
+                  <a:alpha val="100000"/>
+                </a:srgbClr>
+              </a:solidFill>
+              <a:prstDash val="solid"/>
+              <a:round/>
+            </a:ln>
+          </p:spPr>
+          <p:txBody>
+            <a:bodyPr/>
+            <a:lstStyle/>
+            <a:p/>
+          </p:txBody>
+        </p:sp>
+        <p:sp>
+          <p:nvSpPr>
+            <p:cNvPr id="68" name="pl68"/>
+            <p:cNvSpPr/>
+            <p:nvPr/>
+          </p:nvSpPr>
+          <p:spPr>
+            <a:xfrm>
+              <a:off x="4910601" y="2042629"/>
+              <a:ext cx="1295770" cy="0"/>
+            </a:xfrm>
+            <a:custGeom>
+              <a:avLst/>
+              <a:pathLst>
+                <a:path w="1295770" h="0">
+                  <a:moveTo>
+                    <a:pt x="0" y="0"/>
+                  </a:moveTo>
+                  <a:lnTo>
+                    <a:pt x="1295770" y="0"/>
+                  </a:lnTo>
+                  <a:lnTo>
+                    <a:pt x="1295770" y="0"/>
+                  </a:lnTo>
+                </a:path>
+              </a:pathLst>
+            </a:custGeom>
+            <a:ln w="13550" cap="flat">
+              <a:solidFill>
+                <a:srgbClr val="EBEBEB">
+                  <a:alpha val="100000"/>
+                </a:srgbClr>
+              </a:solidFill>
+              <a:prstDash val="solid"/>
+              <a:round/>
+            </a:ln>
+          </p:spPr>
+          <p:txBody>
+            <a:bodyPr/>
+            <a:lstStyle/>
+            <a:p/>
+          </p:txBody>
+        </p:sp>
+        <p:sp>
+          <p:nvSpPr>
+            <p:cNvPr id="69" name="pl69"/>
+            <p:cNvSpPr/>
+            <p:nvPr/>
+          </p:nvSpPr>
+          <p:spPr>
+            <a:xfrm>
+              <a:off x="5005414" y="1809173"/>
+              <a:ext cx="0" cy="3245468"/>
+            </a:xfrm>
+            <a:custGeom>
+              <a:avLst/>
+              <a:pathLst>
+                <a:path w="0" h="3245468">
+                  <a:moveTo>
+                    <a:pt x="0" y="3245468"/>
+                  </a:moveTo>
+                  <a:lnTo>
+                    <a:pt x="0" y="0"/>
+                  </a:lnTo>
+                  <a:lnTo>
+                    <a:pt x="0" y="0"/>
+                  </a:lnTo>
+                </a:path>
+              </a:pathLst>
+            </a:custGeom>
+            <a:ln w="13550" cap="flat">
+              <a:solidFill>
+                <a:srgbClr val="EBEBEB">
+                  <a:alpha val="100000"/>
+                </a:srgbClr>
+              </a:solidFill>
+              <a:prstDash val="solid"/>
+              <a:round/>
+            </a:ln>
+          </p:spPr>
+          <p:txBody>
+            <a:bodyPr/>
+            <a:lstStyle/>
+            <a:p/>
+          </p:txBody>
+        </p:sp>
+        <p:sp>
+          <p:nvSpPr>
+            <p:cNvPr id="70" name="pl70"/>
+            <p:cNvSpPr/>
+            <p:nvPr/>
+          </p:nvSpPr>
+          <p:spPr>
+            <a:xfrm>
+              <a:off x="5163434" y="1809173"/>
+              <a:ext cx="0" cy="3245468"/>
+            </a:xfrm>
+            <a:custGeom>
+              <a:avLst/>
+              <a:pathLst>
+                <a:path w="0" h="3245468">
+                  <a:moveTo>
+                    <a:pt x="0" y="3245468"/>
+                  </a:moveTo>
+                  <a:lnTo>
+                    <a:pt x="0" y="0"/>
+                  </a:lnTo>
+                  <a:lnTo>
+                    <a:pt x="0" y="0"/>
+                  </a:lnTo>
+                </a:path>
+              </a:pathLst>
+            </a:custGeom>
+            <a:ln w="13550" cap="flat">
+              <a:solidFill>
+                <a:srgbClr val="EBEBEB">
+                  <a:alpha val="100000"/>
+                </a:srgbClr>
+              </a:solidFill>
+              <a:prstDash val="solid"/>
+              <a:round/>
+            </a:ln>
+          </p:spPr>
+          <p:txBody>
+            <a:bodyPr/>
+            <a:lstStyle/>
+            <a:p/>
+          </p:txBody>
+        </p:sp>
+        <p:sp>
+          <p:nvSpPr>
+            <p:cNvPr id="71" name="pl71"/>
+            <p:cNvSpPr/>
+            <p:nvPr/>
+          </p:nvSpPr>
+          <p:spPr>
+            <a:xfrm>
+              <a:off x="5321455" y="1809173"/>
+              <a:ext cx="0" cy="3245468"/>
+            </a:xfrm>
+            <a:custGeom>
+              <a:avLst/>
+              <a:pathLst>
+                <a:path w="0" h="3245468">
+                  <a:moveTo>
+                    <a:pt x="0" y="3245468"/>
+                  </a:moveTo>
+                  <a:lnTo>
+                    <a:pt x="0" y="0"/>
+                  </a:lnTo>
+                  <a:lnTo>
+                    <a:pt x="0" y="0"/>
+                  </a:lnTo>
+                </a:path>
+              </a:pathLst>
+            </a:custGeom>
+            <a:ln w="13550" cap="flat">
+              <a:solidFill>
+                <a:srgbClr val="EBEBEB">
+                  <a:alpha val="100000"/>
+                </a:srgbClr>
+              </a:solidFill>
+              <a:prstDash val="solid"/>
+              <a:round/>
+            </a:ln>
+          </p:spPr>
+          <p:txBody>
+            <a:bodyPr/>
+            <a:lstStyle/>
+            <a:p/>
+          </p:txBody>
+        </p:sp>
+        <p:sp>
+          <p:nvSpPr>
+            <p:cNvPr id="72" name="pl72"/>
+            <p:cNvSpPr/>
+            <p:nvPr/>
+          </p:nvSpPr>
+          <p:spPr>
+            <a:xfrm>
+              <a:off x="5479476" y="1809173"/>
+              <a:ext cx="0" cy="3245468"/>
+            </a:xfrm>
+            <a:custGeom>
+              <a:avLst/>
+              <a:pathLst>
+                <a:path w="0" h="3245468">
+                  <a:moveTo>
+                    <a:pt x="0" y="3245468"/>
+                  </a:moveTo>
+                  <a:lnTo>
+                    <a:pt x="0" y="0"/>
+                  </a:lnTo>
+                  <a:lnTo>
+                    <a:pt x="0" y="0"/>
+                  </a:lnTo>
+                </a:path>
+              </a:pathLst>
+            </a:custGeom>
+            <a:ln w="13550" cap="flat">
+              <a:solidFill>
+                <a:srgbClr val="EBEBEB">
+                  <a:alpha val="100000"/>
+                </a:srgbClr>
+              </a:solidFill>
+              <a:prstDash val="solid"/>
+              <a:round/>
+            </a:ln>
+          </p:spPr>
+          <p:txBody>
+            <a:bodyPr/>
+            <a:lstStyle/>
+            <a:p/>
+          </p:txBody>
+        </p:sp>
+        <p:sp>
+          <p:nvSpPr>
+            <p:cNvPr id="73" name="pl73"/>
+            <p:cNvSpPr/>
+            <p:nvPr/>
+          </p:nvSpPr>
+          <p:spPr>
+            <a:xfrm>
+              <a:off x="5637497" y="1809173"/>
+              <a:ext cx="0" cy="3245468"/>
+            </a:xfrm>
+            <a:custGeom>
+              <a:avLst/>
+              <a:pathLst>
+                <a:path w="0" h="3245468">
+                  <a:moveTo>
+                    <a:pt x="0" y="3245468"/>
+                  </a:moveTo>
+                  <a:lnTo>
+                    <a:pt x="0" y="0"/>
+                  </a:lnTo>
+                  <a:lnTo>
+                    <a:pt x="0" y="0"/>
+                  </a:lnTo>
+                </a:path>
+              </a:pathLst>
+            </a:custGeom>
+            <a:ln w="13550" cap="flat">
+              <a:solidFill>
+                <a:srgbClr val="EBEBEB">
+                  <a:alpha val="100000"/>
+                </a:srgbClr>
+              </a:solidFill>
+              <a:prstDash val="solid"/>
+              <a:round/>
+            </a:ln>
+          </p:spPr>
+          <p:txBody>
+            <a:bodyPr/>
+            <a:lstStyle/>
+            <a:p/>
+          </p:txBody>
+        </p:sp>
+        <p:sp>
+          <p:nvSpPr>
+            <p:cNvPr id="74" name="pl74"/>
+            <p:cNvSpPr/>
+            <p:nvPr/>
+          </p:nvSpPr>
+          <p:spPr>
+            <a:xfrm>
+              <a:off x="5795518" y="1809173"/>
+              <a:ext cx="0" cy="3245468"/>
+            </a:xfrm>
+            <a:custGeom>
+              <a:avLst/>
+              <a:pathLst>
+                <a:path w="0" h="3245468">
+                  <a:moveTo>
+                    <a:pt x="0" y="3245468"/>
+                  </a:moveTo>
+                  <a:lnTo>
+                    <a:pt x="0" y="0"/>
+                  </a:lnTo>
+                  <a:lnTo>
+                    <a:pt x="0" y="0"/>
+                  </a:lnTo>
+                </a:path>
+              </a:pathLst>
+            </a:custGeom>
+            <a:ln w="13550" cap="flat">
+              <a:solidFill>
+                <a:srgbClr val="EBEBEB">
+                  <a:alpha val="100000"/>
+                </a:srgbClr>
+              </a:solidFill>
+              <a:prstDash val="solid"/>
+              <a:round/>
+            </a:ln>
+          </p:spPr>
+          <p:txBody>
+            <a:bodyPr/>
+            <a:lstStyle/>
+            <a:p/>
+          </p:txBody>
+        </p:sp>
+        <p:sp>
+          <p:nvSpPr>
+            <p:cNvPr id="75" name="pl75"/>
+            <p:cNvSpPr/>
+            <p:nvPr/>
+          </p:nvSpPr>
+          <p:spPr>
+            <a:xfrm>
+              <a:off x="5953539" y="1809173"/>
+              <a:ext cx="0" cy="3245468"/>
+            </a:xfrm>
+            <a:custGeom>
+              <a:avLst/>
+              <a:pathLst>
+                <a:path w="0" h="3245468">
+                  <a:moveTo>
+                    <a:pt x="0" y="3245468"/>
+                  </a:moveTo>
+                  <a:lnTo>
+                    <a:pt x="0" y="0"/>
+                  </a:lnTo>
+                  <a:lnTo>
+                    <a:pt x="0" y="0"/>
+                  </a:lnTo>
+                </a:path>
+              </a:pathLst>
+            </a:custGeom>
+            <a:ln w="13550" cap="flat">
+              <a:solidFill>
+                <a:srgbClr val="EBEBEB">
+                  <a:alpha val="100000"/>
+                </a:srgbClr>
+              </a:solidFill>
+              <a:prstDash val="solid"/>
+              <a:round/>
+            </a:ln>
+          </p:spPr>
+          <p:txBody>
+            <a:bodyPr/>
+            <a:lstStyle/>
+            <a:p/>
+          </p:txBody>
+        </p:sp>
+        <p:sp>
+          <p:nvSpPr>
+            <p:cNvPr id="76" name="pl76"/>
+            <p:cNvSpPr/>
+            <p:nvPr/>
+          </p:nvSpPr>
+          <p:spPr>
+            <a:xfrm>
+              <a:off x="6111560" y="1809173"/>
+              <a:ext cx="0" cy="3245468"/>
+            </a:xfrm>
+            <a:custGeom>
+              <a:avLst/>
+              <a:pathLst>
+                <a:path w="0" h="3245468">
+                  <a:moveTo>
+                    <a:pt x="0" y="3245468"/>
+                  </a:moveTo>
+                  <a:lnTo>
+                    <a:pt x="0" y="0"/>
+                  </a:lnTo>
+                  <a:lnTo>
+                    <a:pt x="0" y="0"/>
+                  </a:lnTo>
+                </a:path>
+              </a:pathLst>
+            </a:custGeom>
+            <a:ln w="13550" cap="flat">
+              <a:solidFill>
+                <a:srgbClr val="EBEBEB">
+                  <a:alpha val="100000"/>
+                </a:srgbClr>
+              </a:solidFill>
+              <a:prstDash val="solid"/>
+              <a:round/>
+            </a:ln>
+          </p:spPr>
+          <p:txBody>
+            <a:bodyPr/>
+            <a:lstStyle/>
+            <a:p/>
+          </p:txBody>
+        </p:sp>
+        <p:sp>
+          <p:nvSpPr>
+            <p:cNvPr id="77" name="rc77"/>
+            <p:cNvSpPr/>
+            <p:nvPr/>
+          </p:nvSpPr>
+          <p:spPr>
+            <a:xfrm>
+              <a:off x="4934304" y="4391511"/>
+              <a:ext cx="142218" cy="515608"/>
+            </a:xfrm>
+            <a:prstGeom prst="rect">
+              <a:avLst/>
+            </a:prstGeom>
+            <a:solidFill>
+              <a:srgbClr val="FFF5F0">
+                <a:alpha val="100000"/>
+              </a:srgbClr>
+            </a:solidFill>
+          </p:spPr>
+          <p:txBody>
+            <a:bodyPr/>
+            <a:lstStyle/>
+            <a:p/>
+          </p:txBody>
+        </p:sp>
+        <p:sp>
+          <p:nvSpPr>
+            <p:cNvPr id="78" name="rc78"/>
+            <p:cNvSpPr/>
+            <p:nvPr/>
+          </p:nvSpPr>
+          <p:spPr>
+            <a:xfrm>
+              <a:off x="5092325" y="4821185"/>
+              <a:ext cx="142218" cy="85934"/>
+            </a:xfrm>
+            <a:prstGeom prst="rect">
+              <a:avLst/>
+            </a:prstGeom>
+            <a:solidFill>
+              <a:srgbClr val="FEE0D2">
+                <a:alpha val="100000"/>
+              </a:srgbClr>
+            </a:solidFill>
+          </p:spPr>
+          <p:txBody>
+            <a:bodyPr/>
+            <a:lstStyle/>
+            <a:p/>
+          </p:txBody>
+        </p:sp>
+        <p:sp>
+          <p:nvSpPr>
+            <p:cNvPr id="79" name="rc79"/>
+            <p:cNvSpPr/>
+            <p:nvPr/>
+          </p:nvSpPr>
+          <p:spPr>
+            <a:xfrm>
+              <a:off x="5250346" y="4792540"/>
+              <a:ext cx="142218" cy="114579"/>
+            </a:xfrm>
+            <a:prstGeom prst="rect">
+              <a:avLst/>
+            </a:prstGeom>
+            <a:solidFill>
+              <a:srgbClr val="FCBBA1">
+                <a:alpha val="100000"/>
+              </a:srgbClr>
+            </a:solidFill>
+          </p:spPr>
+          <p:txBody>
+            <a:bodyPr/>
+            <a:lstStyle/>
+            <a:p/>
+          </p:txBody>
+        </p:sp>
+        <p:sp>
+          <p:nvSpPr>
+            <p:cNvPr id="80" name="rc80"/>
+            <p:cNvSpPr/>
+            <p:nvPr/>
+          </p:nvSpPr>
+          <p:spPr>
+            <a:xfrm>
+              <a:off x="5408367" y="4677960"/>
+              <a:ext cx="142218" cy="229159"/>
+            </a:xfrm>
+            <a:prstGeom prst="rect">
+              <a:avLst/>
+            </a:prstGeom>
+            <a:solidFill>
+              <a:srgbClr val="FC9272">
+                <a:alpha val="100000"/>
+              </a:srgbClr>
+            </a:solidFill>
+          </p:spPr>
+          <p:txBody>
+            <a:bodyPr/>
+            <a:lstStyle/>
+            <a:p/>
+          </p:txBody>
+        </p:sp>
+        <p:sp>
+          <p:nvSpPr>
+            <p:cNvPr id="81" name="rc81"/>
+            <p:cNvSpPr/>
+            <p:nvPr/>
+          </p:nvSpPr>
+          <p:spPr>
+            <a:xfrm>
+              <a:off x="5566388" y="4821185"/>
+              <a:ext cx="142218" cy="85934"/>
+            </a:xfrm>
+            <a:prstGeom prst="rect">
+              <a:avLst/>
+            </a:prstGeom>
+            <a:solidFill>
+              <a:srgbClr val="FB6A4A">
+                <a:alpha val="100000"/>
+              </a:srgbClr>
+            </a:solidFill>
+          </p:spPr>
+          <p:txBody>
+            <a:bodyPr/>
+            <a:lstStyle/>
+            <a:p/>
+          </p:txBody>
+        </p:sp>
+        <p:sp>
+          <p:nvSpPr>
+            <p:cNvPr id="82" name="rc82"/>
+            <p:cNvSpPr/>
+            <p:nvPr/>
+          </p:nvSpPr>
+          <p:spPr>
+            <a:xfrm>
+              <a:off x="5724408" y="4477446"/>
+              <a:ext cx="142218" cy="429673"/>
+            </a:xfrm>
+            <a:prstGeom prst="rect">
+              <a:avLst/>
+            </a:prstGeom>
+            <a:solidFill>
+              <a:srgbClr val="EF3B2C">
+                <a:alpha val="100000"/>
+              </a:srgbClr>
+            </a:solidFill>
+          </p:spPr>
+          <p:txBody>
+            <a:bodyPr/>
+            <a:lstStyle/>
+            <a:p/>
+          </p:txBody>
+        </p:sp>
+        <p:sp>
+          <p:nvSpPr>
+            <p:cNvPr id="83" name="rc83"/>
+            <p:cNvSpPr/>
+            <p:nvPr/>
+          </p:nvSpPr>
+          <p:spPr>
+            <a:xfrm>
+              <a:off x="5882429" y="4334221"/>
+              <a:ext cx="142218" cy="572898"/>
+            </a:xfrm>
+            <a:prstGeom prst="rect">
+              <a:avLst/>
+            </a:prstGeom>
+            <a:solidFill>
+              <a:srgbClr val="CB181D">
+                <a:alpha val="100000"/>
+              </a:srgbClr>
+            </a:solidFill>
+          </p:spPr>
+          <p:txBody>
+            <a:bodyPr/>
+            <a:lstStyle/>
+            <a:p/>
+          </p:txBody>
+        </p:sp>
+        <p:sp>
+          <p:nvSpPr>
+            <p:cNvPr id="84" name="rc84"/>
+            <p:cNvSpPr/>
+            <p:nvPr/>
+          </p:nvSpPr>
+          <p:spPr>
+            <a:xfrm>
+              <a:off x="6040450" y="4477446"/>
+              <a:ext cx="142218" cy="429673"/>
+            </a:xfrm>
+            <a:prstGeom prst="rect">
+              <a:avLst/>
+            </a:prstGeom>
+            <a:solidFill>
+              <a:srgbClr val="99000D">
+                <a:alpha val="100000"/>
+              </a:srgbClr>
+            </a:solidFill>
+          </p:spPr>
+          <p:txBody>
+            <a:bodyPr/>
+            <a:lstStyle/>
+            <a:p/>
+          </p:txBody>
+        </p:sp>
+        <p:sp>
+          <p:nvSpPr>
+            <p:cNvPr id="85" name="rc85"/>
+            <p:cNvSpPr/>
+            <p:nvPr/>
+          </p:nvSpPr>
+          <p:spPr>
+            <a:xfrm>
+              <a:off x="4910601" y="1809173"/>
+              <a:ext cx="1295770" cy="3245468"/>
+            </a:xfrm>
+            <a:prstGeom prst="rect">
+              <a:avLst/>
+            </a:prstGeom>
+            <a:ln w="13550" cap="rnd">
+              <a:solidFill>
+                <a:srgbClr val="333333">
+                  <a:alpha val="100000"/>
+                </a:srgbClr>
+              </a:solidFill>
+              <a:prstDash val="solid"/>
+              <a:round/>
+            </a:ln>
+          </p:spPr>
+          <p:txBody>
+            <a:bodyPr/>
+            <a:lstStyle/>
+            <a:p/>
+          </p:txBody>
+        </p:sp>
+        <p:sp>
+          <p:nvSpPr>
+            <p:cNvPr id="86" name="rc86"/>
+            <p:cNvSpPr/>
+            <p:nvPr/>
+          </p:nvSpPr>
+          <p:spPr>
+            <a:xfrm>
+              <a:off x="6275961" y="1809173"/>
+              <a:ext cx="1295770" cy="3245468"/>
+            </a:xfrm>
+            <a:prstGeom prst="rect">
+              <a:avLst/>
+            </a:prstGeom>
+            <a:solidFill>
+              <a:srgbClr val="FFFFFF">
+                <a:alpha val="100000"/>
+              </a:srgbClr>
+            </a:solidFill>
+          </p:spPr>
+          <p:txBody>
+            <a:bodyPr/>
+            <a:lstStyle/>
+            <a:p/>
+          </p:txBody>
+        </p:sp>
+        <p:sp>
+          <p:nvSpPr>
+            <p:cNvPr id="87" name="pl87"/>
+            <p:cNvSpPr/>
+            <p:nvPr/>
+          </p:nvSpPr>
+          <p:spPr>
+            <a:xfrm>
+              <a:off x="6275961" y="4549058"/>
+              <a:ext cx="1295770" cy="0"/>
+            </a:xfrm>
+            <a:custGeom>
+              <a:avLst/>
+              <a:pathLst>
+                <a:path w="1295770" h="0">
+                  <a:moveTo>
+                    <a:pt x="0" y="0"/>
+                  </a:moveTo>
+                  <a:lnTo>
+                    <a:pt x="1295770" y="0"/>
+                  </a:lnTo>
+                  <a:lnTo>
+                    <a:pt x="1295770" y="0"/>
+                  </a:lnTo>
+                </a:path>
+              </a:pathLst>
+            </a:custGeom>
+            <a:ln w="6775" cap="flat">
+              <a:solidFill>
+                <a:srgbClr val="EBEBEB">
+                  <a:alpha val="100000"/>
+                </a:srgbClr>
+              </a:solidFill>
+              <a:prstDash val="solid"/>
+              <a:round/>
+            </a:ln>
+          </p:spPr>
+          <p:txBody>
+            <a:bodyPr/>
+            <a:lstStyle/>
+            <a:p/>
+          </p:txBody>
+        </p:sp>
+        <p:sp>
+          <p:nvSpPr>
+            <p:cNvPr id="88" name="pl88"/>
+            <p:cNvSpPr/>
+            <p:nvPr/>
+          </p:nvSpPr>
+          <p:spPr>
+            <a:xfrm>
+              <a:off x="6275961" y="3832936"/>
+              <a:ext cx="1295770" cy="0"/>
+            </a:xfrm>
+            <a:custGeom>
+              <a:avLst/>
+              <a:pathLst>
+                <a:path w="1295770" h="0">
+                  <a:moveTo>
+                    <a:pt x="0" y="0"/>
+                  </a:moveTo>
+                  <a:lnTo>
+                    <a:pt x="1295770" y="0"/>
+                  </a:lnTo>
+                  <a:lnTo>
+                    <a:pt x="1295770" y="0"/>
+                  </a:lnTo>
+                </a:path>
+              </a:pathLst>
+            </a:custGeom>
+            <a:ln w="6775" cap="flat">
+              <a:solidFill>
+                <a:srgbClr val="EBEBEB">
+                  <a:alpha val="100000"/>
+                </a:srgbClr>
+              </a:solidFill>
+              <a:prstDash val="solid"/>
+              <a:round/>
+            </a:ln>
+          </p:spPr>
+          <p:txBody>
+            <a:bodyPr/>
+            <a:lstStyle/>
+            <a:p/>
+          </p:txBody>
+        </p:sp>
+        <p:sp>
+          <p:nvSpPr>
+            <p:cNvPr id="89" name="pl89"/>
+            <p:cNvSpPr/>
+            <p:nvPr/>
+          </p:nvSpPr>
+          <p:spPr>
+            <a:xfrm>
+              <a:off x="6275961" y="3116813"/>
+              <a:ext cx="1295770" cy="0"/>
+            </a:xfrm>
+            <a:custGeom>
+              <a:avLst/>
+              <a:pathLst>
+                <a:path w="1295770" h="0">
+                  <a:moveTo>
+                    <a:pt x="0" y="0"/>
+                  </a:moveTo>
+                  <a:lnTo>
+                    <a:pt x="1295770" y="0"/>
+                  </a:lnTo>
+                  <a:lnTo>
+                    <a:pt x="1295770" y="0"/>
+                  </a:lnTo>
+                </a:path>
+              </a:pathLst>
+            </a:custGeom>
+            <a:ln w="6775" cap="flat">
+              <a:solidFill>
+                <a:srgbClr val="EBEBEB">
+                  <a:alpha val="100000"/>
+                </a:srgbClr>
+              </a:solidFill>
+              <a:prstDash val="solid"/>
+              <a:round/>
+            </a:ln>
+          </p:spPr>
+          <p:txBody>
+            <a:bodyPr/>
+            <a:lstStyle/>
+            <a:p/>
+          </p:txBody>
+        </p:sp>
+        <p:sp>
+          <p:nvSpPr>
+            <p:cNvPr id="90" name="pl90"/>
+            <p:cNvSpPr/>
+            <p:nvPr/>
+          </p:nvSpPr>
+          <p:spPr>
+            <a:xfrm>
+              <a:off x="6275961" y="2400690"/>
+              <a:ext cx="1295770" cy="0"/>
+            </a:xfrm>
+            <a:custGeom>
+              <a:avLst/>
+              <a:pathLst>
+                <a:path w="1295770" h="0">
+                  <a:moveTo>
+                    <a:pt x="0" y="0"/>
+                  </a:moveTo>
+                  <a:lnTo>
+                    <a:pt x="1295770" y="0"/>
+                  </a:lnTo>
+                  <a:lnTo>
+                    <a:pt x="1295770" y="0"/>
+                  </a:lnTo>
+                </a:path>
+              </a:pathLst>
+            </a:custGeom>
+            <a:ln w="6775" cap="flat">
+              <a:solidFill>
+                <a:srgbClr val="EBEBEB">
+                  <a:alpha val="100000"/>
+                </a:srgbClr>
+              </a:solidFill>
+              <a:prstDash val="solid"/>
+              <a:round/>
+            </a:ln>
+          </p:spPr>
+          <p:txBody>
+            <a:bodyPr/>
+            <a:lstStyle/>
+            <a:p/>
+          </p:txBody>
+        </p:sp>
+        <p:sp>
+          <p:nvSpPr>
+            <p:cNvPr id="91" name="pl91"/>
+            <p:cNvSpPr/>
+            <p:nvPr/>
+          </p:nvSpPr>
+          <p:spPr>
+            <a:xfrm>
+              <a:off x="6275961" y="4907120"/>
+              <a:ext cx="1295770" cy="0"/>
+            </a:xfrm>
+            <a:custGeom>
+              <a:avLst/>
+              <a:pathLst>
+                <a:path w="1295770" h="0">
+                  <a:moveTo>
+                    <a:pt x="0" y="0"/>
+                  </a:moveTo>
+                  <a:lnTo>
+                    <a:pt x="1295770" y="0"/>
+                  </a:lnTo>
+                  <a:lnTo>
+                    <a:pt x="1295770" y="0"/>
+                  </a:lnTo>
+                </a:path>
+              </a:pathLst>
+            </a:custGeom>
+            <a:ln w="13550" cap="flat">
+              <a:solidFill>
+                <a:srgbClr val="EBEBEB">
+                  <a:alpha val="100000"/>
+                </a:srgbClr>
+              </a:solidFill>
+              <a:prstDash val="solid"/>
+              <a:round/>
+            </a:ln>
+          </p:spPr>
+          <p:txBody>
+            <a:bodyPr/>
+            <a:lstStyle/>
+            <a:p/>
+          </p:txBody>
+        </p:sp>
+        <p:sp>
+          <p:nvSpPr>
+            <p:cNvPr id="92" name="pl92"/>
+            <p:cNvSpPr/>
+            <p:nvPr/>
+          </p:nvSpPr>
+          <p:spPr>
+            <a:xfrm>
+              <a:off x="6275961" y="4190997"/>
+              <a:ext cx="1295770" cy="0"/>
+            </a:xfrm>
+            <a:custGeom>
+              <a:avLst/>
+              <a:pathLst>
+                <a:path w="1295770" h="0">
+                  <a:moveTo>
+                    <a:pt x="0" y="0"/>
+                  </a:moveTo>
+                  <a:lnTo>
+                    <a:pt x="1295770" y="0"/>
+                  </a:lnTo>
+                  <a:lnTo>
+                    <a:pt x="1295770" y="0"/>
+                  </a:lnTo>
+                </a:path>
+              </a:pathLst>
+            </a:custGeom>
+            <a:ln w="13550" cap="flat">
+              <a:solidFill>
+                <a:srgbClr val="EBEBEB">
+                  <a:alpha val="100000"/>
+                </a:srgbClr>
+              </a:solidFill>
+              <a:prstDash val="solid"/>
+              <a:round/>
+            </a:ln>
+          </p:spPr>
+          <p:txBody>
+            <a:bodyPr/>
+            <a:lstStyle/>
+            <a:p/>
+          </p:txBody>
+        </p:sp>
+        <p:sp>
+          <p:nvSpPr>
+            <p:cNvPr id="93" name="pl93"/>
+            <p:cNvSpPr/>
+            <p:nvPr/>
+          </p:nvSpPr>
+          <p:spPr>
+            <a:xfrm>
+              <a:off x="6275961" y="3474874"/>
+              <a:ext cx="1295770" cy="0"/>
+            </a:xfrm>
+            <a:custGeom>
+              <a:avLst/>
+              <a:pathLst>
+                <a:path w="1295770" h="0">
+                  <a:moveTo>
+                    <a:pt x="0" y="0"/>
+                  </a:moveTo>
+                  <a:lnTo>
+                    <a:pt x="1295770" y="0"/>
+                  </a:lnTo>
+                  <a:lnTo>
+                    <a:pt x="1295770" y="0"/>
+                  </a:lnTo>
+                </a:path>
+              </a:pathLst>
+            </a:custGeom>
+            <a:ln w="13550" cap="flat">
+              <a:solidFill>
+                <a:srgbClr val="EBEBEB">
+                  <a:alpha val="100000"/>
+                </a:srgbClr>
+              </a:solidFill>
+              <a:prstDash val="solid"/>
+              <a:round/>
+            </a:ln>
+          </p:spPr>
+          <p:txBody>
+            <a:bodyPr/>
+            <a:lstStyle/>
+            <a:p/>
+          </p:txBody>
+        </p:sp>
+        <p:sp>
+          <p:nvSpPr>
+            <p:cNvPr id="94" name="pl94"/>
+            <p:cNvSpPr/>
+            <p:nvPr/>
+          </p:nvSpPr>
+          <p:spPr>
+            <a:xfrm>
+              <a:off x="6275961" y="2758751"/>
+              <a:ext cx="1295770" cy="0"/>
+            </a:xfrm>
+            <a:custGeom>
+              <a:avLst/>
+              <a:pathLst>
+                <a:path w="1295770" h="0">
+                  <a:moveTo>
+                    <a:pt x="0" y="0"/>
+                  </a:moveTo>
+                  <a:lnTo>
+                    <a:pt x="1295770" y="0"/>
+                  </a:lnTo>
+                  <a:lnTo>
+                    <a:pt x="1295770" y="0"/>
+                  </a:lnTo>
+                </a:path>
+              </a:pathLst>
+            </a:custGeom>
+            <a:ln w="13550" cap="flat">
+              <a:solidFill>
+                <a:srgbClr val="EBEBEB">
+                  <a:alpha val="100000"/>
+                </a:srgbClr>
+              </a:solidFill>
+              <a:prstDash val="solid"/>
+              <a:round/>
+            </a:ln>
+          </p:spPr>
+          <p:txBody>
+            <a:bodyPr/>
+            <a:lstStyle/>
+            <a:p/>
+          </p:txBody>
+        </p:sp>
+        <p:sp>
+          <p:nvSpPr>
+            <p:cNvPr id="95" name="pl95"/>
+            <p:cNvSpPr/>
+            <p:nvPr/>
+          </p:nvSpPr>
+          <p:spPr>
+            <a:xfrm>
+              <a:off x="6275961" y="2042629"/>
+              <a:ext cx="1295770" cy="0"/>
+            </a:xfrm>
+            <a:custGeom>
+              <a:avLst/>
+              <a:pathLst>
+                <a:path w="1295770" h="0">
+                  <a:moveTo>
+                    <a:pt x="0" y="0"/>
+                  </a:moveTo>
+                  <a:lnTo>
+                    <a:pt x="1295770" y="0"/>
+                  </a:lnTo>
+                  <a:lnTo>
+                    <a:pt x="1295770" y="0"/>
+                  </a:lnTo>
+                </a:path>
+              </a:pathLst>
+            </a:custGeom>
+            <a:ln w="13550" cap="flat">
+              <a:solidFill>
+                <a:srgbClr val="EBEBEB">
+                  <a:alpha val="100000"/>
+                </a:srgbClr>
+              </a:solidFill>
+              <a:prstDash val="solid"/>
+              <a:round/>
+            </a:ln>
+          </p:spPr>
+          <p:txBody>
+            <a:bodyPr/>
+            <a:lstStyle/>
+            <a:p/>
+          </p:txBody>
+        </p:sp>
+        <p:sp>
+          <p:nvSpPr>
+            <p:cNvPr id="96" name="pl96"/>
+            <p:cNvSpPr/>
+            <p:nvPr/>
+          </p:nvSpPr>
+          <p:spPr>
+            <a:xfrm>
+              <a:off x="6370774" y="1809173"/>
+              <a:ext cx="0" cy="3245468"/>
+            </a:xfrm>
+            <a:custGeom>
+              <a:avLst/>
+              <a:pathLst>
+                <a:path w="0" h="3245468">
+                  <a:moveTo>
+                    <a:pt x="0" y="3245468"/>
+                  </a:moveTo>
+                  <a:lnTo>
+                    <a:pt x="0" y="0"/>
+                  </a:lnTo>
+                  <a:lnTo>
+                    <a:pt x="0" y="0"/>
+                  </a:lnTo>
+                </a:path>
+              </a:pathLst>
+            </a:custGeom>
+            <a:ln w="13550" cap="flat">
+              <a:solidFill>
+                <a:srgbClr val="EBEBEB">
+                  <a:alpha val="100000"/>
+                </a:srgbClr>
+              </a:solidFill>
+              <a:prstDash val="solid"/>
+              <a:round/>
+            </a:ln>
+          </p:spPr>
+          <p:txBody>
+            <a:bodyPr/>
+            <a:lstStyle/>
+            <a:p/>
+          </p:txBody>
+        </p:sp>
+        <p:sp>
+          <p:nvSpPr>
+            <p:cNvPr id="97" name="pl97"/>
+            <p:cNvSpPr/>
+            <p:nvPr/>
+          </p:nvSpPr>
+          <p:spPr>
+            <a:xfrm>
+              <a:off x="6528794" y="1809173"/>
+              <a:ext cx="0" cy="3245468"/>
+            </a:xfrm>
+            <a:custGeom>
+              <a:avLst/>
+              <a:pathLst>
+                <a:path w="0" h="3245468">
+                  <a:moveTo>
+                    <a:pt x="0" y="3245468"/>
+                  </a:moveTo>
+                  <a:lnTo>
+                    <a:pt x="0" y="0"/>
+                  </a:lnTo>
+                  <a:lnTo>
+                    <a:pt x="0" y="0"/>
+                  </a:lnTo>
+                </a:path>
+              </a:pathLst>
+            </a:custGeom>
+            <a:ln w="13550" cap="flat">
+              <a:solidFill>
+                <a:srgbClr val="EBEBEB">
+                  <a:alpha val="100000"/>
+                </a:srgbClr>
+              </a:solidFill>
+              <a:prstDash val="solid"/>
+              <a:round/>
+            </a:ln>
+          </p:spPr>
+          <p:txBody>
+            <a:bodyPr/>
+            <a:lstStyle/>
+            <a:p/>
+          </p:txBody>
+        </p:sp>
+        <p:sp>
+          <p:nvSpPr>
+            <p:cNvPr id="98" name="pl98"/>
+            <p:cNvSpPr/>
+            <p:nvPr/>
+          </p:nvSpPr>
+          <p:spPr>
+            <a:xfrm>
+              <a:off x="6686815" y="1809173"/>
+              <a:ext cx="0" cy="3245468"/>
+            </a:xfrm>
+            <a:custGeom>
+              <a:avLst/>
+              <a:pathLst>
+                <a:path w="0" h="3245468">
+                  <a:moveTo>
+                    <a:pt x="0" y="3245468"/>
+                  </a:moveTo>
+                  <a:lnTo>
+                    <a:pt x="0" y="0"/>
+                  </a:lnTo>
+                  <a:lnTo>
+                    <a:pt x="0" y="0"/>
+                  </a:lnTo>
+                </a:path>
+              </a:pathLst>
+            </a:custGeom>
+            <a:ln w="13550" cap="flat">
+              <a:solidFill>
+                <a:srgbClr val="EBEBEB">
+                  <a:alpha val="100000"/>
+                </a:srgbClr>
+              </a:solidFill>
+              <a:prstDash val="solid"/>
+              <a:round/>
+            </a:ln>
+          </p:spPr>
+          <p:txBody>
+            <a:bodyPr/>
+            <a:lstStyle/>
+            <a:p/>
+          </p:txBody>
+        </p:sp>
+        <p:sp>
+          <p:nvSpPr>
+            <p:cNvPr id="99" name="pl99"/>
+            <p:cNvSpPr/>
+            <p:nvPr/>
+          </p:nvSpPr>
+          <p:spPr>
+            <a:xfrm>
+              <a:off x="6844836" y="1809173"/>
+              <a:ext cx="0" cy="3245468"/>
+            </a:xfrm>
+            <a:custGeom>
+              <a:avLst/>
+              <a:pathLst>
+                <a:path w="0" h="3245468">
+                  <a:moveTo>
+                    <a:pt x="0" y="3245468"/>
+                  </a:moveTo>
+                  <a:lnTo>
+                    <a:pt x="0" y="0"/>
+                  </a:lnTo>
+                  <a:lnTo>
+                    <a:pt x="0" y="0"/>
+                  </a:lnTo>
+                </a:path>
+              </a:pathLst>
+            </a:custGeom>
+            <a:ln w="13550" cap="flat">
+              <a:solidFill>
+                <a:srgbClr val="EBEBEB">
+                  <a:alpha val="100000"/>
+                </a:srgbClr>
+              </a:solidFill>
+              <a:prstDash val="solid"/>
+              <a:round/>
+            </a:ln>
+          </p:spPr>
+          <p:txBody>
+            <a:bodyPr/>
+            <a:lstStyle/>
+            <a:p/>
+          </p:txBody>
+        </p:sp>
+        <p:sp>
+          <p:nvSpPr>
+            <p:cNvPr id="100" name="pl100"/>
+            <p:cNvSpPr/>
+            <p:nvPr/>
+          </p:nvSpPr>
+          <p:spPr>
+            <a:xfrm>
+              <a:off x="7002857" y="1809173"/>
+              <a:ext cx="0" cy="3245468"/>
+            </a:xfrm>
+            <a:custGeom>
+              <a:avLst/>
+              <a:pathLst>
+                <a:path w="0" h="3245468">
+                  <a:moveTo>
+                    <a:pt x="0" y="3245468"/>
+                  </a:moveTo>
+                  <a:lnTo>
+                    <a:pt x="0" y="0"/>
+                  </a:lnTo>
+                  <a:lnTo>
+                    <a:pt x="0" y="0"/>
+                  </a:lnTo>
+                </a:path>
+              </a:pathLst>
+            </a:custGeom>
+            <a:ln w="13550" cap="flat">
+              <a:solidFill>
+                <a:srgbClr val="EBEBEB">
+                  <a:alpha val="100000"/>
+                </a:srgbClr>
+              </a:solidFill>
+              <a:prstDash val="solid"/>
+              <a:round/>
+            </a:ln>
+          </p:spPr>
+          <p:txBody>
+            <a:bodyPr/>
+            <a:lstStyle/>
+            <a:p/>
+          </p:txBody>
+        </p:sp>
+        <p:sp>
+          <p:nvSpPr>
+            <p:cNvPr id="101" name="pl101"/>
+            <p:cNvSpPr/>
+            <p:nvPr/>
+          </p:nvSpPr>
+          <p:spPr>
+            <a:xfrm>
+              <a:off x="7160878" y="1809173"/>
+              <a:ext cx="0" cy="3245468"/>
+            </a:xfrm>
+            <a:custGeom>
+              <a:avLst/>
+              <a:pathLst>
+                <a:path w="0" h="3245468">
+                  <a:moveTo>
+                    <a:pt x="0" y="3245468"/>
+                  </a:moveTo>
+                  <a:lnTo>
+                    <a:pt x="0" y="0"/>
+                  </a:lnTo>
+                  <a:lnTo>
+                    <a:pt x="0" y="0"/>
+                  </a:lnTo>
+                </a:path>
+              </a:pathLst>
+            </a:custGeom>
+            <a:ln w="13550" cap="flat">
+              <a:solidFill>
+                <a:srgbClr val="EBEBEB">
+                  <a:alpha val="100000"/>
+                </a:srgbClr>
+              </a:solidFill>
+              <a:prstDash val="solid"/>
+              <a:round/>
+            </a:ln>
+          </p:spPr>
+          <p:txBody>
+            <a:bodyPr/>
+            <a:lstStyle/>
+            <a:p/>
+          </p:txBody>
+        </p:sp>
+        <p:sp>
+          <p:nvSpPr>
+            <p:cNvPr id="102" name="pl102"/>
+            <p:cNvSpPr/>
+            <p:nvPr/>
+          </p:nvSpPr>
+          <p:spPr>
+            <a:xfrm>
+              <a:off x="7318899" y="1809173"/>
+              <a:ext cx="0" cy="3245468"/>
+            </a:xfrm>
+            <a:custGeom>
+              <a:avLst/>
+              <a:pathLst>
+                <a:path w="0" h="3245468">
+                  <a:moveTo>
+                    <a:pt x="0" y="3245468"/>
+                  </a:moveTo>
+                  <a:lnTo>
+                    <a:pt x="0" y="0"/>
+                  </a:lnTo>
+                  <a:lnTo>
+                    <a:pt x="0" y="0"/>
+                  </a:lnTo>
+                </a:path>
+              </a:pathLst>
+            </a:custGeom>
+            <a:ln w="13550" cap="flat">
+              <a:solidFill>
+                <a:srgbClr val="EBEBEB">
+                  <a:alpha val="100000"/>
+                </a:srgbClr>
+              </a:solidFill>
+              <a:prstDash val="solid"/>
+              <a:round/>
+            </a:ln>
+          </p:spPr>
+          <p:txBody>
+            <a:bodyPr/>
+            <a:lstStyle/>
+            <a:p/>
+          </p:txBody>
+        </p:sp>
+        <p:sp>
+          <p:nvSpPr>
+            <p:cNvPr id="103" name="pl103"/>
+            <p:cNvSpPr/>
+            <p:nvPr/>
+          </p:nvSpPr>
+          <p:spPr>
+            <a:xfrm>
+              <a:off x="7476919" y="1809173"/>
+              <a:ext cx="0" cy="3245468"/>
+            </a:xfrm>
+            <a:custGeom>
+              <a:avLst/>
+              <a:pathLst>
+                <a:path w="0" h="3245468">
+                  <a:moveTo>
+                    <a:pt x="0" y="3245468"/>
+                  </a:moveTo>
+                  <a:lnTo>
+                    <a:pt x="0" y="0"/>
+                  </a:lnTo>
+                  <a:lnTo>
+                    <a:pt x="0" y="0"/>
+                  </a:lnTo>
+                </a:path>
+              </a:pathLst>
+            </a:custGeom>
+            <a:ln w="13550" cap="flat">
+              <a:solidFill>
+                <a:srgbClr val="EBEBEB">
+                  <a:alpha val="100000"/>
+                </a:srgbClr>
+              </a:solidFill>
+              <a:prstDash val="solid"/>
+              <a:round/>
+            </a:ln>
+          </p:spPr>
+          <p:txBody>
+            <a:bodyPr/>
+            <a:lstStyle/>
+            <a:p/>
+          </p:txBody>
+        </p:sp>
+        <p:sp>
+          <p:nvSpPr>
+            <p:cNvPr id="104" name="rc104"/>
+            <p:cNvSpPr/>
+            <p:nvPr/>
+          </p:nvSpPr>
+          <p:spPr>
+            <a:xfrm>
+              <a:off x="6299664" y="4706605"/>
+              <a:ext cx="142218" cy="200514"/>
+            </a:xfrm>
+            <a:prstGeom prst="rect">
+              <a:avLst/>
+            </a:prstGeom>
+            <a:solidFill>
+              <a:srgbClr val="FFF5F0">
+                <a:alpha val="100000"/>
+              </a:srgbClr>
+            </a:solidFill>
+          </p:spPr>
+          <p:txBody>
+            <a:bodyPr/>
+            <a:lstStyle/>
+            <a:p/>
+          </p:txBody>
+        </p:sp>
+        <p:sp>
+          <p:nvSpPr>
+            <p:cNvPr id="105" name="rc105"/>
+            <p:cNvSpPr/>
+            <p:nvPr/>
+          </p:nvSpPr>
+          <p:spPr>
+            <a:xfrm>
+              <a:off x="6457685" y="4792540"/>
+              <a:ext cx="142218" cy="114579"/>
+            </a:xfrm>
+            <a:prstGeom prst="rect">
+              <a:avLst/>
+            </a:prstGeom>
+            <a:solidFill>
+              <a:srgbClr val="FEE0D2">
+                <a:alpha val="100000"/>
+              </a:srgbClr>
+            </a:solidFill>
+          </p:spPr>
+          <p:txBody>
+            <a:bodyPr/>
+            <a:lstStyle/>
+            <a:p/>
+          </p:txBody>
+        </p:sp>
+        <p:sp>
+          <p:nvSpPr>
+            <p:cNvPr id="106" name="rc106"/>
+            <p:cNvSpPr/>
+            <p:nvPr/>
+          </p:nvSpPr>
+          <p:spPr>
+            <a:xfrm>
+              <a:off x="6615706" y="4821185"/>
+              <a:ext cx="142218" cy="85934"/>
+            </a:xfrm>
+            <a:prstGeom prst="rect">
+              <a:avLst/>
+            </a:prstGeom>
+            <a:solidFill>
+              <a:srgbClr val="FCBBA1">
+                <a:alpha val="100000"/>
+              </a:srgbClr>
+            </a:solidFill>
+          </p:spPr>
+          <p:txBody>
+            <a:bodyPr/>
+            <a:lstStyle/>
+            <a:p/>
+          </p:txBody>
+        </p:sp>
+        <p:sp>
+          <p:nvSpPr>
+            <p:cNvPr id="107" name="rc107"/>
+            <p:cNvSpPr/>
+            <p:nvPr/>
+          </p:nvSpPr>
+          <p:spPr>
+            <a:xfrm>
+              <a:off x="6773727" y="4821185"/>
+              <a:ext cx="142218" cy="85934"/>
+            </a:xfrm>
+            <a:prstGeom prst="rect">
+              <a:avLst/>
+            </a:prstGeom>
+            <a:solidFill>
+              <a:srgbClr val="FC9272">
+                <a:alpha val="100000"/>
+              </a:srgbClr>
+            </a:solidFill>
+          </p:spPr>
+          <p:txBody>
+            <a:bodyPr/>
+            <a:lstStyle/>
+            <a:p/>
+          </p:txBody>
+        </p:sp>
+        <p:sp>
+          <p:nvSpPr>
+            <p:cNvPr id="108" name="rc108"/>
+            <p:cNvSpPr/>
+            <p:nvPr/>
+          </p:nvSpPr>
+          <p:spPr>
+            <a:xfrm>
+              <a:off x="6931748" y="4792540"/>
+              <a:ext cx="142218" cy="114579"/>
+            </a:xfrm>
+            <a:prstGeom prst="rect">
+              <a:avLst/>
+            </a:prstGeom>
+            <a:solidFill>
+              <a:srgbClr val="FB6A4A">
+                <a:alpha val="100000"/>
+              </a:srgbClr>
+            </a:solidFill>
+          </p:spPr>
+          <p:txBody>
+            <a:bodyPr/>
+            <a:lstStyle/>
+            <a:p/>
+          </p:txBody>
+        </p:sp>
+        <p:sp>
+          <p:nvSpPr>
+            <p:cNvPr id="109" name="rc109"/>
+            <p:cNvSpPr/>
+            <p:nvPr/>
+          </p:nvSpPr>
+          <p:spPr>
+            <a:xfrm>
+              <a:off x="7089768" y="4592026"/>
+              <a:ext cx="142218" cy="315094"/>
+            </a:xfrm>
+            <a:prstGeom prst="rect">
+              <a:avLst/>
+            </a:prstGeom>
+            <a:solidFill>
+              <a:srgbClr val="EF3B2C">
+                <a:alpha val="100000"/>
+              </a:srgbClr>
+            </a:solidFill>
+          </p:spPr>
+          <p:txBody>
+            <a:bodyPr/>
+            <a:lstStyle/>
+            <a:p/>
+          </p:txBody>
+        </p:sp>
+        <p:sp>
+          <p:nvSpPr>
+            <p:cNvPr id="110" name="rc110"/>
+            <p:cNvSpPr/>
+            <p:nvPr/>
+          </p:nvSpPr>
+          <p:spPr>
+            <a:xfrm>
+              <a:off x="7247789" y="4019127"/>
+              <a:ext cx="142218" cy="887992"/>
+            </a:xfrm>
+            <a:prstGeom prst="rect">
+              <a:avLst/>
+            </a:prstGeom>
+            <a:solidFill>
+              <a:srgbClr val="CB181D">
+                <a:alpha val="100000"/>
+              </a:srgbClr>
+            </a:solidFill>
+          </p:spPr>
+          <p:txBody>
+            <a:bodyPr/>
+            <a:lstStyle/>
+            <a:p/>
+          </p:txBody>
+        </p:sp>
+        <p:sp>
+          <p:nvSpPr>
+            <p:cNvPr id="111" name="rc111"/>
+            <p:cNvSpPr/>
+            <p:nvPr/>
+          </p:nvSpPr>
+          <p:spPr>
+            <a:xfrm>
+              <a:off x="7405810" y="4706605"/>
+              <a:ext cx="142218" cy="200514"/>
+            </a:xfrm>
+            <a:prstGeom prst="rect">
+              <a:avLst/>
+            </a:prstGeom>
+            <a:solidFill>
+              <a:srgbClr val="99000D">
+                <a:alpha val="100000"/>
+              </a:srgbClr>
+            </a:solidFill>
+          </p:spPr>
+          <p:txBody>
+            <a:bodyPr/>
+            <a:lstStyle/>
+            <a:p/>
+          </p:txBody>
+        </p:sp>
+        <p:sp>
+          <p:nvSpPr>
+            <p:cNvPr id="112" name="rc112"/>
+            <p:cNvSpPr/>
+            <p:nvPr/>
+          </p:nvSpPr>
+          <p:spPr>
+            <a:xfrm>
+              <a:off x="6275961" y="1809173"/>
+              <a:ext cx="1295770" cy="3245468"/>
+            </a:xfrm>
+            <a:prstGeom prst="rect">
+              <a:avLst/>
+            </a:prstGeom>
+            <a:ln w="13550" cap="rnd">
+              <a:solidFill>
+                <a:srgbClr val="333333">
+                  <a:alpha val="100000"/>
+                </a:srgbClr>
+              </a:solidFill>
+              <a:prstDash val="solid"/>
+              <a:round/>
+            </a:ln>
+          </p:spPr>
+          <p:txBody>
+            <a:bodyPr/>
+            <a:lstStyle/>
+            <a:p/>
+          </p:txBody>
+        </p:sp>
+        <p:sp>
+          <p:nvSpPr>
+            <p:cNvPr id="113" name="rc113"/>
+            <p:cNvSpPr/>
+            <p:nvPr/>
+          </p:nvSpPr>
+          <p:spPr>
+            <a:xfrm>
+              <a:off x="7641321" y="1809173"/>
+              <a:ext cx="1295770" cy="3245468"/>
+            </a:xfrm>
+            <a:prstGeom prst="rect">
+              <a:avLst/>
+            </a:prstGeom>
+            <a:solidFill>
+              <a:srgbClr val="FFFFFF">
+                <a:alpha val="100000"/>
+              </a:srgbClr>
+            </a:solidFill>
+          </p:spPr>
+          <p:txBody>
+            <a:bodyPr/>
+            <a:lstStyle/>
+            <a:p/>
+          </p:txBody>
+        </p:sp>
+        <p:sp>
+          <p:nvSpPr>
+            <p:cNvPr id="114" name="pl114"/>
+            <p:cNvSpPr/>
+            <p:nvPr/>
+          </p:nvSpPr>
+          <p:spPr>
+            <a:xfrm>
+              <a:off x="7641321" y="4549058"/>
+              <a:ext cx="1295770" cy="0"/>
+            </a:xfrm>
+            <a:custGeom>
+              <a:avLst/>
+              <a:pathLst>
+                <a:path w="1295770" h="0">
+                  <a:moveTo>
+                    <a:pt x="0" y="0"/>
+                  </a:moveTo>
+                  <a:lnTo>
+                    <a:pt x="1295770" y="0"/>
+                  </a:lnTo>
+                  <a:lnTo>
+                    <a:pt x="1295770" y="0"/>
+                  </a:lnTo>
+                </a:path>
+              </a:pathLst>
+            </a:custGeom>
+            <a:ln w="6775" cap="flat">
+              <a:solidFill>
+                <a:srgbClr val="EBEBEB">
+                  <a:alpha val="100000"/>
+                </a:srgbClr>
+              </a:solidFill>
+              <a:prstDash val="solid"/>
+              <a:round/>
+            </a:ln>
+          </p:spPr>
+          <p:txBody>
+            <a:bodyPr/>
+            <a:lstStyle/>
+            <a:p/>
+          </p:txBody>
+        </p:sp>
+        <p:sp>
+          <p:nvSpPr>
+            <p:cNvPr id="115" name="pl115"/>
+            <p:cNvSpPr/>
+            <p:nvPr/>
+          </p:nvSpPr>
+          <p:spPr>
+            <a:xfrm>
+              <a:off x="7641321" y="3832936"/>
+              <a:ext cx="1295770" cy="0"/>
+            </a:xfrm>
+            <a:custGeom>
+              <a:avLst/>
+              <a:pathLst>
+                <a:path w="1295770" h="0">
+                  <a:moveTo>
+                    <a:pt x="0" y="0"/>
+                  </a:moveTo>
+                  <a:lnTo>
+                    <a:pt x="1295770" y="0"/>
+                  </a:lnTo>
+                  <a:lnTo>
+                    <a:pt x="1295770" y="0"/>
+                  </a:lnTo>
+                </a:path>
+              </a:pathLst>
+            </a:custGeom>
+            <a:ln w="6775" cap="flat">
+              <a:solidFill>
+                <a:srgbClr val="EBEBEB">
+                  <a:alpha val="100000"/>
+                </a:srgbClr>
+              </a:solidFill>
+              <a:prstDash val="solid"/>
+              <a:round/>
+            </a:ln>
+          </p:spPr>
+          <p:txBody>
+            <a:bodyPr/>
+            <a:lstStyle/>
+            <a:p/>
+          </p:txBody>
+        </p:sp>
+        <p:sp>
+          <p:nvSpPr>
+            <p:cNvPr id="116" name="pl116"/>
+            <p:cNvSpPr/>
+            <p:nvPr/>
+          </p:nvSpPr>
+          <p:spPr>
+            <a:xfrm>
+              <a:off x="7641321" y="3116813"/>
+              <a:ext cx="1295770" cy="0"/>
+            </a:xfrm>
+            <a:custGeom>
+              <a:avLst/>
+              <a:pathLst>
+                <a:path w="1295770" h="0">
+                  <a:moveTo>
+                    <a:pt x="0" y="0"/>
+                  </a:moveTo>
+                  <a:lnTo>
+                    <a:pt x="1295770" y="0"/>
+                  </a:lnTo>
+                  <a:lnTo>
+                    <a:pt x="1295770" y="0"/>
+                  </a:lnTo>
+                </a:path>
+              </a:pathLst>
+            </a:custGeom>
+            <a:ln w="6775" cap="flat">
+              <a:solidFill>
+                <a:srgbClr val="EBEBEB">
+                  <a:alpha val="100000"/>
+                </a:srgbClr>
+              </a:solidFill>
+              <a:prstDash val="solid"/>
+              <a:round/>
+            </a:ln>
+          </p:spPr>
+          <p:txBody>
+            <a:bodyPr/>
+            <a:lstStyle/>
+            <a:p/>
+          </p:txBody>
+        </p:sp>
+        <p:sp>
+          <p:nvSpPr>
+            <p:cNvPr id="117" name="pl117"/>
+            <p:cNvSpPr/>
+            <p:nvPr/>
+          </p:nvSpPr>
+          <p:spPr>
+            <a:xfrm>
+              <a:off x="7641321" y="2400690"/>
+              <a:ext cx="1295770" cy="0"/>
+            </a:xfrm>
+            <a:custGeom>
+              <a:avLst/>
+              <a:pathLst>
+                <a:path w="1295770" h="0">
+                  <a:moveTo>
+                    <a:pt x="0" y="0"/>
+                  </a:moveTo>
+                  <a:lnTo>
+                    <a:pt x="1295770" y="0"/>
+                  </a:lnTo>
+                  <a:lnTo>
+                    <a:pt x="1295770" y="0"/>
+                  </a:lnTo>
+                </a:path>
+              </a:pathLst>
+            </a:custGeom>
+            <a:ln w="6775" cap="flat">
+              <a:solidFill>
+                <a:srgbClr val="EBEBEB">
+                  <a:alpha val="100000"/>
+                </a:srgbClr>
+              </a:solidFill>
+              <a:prstDash val="solid"/>
+              <a:round/>
+            </a:ln>
+          </p:spPr>
+          <p:txBody>
+            <a:bodyPr/>
+            <a:lstStyle/>
+            <a:p/>
+          </p:txBody>
+        </p:sp>
+        <p:sp>
+          <p:nvSpPr>
+            <p:cNvPr id="118" name="pl118"/>
+            <p:cNvSpPr/>
+            <p:nvPr/>
+          </p:nvSpPr>
+          <p:spPr>
+            <a:xfrm>
+              <a:off x="7641321" y="4907120"/>
+              <a:ext cx="1295770" cy="0"/>
+            </a:xfrm>
+            <a:custGeom>
+              <a:avLst/>
+              <a:pathLst>
+                <a:path w="1295770" h="0">
+                  <a:moveTo>
+                    <a:pt x="0" y="0"/>
+                  </a:moveTo>
+                  <a:lnTo>
+                    <a:pt x="1295770" y="0"/>
+                  </a:lnTo>
+                  <a:lnTo>
+                    <a:pt x="1295770" y="0"/>
+                  </a:lnTo>
+                </a:path>
+              </a:pathLst>
+            </a:custGeom>
+            <a:ln w="13550" cap="flat">
+              <a:solidFill>
+                <a:srgbClr val="EBEBEB">
+                  <a:alpha val="100000"/>
+                </a:srgbClr>
+              </a:solidFill>
+              <a:prstDash val="solid"/>
+              <a:round/>
+            </a:ln>
+          </p:spPr>
+          <p:txBody>
+            <a:bodyPr/>
+            <a:lstStyle/>
+            <a:p/>
+          </p:txBody>
+        </p:sp>
+        <p:sp>
+          <p:nvSpPr>
+            <p:cNvPr id="119" name="pl119"/>
+            <p:cNvSpPr/>
+            <p:nvPr/>
+          </p:nvSpPr>
+          <p:spPr>
+            <a:xfrm>
+              <a:off x="7641321" y="4190997"/>
+              <a:ext cx="1295770" cy="0"/>
+            </a:xfrm>
+            <a:custGeom>
+              <a:avLst/>
+              <a:pathLst>
+                <a:path w="1295770" h="0">
+                  <a:moveTo>
+                    <a:pt x="0" y="0"/>
+                  </a:moveTo>
+                  <a:lnTo>
+                    <a:pt x="1295770" y="0"/>
+                  </a:lnTo>
+                  <a:lnTo>
+                    <a:pt x="1295770" y="0"/>
+                  </a:lnTo>
+                </a:path>
+              </a:pathLst>
+            </a:custGeom>
+            <a:ln w="13550" cap="flat">
+              <a:solidFill>
+                <a:srgbClr val="EBEBEB">
+                  <a:alpha val="100000"/>
+                </a:srgbClr>
+              </a:solidFill>
+              <a:prstDash val="solid"/>
+              <a:round/>
+            </a:ln>
+          </p:spPr>
+          <p:txBody>
+            <a:bodyPr/>
+            <a:lstStyle/>
+            <a:p/>
+          </p:txBody>
+        </p:sp>
+        <p:sp>
+          <p:nvSpPr>
+            <p:cNvPr id="120" name="pl120"/>
+            <p:cNvSpPr/>
+            <p:nvPr/>
+          </p:nvSpPr>
+          <p:spPr>
+            <a:xfrm>
+              <a:off x="7641321" y="3474874"/>
+              <a:ext cx="1295770" cy="0"/>
+            </a:xfrm>
+            <a:custGeom>
+              <a:avLst/>
+              <a:pathLst>
+                <a:path w="1295770" h="0">
+                  <a:moveTo>
+                    <a:pt x="0" y="0"/>
+                  </a:moveTo>
+                  <a:lnTo>
+                    <a:pt x="1295770" y="0"/>
+                  </a:lnTo>
+                  <a:lnTo>
+                    <a:pt x="1295770" y="0"/>
+                  </a:lnTo>
+                </a:path>
+              </a:pathLst>
+            </a:custGeom>
+            <a:ln w="13550" cap="flat">
+              <a:solidFill>
+                <a:srgbClr val="EBEBEB">
+                  <a:alpha val="100000"/>
+                </a:srgbClr>
+              </a:solidFill>
+              <a:prstDash val="solid"/>
+              <a:round/>
+            </a:ln>
+          </p:spPr>
+          <p:txBody>
+            <a:bodyPr/>
+            <a:lstStyle/>
+            <a:p/>
+          </p:txBody>
+        </p:sp>
+        <p:sp>
+          <p:nvSpPr>
+            <p:cNvPr id="121" name="pl121"/>
+            <p:cNvSpPr/>
+            <p:nvPr/>
+          </p:nvSpPr>
+          <p:spPr>
+            <a:xfrm>
+              <a:off x="7641321" y="2758751"/>
+              <a:ext cx="1295770" cy="0"/>
+            </a:xfrm>
+            <a:custGeom>
+              <a:avLst/>
+              <a:pathLst>
+                <a:path w="1295770" h="0">
+                  <a:moveTo>
+                    <a:pt x="0" y="0"/>
+                  </a:moveTo>
+                  <a:lnTo>
+                    <a:pt x="1295770" y="0"/>
+                  </a:lnTo>
+                  <a:lnTo>
+                    <a:pt x="1295770" y="0"/>
+                  </a:lnTo>
+                </a:path>
+              </a:pathLst>
+            </a:custGeom>
+            <a:ln w="13550" cap="flat">
+              <a:solidFill>
+                <a:srgbClr val="EBEBEB">
+                  <a:alpha val="100000"/>
+                </a:srgbClr>
+              </a:solidFill>
+              <a:prstDash val="solid"/>
+              <a:round/>
+            </a:ln>
+          </p:spPr>
+          <p:txBody>
+            <a:bodyPr/>
+            <a:lstStyle/>
+            <a:p/>
+          </p:txBody>
+        </p:sp>
+        <p:sp>
+          <p:nvSpPr>
+            <p:cNvPr id="122" name="pl122"/>
+            <p:cNvSpPr/>
+            <p:nvPr/>
+          </p:nvSpPr>
+          <p:spPr>
+            <a:xfrm>
+              <a:off x="7641321" y="2042629"/>
+              <a:ext cx="1295770" cy="0"/>
+            </a:xfrm>
+            <a:custGeom>
+              <a:avLst/>
+              <a:pathLst>
+                <a:path w="1295770" h="0">
+                  <a:moveTo>
+                    <a:pt x="0" y="0"/>
+                  </a:moveTo>
+                  <a:lnTo>
+                    <a:pt x="1295770" y="0"/>
+                  </a:lnTo>
+                  <a:lnTo>
+                    <a:pt x="1295770" y="0"/>
+                  </a:lnTo>
+                </a:path>
+              </a:pathLst>
+            </a:custGeom>
+            <a:ln w="13550" cap="flat">
+              <a:solidFill>
+                <a:srgbClr val="EBEBEB">
+                  <a:alpha val="100000"/>
+                </a:srgbClr>
+              </a:solidFill>
+              <a:prstDash val="solid"/>
+              <a:round/>
+            </a:ln>
+          </p:spPr>
+          <p:txBody>
+            <a:bodyPr/>
+            <a:lstStyle/>
+            <a:p/>
+          </p:txBody>
+        </p:sp>
+        <p:sp>
+          <p:nvSpPr>
+            <p:cNvPr id="123" name="pl123"/>
+            <p:cNvSpPr/>
+            <p:nvPr/>
+          </p:nvSpPr>
+          <p:spPr>
+            <a:xfrm>
+              <a:off x="7736134" y="1809173"/>
+              <a:ext cx="0" cy="3245468"/>
+            </a:xfrm>
+            <a:custGeom>
+              <a:avLst/>
+              <a:pathLst>
+                <a:path w="0" h="3245468">
+                  <a:moveTo>
+                    <a:pt x="0" y="3245468"/>
+                  </a:moveTo>
+                  <a:lnTo>
+                    <a:pt x="0" y="0"/>
+                  </a:lnTo>
+                  <a:lnTo>
+                    <a:pt x="0" y="0"/>
+                  </a:lnTo>
+                </a:path>
+              </a:pathLst>
+            </a:custGeom>
+            <a:ln w="13550" cap="flat">
+              <a:solidFill>
+                <a:srgbClr val="EBEBEB">
+                  <a:alpha val="100000"/>
+                </a:srgbClr>
+              </a:solidFill>
+              <a:prstDash val="solid"/>
+              <a:round/>
+            </a:ln>
+          </p:spPr>
+          <p:txBody>
+            <a:bodyPr/>
+            <a:lstStyle/>
+            <a:p/>
+          </p:txBody>
+        </p:sp>
+        <p:sp>
+          <p:nvSpPr>
+            <p:cNvPr id="124" name="pl124"/>
+            <p:cNvSpPr/>
+            <p:nvPr/>
+          </p:nvSpPr>
+          <p:spPr>
+            <a:xfrm>
+              <a:off x="7894154" y="1809173"/>
+              <a:ext cx="0" cy="3245468"/>
+            </a:xfrm>
+            <a:custGeom>
+              <a:avLst/>
+              <a:pathLst>
+                <a:path w="0" h="3245468">
+                  <a:moveTo>
+                    <a:pt x="0" y="3245468"/>
+                  </a:moveTo>
+                  <a:lnTo>
+                    <a:pt x="0" y="0"/>
+                  </a:lnTo>
+                  <a:lnTo>
+                    <a:pt x="0" y="0"/>
+                  </a:lnTo>
+                </a:path>
+              </a:pathLst>
+            </a:custGeom>
+            <a:ln w="13550" cap="flat">
+              <a:solidFill>
+                <a:srgbClr val="EBEBEB">
+                  <a:alpha val="100000"/>
+                </a:srgbClr>
+              </a:solidFill>
+              <a:prstDash val="solid"/>
+              <a:round/>
+            </a:ln>
+          </p:spPr>
+          <p:txBody>
+            <a:bodyPr/>
+            <a:lstStyle/>
+            <a:p/>
+          </p:txBody>
+        </p:sp>
+        <p:sp>
+          <p:nvSpPr>
+            <p:cNvPr id="125" name="pl125"/>
+            <p:cNvSpPr/>
+            <p:nvPr/>
+          </p:nvSpPr>
+          <p:spPr>
+            <a:xfrm>
+              <a:off x="8052175" y="1809173"/>
+              <a:ext cx="0" cy="3245468"/>
+            </a:xfrm>
+            <a:custGeom>
+              <a:avLst/>
+              <a:pathLst>
+                <a:path w="0" h="3245468">
+                  <a:moveTo>
+                    <a:pt x="0" y="3245468"/>
+                  </a:moveTo>
+                  <a:lnTo>
+                    <a:pt x="0" y="0"/>
+                  </a:lnTo>
+                  <a:lnTo>
+                    <a:pt x="0" y="0"/>
+                  </a:lnTo>
+                </a:path>
+              </a:pathLst>
+            </a:custGeom>
+            <a:ln w="13550" cap="flat">
+              <a:solidFill>
+                <a:srgbClr val="EBEBEB">
+                  <a:alpha val="100000"/>
+                </a:srgbClr>
+              </a:solidFill>
+              <a:prstDash val="solid"/>
+              <a:round/>
+            </a:ln>
+          </p:spPr>
+          <p:txBody>
+            <a:bodyPr/>
+            <a:lstStyle/>
+            <a:p/>
+          </p:txBody>
+        </p:sp>
+        <p:sp>
+          <p:nvSpPr>
+            <p:cNvPr id="126" name="pl126"/>
+            <p:cNvSpPr/>
+            <p:nvPr/>
+          </p:nvSpPr>
+          <p:spPr>
+            <a:xfrm>
+              <a:off x="8210196" y="1809173"/>
+              <a:ext cx="0" cy="3245468"/>
+            </a:xfrm>
+            <a:custGeom>
+              <a:avLst/>
+              <a:pathLst>
+                <a:path w="0" h="3245468">
+                  <a:moveTo>
+                    <a:pt x="0" y="3245468"/>
+                  </a:moveTo>
+                  <a:lnTo>
+                    <a:pt x="0" y="0"/>
+                  </a:lnTo>
+                  <a:lnTo>
+                    <a:pt x="0" y="0"/>
+                  </a:lnTo>
+                </a:path>
+              </a:pathLst>
+            </a:custGeom>
+            <a:ln w="13550" cap="flat">
+              <a:solidFill>
+                <a:srgbClr val="EBEBEB">
+                  <a:alpha val="100000"/>
+                </a:srgbClr>
+              </a:solidFill>
+              <a:prstDash val="solid"/>
+              <a:round/>
+            </a:ln>
+          </p:spPr>
+          <p:txBody>
+            <a:bodyPr/>
+            <a:lstStyle/>
+            <a:p/>
+          </p:txBody>
+        </p:sp>
+        <p:sp>
+          <p:nvSpPr>
+            <p:cNvPr id="127" name="pl127"/>
+            <p:cNvSpPr/>
+            <p:nvPr/>
+          </p:nvSpPr>
+          <p:spPr>
+            <a:xfrm>
+              <a:off x="8368217" y="1809173"/>
+              <a:ext cx="0" cy="3245468"/>
+            </a:xfrm>
+            <a:custGeom>
+              <a:avLst/>
+              <a:pathLst>
+                <a:path w="0" h="3245468">
+                  <a:moveTo>
+                    <a:pt x="0" y="3245468"/>
+                  </a:moveTo>
+                  <a:lnTo>
+                    <a:pt x="0" y="0"/>
+                  </a:lnTo>
+                  <a:lnTo>
+                    <a:pt x="0" y="0"/>
+                  </a:lnTo>
+                </a:path>
+              </a:pathLst>
+            </a:custGeom>
+            <a:ln w="13550" cap="flat">
+              <a:solidFill>
+                <a:srgbClr val="EBEBEB">
+                  <a:alpha val="100000"/>
+                </a:srgbClr>
+              </a:solidFill>
+              <a:prstDash val="solid"/>
+              <a:round/>
+            </a:ln>
+          </p:spPr>
+          <p:txBody>
+            <a:bodyPr/>
+            <a:lstStyle/>
+            <a:p/>
+          </p:txBody>
+        </p:sp>
+        <p:sp>
+          <p:nvSpPr>
+            <p:cNvPr id="128" name="pl128"/>
+            <p:cNvSpPr/>
+            <p:nvPr/>
+          </p:nvSpPr>
+          <p:spPr>
+            <a:xfrm>
+              <a:off x="8526238" y="1809173"/>
+              <a:ext cx="0" cy="3245468"/>
+            </a:xfrm>
+            <a:custGeom>
+              <a:avLst/>
+              <a:pathLst>
+                <a:path w="0" h="3245468">
+                  <a:moveTo>
+                    <a:pt x="0" y="3245468"/>
+                  </a:moveTo>
+                  <a:lnTo>
+                    <a:pt x="0" y="0"/>
+                  </a:lnTo>
+                  <a:lnTo>
+                    <a:pt x="0" y="0"/>
+                  </a:lnTo>
+                </a:path>
+              </a:pathLst>
+            </a:custGeom>
+            <a:ln w="13550" cap="flat">
+              <a:solidFill>
+                <a:srgbClr val="EBEBEB">
+                  <a:alpha val="100000"/>
+                </a:srgbClr>
+              </a:solidFill>
+              <a:prstDash val="solid"/>
+              <a:round/>
+            </a:ln>
+          </p:spPr>
+          <p:txBody>
+            <a:bodyPr/>
+            <a:lstStyle/>
+            <a:p/>
+          </p:txBody>
+        </p:sp>
+        <p:sp>
+          <p:nvSpPr>
+            <p:cNvPr id="129" name="pl129"/>
+            <p:cNvSpPr/>
+            <p:nvPr/>
+          </p:nvSpPr>
+          <p:spPr>
+            <a:xfrm>
+              <a:off x="8684259" y="1809173"/>
+              <a:ext cx="0" cy="3245468"/>
+            </a:xfrm>
+            <a:custGeom>
+              <a:avLst/>
+              <a:pathLst>
+                <a:path w="0" h="3245468">
+                  <a:moveTo>
+                    <a:pt x="0" y="3245468"/>
+                  </a:moveTo>
+                  <a:lnTo>
+                    <a:pt x="0" y="0"/>
+                  </a:lnTo>
+                  <a:lnTo>
+                    <a:pt x="0" y="0"/>
+                  </a:lnTo>
+                </a:path>
+              </a:pathLst>
+            </a:custGeom>
+            <a:ln w="13550" cap="flat">
+              <a:solidFill>
+                <a:srgbClr val="EBEBEB">
+                  <a:alpha val="100000"/>
+                </a:srgbClr>
+              </a:solidFill>
+              <a:prstDash val="solid"/>
+              <a:round/>
+            </a:ln>
+          </p:spPr>
+          <p:txBody>
+            <a:bodyPr/>
+            <a:lstStyle/>
+            <a:p/>
+          </p:txBody>
+        </p:sp>
+        <p:sp>
+          <p:nvSpPr>
+            <p:cNvPr id="130" name="pl130"/>
+            <p:cNvSpPr/>
+            <p:nvPr/>
+          </p:nvSpPr>
+          <p:spPr>
+            <a:xfrm>
+              <a:off x="8842279" y="1809173"/>
+              <a:ext cx="0" cy="3245468"/>
+            </a:xfrm>
+            <a:custGeom>
+              <a:avLst/>
+              <a:pathLst>
+                <a:path w="0" h="3245468">
+                  <a:moveTo>
+                    <a:pt x="0" y="3245468"/>
+                  </a:moveTo>
+                  <a:lnTo>
+                    <a:pt x="0" y="0"/>
+                  </a:lnTo>
+                  <a:lnTo>
+                    <a:pt x="0" y="0"/>
+                  </a:lnTo>
+                </a:path>
+              </a:pathLst>
+            </a:custGeom>
+            <a:ln w="13550" cap="flat">
+              <a:solidFill>
+                <a:srgbClr val="EBEBEB">
+                  <a:alpha val="100000"/>
+                </a:srgbClr>
+              </a:solidFill>
+              <a:prstDash val="solid"/>
+              <a:round/>
+            </a:ln>
+          </p:spPr>
+          <p:txBody>
+            <a:bodyPr/>
+            <a:lstStyle/>
+            <a:p/>
+          </p:txBody>
+        </p:sp>
+        <p:sp>
+          <p:nvSpPr>
+            <p:cNvPr id="131" name="rc131"/>
+            <p:cNvSpPr/>
+            <p:nvPr/>
+          </p:nvSpPr>
+          <p:spPr>
+            <a:xfrm>
+              <a:off x="7665024" y="4592026"/>
+              <a:ext cx="142218" cy="315094"/>
+            </a:xfrm>
+            <a:prstGeom prst="rect">
+              <a:avLst/>
+            </a:prstGeom>
+            <a:solidFill>
+              <a:srgbClr val="FFF5F0">
+                <a:alpha val="100000"/>
+              </a:srgbClr>
+            </a:solidFill>
+          </p:spPr>
+          <p:txBody>
+            <a:bodyPr/>
+            <a:lstStyle/>
+            <a:p/>
+          </p:txBody>
+        </p:sp>
+        <p:sp>
+          <p:nvSpPr>
+            <p:cNvPr id="132" name="rc132"/>
+            <p:cNvSpPr/>
+            <p:nvPr/>
+          </p:nvSpPr>
+          <p:spPr>
+            <a:xfrm>
+              <a:off x="7823045" y="4506091"/>
+              <a:ext cx="142218" cy="401028"/>
+            </a:xfrm>
+            <a:prstGeom prst="rect">
+              <a:avLst/>
+            </a:prstGeom>
+            <a:solidFill>
+              <a:srgbClr val="FEE0D2">
+                <a:alpha val="100000"/>
+              </a:srgbClr>
+            </a:solidFill>
+          </p:spPr>
+          <p:txBody>
+            <a:bodyPr/>
+            <a:lstStyle/>
+            <a:p/>
+          </p:txBody>
+        </p:sp>
+        <p:sp>
+          <p:nvSpPr>
+            <p:cNvPr id="133" name="rc133"/>
+            <p:cNvSpPr/>
+            <p:nvPr/>
+          </p:nvSpPr>
+          <p:spPr>
+            <a:xfrm>
+              <a:off x="7981066" y="4620671"/>
+              <a:ext cx="142218" cy="286449"/>
+            </a:xfrm>
+            <a:prstGeom prst="rect">
+              <a:avLst/>
+            </a:prstGeom>
+            <a:solidFill>
+              <a:srgbClr val="FCBBA1">
+                <a:alpha val="100000"/>
+              </a:srgbClr>
+            </a:solidFill>
+          </p:spPr>
+          <p:txBody>
+            <a:bodyPr/>
+            <a:lstStyle/>
+            <a:p/>
+          </p:txBody>
+        </p:sp>
+        <p:sp>
+          <p:nvSpPr>
+            <p:cNvPr id="134" name="rc134"/>
+            <p:cNvSpPr/>
+            <p:nvPr/>
+          </p:nvSpPr>
+          <p:spPr>
+            <a:xfrm>
+              <a:off x="8139087" y="4792540"/>
+              <a:ext cx="142218" cy="114579"/>
+            </a:xfrm>
+            <a:prstGeom prst="rect">
+              <a:avLst/>
+            </a:prstGeom>
+            <a:solidFill>
+              <a:srgbClr val="FC9272">
+                <a:alpha val="100000"/>
+              </a:srgbClr>
+            </a:solidFill>
+          </p:spPr>
+          <p:txBody>
+            <a:bodyPr/>
+            <a:lstStyle/>
+            <a:p/>
+          </p:txBody>
+        </p:sp>
+        <p:sp>
+          <p:nvSpPr>
+            <p:cNvPr id="135" name="rc135"/>
+            <p:cNvSpPr/>
+            <p:nvPr/>
+          </p:nvSpPr>
+          <p:spPr>
+            <a:xfrm>
+              <a:off x="8297108" y="4649315"/>
+              <a:ext cx="142218" cy="257804"/>
+            </a:xfrm>
+            <a:prstGeom prst="rect">
+              <a:avLst/>
+            </a:prstGeom>
+            <a:solidFill>
+              <a:srgbClr val="FB6A4A">
+                <a:alpha val="100000"/>
+              </a:srgbClr>
+            </a:solidFill>
+          </p:spPr>
+          <p:txBody>
+            <a:bodyPr/>
+            <a:lstStyle/>
+            <a:p/>
+          </p:txBody>
+        </p:sp>
+        <p:sp>
+          <p:nvSpPr>
+            <p:cNvPr id="136" name="rc136"/>
+            <p:cNvSpPr/>
+            <p:nvPr/>
+          </p:nvSpPr>
+          <p:spPr>
+            <a:xfrm>
+              <a:off x="8455128" y="4534736"/>
+              <a:ext cx="142218" cy="372383"/>
+            </a:xfrm>
+            <a:prstGeom prst="rect">
+              <a:avLst/>
+            </a:prstGeom>
+            <a:solidFill>
+              <a:srgbClr val="EF3B2C">
+                <a:alpha val="100000"/>
+              </a:srgbClr>
+            </a:solidFill>
+          </p:spPr>
+          <p:txBody>
+            <a:bodyPr/>
+            <a:lstStyle/>
+            <a:p/>
+          </p:txBody>
+        </p:sp>
+        <p:sp>
+          <p:nvSpPr>
+            <p:cNvPr id="137" name="rc137"/>
+            <p:cNvSpPr/>
+            <p:nvPr/>
+          </p:nvSpPr>
+          <p:spPr>
+            <a:xfrm>
+              <a:off x="8613149" y="4133707"/>
+              <a:ext cx="142218" cy="773412"/>
+            </a:xfrm>
+            <a:prstGeom prst="rect">
+              <a:avLst/>
+            </a:prstGeom>
+            <a:solidFill>
+              <a:srgbClr val="CB181D">
+                <a:alpha val="100000"/>
+              </a:srgbClr>
+            </a:solidFill>
+          </p:spPr>
+          <p:txBody>
+            <a:bodyPr/>
+            <a:lstStyle/>
+            <a:p/>
+          </p:txBody>
+        </p:sp>
+        <p:sp>
+          <p:nvSpPr>
+            <p:cNvPr id="138" name="rc138"/>
+            <p:cNvSpPr/>
+            <p:nvPr/>
+          </p:nvSpPr>
+          <p:spPr>
+            <a:xfrm>
+              <a:off x="8771170" y="4620671"/>
+              <a:ext cx="142218" cy="286449"/>
+            </a:xfrm>
+            <a:prstGeom prst="rect">
+              <a:avLst/>
+            </a:prstGeom>
+            <a:solidFill>
+              <a:srgbClr val="99000D">
+                <a:alpha val="100000"/>
+              </a:srgbClr>
+            </a:solidFill>
+          </p:spPr>
+          <p:txBody>
+            <a:bodyPr/>
+            <a:lstStyle/>
+            <a:p/>
+          </p:txBody>
+        </p:sp>
+        <p:sp>
+          <p:nvSpPr>
+            <p:cNvPr id="139" name="rc139"/>
+            <p:cNvSpPr/>
+            <p:nvPr/>
+          </p:nvSpPr>
+          <p:spPr>
+            <a:xfrm>
+              <a:off x="7641321" y="1809173"/>
+              <a:ext cx="1295770" cy="3245468"/>
+            </a:xfrm>
+            <a:prstGeom prst="rect">
+              <a:avLst/>
+            </a:prstGeom>
+            <a:ln w="13550" cap="rnd">
+              <a:solidFill>
+                <a:srgbClr val="333333">
+                  <a:alpha val="100000"/>
+                </a:srgbClr>
+              </a:solidFill>
+              <a:prstDash val="solid"/>
+              <a:round/>
+            </a:ln>
+          </p:spPr>
+          <p:txBody>
+            <a:bodyPr/>
+            <a:lstStyle/>
+            <a:p/>
+          </p:txBody>
+        </p:sp>
+        <p:sp>
+          <p:nvSpPr>
+            <p:cNvPr id="140" name="rc140"/>
+            <p:cNvSpPr/>
+            <p:nvPr/>
+          </p:nvSpPr>
+          <p:spPr>
+            <a:xfrm>
+              <a:off x="2179881" y="1590617"/>
+              <a:ext cx="1295770" cy="218555"/>
+            </a:xfrm>
+            <a:prstGeom prst="rect">
+              <a:avLst/>
+            </a:prstGeom>
+            <a:solidFill>
+              <a:srgbClr val="D9D9D9">
+                <a:alpha val="100000"/>
+              </a:srgbClr>
+            </a:solidFill>
+            <a:ln w="13550" cap="rnd">
+              <a:solidFill>
+                <a:srgbClr val="333333">
+                  <a:alpha val="100000"/>
+                </a:srgbClr>
+              </a:solidFill>
+              <a:prstDash val="solid"/>
+              <a:round/>
+            </a:ln>
+          </p:spPr>
+          <p:txBody>
+            <a:bodyPr/>
+            <a:lstStyle/>
+            <a:p/>
+          </p:txBody>
+        </p:sp>
+        <p:sp>
+          <p:nvSpPr>
+            <p:cNvPr id="141" name="tx141"/>
+            <p:cNvSpPr/>
+            <p:nvPr/>
+          </p:nvSpPr>
+          <p:spPr>
+            <a:xfrm>
+              <a:off x="2618217" y="1670045"/>
+              <a:ext cx="419100" cy="69850"/>
             </a:xfrm>
             <a:prstGeom prst="rect">
               <a:avLst/>
@@ -4421,30 +8226,65 @@
                 </a:spcAft>
               </a:pPr>
               <a:r>
-                <a:rPr sz="880" b="1">
+                <a:rPr sz="880">
                   <a:solidFill>
-                    <a:srgbClr val="4D4D4D">
+                    <a:srgbClr val="1A1A1A">
                       <a:alpha val="100000"/>
                     </a:srgbClr>
                   </a:solidFill>
                   <a:latin typeface="Arial"/>
                   <a:cs typeface="Arial"/>
                 </a:rPr>
-                <a:t>7</a:t>
+                <a:t>基础研究者</a:t>
               </a:r>
             </a:p>
           </p:txBody>
         </p:sp>
         <p:sp>
           <p:nvSpPr>
-            <p:cNvPr id="37" name="tx37"/>
-            <p:cNvSpPr/>
-            <p:nvPr/>
-          </p:nvSpPr>
-          <p:spPr>
-            <a:xfrm>
-              <a:off x="1926599" y="4697611"/>
-              <a:ext cx="62155" cy="81691"/>
+            <p:cNvPr id="142" name="rc142"/>
+            <p:cNvSpPr/>
+            <p:nvPr/>
+          </p:nvSpPr>
+          <p:spPr>
+            <a:xfrm>
+              <a:off x="3545241" y="1590617"/>
+              <a:ext cx="1295770" cy="218555"/>
+            </a:xfrm>
+            <a:prstGeom prst="rect">
+              <a:avLst/>
+            </a:prstGeom>
+            <a:solidFill>
+              <a:srgbClr val="D9D9D9">
+                <a:alpha val="100000"/>
+              </a:srgbClr>
+            </a:solidFill>
+            <a:ln w="13550" cap="rnd">
+              <a:solidFill>
+                <a:srgbClr val="333333">
+                  <a:alpha val="100000"/>
+                </a:srgbClr>
+              </a:solidFill>
+              <a:prstDash val="solid"/>
+              <a:round/>
+            </a:ln>
+          </p:spPr>
+          <p:txBody>
+            <a:bodyPr/>
+            <a:lstStyle/>
+            <a:p/>
+          </p:txBody>
+        </p:sp>
+        <p:sp>
+          <p:nvSpPr>
+            <p:cNvPr id="143" name="tx143"/>
+            <p:cNvSpPr/>
+            <p:nvPr/>
+          </p:nvSpPr>
+          <p:spPr>
+            <a:xfrm>
+              <a:off x="4025487" y="1670045"/>
+              <a:ext cx="335280" cy="69850"/>
             </a:xfrm>
             <a:prstGeom prst="rect">
               <a:avLst/>
@@ -4467,30 +8307,65 @@
                 </a:spcAft>
               </a:pPr>
               <a:r>
-                <a:rPr sz="880" b="1">
+                <a:rPr sz="880">
                   <a:solidFill>
-                    <a:srgbClr val="4D4D4D">
+                    <a:srgbClr val="1A1A1A">
                       <a:alpha val="100000"/>
                     </a:srgbClr>
                   </a:solidFill>
                   <a:latin typeface="Arial"/>
                   <a:cs typeface="Arial"/>
                 </a:rPr>
-                <a:t>6</a:t>
+                <a:t>临床医生</a:t>
               </a:r>
             </a:p>
           </p:txBody>
         </p:sp>
         <p:sp>
           <p:nvSpPr>
-            <p:cNvPr id="38" name="tx38"/>
-            <p:cNvSpPr/>
-            <p:nvPr/>
-          </p:nvSpPr>
-          <p:spPr>
-            <a:xfrm>
-              <a:off x="1926599" y="4136765"/>
-              <a:ext cx="62155" cy="80272"/>
+            <p:cNvPr id="144" name="rc144"/>
+            <p:cNvSpPr/>
+            <p:nvPr/>
+          </p:nvSpPr>
+          <p:spPr>
+            <a:xfrm>
+              <a:off x="4910601" y="1590617"/>
+              <a:ext cx="1295770" cy="218555"/>
+            </a:xfrm>
+            <a:prstGeom prst="rect">
+              <a:avLst/>
+            </a:prstGeom>
+            <a:solidFill>
+              <a:srgbClr val="D9D9D9">
+                <a:alpha val="100000"/>
+              </a:srgbClr>
+            </a:solidFill>
+            <a:ln w="13550" cap="rnd">
+              <a:solidFill>
+                <a:srgbClr val="333333">
+                  <a:alpha val="100000"/>
+                </a:srgbClr>
+              </a:solidFill>
+              <a:prstDash val="solid"/>
+              <a:round/>
+            </a:ln>
+          </p:spPr>
+          <p:txBody>
+            <a:bodyPr/>
+            <a:lstStyle/>
+            <a:p/>
+          </p:txBody>
+        </p:sp>
+        <p:sp>
+          <p:nvSpPr>
+            <p:cNvPr id="145" name="tx145"/>
+            <p:cNvSpPr/>
+            <p:nvPr/>
+          </p:nvSpPr>
+          <p:spPr>
+            <a:xfrm>
+              <a:off x="5348937" y="1670045"/>
+              <a:ext cx="419100" cy="69850"/>
             </a:xfrm>
             <a:prstGeom prst="rect">
               <a:avLst/>
@@ -4513,30 +8388,65 @@
                 </a:spcAft>
               </a:pPr>
               <a:r>
-                <a:rPr sz="880" b="1">
+                <a:rPr sz="880">
                   <a:solidFill>
-                    <a:srgbClr val="4D4D4D">
+                    <a:srgbClr val="1A1A1A">
                       <a:alpha val="100000"/>
                     </a:srgbClr>
                   </a:solidFill>
                   <a:latin typeface="Arial"/>
                   <a:cs typeface="Arial"/>
                 </a:rPr>
-                <a:t>5</a:t>
+                <a:t>企业管理者</a:t>
               </a:r>
             </a:p>
           </p:txBody>
         </p:sp>
         <p:sp>
           <p:nvSpPr>
-            <p:cNvPr id="39" name="tx39"/>
-            <p:cNvSpPr/>
-            <p:nvPr/>
-          </p:nvSpPr>
-          <p:spPr>
-            <a:xfrm>
-              <a:off x="1926599" y="3574445"/>
-              <a:ext cx="62155" cy="80327"/>
+            <p:cNvPr id="146" name="rc146"/>
+            <p:cNvSpPr/>
+            <p:nvPr/>
+          </p:nvSpPr>
+          <p:spPr>
+            <a:xfrm>
+              <a:off x="6275961" y="1590617"/>
+              <a:ext cx="1295770" cy="218555"/>
+            </a:xfrm>
+            <a:prstGeom prst="rect">
+              <a:avLst/>
+            </a:prstGeom>
+            <a:solidFill>
+              <a:srgbClr val="D9D9D9">
+                <a:alpha val="100000"/>
+              </a:srgbClr>
+            </a:solidFill>
+            <a:ln w="13550" cap="rnd">
+              <a:solidFill>
+                <a:srgbClr val="333333">
+                  <a:alpha val="100000"/>
+                </a:srgbClr>
+              </a:solidFill>
+              <a:prstDash val="solid"/>
+              <a:round/>
+            </a:ln>
+          </p:spPr>
+          <p:txBody>
+            <a:bodyPr/>
+            <a:lstStyle/>
+            <a:p/>
+          </p:txBody>
+        </p:sp>
+        <p:sp>
+          <p:nvSpPr>
+            <p:cNvPr id="147" name="tx147"/>
+            <p:cNvSpPr/>
+            <p:nvPr/>
+          </p:nvSpPr>
+          <p:spPr>
+            <a:xfrm>
+              <a:off x="6672387" y="1670045"/>
+              <a:ext cx="502920" cy="69850"/>
             </a:xfrm>
             <a:prstGeom prst="rect">
               <a:avLst/>
@@ -4559,30 +8469,65 @@
                 </a:spcAft>
               </a:pPr>
               <a:r>
-                <a:rPr sz="880" b="1">
+                <a:rPr sz="880">
                   <a:solidFill>
-                    <a:srgbClr val="4D4D4D">
+                    <a:srgbClr val="1A1A1A">
                       <a:alpha val="100000"/>
                     </a:srgbClr>
                   </a:solidFill>
                   <a:latin typeface="Arial"/>
                   <a:cs typeface="Arial"/>
                 </a:rPr>
-                <a:t>4</a:t>
+                <a:t>企业研发人员</a:t>
               </a:r>
             </a:p>
           </p:txBody>
         </p:sp>
         <p:sp>
           <p:nvSpPr>
-            <p:cNvPr id="40" name="tx40"/>
-            <p:cNvSpPr/>
-            <p:nvPr/>
-          </p:nvSpPr>
-          <p:spPr>
-            <a:xfrm>
-              <a:off x="1926599" y="3010815"/>
-              <a:ext cx="62155" cy="81691"/>
+            <p:cNvPr id="148" name="rc148"/>
+            <p:cNvSpPr/>
+            <p:nvPr/>
+          </p:nvSpPr>
+          <p:spPr>
+            <a:xfrm>
+              <a:off x="7641321" y="1590617"/>
+              <a:ext cx="1295770" cy="218555"/>
+            </a:xfrm>
+            <a:prstGeom prst="rect">
+              <a:avLst/>
+            </a:prstGeom>
+            <a:solidFill>
+              <a:srgbClr val="D9D9D9">
+                <a:alpha val="100000"/>
+              </a:srgbClr>
+            </a:solidFill>
+            <a:ln w="13550" cap="rnd">
+              <a:solidFill>
+                <a:srgbClr val="333333">
+                  <a:alpha val="100000"/>
+                </a:srgbClr>
+              </a:solidFill>
+              <a:prstDash val="solid"/>
+              <a:round/>
+            </a:ln>
+          </p:spPr>
+          <p:txBody>
+            <a:bodyPr/>
+            <a:lstStyle/>
+            <a:p/>
+          </p:txBody>
+        </p:sp>
+        <p:sp>
+          <p:nvSpPr>
+            <p:cNvPr id="149" name="tx149"/>
+            <p:cNvSpPr/>
+            <p:nvPr/>
+          </p:nvSpPr>
+          <p:spPr>
+            <a:xfrm>
+              <a:off x="8205386" y="1670045"/>
+              <a:ext cx="167640" cy="69850"/>
             </a:xfrm>
             <a:prstGeom prst="rect">
               <a:avLst/>
@@ -4605,401 +8550,29 @@
                 </a:spcAft>
               </a:pPr>
               <a:r>
-                <a:rPr sz="880" b="1">
+                <a:rPr sz="880">
                   <a:solidFill>
-                    <a:srgbClr val="4D4D4D">
+                    <a:srgbClr val="1A1A1A">
                       <a:alpha val="100000"/>
                     </a:srgbClr>
                   </a:solidFill>
                   <a:latin typeface="Arial"/>
                   <a:cs typeface="Arial"/>
                 </a:rPr>
-                <a:t>3</a:t>
+                <a:t>其他</a:t>
               </a:r>
             </a:p>
           </p:txBody>
         </p:sp>
         <p:sp>
           <p:nvSpPr>
-            <p:cNvPr id="41" name="tx41"/>
-            <p:cNvSpPr/>
-            <p:nvPr/>
-          </p:nvSpPr>
-          <p:spPr>
-            <a:xfrm>
-              <a:off x="1926599" y="2449914"/>
-              <a:ext cx="62155" cy="80327"/>
-            </a:xfrm>
-            <a:prstGeom prst="rect">
-              <a:avLst/>
-            </a:prstGeom>
-            <a:noFill/>
-          </p:spPr>
-          <p:txBody>
-            <a:bodyPr lIns="0" rIns="0" tIns="0" bIns="0" anchorCtr="1" anchor="ctr" wrap="none"/>
-            <a:lstStyle/>
-            <a:p>
-              <a:pPr algn="l" marL="0" marR="0" indent="0">
-                <a:lnSpc>
-                  <a:spcPts val="880"/>
-                </a:lnSpc>
-                <a:spcBef>
-                  <a:spcPts val="0"/>
-                </a:spcBef>
-                <a:spcAft>
-                  <a:spcPts val="0"/>
-                </a:spcAft>
-              </a:pPr>
-              <a:r>
-                <a:rPr sz="880" b="1">
-                  <a:solidFill>
-                    <a:srgbClr val="4D4D4D">
-                      <a:alpha val="100000"/>
-                    </a:srgbClr>
-                  </a:solidFill>
-                  <a:latin typeface="Arial"/>
-                  <a:cs typeface="Arial"/>
-                </a:rPr>
-                <a:t>2</a:t>
-              </a:r>
-            </a:p>
-          </p:txBody>
-        </p:sp>
-        <p:sp>
-          <p:nvSpPr>
-            <p:cNvPr id="42" name="tx42"/>
-            <p:cNvSpPr/>
-            <p:nvPr/>
-          </p:nvSpPr>
-          <p:spPr>
-            <a:xfrm>
-              <a:off x="1926599" y="1887649"/>
-              <a:ext cx="62155" cy="80327"/>
-            </a:xfrm>
-            <a:prstGeom prst="rect">
-              <a:avLst/>
-            </a:prstGeom>
-            <a:noFill/>
-          </p:spPr>
-          <p:txBody>
-            <a:bodyPr lIns="0" rIns="0" tIns="0" bIns="0" anchorCtr="1" anchor="ctr" wrap="none"/>
-            <a:lstStyle/>
-            <a:p>
-              <a:pPr algn="l" marL="0" marR="0" indent="0">
-                <a:lnSpc>
-                  <a:spcPts val="880"/>
-                </a:lnSpc>
-                <a:spcBef>
-                  <a:spcPts val="0"/>
-                </a:spcBef>
-                <a:spcAft>
-                  <a:spcPts val="0"/>
-                </a:spcAft>
-              </a:pPr>
-              <a:r>
-                <a:rPr sz="880" b="1">
-                  <a:solidFill>
-                    <a:srgbClr val="4D4D4D">
-                      <a:alpha val="100000"/>
-                    </a:srgbClr>
-                  </a:solidFill>
-                  <a:latin typeface="Arial"/>
-                  <a:cs typeface="Arial"/>
-                </a:rPr>
-                <a:t>1</a:t>
-              </a:r>
-            </a:p>
-          </p:txBody>
-        </p:sp>
-        <p:sp>
-          <p:nvSpPr>
-            <p:cNvPr id="43" name="pl43"/>
-            <p:cNvSpPr/>
-            <p:nvPr/>
-          </p:nvSpPr>
-          <p:spPr>
-            <a:xfrm>
-              <a:off x="1988754" y="5301568"/>
-              <a:ext cx="34794" cy="0"/>
-            </a:xfrm>
-            <a:custGeom>
-              <a:avLst/>
-              <a:pathLst>
-                <a:path w="34794" h="0">
-                  <a:moveTo>
-                    <a:pt x="0" y="0"/>
-                  </a:moveTo>
-                  <a:lnTo>
-                    <a:pt x="34794" y="0"/>
-                  </a:lnTo>
-                </a:path>
-              </a:pathLst>
-            </a:custGeom>
-            <a:ln w="6775" cap="flat">
-              <a:solidFill>
-                <a:srgbClr val="B3B3B3">
-                  <a:alpha val="100000"/>
-                </a:srgbClr>
-              </a:solidFill>
-              <a:prstDash val="solid"/>
-              <a:round/>
-            </a:ln>
-          </p:spPr>
-          <p:txBody>
-            <a:bodyPr/>
-            <a:lstStyle/>
-            <a:p/>
-          </p:txBody>
-        </p:sp>
-        <p:sp>
-          <p:nvSpPr>
-            <p:cNvPr id="44" name="pl44"/>
-            <p:cNvSpPr/>
-            <p:nvPr/>
-          </p:nvSpPr>
-          <p:spPr>
-            <a:xfrm>
-              <a:off x="1988754" y="4739303"/>
-              <a:ext cx="34794" cy="0"/>
-            </a:xfrm>
-            <a:custGeom>
-              <a:avLst/>
-              <a:pathLst>
-                <a:path w="34794" h="0">
-                  <a:moveTo>
-                    <a:pt x="0" y="0"/>
-                  </a:moveTo>
-                  <a:lnTo>
-                    <a:pt x="34794" y="0"/>
-                  </a:lnTo>
-                </a:path>
-              </a:pathLst>
-            </a:custGeom>
-            <a:ln w="6775" cap="flat">
-              <a:solidFill>
-                <a:srgbClr val="B3B3B3">
-                  <a:alpha val="100000"/>
-                </a:srgbClr>
-              </a:solidFill>
-              <a:prstDash val="solid"/>
-              <a:round/>
-            </a:ln>
-          </p:spPr>
-          <p:txBody>
-            <a:bodyPr/>
-            <a:lstStyle/>
-            <a:p/>
-          </p:txBody>
-        </p:sp>
-        <p:sp>
-          <p:nvSpPr>
-            <p:cNvPr id="45" name="pl45"/>
-            <p:cNvSpPr/>
-            <p:nvPr/>
-          </p:nvSpPr>
-          <p:spPr>
-            <a:xfrm>
-              <a:off x="1988754" y="4177037"/>
-              <a:ext cx="34794" cy="0"/>
-            </a:xfrm>
-            <a:custGeom>
-              <a:avLst/>
-              <a:pathLst>
-                <a:path w="34794" h="0">
-                  <a:moveTo>
-                    <a:pt x="0" y="0"/>
-                  </a:moveTo>
-                  <a:lnTo>
-                    <a:pt x="34794" y="0"/>
-                  </a:lnTo>
-                </a:path>
-              </a:pathLst>
-            </a:custGeom>
-            <a:ln w="6775" cap="flat">
-              <a:solidFill>
-                <a:srgbClr val="B3B3B3">
-                  <a:alpha val="100000"/>
-                </a:srgbClr>
-              </a:solidFill>
-              <a:prstDash val="solid"/>
-              <a:round/>
-            </a:ln>
-          </p:spPr>
-          <p:txBody>
-            <a:bodyPr/>
-            <a:lstStyle/>
-            <a:p/>
-          </p:txBody>
-        </p:sp>
-        <p:sp>
-          <p:nvSpPr>
-            <p:cNvPr id="46" name="pl46"/>
-            <p:cNvSpPr/>
-            <p:nvPr/>
-          </p:nvSpPr>
-          <p:spPr>
-            <a:xfrm>
-              <a:off x="1988754" y="3614772"/>
-              <a:ext cx="34794" cy="0"/>
-            </a:xfrm>
-            <a:custGeom>
-              <a:avLst/>
-              <a:pathLst>
-                <a:path w="34794" h="0">
-                  <a:moveTo>
-                    <a:pt x="0" y="0"/>
-                  </a:moveTo>
-                  <a:lnTo>
-                    <a:pt x="34794" y="0"/>
-                  </a:lnTo>
-                </a:path>
-              </a:pathLst>
-            </a:custGeom>
-            <a:ln w="6775" cap="flat">
-              <a:solidFill>
-                <a:srgbClr val="B3B3B3">
-                  <a:alpha val="100000"/>
-                </a:srgbClr>
-              </a:solidFill>
-              <a:prstDash val="solid"/>
-              <a:round/>
-            </a:ln>
-          </p:spPr>
-          <p:txBody>
-            <a:bodyPr/>
-            <a:lstStyle/>
-            <a:p/>
-          </p:txBody>
-        </p:sp>
-        <p:sp>
-          <p:nvSpPr>
-            <p:cNvPr id="47" name="pl47"/>
-            <p:cNvSpPr/>
-            <p:nvPr/>
-          </p:nvSpPr>
-          <p:spPr>
-            <a:xfrm>
-              <a:off x="1988754" y="3052507"/>
-              <a:ext cx="34794" cy="0"/>
-            </a:xfrm>
-            <a:custGeom>
-              <a:avLst/>
-              <a:pathLst>
-                <a:path w="34794" h="0">
-                  <a:moveTo>
-                    <a:pt x="0" y="0"/>
-                  </a:moveTo>
-                  <a:lnTo>
-                    <a:pt x="34794" y="0"/>
-                  </a:lnTo>
-                </a:path>
-              </a:pathLst>
-            </a:custGeom>
-            <a:ln w="6775" cap="flat">
-              <a:solidFill>
-                <a:srgbClr val="B3B3B3">
-                  <a:alpha val="100000"/>
-                </a:srgbClr>
-              </a:solidFill>
-              <a:prstDash val="solid"/>
-              <a:round/>
-            </a:ln>
-          </p:spPr>
-          <p:txBody>
-            <a:bodyPr/>
-            <a:lstStyle/>
-            <a:p/>
-          </p:txBody>
-        </p:sp>
-        <p:sp>
-          <p:nvSpPr>
-            <p:cNvPr id="48" name="pl48"/>
-            <p:cNvSpPr/>
-            <p:nvPr/>
-          </p:nvSpPr>
-          <p:spPr>
-            <a:xfrm>
-              <a:off x="1988754" y="2490241"/>
-              <a:ext cx="34794" cy="0"/>
-            </a:xfrm>
-            <a:custGeom>
-              <a:avLst/>
-              <a:pathLst>
-                <a:path w="34794" h="0">
-                  <a:moveTo>
-                    <a:pt x="0" y="0"/>
-                  </a:moveTo>
-                  <a:lnTo>
-                    <a:pt x="34794" y="0"/>
-                  </a:lnTo>
-                </a:path>
-              </a:pathLst>
-            </a:custGeom>
-            <a:ln w="6775" cap="flat">
-              <a:solidFill>
-                <a:srgbClr val="B3B3B3">
-                  <a:alpha val="100000"/>
-                </a:srgbClr>
-              </a:solidFill>
-              <a:prstDash val="solid"/>
-              <a:round/>
-            </a:ln>
-          </p:spPr>
-          <p:txBody>
-            <a:bodyPr/>
-            <a:lstStyle/>
-            <a:p/>
-          </p:txBody>
-        </p:sp>
-        <p:sp>
-          <p:nvSpPr>
-            <p:cNvPr id="49" name="pl49"/>
-            <p:cNvSpPr/>
-            <p:nvPr/>
-          </p:nvSpPr>
-          <p:spPr>
-            <a:xfrm>
-              <a:off x="1988754" y="1927976"/>
-              <a:ext cx="34794" cy="0"/>
-            </a:xfrm>
-            <a:custGeom>
-              <a:avLst/>
-              <a:pathLst>
-                <a:path w="34794" h="0">
-                  <a:moveTo>
-                    <a:pt x="0" y="0"/>
-                  </a:moveTo>
-                  <a:lnTo>
-                    <a:pt x="34794" y="0"/>
-                  </a:lnTo>
-                </a:path>
-              </a:pathLst>
-            </a:custGeom>
-            <a:ln w="6775" cap="flat">
-              <a:solidFill>
-                <a:srgbClr val="B3B3B3">
-                  <a:alpha val="100000"/>
-                </a:srgbClr>
-              </a:solidFill>
-              <a:prstDash val="solid"/>
-              <a:round/>
-            </a:ln>
-          </p:spPr>
-          <p:txBody>
-            <a:bodyPr/>
-            <a:lstStyle/>
-            <a:p/>
-          </p:txBody>
-        </p:sp>
-        <p:sp>
-          <p:nvSpPr>
-            <p:cNvPr id="50" name="pl50"/>
-            <p:cNvSpPr/>
-            <p:nvPr/>
-          </p:nvSpPr>
-          <p:spPr>
-            <a:xfrm>
-              <a:off x="2023549" y="5638927"/>
+            <p:cNvPr id="150" name="pl150"/>
+            <p:cNvSpPr/>
+            <p:nvPr/>
+          </p:nvSpPr>
+          <p:spPr>
+            <a:xfrm>
+              <a:off x="2274694" y="5054641"/>
               <a:ext cx="0" cy="34794"/>
             </a:xfrm>
             <a:custGeom>
@@ -5015,31 +8588,31 @@
                 </a:path>
               </a:pathLst>
             </a:custGeom>
-            <a:ln w="6775" cap="flat">
-              <a:solidFill>
-                <a:srgbClr val="B3B3B3">
-                  <a:alpha val="100000"/>
-                </a:srgbClr>
-              </a:solidFill>
-              <a:prstDash val="solid"/>
-              <a:round/>
-            </a:ln>
-          </p:spPr>
-          <p:txBody>
-            <a:bodyPr/>
-            <a:lstStyle/>
-            <a:p/>
-          </p:txBody>
-        </p:sp>
-        <p:sp>
-          <p:nvSpPr>
-            <p:cNvPr id="51" name="pl51"/>
-            <p:cNvSpPr/>
-            <p:nvPr/>
-          </p:nvSpPr>
-          <p:spPr>
-            <a:xfrm>
-              <a:off x="3934994" y="5638927"/>
+            <a:ln w="13550" cap="flat">
+              <a:solidFill>
+                <a:srgbClr val="333333">
+                  <a:alpha val="100000"/>
+                </a:srgbClr>
+              </a:solidFill>
+              <a:prstDash val="solid"/>
+              <a:round/>
+            </a:ln>
+          </p:spPr>
+          <p:txBody>
+            <a:bodyPr/>
+            <a:lstStyle/>
+            <a:p/>
+          </p:txBody>
+        </p:sp>
+        <p:sp>
+          <p:nvSpPr>
+            <p:cNvPr id="151" name="pl151"/>
+            <p:cNvSpPr/>
+            <p:nvPr/>
+          </p:nvSpPr>
+          <p:spPr>
+            <a:xfrm>
+              <a:off x="2432715" y="5054641"/>
               <a:ext cx="0" cy="34794"/>
             </a:xfrm>
             <a:custGeom>
@@ -5055,31 +8628,31 @@
                 </a:path>
               </a:pathLst>
             </a:custGeom>
-            <a:ln w="6775" cap="flat">
-              <a:solidFill>
-                <a:srgbClr val="B3B3B3">
-                  <a:alpha val="100000"/>
-                </a:srgbClr>
-              </a:solidFill>
-              <a:prstDash val="solid"/>
-              <a:round/>
-            </a:ln>
-          </p:spPr>
-          <p:txBody>
-            <a:bodyPr/>
-            <a:lstStyle/>
-            <a:p/>
-          </p:txBody>
-        </p:sp>
-        <p:sp>
-          <p:nvSpPr>
-            <p:cNvPr id="52" name="pl52"/>
-            <p:cNvSpPr/>
-            <p:nvPr/>
-          </p:nvSpPr>
-          <p:spPr>
-            <a:xfrm>
-              <a:off x="5846439" y="5638927"/>
+            <a:ln w="13550" cap="flat">
+              <a:solidFill>
+                <a:srgbClr val="333333">
+                  <a:alpha val="100000"/>
+                </a:srgbClr>
+              </a:solidFill>
+              <a:prstDash val="solid"/>
+              <a:round/>
+            </a:ln>
+          </p:spPr>
+          <p:txBody>
+            <a:bodyPr/>
+            <a:lstStyle/>
+            <a:p/>
+          </p:txBody>
+        </p:sp>
+        <p:sp>
+          <p:nvSpPr>
+            <p:cNvPr id="152" name="pl152"/>
+            <p:cNvSpPr/>
+            <p:nvPr/>
+          </p:nvSpPr>
+          <p:spPr>
+            <a:xfrm>
+              <a:off x="2590735" y="5054641"/>
               <a:ext cx="0" cy="34794"/>
             </a:xfrm>
             <a:custGeom>
@@ -5095,31 +8668,31 @@
                 </a:path>
               </a:pathLst>
             </a:custGeom>
-            <a:ln w="6775" cap="flat">
-              <a:solidFill>
-                <a:srgbClr val="B3B3B3">
-                  <a:alpha val="100000"/>
-                </a:srgbClr>
-              </a:solidFill>
-              <a:prstDash val="solid"/>
-              <a:round/>
-            </a:ln>
-          </p:spPr>
-          <p:txBody>
-            <a:bodyPr/>
-            <a:lstStyle/>
-            <a:p/>
-          </p:txBody>
-        </p:sp>
-        <p:sp>
-          <p:nvSpPr>
-            <p:cNvPr id="53" name="pl53"/>
-            <p:cNvSpPr/>
-            <p:nvPr/>
-          </p:nvSpPr>
-          <p:spPr>
-            <a:xfrm>
-              <a:off x="7757883" y="5638927"/>
+            <a:ln w="13550" cap="flat">
+              <a:solidFill>
+                <a:srgbClr val="333333">
+                  <a:alpha val="100000"/>
+                </a:srgbClr>
+              </a:solidFill>
+              <a:prstDash val="solid"/>
+              <a:round/>
+            </a:ln>
+          </p:spPr>
+          <p:txBody>
+            <a:bodyPr/>
+            <a:lstStyle/>
+            <a:p/>
+          </p:txBody>
+        </p:sp>
+        <p:sp>
+          <p:nvSpPr>
+            <p:cNvPr id="153" name="pl153"/>
+            <p:cNvSpPr/>
+            <p:nvPr/>
+          </p:nvSpPr>
+          <p:spPr>
+            <a:xfrm>
+              <a:off x="2748756" y="5054641"/>
               <a:ext cx="0" cy="34794"/>
             </a:xfrm>
             <a:custGeom>
@@ -5135,31 +8708,1471 @@
                 </a:path>
               </a:pathLst>
             </a:custGeom>
-            <a:ln w="6775" cap="flat">
-              <a:solidFill>
-                <a:srgbClr val="B3B3B3">
-                  <a:alpha val="100000"/>
-                </a:srgbClr>
-              </a:solidFill>
-              <a:prstDash val="solid"/>
-              <a:round/>
-            </a:ln>
-          </p:spPr>
-          <p:txBody>
-            <a:bodyPr/>
-            <a:lstStyle/>
-            <a:p/>
-          </p:txBody>
-        </p:sp>
-        <p:sp>
-          <p:nvSpPr>
-            <p:cNvPr id="54" name="tx54"/>
-            <p:cNvSpPr/>
-            <p:nvPr/>
-          </p:nvSpPr>
-          <p:spPr>
-            <a:xfrm>
-              <a:off x="1992471" y="5699866"/>
+            <a:ln w="13550" cap="flat">
+              <a:solidFill>
+                <a:srgbClr val="333333">
+                  <a:alpha val="100000"/>
+                </a:srgbClr>
+              </a:solidFill>
+              <a:prstDash val="solid"/>
+              <a:round/>
+            </a:ln>
+          </p:spPr>
+          <p:txBody>
+            <a:bodyPr/>
+            <a:lstStyle/>
+            <a:p/>
+          </p:txBody>
+        </p:sp>
+        <p:sp>
+          <p:nvSpPr>
+            <p:cNvPr id="154" name="pl154"/>
+            <p:cNvSpPr/>
+            <p:nvPr/>
+          </p:nvSpPr>
+          <p:spPr>
+            <a:xfrm>
+              <a:off x="2906777" y="5054641"/>
+              <a:ext cx="0" cy="34794"/>
+            </a:xfrm>
+            <a:custGeom>
+              <a:avLst/>
+              <a:pathLst>
+                <a:path w="0" h="34794">
+                  <a:moveTo>
+                    <a:pt x="0" y="34794"/>
+                  </a:moveTo>
+                  <a:lnTo>
+                    <a:pt x="0" y="0"/>
+                  </a:lnTo>
+                </a:path>
+              </a:pathLst>
+            </a:custGeom>
+            <a:ln w="13550" cap="flat">
+              <a:solidFill>
+                <a:srgbClr val="333333">
+                  <a:alpha val="100000"/>
+                </a:srgbClr>
+              </a:solidFill>
+              <a:prstDash val="solid"/>
+              <a:round/>
+            </a:ln>
+          </p:spPr>
+          <p:txBody>
+            <a:bodyPr/>
+            <a:lstStyle/>
+            <a:p/>
+          </p:txBody>
+        </p:sp>
+        <p:sp>
+          <p:nvSpPr>
+            <p:cNvPr id="155" name="pl155"/>
+            <p:cNvSpPr/>
+            <p:nvPr/>
+          </p:nvSpPr>
+          <p:spPr>
+            <a:xfrm>
+              <a:off x="3064798" y="5054641"/>
+              <a:ext cx="0" cy="34794"/>
+            </a:xfrm>
+            <a:custGeom>
+              <a:avLst/>
+              <a:pathLst>
+                <a:path w="0" h="34794">
+                  <a:moveTo>
+                    <a:pt x="0" y="34794"/>
+                  </a:moveTo>
+                  <a:lnTo>
+                    <a:pt x="0" y="0"/>
+                  </a:lnTo>
+                </a:path>
+              </a:pathLst>
+            </a:custGeom>
+            <a:ln w="13550" cap="flat">
+              <a:solidFill>
+                <a:srgbClr val="333333">
+                  <a:alpha val="100000"/>
+                </a:srgbClr>
+              </a:solidFill>
+              <a:prstDash val="solid"/>
+              <a:round/>
+            </a:ln>
+          </p:spPr>
+          <p:txBody>
+            <a:bodyPr/>
+            <a:lstStyle/>
+            <a:p/>
+          </p:txBody>
+        </p:sp>
+        <p:sp>
+          <p:nvSpPr>
+            <p:cNvPr id="156" name="pl156"/>
+            <p:cNvSpPr/>
+            <p:nvPr/>
+          </p:nvSpPr>
+          <p:spPr>
+            <a:xfrm>
+              <a:off x="3222819" y="5054641"/>
+              <a:ext cx="0" cy="34794"/>
+            </a:xfrm>
+            <a:custGeom>
+              <a:avLst/>
+              <a:pathLst>
+                <a:path w="0" h="34794">
+                  <a:moveTo>
+                    <a:pt x="0" y="34794"/>
+                  </a:moveTo>
+                  <a:lnTo>
+                    <a:pt x="0" y="0"/>
+                  </a:lnTo>
+                </a:path>
+              </a:pathLst>
+            </a:custGeom>
+            <a:ln w="13550" cap="flat">
+              <a:solidFill>
+                <a:srgbClr val="333333">
+                  <a:alpha val="100000"/>
+                </a:srgbClr>
+              </a:solidFill>
+              <a:prstDash val="solid"/>
+              <a:round/>
+            </a:ln>
+          </p:spPr>
+          <p:txBody>
+            <a:bodyPr/>
+            <a:lstStyle/>
+            <a:p/>
+          </p:txBody>
+        </p:sp>
+        <p:sp>
+          <p:nvSpPr>
+            <p:cNvPr id="157" name="pl157"/>
+            <p:cNvSpPr/>
+            <p:nvPr/>
+          </p:nvSpPr>
+          <p:spPr>
+            <a:xfrm>
+              <a:off x="3380840" y="5054641"/>
+              <a:ext cx="0" cy="34794"/>
+            </a:xfrm>
+            <a:custGeom>
+              <a:avLst/>
+              <a:pathLst>
+                <a:path w="0" h="34794">
+                  <a:moveTo>
+                    <a:pt x="0" y="34794"/>
+                  </a:moveTo>
+                  <a:lnTo>
+                    <a:pt x="0" y="0"/>
+                  </a:lnTo>
+                </a:path>
+              </a:pathLst>
+            </a:custGeom>
+            <a:ln w="13550" cap="flat">
+              <a:solidFill>
+                <a:srgbClr val="333333">
+                  <a:alpha val="100000"/>
+                </a:srgbClr>
+              </a:solidFill>
+              <a:prstDash val="solid"/>
+              <a:round/>
+            </a:ln>
+          </p:spPr>
+          <p:txBody>
+            <a:bodyPr/>
+            <a:lstStyle/>
+            <a:p/>
+          </p:txBody>
+        </p:sp>
+        <p:sp>
+          <p:nvSpPr>
+            <p:cNvPr id="158" name="pl158"/>
+            <p:cNvSpPr/>
+            <p:nvPr/>
+          </p:nvSpPr>
+          <p:spPr>
+            <a:xfrm>
+              <a:off x="3640054" y="5054641"/>
+              <a:ext cx="0" cy="34794"/>
+            </a:xfrm>
+            <a:custGeom>
+              <a:avLst/>
+              <a:pathLst>
+                <a:path w="0" h="34794">
+                  <a:moveTo>
+                    <a:pt x="0" y="34794"/>
+                  </a:moveTo>
+                  <a:lnTo>
+                    <a:pt x="0" y="0"/>
+                  </a:lnTo>
+                </a:path>
+              </a:pathLst>
+            </a:custGeom>
+            <a:ln w="13550" cap="flat">
+              <a:solidFill>
+                <a:srgbClr val="333333">
+                  <a:alpha val="100000"/>
+                </a:srgbClr>
+              </a:solidFill>
+              <a:prstDash val="solid"/>
+              <a:round/>
+            </a:ln>
+          </p:spPr>
+          <p:txBody>
+            <a:bodyPr/>
+            <a:lstStyle/>
+            <a:p/>
+          </p:txBody>
+        </p:sp>
+        <p:sp>
+          <p:nvSpPr>
+            <p:cNvPr id="159" name="pl159"/>
+            <p:cNvSpPr/>
+            <p:nvPr/>
+          </p:nvSpPr>
+          <p:spPr>
+            <a:xfrm>
+              <a:off x="3798075" y="5054641"/>
+              <a:ext cx="0" cy="34794"/>
+            </a:xfrm>
+            <a:custGeom>
+              <a:avLst/>
+              <a:pathLst>
+                <a:path w="0" h="34794">
+                  <a:moveTo>
+                    <a:pt x="0" y="34794"/>
+                  </a:moveTo>
+                  <a:lnTo>
+                    <a:pt x="0" y="0"/>
+                  </a:lnTo>
+                </a:path>
+              </a:pathLst>
+            </a:custGeom>
+            <a:ln w="13550" cap="flat">
+              <a:solidFill>
+                <a:srgbClr val="333333">
+                  <a:alpha val="100000"/>
+                </a:srgbClr>
+              </a:solidFill>
+              <a:prstDash val="solid"/>
+              <a:round/>
+            </a:ln>
+          </p:spPr>
+          <p:txBody>
+            <a:bodyPr/>
+            <a:lstStyle/>
+            <a:p/>
+          </p:txBody>
+        </p:sp>
+        <p:sp>
+          <p:nvSpPr>
+            <p:cNvPr id="160" name="pl160"/>
+            <p:cNvSpPr/>
+            <p:nvPr/>
+          </p:nvSpPr>
+          <p:spPr>
+            <a:xfrm>
+              <a:off x="3956095" y="5054641"/>
+              <a:ext cx="0" cy="34794"/>
+            </a:xfrm>
+            <a:custGeom>
+              <a:avLst/>
+              <a:pathLst>
+                <a:path w="0" h="34794">
+                  <a:moveTo>
+                    <a:pt x="0" y="34794"/>
+                  </a:moveTo>
+                  <a:lnTo>
+                    <a:pt x="0" y="0"/>
+                  </a:lnTo>
+                </a:path>
+              </a:pathLst>
+            </a:custGeom>
+            <a:ln w="13550" cap="flat">
+              <a:solidFill>
+                <a:srgbClr val="333333">
+                  <a:alpha val="100000"/>
+                </a:srgbClr>
+              </a:solidFill>
+              <a:prstDash val="solid"/>
+              <a:round/>
+            </a:ln>
+          </p:spPr>
+          <p:txBody>
+            <a:bodyPr/>
+            <a:lstStyle/>
+            <a:p/>
+          </p:txBody>
+        </p:sp>
+        <p:sp>
+          <p:nvSpPr>
+            <p:cNvPr id="161" name="pl161"/>
+            <p:cNvSpPr/>
+            <p:nvPr/>
+          </p:nvSpPr>
+          <p:spPr>
+            <a:xfrm>
+              <a:off x="4114116" y="5054641"/>
+              <a:ext cx="0" cy="34794"/>
+            </a:xfrm>
+            <a:custGeom>
+              <a:avLst/>
+              <a:pathLst>
+                <a:path w="0" h="34794">
+                  <a:moveTo>
+                    <a:pt x="0" y="34794"/>
+                  </a:moveTo>
+                  <a:lnTo>
+                    <a:pt x="0" y="0"/>
+                  </a:lnTo>
+                </a:path>
+              </a:pathLst>
+            </a:custGeom>
+            <a:ln w="13550" cap="flat">
+              <a:solidFill>
+                <a:srgbClr val="333333">
+                  <a:alpha val="100000"/>
+                </a:srgbClr>
+              </a:solidFill>
+              <a:prstDash val="solid"/>
+              <a:round/>
+            </a:ln>
+          </p:spPr>
+          <p:txBody>
+            <a:bodyPr/>
+            <a:lstStyle/>
+            <a:p/>
+          </p:txBody>
+        </p:sp>
+        <p:sp>
+          <p:nvSpPr>
+            <p:cNvPr id="162" name="pl162"/>
+            <p:cNvSpPr/>
+            <p:nvPr/>
+          </p:nvSpPr>
+          <p:spPr>
+            <a:xfrm>
+              <a:off x="4272137" y="5054641"/>
+              <a:ext cx="0" cy="34794"/>
+            </a:xfrm>
+            <a:custGeom>
+              <a:avLst/>
+              <a:pathLst>
+                <a:path w="0" h="34794">
+                  <a:moveTo>
+                    <a:pt x="0" y="34794"/>
+                  </a:moveTo>
+                  <a:lnTo>
+                    <a:pt x="0" y="0"/>
+                  </a:lnTo>
+                </a:path>
+              </a:pathLst>
+            </a:custGeom>
+            <a:ln w="13550" cap="flat">
+              <a:solidFill>
+                <a:srgbClr val="333333">
+                  <a:alpha val="100000"/>
+                </a:srgbClr>
+              </a:solidFill>
+              <a:prstDash val="solid"/>
+              <a:round/>
+            </a:ln>
+          </p:spPr>
+          <p:txBody>
+            <a:bodyPr/>
+            <a:lstStyle/>
+            <a:p/>
+          </p:txBody>
+        </p:sp>
+        <p:sp>
+          <p:nvSpPr>
+            <p:cNvPr id="163" name="pl163"/>
+            <p:cNvSpPr/>
+            <p:nvPr/>
+          </p:nvSpPr>
+          <p:spPr>
+            <a:xfrm>
+              <a:off x="4430158" y="5054641"/>
+              <a:ext cx="0" cy="34794"/>
+            </a:xfrm>
+            <a:custGeom>
+              <a:avLst/>
+              <a:pathLst>
+                <a:path w="0" h="34794">
+                  <a:moveTo>
+                    <a:pt x="0" y="34794"/>
+                  </a:moveTo>
+                  <a:lnTo>
+                    <a:pt x="0" y="0"/>
+                  </a:lnTo>
+                </a:path>
+              </a:pathLst>
+            </a:custGeom>
+            <a:ln w="13550" cap="flat">
+              <a:solidFill>
+                <a:srgbClr val="333333">
+                  <a:alpha val="100000"/>
+                </a:srgbClr>
+              </a:solidFill>
+              <a:prstDash val="solid"/>
+              <a:round/>
+            </a:ln>
+          </p:spPr>
+          <p:txBody>
+            <a:bodyPr/>
+            <a:lstStyle/>
+            <a:p/>
+          </p:txBody>
+        </p:sp>
+        <p:sp>
+          <p:nvSpPr>
+            <p:cNvPr id="164" name="pl164"/>
+            <p:cNvSpPr/>
+            <p:nvPr/>
+          </p:nvSpPr>
+          <p:spPr>
+            <a:xfrm>
+              <a:off x="4588179" y="5054641"/>
+              <a:ext cx="0" cy="34794"/>
+            </a:xfrm>
+            <a:custGeom>
+              <a:avLst/>
+              <a:pathLst>
+                <a:path w="0" h="34794">
+                  <a:moveTo>
+                    <a:pt x="0" y="34794"/>
+                  </a:moveTo>
+                  <a:lnTo>
+                    <a:pt x="0" y="0"/>
+                  </a:lnTo>
+                </a:path>
+              </a:pathLst>
+            </a:custGeom>
+            <a:ln w="13550" cap="flat">
+              <a:solidFill>
+                <a:srgbClr val="333333">
+                  <a:alpha val="100000"/>
+                </a:srgbClr>
+              </a:solidFill>
+              <a:prstDash val="solid"/>
+              <a:round/>
+            </a:ln>
+          </p:spPr>
+          <p:txBody>
+            <a:bodyPr/>
+            <a:lstStyle/>
+            <a:p/>
+          </p:txBody>
+        </p:sp>
+        <p:sp>
+          <p:nvSpPr>
+            <p:cNvPr id="165" name="pl165"/>
+            <p:cNvSpPr/>
+            <p:nvPr/>
+          </p:nvSpPr>
+          <p:spPr>
+            <a:xfrm>
+              <a:off x="4746200" y="5054641"/>
+              <a:ext cx="0" cy="34794"/>
+            </a:xfrm>
+            <a:custGeom>
+              <a:avLst/>
+              <a:pathLst>
+                <a:path w="0" h="34794">
+                  <a:moveTo>
+                    <a:pt x="0" y="34794"/>
+                  </a:moveTo>
+                  <a:lnTo>
+                    <a:pt x="0" y="0"/>
+                  </a:lnTo>
+                </a:path>
+              </a:pathLst>
+            </a:custGeom>
+            <a:ln w="13550" cap="flat">
+              <a:solidFill>
+                <a:srgbClr val="333333">
+                  <a:alpha val="100000"/>
+                </a:srgbClr>
+              </a:solidFill>
+              <a:prstDash val="solid"/>
+              <a:round/>
+            </a:ln>
+          </p:spPr>
+          <p:txBody>
+            <a:bodyPr/>
+            <a:lstStyle/>
+            <a:p/>
+          </p:txBody>
+        </p:sp>
+        <p:sp>
+          <p:nvSpPr>
+            <p:cNvPr id="166" name="pl166"/>
+            <p:cNvSpPr/>
+            <p:nvPr/>
+          </p:nvSpPr>
+          <p:spPr>
+            <a:xfrm>
+              <a:off x="5005414" y="5054641"/>
+              <a:ext cx="0" cy="34794"/>
+            </a:xfrm>
+            <a:custGeom>
+              <a:avLst/>
+              <a:pathLst>
+                <a:path w="0" h="34794">
+                  <a:moveTo>
+                    <a:pt x="0" y="34794"/>
+                  </a:moveTo>
+                  <a:lnTo>
+                    <a:pt x="0" y="0"/>
+                  </a:lnTo>
+                </a:path>
+              </a:pathLst>
+            </a:custGeom>
+            <a:ln w="13550" cap="flat">
+              <a:solidFill>
+                <a:srgbClr val="333333">
+                  <a:alpha val="100000"/>
+                </a:srgbClr>
+              </a:solidFill>
+              <a:prstDash val="solid"/>
+              <a:round/>
+            </a:ln>
+          </p:spPr>
+          <p:txBody>
+            <a:bodyPr/>
+            <a:lstStyle/>
+            <a:p/>
+          </p:txBody>
+        </p:sp>
+        <p:sp>
+          <p:nvSpPr>
+            <p:cNvPr id="167" name="pl167"/>
+            <p:cNvSpPr/>
+            <p:nvPr/>
+          </p:nvSpPr>
+          <p:spPr>
+            <a:xfrm>
+              <a:off x="5163434" y="5054641"/>
+              <a:ext cx="0" cy="34794"/>
+            </a:xfrm>
+            <a:custGeom>
+              <a:avLst/>
+              <a:pathLst>
+                <a:path w="0" h="34794">
+                  <a:moveTo>
+                    <a:pt x="0" y="34794"/>
+                  </a:moveTo>
+                  <a:lnTo>
+                    <a:pt x="0" y="0"/>
+                  </a:lnTo>
+                </a:path>
+              </a:pathLst>
+            </a:custGeom>
+            <a:ln w="13550" cap="flat">
+              <a:solidFill>
+                <a:srgbClr val="333333">
+                  <a:alpha val="100000"/>
+                </a:srgbClr>
+              </a:solidFill>
+              <a:prstDash val="solid"/>
+              <a:round/>
+            </a:ln>
+          </p:spPr>
+          <p:txBody>
+            <a:bodyPr/>
+            <a:lstStyle/>
+            <a:p/>
+          </p:txBody>
+        </p:sp>
+        <p:sp>
+          <p:nvSpPr>
+            <p:cNvPr id="168" name="pl168"/>
+            <p:cNvSpPr/>
+            <p:nvPr/>
+          </p:nvSpPr>
+          <p:spPr>
+            <a:xfrm>
+              <a:off x="5321455" y="5054641"/>
+              <a:ext cx="0" cy="34794"/>
+            </a:xfrm>
+            <a:custGeom>
+              <a:avLst/>
+              <a:pathLst>
+                <a:path w="0" h="34794">
+                  <a:moveTo>
+                    <a:pt x="0" y="34794"/>
+                  </a:moveTo>
+                  <a:lnTo>
+                    <a:pt x="0" y="0"/>
+                  </a:lnTo>
+                </a:path>
+              </a:pathLst>
+            </a:custGeom>
+            <a:ln w="13550" cap="flat">
+              <a:solidFill>
+                <a:srgbClr val="333333">
+                  <a:alpha val="100000"/>
+                </a:srgbClr>
+              </a:solidFill>
+              <a:prstDash val="solid"/>
+              <a:round/>
+            </a:ln>
+          </p:spPr>
+          <p:txBody>
+            <a:bodyPr/>
+            <a:lstStyle/>
+            <a:p/>
+          </p:txBody>
+        </p:sp>
+        <p:sp>
+          <p:nvSpPr>
+            <p:cNvPr id="169" name="pl169"/>
+            <p:cNvSpPr/>
+            <p:nvPr/>
+          </p:nvSpPr>
+          <p:spPr>
+            <a:xfrm>
+              <a:off x="5479476" y="5054641"/>
+              <a:ext cx="0" cy="34794"/>
+            </a:xfrm>
+            <a:custGeom>
+              <a:avLst/>
+              <a:pathLst>
+                <a:path w="0" h="34794">
+                  <a:moveTo>
+                    <a:pt x="0" y="34794"/>
+                  </a:moveTo>
+                  <a:lnTo>
+                    <a:pt x="0" y="0"/>
+                  </a:lnTo>
+                </a:path>
+              </a:pathLst>
+            </a:custGeom>
+            <a:ln w="13550" cap="flat">
+              <a:solidFill>
+                <a:srgbClr val="333333">
+                  <a:alpha val="100000"/>
+                </a:srgbClr>
+              </a:solidFill>
+              <a:prstDash val="solid"/>
+              <a:round/>
+            </a:ln>
+          </p:spPr>
+          <p:txBody>
+            <a:bodyPr/>
+            <a:lstStyle/>
+            <a:p/>
+          </p:txBody>
+        </p:sp>
+        <p:sp>
+          <p:nvSpPr>
+            <p:cNvPr id="170" name="pl170"/>
+            <p:cNvSpPr/>
+            <p:nvPr/>
+          </p:nvSpPr>
+          <p:spPr>
+            <a:xfrm>
+              <a:off x="5637497" y="5054641"/>
+              <a:ext cx="0" cy="34794"/>
+            </a:xfrm>
+            <a:custGeom>
+              <a:avLst/>
+              <a:pathLst>
+                <a:path w="0" h="34794">
+                  <a:moveTo>
+                    <a:pt x="0" y="34794"/>
+                  </a:moveTo>
+                  <a:lnTo>
+                    <a:pt x="0" y="0"/>
+                  </a:lnTo>
+                </a:path>
+              </a:pathLst>
+            </a:custGeom>
+            <a:ln w="13550" cap="flat">
+              <a:solidFill>
+                <a:srgbClr val="333333">
+                  <a:alpha val="100000"/>
+                </a:srgbClr>
+              </a:solidFill>
+              <a:prstDash val="solid"/>
+              <a:round/>
+            </a:ln>
+          </p:spPr>
+          <p:txBody>
+            <a:bodyPr/>
+            <a:lstStyle/>
+            <a:p/>
+          </p:txBody>
+        </p:sp>
+        <p:sp>
+          <p:nvSpPr>
+            <p:cNvPr id="171" name="pl171"/>
+            <p:cNvSpPr/>
+            <p:nvPr/>
+          </p:nvSpPr>
+          <p:spPr>
+            <a:xfrm>
+              <a:off x="5795518" y="5054641"/>
+              <a:ext cx="0" cy="34794"/>
+            </a:xfrm>
+            <a:custGeom>
+              <a:avLst/>
+              <a:pathLst>
+                <a:path w="0" h="34794">
+                  <a:moveTo>
+                    <a:pt x="0" y="34794"/>
+                  </a:moveTo>
+                  <a:lnTo>
+                    <a:pt x="0" y="0"/>
+                  </a:lnTo>
+                </a:path>
+              </a:pathLst>
+            </a:custGeom>
+            <a:ln w="13550" cap="flat">
+              <a:solidFill>
+                <a:srgbClr val="333333">
+                  <a:alpha val="100000"/>
+                </a:srgbClr>
+              </a:solidFill>
+              <a:prstDash val="solid"/>
+              <a:round/>
+            </a:ln>
+          </p:spPr>
+          <p:txBody>
+            <a:bodyPr/>
+            <a:lstStyle/>
+            <a:p/>
+          </p:txBody>
+        </p:sp>
+        <p:sp>
+          <p:nvSpPr>
+            <p:cNvPr id="172" name="pl172"/>
+            <p:cNvSpPr/>
+            <p:nvPr/>
+          </p:nvSpPr>
+          <p:spPr>
+            <a:xfrm>
+              <a:off x="5953539" y="5054641"/>
+              <a:ext cx="0" cy="34794"/>
+            </a:xfrm>
+            <a:custGeom>
+              <a:avLst/>
+              <a:pathLst>
+                <a:path w="0" h="34794">
+                  <a:moveTo>
+                    <a:pt x="0" y="34794"/>
+                  </a:moveTo>
+                  <a:lnTo>
+                    <a:pt x="0" y="0"/>
+                  </a:lnTo>
+                </a:path>
+              </a:pathLst>
+            </a:custGeom>
+            <a:ln w="13550" cap="flat">
+              <a:solidFill>
+                <a:srgbClr val="333333">
+                  <a:alpha val="100000"/>
+                </a:srgbClr>
+              </a:solidFill>
+              <a:prstDash val="solid"/>
+              <a:round/>
+            </a:ln>
+          </p:spPr>
+          <p:txBody>
+            <a:bodyPr/>
+            <a:lstStyle/>
+            <a:p/>
+          </p:txBody>
+        </p:sp>
+        <p:sp>
+          <p:nvSpPr>
+            <p:cNvPr id="173" name="pl173"/>
+            <p:cNvSpPr/>
+            <p:nvPr/>
+          </p:nvSpPr>
+          <p:spPr>
+            <a:xfrm>
+              <a:off x="6111560" y="5054641"/>
+              <a:ext cx="0" cy="34794"/>
+            </a:xfrm>
+            <a:custGeom>
+              <a:avLst/>
+              <a:pathLst>
+                <a:path w="0" h="34794">
+                  <a:moveTo>
+                    <a:pt x="0" y="34794"/>
+                  </a:moveTo>
+                  <a:lnTo>
+                    <a:pt x="0" y="0"/>
+                  </a:lnTo>
+                </a:path>
+              </a:pathLst>
+            </a:custGeom>
+            <a:ln w="13550" cap="flat">
+              <a:solidFill>
+                <a:srgbClr val="333333">
+                  <a:alpha val="100000"/>
+                </a:srgbClr>
+              </a:solidFill>
+              <a:prstDash val="solid"/>
+              <a:round/>
+            </a:ln>
+          </p:spPr>
+          <p:txBody>
+            <a:bodyPr/>
+            <a:lstStyle/>
+            <a:p/>
+          </p:txBody>
+        </p:sp>
+        <p:sp>
+          <p:nvSpPr>
+            <p:cNvPr id="174" name="pl174"/>
+            <p:cNvSpPr/>
+            <p:nvPr/>
+          </p:nvSpPr>
+          <p:spPr>
+            <a:xfrm>
+              <a:off x="6370774" y="5054641"/>
+              <a:ext cx="0" cy="34794"/>
+            </a:xfrm>
+            <a:custGeom>
+              <a:avLst/>
+              <a:pathLst>
+                <a:path w="0" h="34794">
+                  <a:moveTo>
+                    <a:pt x="0" y="34794"/>
+                  </a:moveTo>
+                  <a:lnTo>
+                    <a:pt x="0" y="0"/>
+                  </a:lnTo>
+                </a:path>
+              </a:pathLst>
+            </a:custGeom>
+            <a:ln w="13550" cap="flat">
+              <a:solidFill>
+                <a:srgbClr val="333333">
+                  <a:alpha val="100000"/>
+                </a:srgbClr>
+              </a:solidFill>
+              <a:prstDash val="solid"/>
+              <a:round/>
+            </a:ln>
+          </p:spPr>
+          <p:txBody>
+            <a:bodyPr/>
+            <a:lstStyle/>
+            <a:p/>
+          </p:txBody>
+        </p:sp>
+        <p:sp>
+          <p:nvSpPr>
+            <p:cNvPr id="175" name="pl175"/>
+            <p:cNvSpPr/>
+            <p:nvPr/>
+          </p:nvSpPr>
+          <p:spPr>
+            <a:xfrm>
+              <a:off x="6528794" y="5054641"/>
+              <a:ext cx="0" cy="34794"/>
+            </a:xfrm>
+            <a:custGeom>
+              <a:avLst/>
+              <a:pathLst>
+                <a:path w="0" h="34794">
+                  <a:moveTo>
+                    <a:pt x="0" y="34794"/>
+                  </a:moveTo>
+                  <a:lnTo>
+                    <a:pt x="0" y="0"/>
+                  </a:lnTo>
+                </a:path>
+              </a:pathLst>
+            </a:custGeom>
+            <a:ln w="13550" cap="flat">
+              <a:solidFill>
+                <a:srgbClr val="333333">
+                  <a:alpha val="100000"/>
+                </a:srgbClr>
+              </a:solidFill>
+              <a:prstDash val="solid"/>
+              <a:round/>
+            </a:ln>
+          </p:spPr>
+          <p:txBody>
+            <a:bodyPr/>
+            <a:lstStyle/>
+            <a:p/>
+          </p:txBody>
+        </p:sp>
+        <p:sp>
+          <p:nvSpPr>
+            <p:cNvPr id="176" name="pl176"/>
+            <p:cNvSpPr/>
+            <p:nvPr/>
+          </p:nvSpPr>
+          <p:spPr>
+            <a:xfrm>
+              <a:off x="6686815" y="5054641"/>
+              <a:ext cx="0" cy="34794"/>
+            </a:xfrm>
+            <a:custGeom>
+              <a:avLst/>
+              <a:pathLst>
+                <a:path w="0" h="34794">
+                  <a:moveTo>
+                    <a:pt x="0" y="34794"/>
+                  </a:moveTo>
+                  <a:lnTo>
+                    <a:pt x="0" y="0"/>
+                  </a:lnTo>
+                </a:path>
+              </a:pathLst>
+            </a:custGeom>
+            <a:ln w="13550" cap="flat">
+              <a:solidFill>
+                <a:srgbClr val="333333">
+                  <a:alpha val="100000"/>
+                </a:srgbClr>
+              </a:solidFill>
+              <a:prstDash val="solid"/>
+              <a:round/>
+            </a:ln>
+          </p:spPr>
+          <p:txBody>
+            <a:bodyPr/>
+            <a:lstStyle/>
+            <a:p/>
+          </p:txBody>
+        </p:sp>
+        <p:sp>
+          <p:nvSpPr>
+            <p:cNvPr id="177" name="pl177"/>
+            <p:cNvSpPr/>
+            <p:nvPr/>
+          </p:nvSpPr>
+          <p:spPr>
+            <a:xfrm>
+              <a:off x="6844836" y="5054641"/>
+              <a:ext cx="0" cy="34794"/>
+            </a:xfrm>
+            <a:custGeom>
+              <a:avLst/>
+              <a:pathLst>
+                <a:path w="0" h="34794">
+                  <a:moveTo>
+                    <a:pt x="0" y="34794"/>
+                  </a:moveTo>
+                  <a:lnTo>
+                    <a:pt x="0" y="0"/>
+                  </a:lnTo>
+                </a:path>
+              </a:pathLst>
+            </a:custGeom>
+            <a:ln w="13550" cap="flat">
+              <a:solidFill>
+                <a:srgbClr val="333333">
+                  <a:alpha val="100000"/>
+                </a:srgbClr>
+              </a:solidFill>
+              <a:prstDash val="solid"/>
+              <a:round/>
+            </a:ln>
+          </p:spPr>
+          <p:txBody>
+            <a:bodyPr/>
+            <a:lstStyle/>
+            <a:p/>
+          </p:txBody>
+        </p:sp>
+        <p:sp>
+          <p:nvSpPr>
+            <p:cNvPr id="178" name="pl178"/>
+            <p:cNvSpPr/>
+            <p:nvPr/>
+          </p:nvSpPr>
+          <p:spPr>
+            <a:xfrm>
+              <a:off x="7002857" y="5054641"/>
+              <a:ext cx="0" cy="34794"/>
+            </a:xfrm>
+            <a:custGeom>
+              <a:avLst/>
+              <a:pathLst>
+                <a:path w="0" h="34794">
+                  <a:moveTo>
+                    <a:pt x="0" y="34794"/>
+                  </a:moveTo>
+                  <a:lnTo>
+                    <a:pt x="0" y="0"/>
+                  </a:lnTo>
+                </a:path>
+              </a:pathLst>
+            </a:custGeom>
+            <a:ln w="13550" cap="flat">
+              <a:solidFill>
+                <a:srgbClr val="333333">
+                  <a:alpha val="100000"/>
+                </a:srgbClr>
+              </a:solidFill>
+              <a:prstDash val="solid"/>
+              <a:round/>
+            </a:ln>
+          </p:spPr>
+          <p:txBody>
+            <a:bodyPr/>
+            <a:lstStyle/>
+            <a:p/>
+          </p:txBody>
+        </p:sp>
+        <p:sp>
+          <p:nvSpPr>
+            <p:cNvPr id="179" name="pl179"/>
+            <p:cNvSpPr/>
+            <p:nvPr/>
+          </p:nvSpPr>
+          <p:spPr>
+            <a:xfrm>
+              <a:off x="7160878" y="5054641"/>
+              <a:ext cx="0" cy="34794"/>
+            </a:xfrm>
+            <a:custGeom>
+              <a:avLst/>
+              <a:pathLst>
+                <a:path w="0" h="34794">
+                  <a:moveTo>
+                    <a:pt x="0" y="34794"/>
+                  </a:moveTo>
+                  <a:lnTo>
+                    <a:pt x="0" y="0"/>
+                  </a:lnTo>
+                </a:path>
+              </a:pathLst>
+            </a:custGeom>
+            <a:ln w="13550" cap="flat">
+              <a:solidFill>
+                <a:srgbClr val="333333">
+                  <a:alpha val="100000"/>
+                </a:srgbClr>
+              </a:solidFill>
+              <a:prstDash val="solid"/>
+              <a:round/>
+            </a:ln>
+          </p:spPr>
+          <p:txBody>
+            <a:bodyPr/>
+            <a:lstStyle/>
+            <a:p/>
+          </p:txBody>
+        </p:sp>
+        <p:sp>
+          <p:nvSpPr>
+            <p:cNvPr id="180" name="pl180"/>
+            <p:cNvSpPr/>
+            <p:nvPr/>
+          </p:nvSpPr>
+          <p:spPr>
+            <a:xfrm>
+              <a:off x="7318899" y="5054641"/>
+              <a:ext cx="0" cy="34794"/>
+            </a:xfrm>
+            <a:custGeom>
+              <a:avLst/>
+              <a:pathLst>
+                <a:path w="0" h="34794">
+                  <a:moveTo>
+                    <a:pt x="0" y="34794"/>
+                  </a:moveTo>
+                  <a:lnTo>
+                    <a:pt x="0" y="0"/>
+                  </a:lnTo>
+                </a:path>
+              </a:pathLst>
+            </a:custGeom>
+            <a:ln w="13550" cap="flat">
+              <a:solidFill>
+                <a:srgbClr val="333333">
+                  <a:alpha val="100000"/>
+                </a:srgbClr>
+              </a:solidFill>
+              <a:prstDash val="solid"/>
+              <a:round/>
+            </a:ln>
+          </p:spPr>
+          <p:txBody>
+            <a:bodyPr/>
+            <a:lstStyle/>
+            <a:p/>
+          </p:txBody>
+        </p:sp>
+        <p:sp>
+          <p:nvSpPr>
+            <p:cNvPr id="181" name="pl181"/>
+            <p:cNvSpPr/>
+            <p:nvPr/>
+          </p:nvSpPr>
+          <p:spPr>
+            <a:xfrm>
+              <a:off x="7476919" y="5054641"/>
+              <a:ext cx="0" cy="34794"/>
+            </a:xfrm>
+            <a:custGeom>
+              <a:avLst/>
+              <a:pathLst>
+                <a:path w="0" h="34794">
+                  <a:moveTo>
+                    <a:pt x="0" y="34794"/>
+                  </a:moveTo>
+                  <a:lnTo>
+                    <a:pt x="0" y="0"/>
+                  </a:lnTo>
+                </a:path>
+              </a:pathLst>
+            </a:custGeom>
+            <a:ln w="13550" cap="flat">
+              <a:solidFill>
+                <a:srgbClr val="333333">
+                  <a:alpha val="100000"/>
+                </a:srgbClr>
+              </a:solidFill>
+              <a:prstDash val="solid"/>
+              <a:round/>
+            </a:ln>
+          </p:spPr>
+          <p:txBody>
+            <a:bodyPr/>
+            <a:lstStyle/>
+            <a:p/>
+          </p:txBody>
+        </p:sp>
+        <p:sp>
+          <p:nvSpPr>
+            <p:cNvPr id="182" name="pl182"/>
+            <p:cNvSpPr/>
+            <p:nvPr/>
+          </p:nvSpPr>
+          <p:spPr>
+            <a:xfrm>
+              <a:off x="7736134" y="5054641"/>
+              <a:ext cx="0" cy="34794"/>
+            </a:xfrm>
+            <a:custGeom>
+              <a:avLst/>
+              <a:pathLst>
+                <a:path w="0" h="34794">
+                  <a:moveTo>
+                    <a:pt x="0" y="34794"/>
+                  </a:moveTo>
+                  <a:lnTo>
+                    <a:pt x="0" y="0"/>
+                  </a:lnTo>
+                </a:path>
+              </a:pathLst>
+            </a:custGeom>
+            <a:ln w="13550" cap="flat">
+              <a:solidFill>
+                <a:srgbClr val="333333">
+                  <a:alpha val="100000"/>
+                </a:srgbClr>
+              </a:solidFill>
+              <a:prstDash val="solid"/>
+              <a:round/>
+            </a:ln>
+          </p:spPr>
+          <p:txBody>
+            <a:bodyPr/>
+            <a:lstStyle/>
+            <a:p/>
+          </p:txBody>
+        </p:sp>
+        <p:sp>
+          <p:nvSpPr>
+            <p:cNvPr id="183" name="pl183"/>
+            <p:cNvSpPr/>
+            <p:nvPr/>
+          </p:nvSpPr>
+          <p:spPr>
+            <a:xfrm>
+              <a:off x="7894154" y="5054641"/>
+              <a:ext cx="0" cy="34794"/>
+            </a:xfrm>
+            <a:custGeom>
+              <a:avLst/>
+              <a:pathLst>
+                <a:path w="0" h="34794">
+                  <a:moveTo>
+                    <a:pt x="0" y="34794"/>
+                  </a:moveTo>
+                  <a:lnTo>
+                    <a:pt x="0" y="0"/>
+                  </a:lnTo>
+                </a:path>
+              </a:pathLst>
+            </a:custGeom>
+            <a:ln w="13550" cap="flat">
+              <a:solidFill>
+                <a:srgbClr val="333333">
+                  <a:alpha val="100000"/>
+                </a:srgbClr>
+              </a:solidFill>
+              <a:prstDash val="solid"/>
+              <a:round/>
+            </a:ln>
+          </p:spPr>
+          <p:txBody>
+            <a:bodyPr/>
+            <a:lstStyle/>
+            <a:p/>
+          </p:txBody>
+        </p:sp>
+        <p:sp>
+          <p:nvSpPr>
+            <p:cNvPr id="184" name="pl184"/>
+            <p:cNvSpPr/>
+            <p:nvPr/>
+          </p:nvSpPr>
+          <p:spPr>
+            <a:xfrm>
+              <a:off x="8052175" y="5054641"/>
+              <a:ext cx="0" cy="34794"/>
+            </a:xfrm>
+            <a:custGeom>
+              <a:avLst/>
+              <a:pathLst>
+                <a:path w="0" h="34794">
+                  <a:moveTo>
+                    <a:pt x="0" y="34794"/>
+                  </a:moveTo>
+                  <a:lnTo>
+                    <a:pt x="0" y="0"/>
+                  </a:lnTo>
+                </a:path>
+              </a:pathLst>
+            </a:custGeom>
+            <a:ln w="13550" cap="flat">
+              <a:solidFill>
+                <a:srgbClr val="333333">
+                  <a:alpha val="100000"/>
+                </a:srgbClr>
+              </a:solidFill>
+              <a:prstDash val="solid"/>
+              <a:round/>
+            </a:ln>
+          </p:spPr>
+          <p:txBody>
+            <a:bodyPr/>
+            <a:lstStyle/>
+            <a:p/>
+          </p:txBody>
+        </p:sp>
+        <p:sp>
+          <p:nvSpPr>
+            <p:cNvPr id="185" name="pl185"/>
+            <p:cNvSpPr/>
+            <p:nvPr/>
+          </p:nvSpPr>
+          <p:spPr>
+            <a:xfrm>
+              <a:off x="8210196" y="5054641"/>
+              <a:ext cx="0" cy="34794"/>
+            </a:xfrm>
+            <a:custGeom>
+              <a:avLst/>
+              <a:pathLst>
+                <a:path w="0" h="34794">
+                  <a:moveTo>
+                    <a:pt x="0" y="34794"/>
+                  </a:moveTo>
+                  <a:lnTo>
+                    <a:pt x="0" y="0"/>
+                  </a:lnTo>
+                </a:path>
+              </a:pathLst>
+            </a:custGeom>
+            <a:ln w="13550" cap="flat">
+              <a:solidFill>
+                <a:srgbClr val="333333">
+                  <a:alpha val="100000"/>
+                </a:srgbClr>
+              </a:solidFill>
+              <a:prstDash val="solid"/>
+              <a:round/>
+            </a:ln>
+          </p:spPr>
+          <p:txBody>
+            <a:bodyPr/>
+            <a:lstStyle/>
+            <a:p/>
+          </p:txBody>
+        </p:sp>
+        <p:sp>
+          <p:nvSpPr>
+            <p:cNvPr id="186" name="pl186"/>
+            <p:cNvSpPr/>
+            <p:nvPr/>
+          </p:nvSpPr>
+          <p:spPr>
+            <a:xfrm>
+              <a:off x="8368217" y="5054641"/>
+              <a:ext cx="0" cy="34794"/>
+            </a:xfrm>
+            <a:custGeom>
+              <a:avLst/>
+              <a:pathLst>
+                <a:path w="0" h="34794">
+                  <a:moveTo>
+                    <a:pt x="0" y="34794"/>
+                  </a:moveTo>
+                  <a:lnTo>
+                    <a:pt x="0" y="0"/>
+                  </a:lnTo>
+                </a:path>
+              </a:pathLst>
+            </a:custGeom>
+            <a:ln w="13550" cap="flat">
+              <a:solidFill>
+                <a:srgbClr val="333333">
+                  <a:alpha val="100000"/>
+                </a:srgbClr>
+              </a:solidFill>
+              <a:prstDash val="solid"/>
+              <a:round/>
+            </a:ln>
+          </p:spPr>
+          <p:txBody>
+            <a:bodyPr/>
+            <a:lstStyle/>
+            <a:p/>
+          </p:txBody>
+        </p:sp>
+        <p:sp>
+          <p:nvSpPr>
+            <p:cNvPr id="187" name="pl187"/>
+            <p:cNvSpPr/>
+            <p:nvPr/>
+          </p:nvSpPr>
+          <p:spPr>
+            <a:xfrm>
+              <a:off x="8526238" y="5054641"/>
+              <a:ext cx="0" cy="34794"/>
+            </a:xfrm>
+            <a:custGeom>
+              <a:avLst/>
+              <a:pathLst>
+                <a:path w="0" h="34794">
+                  <a:moveTo>
+                    <a:pt x="0" y="34794"/>
+                  </a:moveTo>
+                  <a:lnTo>
+                    <a:pt x="0" y="0"/>
+                  </a:lnTo>
+                </a:path>
+              </a:pathLst>
+            </a:custGeom>
+            <a:ln w="13550" cap="flat">
+              <a:solidFill>
+                <a:srgbClr val="333333">
+                  <a:alpha val="100000"/>
+                </a:srgbClr>
+              </a:solidFill>
+              <a:prstDash val="solid"/>
+              <a:round/>
+            </a:ln>
+          </p:spPr>
+          <p:txBody>
+            <a:bodyPr/>
+            <a:lstStyle/>
+            <a:p/>
+          </p:txBody>
+        </p:sp>
+        <p:sp>
+          <p:nvSpPr>
+            <p:cNvPr id="188" name="pl188"/>
+            <p:cNvSpPr/>
+            <p:nvPr/>
+          </p:nvSpPr>
+          <p:spPr>
+            <a:xfrm>
+              <a:off x="8684259" y="5054641"/>
+              <a:ext cx="0" cy="34794"/>
+            </a:xfrm>
+            <a:custGeom>
+              <a:avLst/>
+              <a:pathLst>
+                <a:path w="0" h="34794">
+                  <a:moveTo>
+                    <a:pt x="0" y="34794"/>
+                  </a:moveTo>
+                  <a:lnTo>
+                    <a:pt x="0" y="0"/>
+                  </a:lnTo>
+                </a:path>
+              </a:pathLst>
+            </a:custGeom>
+            <a:ln w="13550" cap="flat">
+              <a:solidFill>
+                <a:srgbClr val="333333">
+                  <a:alpha val="100000"/>
+                </a:srgbClr>
+              </a:solidFill>
+              <a:prstDash val="solid"/>
+              <a:round/>
+            </a:ln>
+          </p:spPr>
+          <p:txBody>
+            <a:bodyPr/>
+            <a:lstStyle/>
+            <a:p/>
+          </p:txBody>
+        </p:sp>
+        <p:sp>
+          <p:nvSpPr>
+            <p:cNvPr id="189" name="pl189"/>
+            <p:cNvSpPr/>
+            <p:nvPr/>
+          </p:nvSpPr>
+          <p:spPr>
+            <a:xfrm>
+              <a:off x="8842279" y="5054641"/>
+              <a:ext cx="0" cy="34794"/>
+            </a:xfrm>
+            <a:custGeom>
+              <a:avLst/>
+              <a:pathLst>
+                <a:path w="0" h="34794">
+                  <a:moveTo>
+                    <a:pt x="0" y="34794"/>
+                  </a:moveTo>
+                  <a:lnTo>
+                    <a:pt x="0" y="0"/>
+                  </a:lnTo>
+                </a:path>
+              </a:pathLst>
+            </a:custGeom>
+            <a:ln w="13550" cap="flat">
+              <a:solidFill>
+                <a:srgbClr val="333333">
+                  <a:alpha val="100000"/>
+                </a:srgbClr>
+              </a:solidFill>
+              <a:prstDash val="solid"/>
+              <a:round/>
+            </a:ln>
+          </p:spPr>
+          <p:txBody>
+            <a:bodyPr/>
+            <a:lstStyle/>
+            <a:p/>
+          </p:txBody>
+        </p:sp>
+        <p:sp>
+          <p:nvSpPr>
+            <p:cNvPr id="190" name="tx190"/>
+            <p:cNvSpPr/>
+            <p:nvPr/>
+          </p:nvSpPr>
+          <p:spPr>
+            <a:xfrm>
+              <a:off x="2055095" y="4865428"/>
               <a:ext cx="62155" cy="81691"/>
             </a:xfrm>
             <a:prstGeom prst="rect">
@@ -5199,14 +10212,14 @@
         </p:sp>
         <p:sp>
           <p:nvSpPr>
-            <p:cNvPr id="55" name="tx55"/>
-            <p:cNvSpPr/>
-            <p:nvPr/>
-          </p:nvSpPr>
-          <p:spPr>
-            <a:xfrm>
-              <a:off x="3810682" y="5699866"/>
-              <a:ext cx="248622" cy="81691"/>
+            <p:cNvPr id="191" name="tx191"/>
+            <p:cNvSpPr/>
+            <p:nvPr/>
+          </p:nvSpPr>
+          <p:spPr>
+            <a:xfrm>
+              <a:off x="1992940" y="4149305"/>
+              <a:ext cx="124311" cy="81691"/>
             </a:xfrm>
             <a:prstGeom prst="rect">
               <a:avLst/>
@@ -5238,21 +10251,21 @@
                   <a:latin typeface="Arial"/>
                   <a:cs typeface="Arial"/>
                 </a:rPr>
-                <a:t>1000</a:t>
+                <a:t>25</a:t>
               </a:r>
             </a:p>
           </p:txBody>
         </p:sp>
         <p:sp>
           <p:nvSpPr>
-            <p:cNvPr id="56" name="tx56"/>
-            <p:cNvSpPr/>
-            <p:nvPr/>
-          </p:nvSpPr>
-          <p:spPr>
-            <a:xfrm>
-              <a:off x="5722127" y="5699866"/>
-              <a:ext cx="248622" cy="81691"/>
+            <p:cNvPr id="192" name="tx192"/>
+            <p:cNvSpPr/>
+            <p:nvPr/>
+          </p:nvSpPr>
+          <p:spPr>
+            <a:xfrm>
+              <a:off x="1992940" y="3433182"/>
+              <a:ext cx="124311" cy="81691"/>
             </a:xfrm>
             <a:prstGeom prst="rect">
               <a:avLst/>
@@ -5284,21 +10297,21 @@
                   <a:latin typeface="Arial"/>
                   <a:cs typeface="Arial"/>
                 </a:rPr>
-                <a:t>2000</a:t>
+                <a:t>50</a:t>
               </a:r>
             </a:p>
           </p:txBody>
         </p:sp>
         <p:sp>
           <p:nvSpPr>
-            <p:cNvPr id="57" name="tx57"/>
-            <p:cNvSpPr/>
-            <p:nvPr/>
-          </p:nvSpPr>
-          <p:spPr>
-            <a:xfrm>
-              <a:off x="7633572" y="5699811"/>
-              <a:ext cx="248622" cy="81746"/>
+            <p:cNvPr id="193" name="tx193"/>
+            <p:cNvSpPr/>
+            <p:nvPr/>
+          </p:nvSpPr>
+          <p:spPr>
+            <a:xfrm>
+              <a:off x="1992940" y="2718424"/>
+              <a:ext cx="124311" cy="80327"/>
             </a:xfrm>
             <a:prstGeom prst="rect">
               <a:avLst/>
@@ -5330,7 +10343,1063 @@
                   <a:latin typeface="Arial"/>
                   <a:cs typeface="Arial"/>
                 </a:rPr>
-                <a:t>3000</a:t>
+                <a:t>75</a:t>
+              </a:r>
+            </a:p>
+          </p:txBody>
+        </p:sp>
+        <p:sp>
+          <p:nvSpPr>
+            <p:cNvPr id="194" name="tx194"/>
+            <p:cNvSpPr/>
+            <p:nvPr/>
+          </p:nvSpPr>
+          <p:spPr>
+            <a:xfrm>
+              <a:off x="1930784" y="2000937"/>
+              <a:ext cx="186466" cy="81691"/>
+            </a:xfrm>
+            <a:prstGeom prst="rect">
+              <a:avLst/>
+            </a:prstGeom>
+            <a:noFill/>
+          </p:spPr>
+          <p:txBody>
+            <a:bodyPr lIns="0" rIns="0" tIns="0" bIns="0" anchorCtr="1" anchor="ctr" wrap="none"/>
+            <a:lstStyle/>
+            <a:p>
+              <a:pPr algn="l" marL="0" marR="0" indent="0">
+                <a:lnSpc>
+                  <a:spcPts val="880"/>
+                </a:lnSpc>
+                <a:spcBef>
+                  <a:spcPts val="0"/>
+                </a:spcBef>
+                <a:spcAft>
+                  <a:spcPts val="0"/>
+                </a:spcAft>
+              </a:pPr>
+              <a:r>
+                <a:rPr sz="880">
+                  <a:solidFill>
+                    <a:srgbClr val="4D4D4D">
+                      <a:alpha val="100000"/>
+                    </a:srgbClr>
+                  </a:solidFill>
+                  <a:latin typeface="Arial"/>
+                  <a:cs typeface="Arial"/>
+                </a:rPr>
+                <a:t>100</a:t>
+              </a:r>
+            </a:p>
+          </p:txBody>
+        </p:sp>
+        <p:sp>
+          <p:nvSpPr>
+            <p:cNvPr id="195" name="pl195"/>
+            <p:cNvSpPr/>
+            <p:nvPr/>
+          </p:nvSpPr>
+          <p:spPr>
+            <a:xfrm>
+              <a:off x="2145087" y="4907120"/>
+              <a:ext cx="34794" cy="0"/>
+            </a:xfrm>
+            <a:custGeom>
+              <a:avLst/>
+              <a:pathLst>
+                <a:path w="34794" h="0">
+                  <a:moveTo>
+                    <a:pt x="0" y="0"/>
+                  </a:moveTo>
+                  <a:lnTo>
+                    <a:pt x="34794" y="0"/>
+                  </a:lnTo>
+                </a:path>
+              </a:pathLst>
+            </a:custGeom>
+            <a:ln w="13550" cap="flat">
+              <a:solidFill>
+                <a:srgbClr val="333333">
+                  <a:alpha val="100000"/>
+                </a:srgbClr>
+              </a:solidFill>
+              <a:prstDash val="solid"/>
+              <a:round/>
+            </a:ln>
+          </p:spPr>
+          <p:txBody>
+            <a:bodyPr/>
+            <a:lstStyle/>
+            <a:p/>
+          </p:txBody>
+        </p:sp>
+        <p:sp>
+          <p:nvSpPr>
+            <p:cNvPr id="196" name="pl196"/>
+            <p:cNvSpPr/>
+            <p:nvPr/>
+          </p:nvSpPr>
+          <p:spPr>
+            <a:xfrm>
+              <a:off x="2145087" y="4190997"/>
+              <a:ext cx="34794" cy="0"/>
+            </a:xfrm>
+            <a:custGeom>
+              <a:avLst/>
+              <a:pathLst>
+                <a:path w="34794" h="0">
+                  <a:moveTo>
+                    <a:pt x="0" y="0"/>
+                  </a:moveTo>
+                  <a:lnTo>
+                    <a:pt x="34794" y="0"/>
+                  </a:lnTo>
+                </a:path>
+              </a:pathLst>
+            </a:custGeom>
+            <a:ln w="13550" cap="flat">
+              <a:solidFill>
+                <a:srgbClr val="333333">
+                  <a:alpha val="100000"/>
+                </a:srgbClr>
+              </a:solidFill>
+              <a:prstDash val="solid"/>
+              <a:round/>
+            </a:ln>
+          </p:spPr>
+          <p:txBody>
+            <a:bodyPr/>
+            <a:lstStyle/>
+            <a:p/>
+          </p:txBody>
+        </p:sp>
+        <p:sp>
+          <p:nvSpPr>
+            <p:cNvPr id="197" name="pl197"/>
+            <p:cNvSpPr/>
+            <p:nvPr/>
+          </p:nvSpPr>
+          <p:spPr>
+            <a:xfrm>
+              <a:off x="2145087" y="3474874"/>
+              <a:ext cx="34794" cy="0"/>
+            </a:xfrm>
+            <a:custGeom>
+              <a:avLst/>
+              <a:pathLst>
+                <a:path w="34794" h="0">
+                  <a:moveTo>
+                    <a:pt x="0" y="0"/>
+                  </a:moveTo>
+                  <a:lnTo>
+                    <a:pt x="34794" y="0"/>
+                  </a:lnTo>
+                </a:path>
+              </a:pathLst>
+            </a:custGeom>
+            <a:ln w="13550" cap="flat">
+              <a:solidFill>
+                <a:srgbClr val="333333">
+                  <a:alpha val="100000"/>
+                </a:srgbClr>
+              </a:solidFill>
+              <a:prstDash val="solid"/>
+              <a:round/>
+            </a:ln>
+          </p:spPr>
+          <p:txBody>
+            <a:bodyPr/>
+            <a:lstStyle/>
+            <a:p/>
+          </p:txBody>
+        </p:sp>
+        <p:sp>
+          <p:nvSpPr>
+            <p:cNvPr id="198" name="pl198"/>
+            <p:cNvSpPr/>
+            <p:nvPr/>
+          </p:nvSpPr>
+          <p:spPr>
+            <a:xfrm>
+              <a:off x="2145087" y="2758751"/>
+              <a:ext cx="34794" cy="0"/>
+            </a:xfrm>
+            <a:custGeom>
+              <a:avLst/>
+              <a:pathLst>
+                <a:path w="34794" h="0">
+                  <a:moveTo>
+                    <a:pt x="0" y="0"/>
+                  </a:moveTo>
+                  <a:lnTo>
+                    <a:pt x="34794" y="0"/>
+                  </a:lnTo>
+                </a:path>
+              </a:pathLst>
+            </a:custGeom>
+            <a:ln w="13550" cap="flat">
+              <a:solidFill>
+                <a:srgbClr val="333333">
+                  <a:alpha val="100000"/>
+                </a:srgbClr>
+              </a:solidFill>
+              <a:prstDash val="solid"/>
+              <a:round/>
+            </a:ln>
+          </p:spPr>
+          <p:txBody>
+            <a:bodyPr/>
+            <a:lstStyle/>
+            <a:p/>
+          </p:txBody>
+        </p:sp>
+        <p:sp>
+          <p:nvSpPr>
+            <p:cNvPr id="199" name="pl199"/>
+            <p:cNvSpPr/>
+            <p:nvPr/>
+          </p:nvSpPr>
+          <p:spPr>
+            <a:xfrm>
+              <a:off x="2145087" y="2042629"/>
+              <a:ext cx="34794" cy="0"/>
+            </a:xfrm>
+            <a:custGeom>
+              <a:avLst/>
+              <a:pathLst>
+                <a:path w="34794" h="0">
+                  <a:moveTo>
+                    <a:pt x="0" y="0"/>
+                  </a:moveTo>
+                  <a:lnTo>
+                    <a:pt x="34794" y="0"/>
+                  </a:lnTo>
+                </a:path>
+              </a:pathLst>
+            </a:custGeom>
+            <a:ln w="13550" cap="flat">
+              <a:solidFill>
+                <a:srgbClr val="333333">
+                  <a:alpha val="100000"/>
+                </a:srgbClr>
+              </a:solidFill>
+              <a:prstDash val="solid"/>
+              <a:round/>
+            </a:ln>
+          </p:spPr>
+          <p:txBody>
+            <a:bodyPr/>
+            <a:lstStyle/>
+            <a:p/>
+          </p:txBody>
+        </p:sp>
+        <p:sp>
+          <p:nvSpPr>
+            <p:cNvPr id="200" name="rc200"/>
+            <p:cNvSpPr/>
+            <p:nvPr/>
+          </p:nvSpPr>
+          <p:spPr>
+            <a:xfrm>
+              <a:off x="2202794" y="5394142"/>
+              <a:ext cx="6711385" cy="578090"/>
+            </a:xfrm>
+            <a:prstGeom prst="rect">
+              <a:avLst/>
+            </a:prstGeom>
+            <a:solidFill>
+              <a:srgbClr val="FFFFFF">
+                <a:alpha val="100000"/>
+              </a:srgbClr>
+            </a:solidFill>
+          </p:spPr>
+          <p:txBody>
+            <a:bodyPr/>
+            <a:lstStyle/>
+            <a:p/>
+          </p:txBody>
+        </p:sp>
+        <p:sp>
+          <p:nvSpPr>
+            <p:cNvPr id="201" name="rc201"/>
+            <p:cNvSpPr/>
+            <p:nvPr/>
+          </p:nvSpPr>
+          <p:spPr>
+            <a:xfrm>
+              <a:off x="2341972" y="5463731"/>
+              <a:ext cx="219456" cy="219455"/>
+            </a:xfrm>
+            <a:prstGeom prst="rect">
+              <a:avLst/>
+            </a:prstGeom>
+            <a:solidFill>
+              <a:srgbClr val="FFFFFF">
+                <a:alpha val="100000"/>
+              </a:srgbClr>
+            </a:solidFill>
+          </p:spPr>
+          <p:txBody>
+            <a:bodyPr/>
+            <a:lstStyle/>
+            <a:p/>
+          </p:txBody>
+        </p:sp>
+        <p:sp>
+          <p:nvSpPr>
+            <p:cNvPr id="202" name="rc202"/>
+            <p:cNvSpPr/>
+            <p:nvPr/>
+          </p:nvSpPr>
+          <p:spPr>
+            <a:xfrm>
+              <a:off x="2350972" y="5472731"/>
+              <a:ext cx="201455" cy="201456"/>
+            </a:xfrm>
+            <a:prstGeom prst="rect">
+              <a:avLst/>
+            </a:prstGeom>
+            <a:solidFill>
+              <a:srgbClr val="FFF5F0">
+                <a:alpha val="100000"/>
+              </a:srgbClr>
+            </a:solidFill>
+          </p:spPr>
+          <p:txBody>
+            <a:bodyPr/>
+            <a:lstStyle/>
+            <a:p/>
+          </p:txBody>
+        </p:sp>
+        <p:sp>
+          <p:nvSpPr>
+            <p:cNvPr id="203" name="rc203"/>
+            <p:cNvSpPr/>
+            <p:nvPr/>
+          </p:nvSpPr>
+          <p:spPr>
+            <a:xfrm>
+              <a:off x="2341972" y="5683187"/>
+              <a:ext cx="219456" cy="219455"/>
+            </a:xfrm>
+            <a:prstGeom prst="rect">
+              <a:avLst/>
+            </a:prstGeom>
+            <a:solidFill>
+              <a:srgbClr val="FFFFFF">
+                <a:alpha val="100000"/>
+              </a:srgbClr>
+            </a:solidFill>
+          </p:spPr>
+          <p:txBody>
+            <a:bodyPr/>
+            <a:lstStyle/>
+            <a:p/>
+          </p:txBody>
+        </p:sp>
+        <p:sp>
+          <p:nvSpPr>
+            <p:cNvPr id="204" name="rc204"/>
+            <p:cNvSpPr/>
+            <p:nvPr/>
+          </p:nvSpPr>
+          <p:spPr>
+            <a:xfrm>
+              <a:off x="2350972" y="5692187"/>
+              <a:ext cx="201455" cy="201456"/>
+            </a:xfrm>
+            <a:prstGeom prst="rect">
+              <a:avLst/>
+            </a:prstGeom>
+            <a:solidFill>
+              <a:srgbClr val="FEE0D2">
+                <a:alpha val="100000"/>
+              </a:srgbClr>
+            </a:solidFill>
+          </p:spPr>
+          <p:txBody>
+            <a:bodyPr/>
+            <a:lstStyle/>
+            <a:p/>
+          </p:txBody>
+        </p:sp>
+        <p:sp>
+          <p:nvSpPr>
+            <p:cNvPr id="205" name="rc205"/>
+            <p:cNvSpPr/>
+            <p:nvPr/>
+          </p:nvSpPr>
+          <p:spPr>
+            <a:xfrm>
+              <a:off x="3669642" y="5463731"/>
+              <a:ext cx="219455" cy="219455"/>
+            </a:xfrm>
+            <a:prstGeom prst="rect">
+              <a:avLst/>
+            </a:prstGeom>
+            <a:solidFill>
+              <a:srgbClr val="FFFFFF">
+                <a:alpha val="100000"/>
+              </a:srgbClr>
+            </a:solidFill>
+          </p:spPr>
+          <p:txBody>
+            <a:bodyPr/>
+            <a:lstStyle/>
+            <a:p/>
+          </p:txBody>
+        </p:sp>
+        <p:sp>
+          <p:nvSpPr>
+            <p:cNvPr id="206" name="rc206"/>
+            <p:cNvSpPr/>
+            <p:nvPr/>
+          </p:nvSpPr>
+          <p:spPr>
+            <a:xfrm>
+              <a:off x="3678642" y="5472731"/>
+              <a:ext cx="201456" cy="201456"/>
+            </a:xfrm>
+            <a:prstGeom prst="rect">
+              <a:avLst/>
+            </a:prstGeom>
+            <a:solidFill>
+              <a:srgbClr val="FCBBA1">
+                <a:alpha val="100000"/>
+              </a:srgbClr>
+            </a:solidFill>
+          </p:spPr>
+          <p:txBody>
+            <a:bodyPr/>
+            <a:lstStyle/>
+            <a:p/>
+          </p:txBody>
+        </p:sp>
+        <p:sp>
+          <p:nvSpPr>
+            <p:cNvPr id="207" name="rc207"/>
+            <p:cNvSpPr/>
+            <p:nvPr/>
+          </p:nvSpPr>
+          <p:spPr>
+            <a:xfrm>
+              <a:off x="3669642" y="5683187"/>
+              <a:ext cx="219455" cy="219455"/>
+            </a:xfrm>
+            <a:prstGeom prst="rect">
+              <a:avLst/>
+            </a:prstGeom>
+            <a:solidFill>
+              <a:srgbClr val="FFFFFF">
+                <a:alpha val="100000"/>
+              </a:srgbClr>
+            </a:solidFill>
+          </p:spPr>
+          <p:txBody>
+            <a:bodyPr/>
+            <a:lstStyle/>
+            <a:p/>
+          </p:txBody>
+        </p:sp>
+        <p:sp>
+          <p:nvSpPr>
+            <p:cNvPr id="208" name="rc208"/>
+            <p:cNvSpPr/>
+            <p:nvPr/>
+          </p:nvSpPr>
+          <p:spPr>
+            <a:xfrm>
+              <a:off x="3678642" y="5692187"/>
+              <a:ext cx="201456" cy="201456"/>
+            </a:xfrm>
+            <a:prstGeom prst="rect">
+              <a:avLst/>
+            </a:prstGeom>
+            <a:solidFill>
+              <a:srgbClr val="FC9272">
+                <a:alpha val="100000"/>
+              </a:srgbClr>
+            </a:solidFill>
+          </p:spPr>
+          <p:txBody>
+            <a:bodyPr/>
+            <a:lstStyle/>
+            <a:p/>
+          </p:txBody>
+        </p:sp>
+        <p:sp>
+          <p:nvSpPr>
+            <p:cNvPr id="209" name="rc209"/>
+            <p:cNvSpPr/>
+            <p:nvPr/>
+          </p:nvSpPr>
+          <p:spPr>
+            <a:xfrm>
+              <a:off x="4571658" y="5463731"/>
+              <a:ext cx="219455" cy="219455"/>
+            </a:xfrm>
+            <a:prstGeom prst="rect">
+              <a:avLst/>
+            </a:prstGeom>
+            <a:solidFill>
+              <a:srgbClr val="FFFFFF">
+                <a:alpha val="100000"/>
+              </a:srgbClr>
+            </a:solidFill>
+          </p:spPr>
+          <p:txBody>
+            <a:bodyPr/>
+            <a:lstStyle/>
+            <a:p/>
+          </p:txBody>
+        </p:sp>
+        <p:sp>
+          <p:nvSpPr>
+            <p:cNvPr id="210" name="rc210"/>
+            <p:cNvSpPr/>
+            <p:nvPr/>
+          </p:nvSpPr>
+          <p:spPr>
+            <a:xfrm>
+              <a:off x="4580658" y="5472731"/>
+              <a:ext cx="201456" cy="201456"/>
+            </a:xfrm>
+            <a:prstGeom prst="rect">
+              <a:avLst/>
+            </a:prstGeom>
+            <a:solidFill>
+              <a:srgbClr val="FB6A4A">
+                <a:alpha val="100000"/>
+              </a:srgbClr>
+            </a:solidFill>
+          </p:spPr>
+          <p:txBody>
+            <a:bodyPr/>
+            <a:lstStyle/>
+            <a:p/>
+          </p:txBody>
+        </p:sp>
+        <p:sp>
+          <p:nvSpPr>
+            <p:cNvPr id="211" name="rc211"/>
+            <p:cNvSpPr/>
+            <p:nvPr/>
+          </p:nvSpPr>
+          <p:spPr>
+            <a:xfrm>
+              <a:off x="4571658" y="5683187"/>
+              <a:ext cx="219455" cy="219455"/>
+            </a:xfrm>
+            <a:prstGeom prst="rect">
+              <a:avLst/>
+            </a:prstGeom>
+            <a:solidFill>
+              <a:srgbClr val="FFFFFF">
+                <a:alpha val="100000"/>
+              </a:srgbClr>
+            </a:solidFill>
+          </p:spPr>
+          <p:txBody>
+            <a:bodyPr/>
+            <a:lstStyle/>
+            <a:p/>
+          </p:txBody>
+        </p:sp>
+        <p:sp>
+          <p:nvSpPr>
+            <p:cNvPr id="212" name="rc212"/>
+            <p:cNvSpPr/>
+            <p:nvPr/>
+          </p:nvSpPr>
+          <p:spPr>
+            <a:xfrm>
+              <a:off x="4580658" y="5692187"/>
+              <a:ext cx="201456" cy="201456"/>
+            </a:xfrm>
+            <a:prstGeom prst="rect">
+              <a:avLst/>
+            </a:prstGeom>
+            <a:solidFill>
+              <a:srgbClr val="EF3B2C">
+                <a:alpha val="100000"/>
+              </a:srgbClr>
+            </a:solidFill>
+          </p:spPr>
+          <p:txBody>
+            <a:bodyPr/>
+            <a:lstStyle/>
+            <a:p/>
+          </p:txBody>
+        </p:sp>
+        <p:sp>
+          <p:nvSpPr>
+            <p:cNvPr id="213" name="rc213"/>
+            <p:cNvSpPr/>
+            <p:nvPr/>
+          </p:nvSpPr>
+          <p:spPr>
+            <a:xfrm>
+              <a:off x="5772226" y="5463731"/>
+              <a:ext cx="219455" cy="219455"/>
+            </a:xfrm>
+            <a:prstGeom prst="rect">
+              <a:avLst/>
+            </a:prstGeom>
+            <a:solidFill>
+              <a:srgbClr val="FFFFFF">
+                <a:alpha val="100000"/>
+              </a:srgbClr>
+            </a:solidFill>
+          </p:spPr>
+          <p:txBody>
+            <a:bodyPr/>
+            <a:lstStyle/>
+            <a:p/>
+          </p:txBody>
+        </p:sp>
+        <p:sp>
+          <p:nvSpPr>
+            <p:cNvPr id="214" name="rc214"/>
+            <p:cNvSpPr/>
+            <p:nvPr/>
+          </p:nvSpPr>
+          <p:spPr>
+            <a:xfrm>
+              <a:off x="5781226" y="5472731"/>
+              <a:ext cx="201456" cy="201456"/>
+            </a:xfrm>
+            <a:prstGeom prst="rect">
+              <a:avLst/>
+            </a:prstGeom>
+            <a:solidFill>
+              <a:srgbClr val="CB181D">
+                <a:alpha val="100000"/>
+              </a:srgbClr>
+            </a:solidFill>
+          </p:spPr>
+          <p:txBody>
+            <a:bodyPr/>
+            <a:lstStyle/>
+            <a:p/>
+          </p:txBody>
+        </p:sp>
+        <p:sp>
+          <p:nvSpPr>
+            <p:cNvPr id="215" name="rc215"/>
+            <p:cNvSpPr/>
+            <p:nvPr/>
+          </p:nvSpPr>
+          <p:spPr>
+            <a:xfrm>
+              <a:off x="5772226" y="5683187"/>
+              <a:ext cx="219455" cy="219455"/>
+            </a:xfrm>
+            <a:prstGeom prst="rect">
+              <a:avLst/>
+            </a:prstGeom>
+            <a:solidFill>
+              <a:srgbClr val="FFFFFF">
+                <a:alpha val="100000"/>
+              </a:srgbClr>
+            </a:solidFill>
+          </p:spPr>
+          <p:txBody>
+            <a:bodyPr/>
+            <a:lstStyle/>
+            <a:p/>
+          </p:txBody>
+        </p:sp>
+        <p:sp>
+          <p:nvSpPr>
+            <p:cNvPr id="216" name="rc216"/>
+            <p:cNvSpPr/>
+            <p:nvPr/>
+          </p:nvSpPr>
+          <p:spPr>
+            <a:xfrm>
+              <a:off x="5781226" y="5692187"/>
+              <a:ext cx="201456" cy="201456"/>
+            </a:xfrm>
+            <a:prstGeom prst="rect">
+              <a:avLst/>
+            </a:prstGeom>
+            <a:solidFill>
+              <a:srgbClr val="99000D">
+                <a:alpha val="100000"/>
+              </a:srgbClr>
+            </a:solidFill>
+          </p:spPr>
+          <p:txBody>
+            <a:bodyPr/>
+            <a:lstStyle/>
+            <a:p/>
+          </p:txBody>
+        </p:sp>
+        <p:sp>
+          <p:nvSpPr>
+            <p:cNvPr id="217" name="tx217"/>
+            <p:cNvSpPr/>
+            <p:nvPr/>
+          </p:nvSpPr>
+          <p:spPr>
+            <a:xfrm>
+              <a:off x="2631017" y="5531767"/>
+              <a:ext cx="999346" cy="81691"/>
+            </a:xfrm>
+            <a:prstGeom prst="rect">
+              <a:avLst/>
+            </a:prstGeom>
+            <a:noFill/>
+          </p:spPr>
+          <p:txBody>
+            <a:bodyPr lIns="0" rIns="0" tIns="0" bIns="0" anchorCtr="1" anchor="ctr" wrap="none"/>
+            <a:lstStyle/>
+            <a:p>
+              <a:pPr algn="l" marL="0" marR="0" indent="0">
+                <a:lnSpc>
+                  <a:spcPts val="880"/>
+                </a:lnSpc>
+                <a:spcBef>
+                  <a:spcPts val="0"/>
+                </a:spcBef>
+                <a:spcAft>
+                  <a:spcPts val="0"/>
+                </a:spcAft>
+              </a:pPr>
+              <a:r>
+                <a:rPr sz="880">
+                  <a:solidFill>
+                    <a:srgbClr val="000000">
+                      <a:alpha val="100000"/>
+                    </a:srgbClr>
+                  </a:solidFill>
+                  <a:latin typeface="Arial"/>
+                  <a:cs typeface="Arial"/>
+                </a:rPr>
+                <a:t>≥10的10次方（100亿）</a:t>
+              </a:r>
+            </a:p>
+          </p:txBody>
+        </p:sp>
+        <p:sp>
+          <p:nvSpPr>
+            <p:cNvPr id="218" name="tx218"/>
+            <p:cNvSpPr/>
+            <p:nvPr/>
+          </p:nvSpPr>
+          <p:spPr>
+            <a:xfrm>
+              <a:off x="2631017" y="5751223"/>
+              <a:ext cx="499263" cy="81691"/>
+            </a:xfrm>
+            <a:prstGeom prst="rect">
+              <a:avLst/>
+            </a:prstGeom>
+            <a:noFill/>
+          </p:spPr>
+          <p:txBody>
+            <a:bodyPr lIns="0" rIns="0" tIns="0" bIns="0" anchorCtr="1" anchor="ctr" wrap="none"/>
+            <a:lstStyle/>
+            <a:p>
+              <a:pPr algn="l" marL="0" marR="0" indent="0">
+                <a:lnSpc>
+                  <a:spcPts val="880"/>
+                </a:lnSpc>
+                <a:spcBef>
+                  <a:spcPts val="0"/>
+                </a:spcBef>
+                <a:spcAft>
+                  <a:spcPts val="0"/>
+                </a:spcAft>
+              </a:pPr>
+              <a:r>
+                <a:rPr sz="880">
+                  <a:solidFill>
+                    <a:srgbClr val="000000">
+                      <a:alpha val="100000"/>
+                    </a:srgbClr>
+                  </a:solidFill>
+                  <a:latin typeface="Arial"/>
+                  <a:cs typeface="Arial"/>
+                </a:rPr>
+                <a:t>≥10的5次方</a:t>
+              </a:r>
+            </a:p>
+          </p:txBody>
+        </p:sp>
+        <p:sp>
+          <p:nvSpPr>
+            <p:cNvPr id="219" name="tx219"/>
+            <p:cNvSpPr/>
+            <p:nvPr/>
+          </p:nvSpPr>
+          <p:spPr>
+            <a:xfrm>
+              <a:off x="3958687" y="5531767"/>
+              <a:ext cx="499263" cy="81691"/>
+            </a:xfrm>
+            <a:prstGeom prst="rect">
+              <a:avLst/>
+            </a:prstGeom>
+            <a:noFill/>
+          </p:spPr>
+          <p:txBody>
+            <a:bodyPr lIns="0" rIns="0" tIns="0" bIns="0" anchorCtr="1" anchor="ctr" wrap="none"/>
+            <a:lstStyle/>
+            <a:p>
+              <a:pPr algn="l" marL="0" marR="0" indent="0">
+                <a:lnSpc>
+                  <a:spcPts val="880"/>
+                </a:lnSpc>
+                <a:spcBef>
+                  <a:spcPts val="0"/>
+                </a:spcBef>
+                <a:spcAft>
+                  <a:spcPts val="0"/>
+                </a:spcAft>
+              </a:pPr>
+              <a:r>
+                <a:rPr sz="880">
+                  <a:solidFill>
+                    <a:srgbClr val="000000">
+                      <a:alpha val="100000"/>
+                    </a:srgbClr>
+                  </a:solidFill>
+                  <a:latin typeface="Arial"/>
+                  <a:cs typeface="Arial"/>
+                </a:rPr>
+                <a:t>≥10的6次方</a:t>
+              </a:r>
+            </a:p>
+          </p:txBody>
+        </p:sp>
+        <p:sp>
+          <p:nvSpPr>
+            <p:cNvPr id="220" name="tx220"/>
+            <p:cNvSpPr/>
+            <p:nvPr/>
+          </p:nvSpPr>
+          <p:spPr>
+            <a:xfrm>
+              <a:off x="3958687" y="5751223"/>
+              <a:ext cx="499263" cy="81691"/>
+            </a:xfrm>
+            <a:prstGeom prst="rect">
+              <a:avLst/>
+            </a:prstGeom>
+            <a:noFill/>
+          </p:spPr>
+          <p:txBody>
+            <a:bodyPr lIns="0" rIns="0" tIns="0" bIns="0" anchorCtr="1" anchor="ctr" wrap="none"/>
+            <a:lstStyle/>
+            <a:p>
+              <a:pPr algn="l" marL="0" marR="0" indent="0">
+                <a:lnSpc>
+                  <a:spcPts val="880"/>
+                </a:lnSpc>
+                <a:spcBef>
+                  <a:spcPts val="0"/>
+                </a:spcBef>
+                <a:spcAft>
+                  <a:spcPts val="0"/>
+                </a:spcAft>
+              </a:pPr>
+              <a:r>
+                <a:rPr sz="880">
+                  <a:solidFill>
+                    <a:srgbClr val="000000">
+                      <a:alpha val="100000"/>
+                    </a:srgbClr>
+                  </a:solidFill>
+                  <a:latin typeface="Arial"/>
+                  <a:cs typeface="Arial"/>
+                </a:rPr>
+                <a:t>≥10的7次方</a:t>
+              </a:r>
+            </a:p>
+          </p:txBody>
+        </p:sp>
+        <p:sp>
+          <p:nvSpPr>
+            <p:cNvPr id="221" name="tx221"/>
+            <p:cNvSpPr/>
+            <p:nvPr/>
+          </p:nvSpPr>
+          <p:spPr>
+            <a:xfrm>
+              <a:off x="4860703" y="5531767"/>
+              <a:ext cx="812879" cy="81691"/>
+            </a:xfrm>
+            <a:prstGeom prst="rect">
+              <a:avLst/>
+            </a:prstGeom>
+            <a:noFill/>
+          </p:spPr>
+          <p:txBody>
+            <a:bodyPr lIns="0" rIns="0" tIns="0" bIns="0" anchorCtr="1" anchor="ctr" wrap="none"/>
+            <a:lstStyle/>
+            <a:p>
+              <a:pPr algn="l" marL="0" marR="0" indent="0">
+                <a:lnSpc>
+                  <a:spcPts val="880"/>
+                </a:lnSpc>
+                <a:spcBef>
+                  <a:spcPts val="0"/>
+                </a:spcBef>
+                <a:spcAft>
+                  <a:spcPts val="0"/>
+                </a:spcAft>
+              </a:pPr>
+              <a:r>
+                <a:rPr sz="880">
+                  <a:solidFill>
+                    <a:srgbClr val="000000">
+                      <a:alpha val="100000"/>
+                    </a:srgbClr>
+                  </a:solidFill>
+                  <a:latin typeface="Arial"/>
+                  <a:cs typeface="Arial"/>
+                </a:rPr>
+                <a:t>≥10的8次方（1亿）</a:t>
+              </a:r>
+            </a:p>
+          </p:txBody>
+        </p:sp>
+        <p:sp>
+          <p:nvSpPr>
+            <p:cNvPr id="222" name="tx222"/>
+            <p:cNvSpPr/>
+            <p:nvPr/>
+          </p:nvSpPr>
+          <p:spPr>
+            <a:xfrm>
+              <a:off x="4860703" y="5751223"/>
+              <a:ext cx="875034" cy="81691"/>
+            </a:xfrm>
+            <a:prstGeom prst="rect">
+              <a:avLst/>
+            </a:prstGeom>
+            <a:noFill/>
+          </p:spPr>
+          <p:txBody>
+            <a:bodyPr lIns="0" rIns="0" tIns="0" bIns="0" anchorCtr="1" anchor="ctr" wrap="none"/>
+            <a:lstStyle/>
+            <a:p>
+              <a:pPr algn="l" marL="0" marR="0" indent="0">
+                <a:lnSpc>
+                  <a:spcPts val="880"/>
+                </a:lnSpc>
+                <a:spcBef>
+                  <a:spcPts val="0"/>
+                </a:spcBef>
+                <a:spcAft>
+                  <a:spcPts val="0"/>
+                </a:spcAft>
+              </a:pPr>
+              <a:r>
+                <a:rPr sz="880">
+                  <a:solidFill>
+                    <a:srgbClr val="000000">
+                      <a:alpha val="100000"/>
+                    </a:srgbClr>
+                  </a:solidFill>
+                  <a:latin typeface="Arial"/>
+                  <a:cs typeface="Arial"/>
+                </a:rPr>
+                <a:t>≥10的9次方（10亿）</a:t>
+              </a:r>
+            </a:p>
+          </p:txBody>
+        </p:sp>
+        <p:sp>
+          <p:nvSpPr>
+            <p:cNvPr id="223" name="tx223"/>
+            <p:cNvSpPr/>
+            <p:nvPr/>
+          </p:nvSpPr>
+          <p:spPr>
+            <a:xfrm>
+              <a:off x="6061271" y="5509885"/>
+              <a:ext cx="2694954" cy="103574"/>
+            </a:xfrm>
+            <a:prstGeom prst="rect">
+              <a:avLst/>
+            </a:prstGeom>
+            <a:noFill/>
+          </p:spPr>
+          <p:txBody>
+            <a:bodyPr lIns="0" rIns="0" tIns="0" bIns="0" anchorCtr="1" anchor="ctr" wrap="none"/>
+            <a:lstStyle/>
+            <a:p>
+              <a:pPr algn="l" marL="0" marR="0" indent="0">
+                <a:lnSpc>
+                  <a:spcPts val="880"/>
+                </a:lnSpc>
+                <a:spcBef>
+                  <a:spcPts val="0"/>
+                </a:spcBef>
+                <a:spcAft>
+                  <a:spcPts val="0"/>
+                </a:spcAft>
+              </a:pPr>
+              <a:r>
+                <a:rPr sz="880">
+                  <a:solidFill>
+                    <a:srgbClr val="000000">
+                      <a:alpha val="100000"/>
+                    </a:srgbClr>
+                  </a:solidFill>
+                  <a:latin typeface="Arial"/>
+                  <a:cs typeface="Arial"/>
+                </a:rPr>
+                <a:t>不能低于出厂活菌数的一定百分比：____%（如选该项，请填写数值）</a:t>
+              </a:r>
+            </a:p>
+          </p:txBody>
+        </p:sp>
+        <p:sp>
+          <p:nvSpPr>
+            <p:cNvPr id="224" name="tx224"/>
+            <p:cNvSpPr/>
+            <p:nvPr/>
+          </p:nvSpPr>
+          <p:spPr>
+            <a:xfrm>
+              <a:off x="6061271" y="5763065"/>
+              <a:ext cx="1089659" cy="69850"/>
+            </a:xfrm>
+            <a:prstGeom prst="rect">
+              <a:avLst/>
+            </a:prstGeom>
+            <a:noFill/>
+          </p:spPr>
+          <p:txBody>
+            <a:bodyPr lIns="0" rIns="0" tIns="0" bIns="0" anchorCtr="1" anchor="ctr" wrap="none"/>
+            <a:lstStyle/>
+            <a:p>
+              <a:pPr algn="l" marL="0" marR="0" indent="0">
+                <a:lnSpc>
+                  <a:spcPts val="880"/>
+                </a:lnSpc>
+                <a:spcBef>
+                  <a:spcPts val="0"/>
+                </a:spcBef>
+                <a:spcAft>
+                  <a:spcPts val="0"/>
+                </a:spcAft>
+              </a:pPr>
+              <a:r>
+                <a:rPr sz="880">
+                  <a:solidFill>
+                    <a:srgbClr val="000000">
+                      <a:alpha val="100000"/>
+                    </a:srgbClr>
+                  </a:solidFill>
+                  <a:latin typeface="Arial"/>
+                  <a:cs typeface="Arial"/>
+                </a:rPr>
+                <a:t>无所谓死活，只要产品还有效</a:t>
               </a:r>
             </a:p>
           </p:txBody>

--- a/_book/plot/unnamed-chunk-69-1.pptx
+++ b/_book/plot/unnamed-chunk-69-1.pptx
@@ -3192,8 +3192,8 @@
           </p:nvSpPr>
           <p:spPr>
             <a:xfrm>
-              <a:off x="2019661" y="1590617"/>
-              <a:ext cx="6917431" cy="4055309"/>
+              <a:off x="2017917" y="1590617"/>
+              <a:ext cx="6919174" cy="4059006"/>
             </a:xfrm>
             <a:prstGeom prst="rect">
               <a:avLst/>
@@ -3218,15 +3218,15 @@
           </p:nvSpPr>
           <p:spPr>
             <a:xfrm>
-              <a:off x="3141731" y="1590617"/>
-              <a:ext cx="0" cy="4055309"/>
+              <a:off x="3140271" y="1590617"/>
+              <a:ext cx="0" cy="4059006"/>
             </a:xfrm>
             <a:custGeom>
               <a:avLst/>
               <a:pathLst>
-                <a:path w="0" h="4055309">
+                <a:path w="0" h="4059006">
                   <a:moveTo>
-                    <a:pt x="0" y="4055309"/>
+                    <a:pt x="0" y="4059006"/>
                   </a:moveTo>
                   <a:lnTo>
                     <a:pt x="0" y="0"/>
@@ -3261,15 +3261,15 @@
           </p:nvSpPr>
           <p:spPr>
             <a:xfrm>
-              <a:off x="5385873" y="1590617"/>
-              <a:ext cx="0" cy="4055309"/>
+              <a:off x="5384978" y="1590617"/>
+              <a:ext cx="0" cy="4059006"/>
             </a:xfrm>
             <a:custGeom>
               <a:avLst/>
               <a:pathLst>
-                <a:path w="0" h="4055309">
+                <a:path w="0" h="4059006">
                   <a:moveTo>
-                    <a:pt x="0" y="4055309"/>
+                    <a:pt x="0" y="4059006"/>
                   </a:moveTo>
                   <a:lnTo>
                     <a:pt x="0" y="0"/>
@@ -3304,15 +3304,15 @@
           </p:nvSpPr>
           <p:spPr>
             <a:xfrm>
-              <a:off x="7630014" y="1590617"/>
-              <a:ext cx="0" cy="4055309"/>
+              <a:off x="7629685" y="1590617"/>
+              <a:ext cx="0" cy="4059006"/>
             </a:xfrm>
             <a:custGeom>
               <a:avLst/>
               <a:pathLst>
-                <a:path w="0" h="4055309">
+                <a:path w="0" h="4059006">
                   <a:moveTo>
-                    <a:pt x="0" y="4055309"/>
+                    <a:pt x="0" y="4059006"/>
                   </a:moveTo>
                   <a:lnTo>
                     <a:pt x="0" y="0"/>
@@ -3347,21 +3347,21 @@
           </p:nvSpPr>
           <p:spPr>
             <a:xfrm>
-              <a:off x="2019661" y="5381449"/>
-              <a:ext cx="6917431" cy="0"/>
+              <a:off x="2017917" y="5384905"/>
+              <a:ext cx="6919174" cy="0"/>
             </a:xfrm>
             <a:custGeom>
               <a:avLst/>
               <a:pathLst>
-                <a:path w="6917431" h="0">
+                <a:path w="6919174" h="0">
                   <a:moveTo>
                     <a:pt x="0" y="0"/>
                   </a:moveTo>
                   <a:lnTo>
-                    <a:pt x="6917431" y="0"/>
-                  </a:lnTo>
-                  <a:lnTo>
-                    <a:pt x="6917431" y="0"/>
+                    <a:pt x="6919174" y="0"/>
+                  </a:lnTo>
+                  <a:lnTo>
+                    <a:pt x="6919174" y="0"/>
                   </a:lnTo>
                 </a:path>
               </a:pathLst>
@@ -3390,21 +3390,21 @@
           </p:nvSpPr>
           <p:spPr>
             <a:xfrm>
-              <a:off x="2019661" y="4940655"/>
-              <a:ext cx="6917431" cy="0"/>
+              <a:off x="2017917" y="4943709"/>
+              <a:ext cx="6919174" cy="0"/>
             </a:xfrm>
             <a:custGeom>
               <a:avLst/>
               <a:pathLst>
-                <a:path w="6917431" h="0">
+                <a:path w="6919174" h="0">
                   <a:moveTo>
                     <a:pt x="0" y="0"/>
                   </a:moveTo>
                   <a:lnTo>
-                    <a:pt x="6917431" y="0"/>
-                  </a:lnTo>
-                  <a:lnTo>
-                    <a:pt x="6917431" y="0"/>
+                    <a:pt x="6919174" y="0"/>
+                  </a:lnTo>
+                  <a:lnTo>
+                    <a:pt x="6919174" y="0"/>
                   </a:lnTo>
                 </a:path>
               </a:pathLst>
@@ -3433,21 +3433,21 @@
           </p:nvSpPr>
           <p:spPr>
             <a:xfrm>
-              <a:off x="2019661" y="4499860"/>
-              <a:ext cx="6917431" cy="0"/>
+              <a:off x="2017917" y="4502513"/>
+              <a:ext cx="6919174" cy="0"/>
             </a:xfrm>
             <a:custGeom>
               <a:avLst/>
               <a:pathLst>
-                <a:path w="6917431" h="0">
+                <a:path w="6919174" h="0">
                   <a:moveTo>
                     <a:pt x="0" y="0"/>
                   </a:moveTo>
                   <a:lnTo>
-                    <a:pt x="6917431" y="0"/>
-                  </a:lnTo>
-                  <a:lnTo>
-                    <a:pt x="6917431" y="0"/>
+                    <a:pt x="6919174" y="0"/>
+                  </a:lnTo>
+                  <a:lnTo>
+                    <a:pt x="6919174" y="0"/>
                   </a:lnTo>
                 </a:path>
               </a:pathLst>
@@ -3476,21 +3476,21 @@
           </p:nvSpPr>
           <p:spPr>
             <a:xfrm>
-              <a:off x="2019661" y="4059066"/>
-              <a:ext cx="6917431" cy="0"/>
+              <a:off x="2017917" y="4061316"/>
+              <a:ext cx="6919174" cy="0"/>
             </a:xfrm>
             <a:custGeom>
               <a:avLst/>
               <a:pathLst>
-                <a:path w="6917431" h="0">
+                <a:path w="6919174" h="0">
                   <a:moveTo>
                     <a:pt x="0" y="0"/>
                   </a:moveTo>
                   <a:lnTo>
-                    <a:pt x="6917431" y="0"/>
-                  </a:lnTo>
-                  <a:lnTo>
-                    <a:pt x="6917431" y="0"/>
+                    <a:pt x="6919174" y="0"/>
+                  </a:lnTo>
+                  <a:lnTo>
+                    <a:pt x="6919174" y="0"/>
                   </a:lnTo>
                 </a:path>
               </a:pathLst>
@@ -3519,21 +3519,21 @@
           </p:nvSpPr>
           <p:spPr>
             <a:xfrm>
-              <a:off x="2019661" y="3618271"/>
-              <a:ext cx="6917431" cy="0"/>
+              <a:off x="2017917" y="3620120"/>
+              <a:ext cx="6919174" cy="0"/>
             </a:xfrm>
             <a:custGeom>
               <a:avLst/>
               <a:pathLst>
-                <a:path w="6917431" h="0">
+                <a:path w="6919174" h="0">
                   <a:moveTo>
                     <a:pt x="0" y="0"/>
                   </a:moveTo>
                   <a:lnTo>
-                    <a:pt x="6917431" y="0"/>
-                  </a:lnTo>
-                  <a:lnTo>
-                    <a:pt x="6917431" y="0"/>
+                    <a:pt x="6919174" y="0"/>
+                  </a:lnTo>
+                  <a:lnTo>
+                    <a:pt x="6919174" y="0"/>
                   </a:lnTo>
                 </a:path>
               </a:pathLst>
@@ -3562,21 +3562,21 @@
           </p:nvSpPr>
           <p:spPr>
             <a:xfrm>
-              <a:off x="2019661" y="3177477"/>
-              <a:ext cx="6917431" cy="0"/>
+              <a:off x="2017917" y="3178924"/>
+              <a:ext cx="6919174" cy="0"/>
             </a:xfrm>
             <a:custGeom>
               <a:avLst/>
               <a:pathLst>
-                <a:path w="6917431" h="0">
+                <a:path w="6919174" h="0">
                   <a:moveTo>
                     <a:pt x="0" y="0"/>
                   </a:moveTo>
                   <a:lnTo>
-                    <a:pt x="6917431" y="0"/>
-                  </a:lnTo>
-                  <a:lnTo>
-                    <a:pt x="6917431" y="0"/>
+                    <a:pt x="6919174" y="0"/>
+                  </a:lnTo>
+                  <a:lnTo>
+                    <a:pt x="6919174" y="0"/>
                   </a:lnTo>
                 </a:path>
               </a:pathLst>
@@ -3605,21 +3605,21 @@
           </p:nvSpPr>
           <p:spPr>
             <a:xfrm>
-              <a:off x="2019661" y="2736682"/>
-              <a:ext cx="6917431" cy="0"/>
+              <a:off x="2017917" y="2737727"/>
+              <a:ext cx="6919174" cy="0"/>
             </a:xfrm>
             <a:custGeom>
               <a:avLst/>
               <a:pathLst>
-                <a:path w="6917431" h="0">
+                <a:path w="6919174" h="0">
                   <a:moveTo>
                     <a:pt x="0" y="0"/>
                   </a:moveTo>
                   <a:lnTo>
-                    <a:pt x="6917431" y="0"/>
-                  </a:lnTo>
-                  <a:lnTo>
-                    <a:pt x="6917431" y="0"/>
+                    <a:pt x="6919174" y="0"/>
+                  </a:lnTo>
+                  <a:lnTo>
+                    <a:pt x="6919174" y="0"/>
                   </a:lnTo>
                 </a:path>
               </a:pathLst>
@@ -3648,21 +3648,21 @@
           </p:nvSpPr>
           <p:spPr>
             <a:xfrm>
-              <a:off x="2019661" y="2295888"/>
-              <a:ext cx="6917431" cy="0"/>
+              <a:off x="2017917" y="2296531"/>
+              <a:ext cx="6919174" cy="0"/>
             </a:xfrm>
             <a:custGeom>
               <a:avLst/>
               <a:pathLst>
-                <a:path w="6917431" h="0">
+                <a:path w="6919174" h="0">
                   <a:moveTo>
                     <a:pt x="0" y="0"/>
                   </a:moveTo>
                   <a:lnTo>
-                    <a:pt x="6917431" y="0"/>
-                  </a:lnTo>
-                  <a:lnTo>
-                    <a:pt x="6917431" y="0"/>
+                    <a:pt x="6919174" y="0"/>
+                  </a:lnTo>
+                  <a:lnTo>
+                    <a:pt x="6919174" y="0"/>
                   </a:lnTo>
                 </a:path>
               </a:pathLst>
@@ -3691,21 +3691,21 @@
           </p:nvSpPr>
           <p:spPr>
             <a:xfrm>
-              <a:off x="2019661" y="1855093"/>
-              <a:ext cx="6917431" cy="0"/>
+              <a:off x="2017917" y="1855335"/>
+              <a:ext cx="6919174" cy="0"/>
             </a:xfrm>
             <a:custGeom>
               <a:avLst/>
               <a:pathLst>
-                <a:path w="6917431" h="0">
+                <a:path w="6919174" h="0">
                   <a:moveTo>
                     <a:pt x="0" y="0"/>
                   </a:moveTo>
                   <a:lnTo>
-                    <a:pt x="6917431" y="0"/>
-                  </a:lnTo>
-                  <a:lnTo>
-                    <a:pt x="6917431" y="0"/>
+                    <a:pt x="6919174" y="0"/>
+                  </a:lnTo>
+                  <a:lnTo>
+                    <a:pt x="6919174" y="0"/>
                   </a:lnTo>
                 </a:path>
               </a:pathLst>
@@ -3734,15 +3734,15 @@
           </p:nvSpPr>
           <p:spPr>
             <a:xfrm>
-              <a:off x="2019661" y="1590617"/>
-              <a:ext cx="0" cy="4055309"/>
+              <a:off x="2017917" y="1590617"/>
+              <a:ext cx="0" cy="4059006"/>
             </a:xfrm>
             <a:custGeom>
               <a:avLst/>
               <a:pathLst>
-                <a:path w="0" h="4055309">
+                <a:path w="0" h="4059006">
                   <a:moveTo>
-                    <a:pt x="0" y="4055309"/>
+                    <a:pt x="0" y="4059006"/>
                   </a:moveTo>
                   <a:lnTo>
                     <a:pt x="0" y="0"/>
@@ -3777,15 +3777,15 @@
           </p:nvSpPr>
           <p:spPr>
             <a:xfrm>
-              <a:off x="4263802" y="1590617"/>
-              <a:ext cx="0" cy="4055309"/>
+              <a:off x="4262624" y="1590617"/>
+              <a:ext cx="0" cy="4059006"/>
             </a:xfrm>
             <a:custGeom>
               <a:avLst/>
               <a:pathLst>
-                <a:path w="0" h="4055309">
+                <a:path w="0" h="4059006">
                   <a:moveTo>
-                    <a:pt x="0" y="4055309"/>
+                    <a:pt x="0" y="4059006"/>
                   </a:moveTo>
                   <a:lnTo>
                     <a:pt x="0" y="0"/>
@@ -3820,15 +3820,15 @@
           </p:nvSpPr>
           <p:spPr>
             <a:xfrm>
-              <a:off x="6507944" y="1590617"/>
-              <a:ext cx="0" cy="4055309"/>
+              <a:off x="6507331" y="1590617"/>
+              <a:ext cx="0" cy="4059006"/>
             </a:xfrm>
             <a:custGeom>
               <a:avLst/>
               <a:pathLst>
-                <a:path w="0" h="4055309">
+                <a:path w="0" h="4059006">
                   <a:moveTo>
-                    <a:pt x="0" y="4055309"/>
+                    <a:pt x="0" y="4059006"/>
                   </a:moveTo>
                   <a:lnTo>
                     <a:pt x="0" y="0"/>
@@ -3863,15 +3863,15 @@
           </p:nvSpPr>
           <p:spPr>
             <a:xfrm>
-              <a:off x="8752085" y="1590617"/>
-              <a:ext cx="0" cy="4055309"/>
+              <a:off x="8752038" y="1590617"/>
+              <a:ext cx="0" cy="4059006"/>
             </a:xfrm>
             <a:custGeom>
               <a:avLst/>
               <a:pathLst>
-                <a:path w="0" h="4055309">
+                <a:path w="0" h="4059006">
                   <a:moveTo>
-                    <a:pt x="0" y="4055309"/>
+                    <a:pt x="0" y="4059006"/>
                   </a:moveTo>
                   <a:lnTo>
                     <a:pt x="0" y="0"/>
@@ -3906,8 +3906,8 @@
           </p:nvSpPr>
           <p:spPr>
             <a:xfrm>
-              <a:off x="2019661" y="1656736"/>
-              <a:ext cx="6781795" cy="396715"/>
+              <a:off x="2017917" y="1656796"/>
+              <a:ext cx="6783504" cy="397076"/>
             </a:xfrm>
             <a:prstGeom prst="rect">
               <a:avLst/>
@@ -3932,8 +3932,8 @@
           </p:nvSpPr>
           <p:spPr>
             <a:xfrm>
-              <a:off x="2019661" y="2097530"/>
-              <a:ext cx="4690255" cy="396715"/>
+              <a:off x="2017917" y="2097993"/>
+              <a:ext cx="4691437" cy="397076"/>
             </a:xfrm>
             <a:prstGeom prst="rect">
               <a:avLst/>
@@ -3958,8 +3958,8 @@
           </p:nvSpPr>
           <p:spPr>
             <a:xfrm>
-              <a:off x="2019661" y="2538325"/>
-              <a:ext cx="4618443" cy="396715"/>
+              <a:off x="2017917" y="2539189"/>
+              <a:ext cx="4619607" cy="397076"/>
             </a:xfrm>
             <a:prstGeom prst="rect">
               <a:avLst/>
@@ -3984,8 +3984,8 @@
           </p:nvSpPr>
           <p:spPr>
             <a:xfrm>
-              <a:off x="2019661" y="2979119"/>
-              <a:ext cx="4299774" cy="396715"/>
+              <a:off x="2017917" y="2980385"/>
+              <a:ext cx="4300858" cy="397076"/>
             </a:xfrm>
             <a:prstGeom prst="rect">
               <a:avLst/>
@@ -4010,8 +4010,8 @@
           </p:nvSpPr>
           <p:spPr>
             <a:xfrm>
-              <a:off x="2019661" y="3419914"/>
-              <a:ext cx="3359479" cy="396715"/>
+              <a:off x="2017917" y="3421582"/>
+              <a:ext cx="3360326" cy="397076"/>
             </a:xfrm>
             <a:prstGeom prst="rect">
               <a:avLst/>
@@ -4036,8 +4036,8 @@
           </p:nvSpPr>
           <p:spPr>
             <a:xfrm>
-              <a:off x="2019661" y="3860708"/>
-              <a:ext cx="2715411" cy="396715"/>
+              <a:off x="2017917" y="3862778"/>
+              <a:ext cx="2716095" cy="397076"/>
             </a:xfrm>
             <a:prstGeom prst="rect">
               <a:avLst/>
@@ -4062,8 +4062,8 @@
           </p:nvSpPr>
           <p:spPr>
             <a:xfrm>
-              <a:off x="2019661" y="4301503"/>
-              <a:ext cx="2690725" cy="396715"/>
+              <a:off x="2017917" y="4303974"/>
+              <a:ext cx="2691403" cy="397076"/>
             </a:xfrm>
             <a:prstGeom prst="rect">
               <a:avLst/>
@@ -4088,8 +4088,8 @@
           </p:nvSpPr>
           <p:spPr>
             <a:xfrm>
-              <a:off x="2019661" y="4742297"/>
-              <a:ext cx="2392254" cy="396715"/>
+              <a:off x="2017917" y="4745171"/>
+              <a:ext cx="2392857" cy="397076"/>
             </a:xfrm>
             <a:prstGeom prst="rect">
               <a:avLst/>
@@ -4114,8 +4114,8 @@
           </p:nvSpPr>
           <p:spPr>
             <a:xfrm>
-              <a:off x="2019661" y="5183092"/>
-              <a:ext cx="267052" cy="396715"/>
+              <a:off x="2017917" y="5186367"/>
+              <a:ext cx="267120" cy="397076"/>
             </a:xfrm>
             <a:prstGeom prst="rect">
               <a:avLst/>
@@ -4140,7 +4140,7 @@
           </p:nvSpPr>
           <p:spPr>
             <a:xfrm>
-              <a:off x="8102914" y="1789812"/>
+              <a:off x="8102839" y="1790053"/>
               <a:ext cx="95701" cy="22019"/>
             </a:xfrm>
             <a:custGeom>
@@ -4231,7 +4231,7 @@
           </p:nvSpPr>
           <p:spPr>
             <a:xfrm>
-              <a:off x="8105879" y="1813102"/>
+              <a:off x="8105803" y="1813343"/>
               <a:ext cx="90196" cy="18632"/>
             </a:xfrm>
             <a:custGeom>
@@ -4286,7 +4286,7 @@
           </p:nvSpPr>
           <p:spPr>
             <a:xfrm>
-              <a:off x="8120276" y="1827500"/>
+              <a:off x="8120201" y="1827741"/>
               <a:ext cx="61401" cy="23713"/>
             </a:xfrm>
             <a:custGeom>
@@ -4329,7 +4329,7 @@
           </p:nvSpPr>
           <p:spPr>
             <a:xfrm>
-              <a:off x="8128322" y="1834699"/>
+              <a:off x="8128247" y="1834940"/>
               <a:ext cx="45309" cy="9316"/>
             </a:xfrm>
             <a:custGeom>
@@ -4372,7 +4372,7 @@
           </p:nvSpPr>
           <p:spPr>
             <a:xfrm>
-              <a:off x="8112230" y="1857565"/>
+              <a:off x="8112155" y="1857806"/>
               <a:ext cx="77492" cy="30065"/>
             </a:xfrm>
             <a:custGeom>
@@ -4427,7 +4427,7 @@
           </p:nvSpPr>
           <p:spPr>
             <a:xfrm>
-              <a:off x="8120276" y="1864764"/>
+              <a:off x="8120201" y="1865005"/>
               <a:ext cx="61401" cy="10162"/>
             </a:xfrm>
             <a:custGeom>
@@ -4470,7 +4470,7 @@
           </p:nvSpPr>
           <p:spPr>
             <a:xfrm>
-              <a:off x="8210472" y="1788965"/>
+              <a:off x="8210397" y="1789206"/>
               <a:ext cx="96971" cy="70717"/>
             </a:xfrm>
             <a:custGeom>
@@ -4906,7 +4906,7 @@
           </p:nvSpPr>
           <p:spPr>
             <a:xfrm>
-              <a:off x="8225717" y="1851637"/>
+              <a:off x="8225642" y="1851878"/>
               <a:ext cx="22019" cy="35570"/>
             </a:xfrm>
             <a:custGeom>
@@ -5063,7 +5063,7 @@
           </p:nvSpPr>
           <p:spPr>
             <a:xfrm>
-              <a:off x="8272297" y="1851637"/>
+              <a:off x="8272222" y="1851878"/>
               <a:ext cx="8469" cy="35146"/>
             </a:xfrm>
             <a:custGeom>
@@ -5106,7 +5106,7 @@
           </p:nvSpPr>
           <p:spPr>
             <a:xfrm>
-              <a:off x="8388324" y="1789812"/>
+              <a:off x="8388249" y="1790053"/>
               <a:ext cx="15244" cy="13974"/>
             </a:xfrm>
             <a:custGeom>
@@ -5203,7 +5203,7 @@
           </p:nvSpPr>
           <p:spPr>
             <a:xfrm>
-              <a:off x="8317607" y="1789812"/>
+              <a:off x="8317532" y="1790053"/>
               <a:ext cx="98665" cy="97395"/>
             </a:xfrm>
             <a:custGeom>
@@ -5223,7 +5223,7 @@
                     <a:pt x="64661" y="28380"/>
                   </a:lnTo>
                   <a:lnTo>
-                    <a:pt x="65042" y="32894"/>
+                    <a:pt x="65043" y="32894"/>
                   </a:lnTo>
                   <a:lnTo>
                     <a:pt x="65508" y="37255"/>
@@ -5915,7 +5915,7 @@
           </p:nvSpPr>
           <p:spPr>
             <a:xfrm>
-              <a:off x="8485296" y="1790236"/>
+              <a:off x="8485221" y="1790477"/>
               <a:ext cx="39804" cy="46580"/>
             </a:xfrm>
             <a:custGeom>
@@ -6012,7 +6012,7 @@
           </p:nvSpPr>
           <p:spPr>
             <a:xfrm>
-              <a:off x="8427706" y="1790659"/>
+              <a:off x="8427631" y="1790900"/>
               <a:ext cx="39381" cy="47003"/>
             </a:xfrm>
             <a:custGeom>
@@ -6109,7 +6109,7 @@
           </p:nvSpPr>
           <p:spPr>
             <a:xfrm>
-              <a:off x="8430247" y="1831734"/>
+              <a:off x="8430171" y="1831976"/>
               <a:ext cx="77069" cy="55472"/>
             </a:xfrm>
             <a:custGeom>
@@ -6458,7 +6458,7 @@
           </p:nvSpPr>
           <p:spPr>
             <a:xfrm>
-              <a:off x="8534417" y="1789812"/>
+              <a:off x="8534342" y="1790053"/>
               <a:ext cx="100359" cy="96548"/>
             </a:xfrm>
             <a:custGeom>
@@ -6888,7 +6888,7 @@
           </p:nvSpPr>
           <p:spPr>
             <a:xfrm>
-              <a:off x="6119780" y="2230607"/>
+              <a:off x="6119177" y="2231250"/>
               <a:ext cx="95701" cy="22019"/>
             </a:xfrm>
             <a:custGeom>
@@ -6979,7 +6979,7 @@
           </p:nvSpPr>
           <p:spPr>
             <a:xfrm>
-              <a:off x="6126131" y="2255591"/>
+              <a:off x="6125529" y="2256234"/>
               <a:ext cx="82997" cy="72411"/>
             </a:xfrm>
             <a:custGeom>
@@ -7034,7 +7034,7 @@
           </p:nvSpPr>
           <p:spPr>
             <a:xfrm>
-              <a:off x="6134601" y="2263213"/>
+              <a:off x="6133998" y="2263856"/>
               <a:ext cx="66059" cy="52932"/>
             </a:xfrm>
             <a:custGeom>
@@ -7077,7 +7077,7 @@
           </p:nvSpPr>
           <p:spPr>
             <a:xfrm>
-              <a:off x="6138835" y="2266601"/>
+              <a:off x="6138233" y="2267244"/>
               <a:ext cx="57166" cy="47003"/>
             </a:xfrm>
             <a:custGeom>
@@ -7246,7 +7246,7 @@
           </p:nvSpPr>
           <p:spPr>
             <a:xfrm>
-              <a:off x="6176099" y="2293702"/>
+              <a:off x="6175497" y="2294345"/>
               <a:ext cx="17785" cy="17361"/>
             </a:xfrm>
             <a:custGeom>
@@ -7343,7 +7343,7 @@
           </p:nvSpPr>
           <p:spPr>
             <a:xfrm>
-              <a:off x="6226067" y="2230607"/>
+              <a:off x="6225465" y="2231250"/>
               <a:ext cx="34723" cy="97395"/>
             </a:xfrm>
             <a:custGeom>
@@ -7539,7 +7539,7 @@
           </p:nvSpPr>
           <p:spPr>
             <a:xfrm>
-              <a:off x="6255286" y="2230607"/>
+              <a:off x="6254683" y="2231250"/>
               <a:ext cx="70717" cy="97395"/>
             </a:xfrm>
             <a:custGeom>
@@ -7849,7 +7849,7 @@
           </p:nvSpPr>
           <p:spPr>
             <a:xfrm>
-              <a:off x="6334472" y="2230607"/>
+              <a:off x="6333870" y="2231250"/>
               <a:ext cx="30912" cy="97395"/>
             </a:xfrm>
             <a:custGeom>
@@ -7985,7 +7985,7 @@
           </p:nvSpPr>
           <p:spPr>
             <a:xfrm>
-              <a:off x="6365808" y="2230607"/>
+              <a:off x="6365206" y="2231250"/>
               <a:ext cx="67329" cy="20325"/>
             </a:xfrm>
             <a:custGeom>
@@ -8094,7 +8094,7 @@
           </p:nvSpPr>
           <p:spPr>
             <a:xfrm>
-              <a:off x="6371313" y="2259402"/>
+              <a:off x="6370711" y="2260045"/>
               <a:ext cx="55896" cy="7622"/>
             </a:xfrm>
             <a:custGeom>
@@ -8137,7 +8137,7 @@
           </p:nvSpPr>
           <p:spPr>
             <a:xfrm>
-              <a:off x="6371313" y="2275493"/>
+              <a:off x="6370711" y="2276136"/>
               <a:ext cx="55896" cy="7622"/>
             </a:xfrm>
             <a:custGeom>
@@ -8180,7 +8180,7 @@
           </p:nvSpPr>
           <p:spPr>
             <a:xfrm>
-              <a:off x="6372160" y="2291585"/>
+              <a:off x="6371558" y="2292228"/>
               <a:ext cx="54202" cy="35993"/>
             </a:xfrm>
             <a:custGeom>
@@ -8235,7 +8235,7 @@
           </p:nvSpPr>
           <p:spPr>
             <a:xfrm>
-              <a:off x="6380629" y="2299207"/>
+              <a:off x="6380027" y="2299850"/>
               <a:ext cx="37264" cy="15244"/>
             </a:xfrm>
             <a:custGeom>
@@ -8278,7 +8278,7 @@
           </p:nvSpPr>
           <p:spPr>
             <a:xfrm>
-              <a:off x="6456428" y="2229336"/>
+              <a:off x="6455825" y="2229979"/>
               <a:ext cx="73258" cy="59707"/>
             </a:xfrm>
             <a:custGeom>
@@ -8333,7 +8333,7 @@
           </p:nvSpPr>
           <p:spPr>
             <a:xfrm>
-              <a:off x="6464897" y="2246275"/>
+              <a:off x="6464295" y="2246918"/>
               <a:ext cx="56319" cy="7198"/>
             </a:xfrm>
             <a:custGeom>
@@ -8376,7 +8376,7 @@
           </p:nvSpPr>
           <p:spPr>
             <a:xfrm>
-              <a:off x="6464897" y="2260249"/>
+              <a:off x="6464295" y="2260892"/>
               <a:ext cx="56319" cy="7198"/>
             </a:xfrm>
             <a:custGeom>
@@ -8419,7 +8419,7 @@
           </p:nvSpPr>
           <p:spPr>
             <a:xfrm>
-              <a:off x="6464897" y="2273799"/>
+              <a:off x="6464295" y="2274442"/>
               <a:ext cx="56319" cy="7198"/>
             </a:xfrm>
             <a:custGeom>
@@ -8462,7 +8462,7 @@
           </p:nvSpPr>
           <p:spPr>
             <a:xfrm>
-              <a:off x="6484376" y="2292855"/>
+              <a:off x="6483774" y="2293498"/>
               <a:ext cx="22443" cy="19479"/>
             </a:xfrm>
             <a:custGeom>
@@ -8559,7 +8559,7 @@
           </p:nvSpPr>
           <p:spPr>
             <a:xfrm>
-              <a:off x="6442877" y="2295819"/>
+              <a:off x="6442275" y="2296462"/>
               <a:ext cx="20325" cy="27948"/>
             </a:xfrm>
             <a:custGeom>
@@ -8656,7 +8656,7 @@
           </p:nvSpPr>
           <p:spPr>
             <a:xfrm>
-              <a:off x="6469132" y="2296243"/>
+              <a:off x="6468529" y="2296886"/>
               <a:ext cx="52932" cy="29641"/>
             </a:xfrm>
             <a:custGeom>
@@ -8972,7 +8972,7 @@
           </p:nvSpPr>
           <p:spPr>
             <a:xfrm>
-              <a:off x="6519946" y="2296243"/>
+              <a:off x="6519344" y="2296886"/>
               <a:ext cx="22443" cy="26677"/>
             </a:xfrm>
             <a:custGeom>
@@ -9069,7 +9069,7 @@
           </p:nvSpPr>
           <p:spPr>
             <a:xfrm>
-              <a:off x="6078032" y="2671401"/>
+              <a:off x="6077412" y="2672446"/>
               <a:ext cx="63942" cy="97395"/>
             </a:xfrm>
             <a:custGeom>
@@ -9370,7 +9370,7 @@
           </p:nvSpPr>
           <p:spPr>
             <a:xfrm>
-              <a:off x="6047120" y="2680717"/>
+              <a:off x="6046500" y="2681762"/>
               <a:ext cx="43616" cy="74951"/>
             </a:xfrm>
             <a:custGeom>
@@ -9518,7 +9518,7 @@
           </p:nvSpPr>
           <p:spPr>
             <a:xfrm>
-              <a:off x="6157219" y="2670978"/>
+              <a:off x="6156598" y="2672023"/>
               <a:ext cx="51238" cy="33029"/>
             </a:xfrm>
             <a:custGeom>
@@ -9771,7 +9771,7 @@
           </p:nvSpPr>
           <p:spPr>
             <a:xfrm>
-              <a:off x="6162724" y="2707395"/>
+              <a:off x="6162103" y="2708440"/>
               <a:ext cx="38958" cy="61401"/>
             </a:xfrm>
             <a:custGeom>
@@ -9976,7 +9976,7 @@
           </p:nvSpPr>
           <p:spPr>
             <a:xfrm>
-              <a:off x="6171193" y="2715017"/>
+              <a:off x="6170572" y="2716062"/>
               <a:ext cx="22019" cy="9316"/>
             </a:xfrm>
             <a:custGeom>
@@ -10019,7 +10019,7 @@
           </p:nvSpPr>
           <p:spPr>
             <a:xfrm>
-              <a:off x="6171193" y="2731109"/>
+              <a:off x="6170572" y="2732154"/>
               <a:ext cx="22019" cy="9316"/>
             </a:xfrm>
             <a:custGeom>
@@ -10062,7 +10062,7 @@
           </p:nvSpPr>
           <p:spPr>
             <a:xfrm>
-              <a:off x="6210998" y="2673942"/>
+              <a:off x="6210377" y="2674987"/>
               <a:ext cx="41075" cy="44039"/>
             </a:xfrm>
             <a:custGeom>
@@ -10411,7 +10411,7 @@
           </p:nvSpPr>
           <p:spPr>
             <a:xfrm>
-              <a:off x="6210998" y="2722216"/>
+              <a:off x="6210377" y="2723261"/>
               <a:ext cx="42769" cy="45733"/>
             </a:xfrm>
             <a:custGeom>
@@ -10760,7 +10760,7 @@
           </p:nvSpPr>
           <p:spPr>
             <a:xfrm>
-              <a:off x="6266471" y="2670554"/>
+              <a:off x="6265850" y="2671599"/>
               <a:ext cx="92313" cy="29641"/>
             </a:xfrm>
             <a:custGeom>
@@ -10881,7 +10881,7 @@
           </p:nvSpPr>
           <p:spPr>
             <a:xfrm>
-              <a:off x="6277904" y="2695115"/>
+              <a:off x="6277284" y="2696160"/>
               <a:ext cx="68600" cy="7198"/>
             </a:xfrm>
             <a:custGeom>
@@ -10924,7 +10924,7 @@
           </p:nvSpPr>
           <p:spPr>
             <a:xfrm>
-              <a:off x="6278751" y="2709512"/>
+              <a:off x="6278131" y="2710557"/>
               <a:ext cx="67329" cy="41075"/>
             </a:xfrm>
             <a:custGeom>
@@ -10967,7 +10967,7 @@
           </p:nvSpPr>
           <p:spPr>
             <a:xfrm>
-              <a:off x="6287220" y="2716711"/>
+              <a:off x="6286600" y="2717756"/>
               <a:ext cx="50391" cy="9739"/>
             </a:xfrm>
             <a:custGeom>
@@ -11010,7 +11010,7 @@
           </p:nvSpPr>
           <p:spPr>
             <a:xfrm>
-              <a:off x="6287220" y="2733649"/>
+              <a:off x="6286600" y="2734694"/>
               <a:ext cx="50391" cy="9739"/>
             </a:xfrm>
             <a:custGeom>
@@ -11053,7 +11053,7 @@
           </p:nvSpPr>
           <p:spPr>
             <a:xfrm>
-              <a:off x="6266047" y="2757786"/>
+              <a:off x="6265427" y="2758831"/>
               <a:ext cx="93160" cy="7198"/>
             </a:xfrm>
             <a:custGeom>
@@ -11096,7 +11096,7 @@
           </p:nvSpPr>
           <p:spPr>
             <a:xfrm>
-              <a:off x="6411293" y="2671401"/>
+              <a:off x="6410673" y="2672446"/>
               <a:ext cx="56319" cy="44886"/>
             </a:xfrm>
             <a:custGeom>
@@ -11328,7 +11328,7 @@
           </p:nvSpPr>
           <p:spPr>
             <a:xfrm>
-              <a:off x="6422726" y="2703161"/>
+              <a:off x="6422106" y="2704205"/>
               <a:ext cx="22866" cy="66059"/>
             </a:xfrm>
             <a:custGeom>
@@ -11521,7 +11521,7 @@
           </p:nvSpPr>
           <p:spPr>
             <a:xfrm>
-              <a:off x="6451945" y="2717135"/>
+              <a:off x="6451324" y="2718179"/>
               <a:ext cx="14820" cy="37687"/>
             </a:xfrm>
             <a:custGeom>
@@ -11618,7 +11618,7 @@
           </p:nvSpPr>
           <p:spPr>
             <a:xfrm>
-              <a:off x="6411717" y="2717135"/>
+              <a:off x="6411096" y="2718179"/>
               <a:ext cx="17785" cy="36417"/>
             </a:xfrm>
             <a:custGeom>
@@ -11715,7 +11715,7 @@
           </p:nvSpPr>
           <p:spPr>
             <a:xfrm>
-              <a:off x="6369794" y="2670978"/>
+              <a:off x="6369174" y="2672023"/>
               <a:ext cx="42345" cy="97818"/>
             </a:xfrm>
             <a:custGeom>
@@ -11977,7 +11977,7 @@
           </p:nvSpPr>
           <p:spPr>
             <a:xfrm>
-              <a:off x="4968347" y="3112196"/>
+              <a:off x="4967646" y="3113642"/>
               <a:ext cx="30912" cy="97395"/>
             </a:xfrm>
             <a:custGeom>
@@ -12113,7 +12113,7 @@
           </p:nvSpPr>
           <p:spPr>
             <a:xfrm>
-              <a:off x="4995024" y="3115583"/>
+              <a:off x="4994324" y="3117030"/>
               <a:ext cx="73258" cy="94007"/>
             </a:xfrm>
             <a:custGeom>
@@ -12318,7 +12318,7 @@
           </p:nvSpPr>
           <p:spPr>
             <a:xfrm>
-              <a:off x="5014080" y="3123206"/>
+              <a:off x="5013379" y="3124652"/>
               <a:ext cx="34723" cy="17785"/>
             </a:xfrm>
             <a:custGeom>
@@ -12361,7 +12361,7 @@
           </p:nvSpPr>
           <p:spPr>
             <a:xfrm>
-              <a:off x="5124602" y="3112196"/>
+              <a:off x="5123901" y="3113642"/>
               <a:ext cx="50814" cy="84267"/>
             </a:xfrm>
             <a:custGeom>
@@ -12512,7 +12512,7 @@
           </p:nvSpPr>
           <p:spPr>
             <a:xfrm>
-              <a:off x="5150433" y="3127017"/>
+              <a:off x="5149732" y="3128463"/>
               <a:ext cx="10162" cy="7622"/>
             </a:xfrm>
             <a:custGeom>
@@ -12555,7 +12555,7 @@
           </p:nvSpPr>
           <p:spPr>
             <a:xfrm>
-              <a:off x="5150433" y="3142261"/>
+              <a:off x="5149732" y="3143708"/>
               <a:ext cx="10162" cy="7198"/>
             </a:xfrm>
             <a:custGeom>
@@ -12598,7 +12598,7 @@
           </p:nvSpPr>
           <p:spPr>
             <a:xfrm>
-              <a:off x="5096654" y="3116430"/>
+              <a:off x="5095953" y="3117877"/>
               <a:ext cx="78763" cy="93160"/>
             </a:xfrm>
             <a:custGeom>
@@ -12938,7 +12938,7 @@
           </p:nvSpPr>
           <p:spPr>
             <a:xfrm>
-              <a:off x="5076752" y="3112196"/>
+              <a:off x="5076051" y="3113642"/>
               <a:ext cx="24560" cy="97395"/>
             </a:xfrm>
             <a:custGeom>
@@ -13047,7 +13047,7 @@
           </p:nvSpPr>
           <p:spPr>
             <a:xfrm>
-              <a:off x="5186427" y="3110925"/>
+              <a:off x="5185726" y="3112372"/>
               <a:ext cx="98242" cy="34723"/>
             </a:xfrm>
             <a:custGeom>
@@ -13210,7 +13210,7 @@
           </p:nvSpPr>
           <p:spPr>
             <a:xfrm>
-              <a:off x="5202095" y="3131251"/>
+              <a:off x="5201394" y="3132698"/>
               <a:ext cx="66482" cy="79186"/>
             </a:xfrm>
             <a:custGeom>
@@ -13361,7 +13361,7 @@
           </p:nvSpPr>
           <p:spPr>
             <a:xfrm>
-              <a:off x="5210564" y="3149460"/>
+              <a:off x="5209863" y="3150907"/>
               <a:ext cx="49544" cy="7622"/>
             </a:xfrm>
             <a:custGeom>
@@ -13404,7 +13404,7 @@
           </p:nvSpPr>
           <p:spPr>
             <a:xfrm>
-              <a:off x="5210564" y="3164704"/>
+              <a:off x="5209863" y="3166151"/>
               <a:ext cx="49544" cy="7622"/>
             </a:xfrm>
             <a:custGeom>
@@ -13447,7 +13447,7 @@
           </p:nvSpPr>
           <p:spPr>
             <a:xfrm>
-              <a:off x="5223268" y="3179949"/>
+              <a:off x="5222567" y="3181396"/>
               <a:ext cx="59707" cy="30488"/>
             </a:xfrm>
             <a:custGeom>
@@ -13637,7 +13637,7 @@
           </p:nvSpPr>
           <p:spPr>
             <a:xfrm>
-              <a:off x="5307536" y="3116430"/>
+              <a:off x="5306835" y="3117877"/>
               <a:ext cx="71987" cy="36840"/>
             </a:xfrm>
             <a:custGeom>
@@ -13680,7 +13680,7 @@
           </p:nvSpPr>
           <p:spPr>
             <a:xfrm>
-              <a:off x="5316005" y="3124476"/>
+              <a:off x="5315304" y="3125923"/>
               <a:ext cx="55472" cy="20749"/>
             </a:xfrm>
             <a:custGeom>
@@ -13723,7 +13723,7 @@
           </p:nvSpPr>
           <p:spPr>
             <a:xfrm>
-              <a:off x="5298643" y="3161740"/>
+              <a:off x="5297942" y="3163187"/>
               <a:ext cx="40228" cy="47850"/>
             </a:xfrm>
             <a:custGeom>
@@ -13778,7 +13778,7 @@
           </p:nvSpPr>
           <p:spPr>
             <a:xfrm>
-              <a:off x="5306689" y="3169362"/>
+              <a:off x="5305988" y="3170809"/>
               <a:ext cx="24137" cy="26254"/>
             </a:xfrm>
             <a:custGeom>
@@ -13821,7 +13821,7 @@
           </p:nvSpPr>
           <p:spPr>
             <a:xfrm>
-              <a:off x="5348188" y="3161740"/>
+              <a:off x="5347487" y="3163187"/>
               <a:ext cx="39804" cy="47850"/>
             </a:xfrm>
             <a:custGeom>
@@ -13876,7 +13876,7 @@
           </p:nvSpPr>
           <p:spPr>
             <a:xfrm>
-              <a:off x="5356233" y="3169362"/>
+              <a:off x="5355532" y="3170809"/>
               <a:ext cx="23713" cy="26254"/>
             </a:xfrm>
             <a:custGeom>
@@ -13919,7 +13919,7 @@
           </p:nvSpPr>
           <p:spPr>
             <a:xfrm>
-              <a:off x="5401543" y="3112196"/>
+              <a:off x="5400842" y="3113642"/>
               <a:ext cx="38958" cy="97395"/>
             </a:xfrm>
             <a:custGeom>
@@ -14115,7 +14115,7 @@
           </p:nvSpPr>
           <p:spPr>
             <a:xfrm>
-              <a:off x="5446006" y="3117701"/>
+              <a:off x="5445305" y="3119147"/>
               <a:ext cx="45733" cy="8045"/>
             </a:xfrm>
             <a:custGeom>
@@ -14158,7 +14158,7 @@
           </p:nvSpPr>
           <p:spPr>
             <a:xfrm>
-              <a:off x="5439654" y="3141838"/>
+              <a:off x="5438953" y="3143284"/>
               <a:ext cx="59283" cy="68176"/>
             </a:xfrm>
             <a:custGeom>
@@ -14393,7 +14393,7 @@
           </p:nvSpPr>
           <p:spPr>
             <a:xfrm>
-              <a:off x="5479036" y="3160470"/>
+              <a:off x="5478335" y="3161917"/>
               <a:ext cx="22019" cy="38111"/>
             </a:xfrm>
             <a:custGeom>
@@ -14490,7 +14490,7 @@
           </p:nvSpPr>
           <p:spPr>
             <a:xfrm>
-              <a:off x="5433726" y="3160893"/>
+              <a:off x="5433025" y="3162340"/>
               <a:ext cx="22443" cy="38111"/>
             </a:xfrm>
             <a:custGeom>
@@ -14587,7 +14587,7 @@
           </p:nvSpPr>
           <p:spPr>
             <a:xfrm>
-              <a:off x="5512912" y="3112196"/>
+              <a:off x="5512212" y="3113642"/>
               <a:ext cx="94430" cy="47850"/>
             </a:xfrm>
             <a:custGeom>
@@ -14666,7 +14666,7 @@
           </p:nvSpPr>
           <p:spPr>
             <a:xfrm>
-              <a:off x="5553564" y="3163011"/>
+              <a:off x="5552863" y="3164457"/>
               <a:ext cx="19055" cy="23290"/>
             </a:xfrm>
             <a:custGeom>
@@ -14763,7 +14763,7 @@
           </p:nvSpPr>
           <p:spPr>
             <a:xfrm>
-              <a:off x="5585324" y="3167245"/>
+              <a:off x="5584623" y="3168692"/>
               <a:ext cx="23290" cy="29641"/>
             </a:xfrm>
             <a:custGeom>
@@ -14860,7 +14860,7 @@
           </p:nvSpPr>
           <p:spPr>
             <a:xfrm>
-              <a:off x="5511642" y="3169786"/>
+              <a:off x="5510941" y="3171233"/>
               <a:ext cx="19902" cy="31759"/>
             </a:xfrm>
             <a:custGeom>
@@ -14957,7 +14957,7 @@
           </p:nvSpPr>
           <p:spPr>
             <a:xfrm>
-              <a:off x="5538743" y="3171903"/>
+              <a:off x="5538042" y="3173350"/>
               <a:ext cx="50391" cy="35146"/>
             </a:xfrm>
             <a:custGeom>
@@ -15240,7 +15240,7 @@
           </p:nvSpPr>
           <p:spPr>
             <a:xfrm>
-              <a:off x="5656041" y="3122359"/>
+              <a:off x="5655340" y="3123805"/>
               <a:ext cx="38111" cy="94430"/>
             </a:xfrm>
             <a:custGeom>
@@ -15457,7 +15457,7 @@
           </p:nvSpPr>
           <p:spPr>
             <a:xfrm>
-              <a:off x="5729722" y="3112196"/>
+              <a:off x="5729022" y="3113642"/>
               <a:ext cx="95277" cy="24560"/>
             </a:xfrm>
             <a:custGeom>
@@ -15548,7 +15548,7 @@
           </p:nvSpPr>
           <p:spPr>
             <a:xfrm>
-              <a:off x="5728452" y="3175714"/>
+              <a:off x="5727751" y="3177161"/>
               <a:ext cx="97395" cy="31759"/>
             </a:xfrm>
             <a:custGeom>
@@ -15603,7 +15603,7 @@
           </p:nvSpPr>
           <p:spPr>
             <a:xfrm>
-              <a:off x="5747084" y="3183336"/>
+              <a:off x="5746383" y="3184783"/>
               <a:ext cx="14820" cy="16091"/>
             </a:xfrm>
             <a:custGeom>
@@ -15646,7 +15646,7 @@
           </p:nvSpPr>
           <p:spPr>
             <a:xfrm>
-              <a:off x="5769951" y="3183336"/>
+              <a:off x="5769250" y="3184783"/>
               <a:ext cx="14397" cy="16091"/>
             </a:xfrm>
             <a:custGeom>
@@ -15689,7 +15689,7 @@
           </p:nvSpPr>
           <p:spPr>
             <a:xfrm>
-              <a:off x="5792394" y="3183336"/>
+              <a:off x="5791693" y="3184783"/>
               <a:ext cx="14820" cy="16091"/>
             </a:xfrm>
             <a:custGeom>
@@ -15732,7 +15732,7 @@
           </p:nvSpPr>
           <p:spPr>
             <a:xfrm>
-              <a:off x="5773762" y="3136756"/>
+              <a:off x="5773061" y="3138203"/>
               <a:ext cx="47003" cy="32606"/>
             </a:xfrm>
             <a:custGeom>
@@ -15844,7 +15844,7 @@
           </p:nvSpPr>
           <p:spPr>
             <a:xfrm>
-              <a:off x="5759364" y="3139720"/>
+              <a:off x="5758664" y="3141167"/>
               <a:ext cx="8469" cy="32182"/>
             </a:xfrm>
             <a:custGeom>
@@ -15887,7 +15887,7 @@
           </p:nvSpPr>
           <p:spPr>
             <a:xfrm>
-              <a:off x="5740309" y="3142261"/>
+              <a:off x="5739608" y="3143708"/>
               <a:ext cx="7622" cy="27948"/>
             </a:xfrm>
             <a:custGeom>
@@ -15930,7 +15930,7 @@
           </p:nvSpPr>
           <p:spPr>
             <a:xfrm>
-              <a:off x="5792394" y="3157506"/>
+              <a:off x="5791693" y="3158952"/>
               <a:ext cx="15244" cy="14820"/>
             </a:xfrm>
             <a:custGeom>
@@ -16027,7 +16027,7 @@
           </p:nvSpPr>
           <p:spPr>
             <a:xfrm>
-              <a:off x="5838127" y="3112196"/>
+              <a:off x="5837427" y="3113642"/>
               <a:ext cx="34723" cy="97395"/>
             </a:xfrm>
             <a:custGeom>
@@ -16256,7 +16256,7 @@
           </p:nvSpPr>
           <p:spPr>
             <a:xfrm>
-              <a:off x="5877509" y="3114313"/>
+              <a:off x="5876808" y="3115760"/>
               <a:ext cx="53779" cy="35993"/>
             </a:xfrm>
             <a:custGeom>
@@ -16311,7 +16311,7 @@
           </p:nvSpPr>
           <p:spPr>
             <a:xfrm>
-              <a:off x="5890213" y="3129134"/>
+              <a:off x="5889512" y="3130581"/>
               <a:ext cx="28371" cy="6775"/>
             </a:xfrm>
             <a:custGeom>
@@ -16354,7 +16354,7 @@
           </p:nvSpPr>
           <p:spPr>
             <a:xfrm>
-              <a:off x="5890213" y="3142261"/>
+              <a:off x="5889512" y="3143708"/>
               <a:ext cx="28795" cy="6775"/>
             </a:xfrm>
             <a:custGeom>
@@ -16397,7 +16397,7 @@
           </p:nvSpPr>
           <p:spPr>
             <a:xfrm>
-              <a:off x="5879203" y="3155388"/>
+              <a:off x="5878502" y="3156835"/>
               <a:ext cx="49544" cy="54202"/>
             </a:xfrm>
             <a:custGeom>
@@ -16452,7 +16452,7 @@
           </p:nvSpPr>
           <p:spPr>
             <a:xfrm>
-              <a:off x="5887248" y="3163011"/>
+              <a:off x="5886548" y="3164457"/>
               <a:ext cx="33876" cy="6775"/>
             </a:xfrm>
             <a:custGeom>
@@ -16495,7 +16495,7 @@
           </p:nvSpPr>
           <p:spPr>
             <a:xfrm>
-              <a:off x="5887248" y="3176985"/>
+              <a:off x="5886548" y="3178431"/>
               <a:ext cx="33876" cy="6775"/>
             </a:xfrm>
             <a:custGeom>
@@ -16538,7 +16538,7 @@
           </p:nvSpPr>
           <p:spPr>
             <a:xfrm>
-              <a:off x="5887248" y="3190959"/>
+              <a:off x="5886548" y="3192405"/>
               <a:ext cx="33876" cy="7198"/>
             </a:xfrm>
             <a:custGeom>
@@ -16581,7 +16581,7 @@
           </p:nvSpPr>
           <p:spPr>
             <a:xfrm>
-              <a:off x="5946109" y="3116007"/>
+              <a:off x="5945408" y="3117454"/>
               <a:ext cx="95701" cy="93584"/>
             </a:xfrm>
             <a:custGeom>
@@ -16867,7 +16867,7 @@
           </p:nvSpPr>
           <p:spPr>
             <a:xfrm>
-              <a:off x="6076957" y="3122359"/>
+              <a:off x="6076256" y="3123805"/>
               <a:ext cx="38111" cy="94430"/>
             </a:xfrm>
             <a:custGeom>
@@ -17084,7 +17084,7 @@
           </p:nvSpPr>
           <p:spPr>
             <a:xfrm>
-              <a:off x="5547514" y="3567483"/>
+              <a:off x="5546658" y="3569332"/>
               <a:ext cx="35146" cy="97818"/>
             </a:xfrm>
             <a:custGeom>
@@ -17343,7 +17343,7 @@
           </p:nvSpPr>
           <p:spPr>
             <a:xfrm>
-              <a:off x="5625007" y="3566636"/>
+              <a:off x="5624151" y="3568485"/>
               <a:ext cx="14820" cy="13550"/>
             </a:xfrm>
             <a:custGeom>
@@ -17440,7 +17440,7 @@
           </p:nvSpPr>
           <p:spPr>
             <a:xfrm>
-              <a:off x="5586048" y="3567906"/>
+              <a:off x="5585193" y="3569755"/>
               <a:ext cx="58860" cy="96971"/>
             </a:xfrm>
             <a:custGeom>
@@ -17693,7 +17693,7 @@
           </p:nvSpPr>
           <p:spPr>
             <a:xfrm>
-              <a:off x="5597058" y="3605171"/>
+              <a:off x="5596203" y="3607019"/>
               <a:ext cx="14397" cy="11433"/>
             </a:xfrm>
             <a:custGeom>
@@ -17736,7 +17736,7 @@
           </p:nvSpPr>
           <p:spPr>
             <a:xfrm>
-              <a:off x="5619078" y="3605171"/>
+              <a:off x="5618222" y="3607019"/>
               <a:ext cx="14820" cy="11433"/>
             </a:xfrm>
             <a:custGeom>
@@ -17779,7 +17779,7 @@
           </p:nvSpPr>
           <p:spPr>
             <a:xfrm>
-              <a:off x="5597058" y="3623803"/>
+              <a:off x="5596203" y="3625651"/>
               <a:ext cx="14397" cy="11433"/>
             </a:xfrm>
             <a:custGeom>
@@ -17822,7 +17822,7 @@
           </p:nvSpPr>
           <p:spPr>
             <a:xfrm>
-              <a:off x="5619078" y="3623803"/>
+              <a:off x="5618222" y="3625651"/>
               <a:ext cx="14820" cy="11433"/>
             </a:xfrm>
             <a:custGeom>
@@ -17865,7 +17865,7 @@
           </p:nvSpPr>
           <p:spPr>
             <a:xfrm>
-              <a:off x="5708004" y="3567906"/>
+              <a:off x="5707148" y="3569755"/>
               <a:ext cx="47427" cy="97395"/>
             </a:xfrm>
             <a:custGeom>
@@ -17932,7 +17932,7 @@
           </p:nvSpPr>
           <p:spPr>
             <a:xfrm>
-              <a:off x="5710968" y="3575952"/>
+              <a:off x="5710113" y="3577801"/>
               <a:ext cx="21172" cy="21172"/>
             </a:xfrm>
             <a:custGeom>
@@ -18029,7 +18029,7 @@
           </p:nvSpPr>
           <p:spPr>
             <a:xfrm>
-              <a:off x="5705887" y="3600936"/>
+              <a:off x="5705031" y="3602785"/>
               <a:ext cx="22443" cy="21596"/>
             </a:xfrm>
             <a:custGeom>
@@ -18126,7 +18126,7 @@
           </p:nvSpPr>
           <p:spPr>
             <a:xfrm>
-              <a:off x="5655072" y="3567906"/>
+              <a:off x="5654216" y="3569755"/>
               <a:ext cx="45733" cy="97818"/>
             </a:xfrm>
             <a:custGeom>
@@ -18322,7 +18322,7 @@
           </p:nvSpPr>
           <p:spPr>
             <a:xfrm>
-              <a:off x="5658460" y="3575105"/>
+              <a:off x="5657604" y="3576954"/>
               <a:ext cx="13127" cy="23290"/>
             </a:xfrm>
             <a:custGeom>
@@ -18419,7 +18419,7 @@
           </p:nvSpPr>
           <p:spPr>
             <a:xfrm>
-              <a:off x="5687255" y="3575105"/>
+              <a:off x="5686399" y="3576954"/>
               <a:ext cx="14397" cy="23713"/>
             </a:xfrm>
             <a:custGeom>
@@ -18516,7 +18516,7 @@
           </p:nvSpPr>
           <p:spPr>
             <a:xfrm>
-              <a:off x="5759878" y="3578175"/>
+              <a:off x="5759022" y="3580024"/>
               <a:ext cx="38269" cy="77386"/>
             </a:xfrm>
             <a:custGeom>
@@ -18559,7 +18559,7 @@
           </p:nvSpPr>
           <p:spPr>
             <a:xfrm>
-              <a:off x="5824666" y="3570871"/>
+              <a:off x="5823811" y="3572719"/>
               <a:ext cx="78339" cy="54202"/>
             </a:xfrm>
             <a:custGeom>
@@ -18845,7 +18845,7 @@
           </p:nvSpPr>
           <p:spPr>
             <a:xfrm>
-              <a:off x="5842452" y="3610676"/>
+              <a:off x="5841596" y="3612524"/>
               <a:ext cx="22443" cy="54625"/>
             </a:xfrm>
             <a:custGeom>
@@ -19038,7 +19038,7 @@
           </p:nvSpPr>
           <p:spPr>
             <a:xfrm>
-              <a:off x="5881410" y="3621262"/>
+              <a:off x="5880554" y="3623111"/>
               <a:ext cx="21172" cy="35570"/>
             </a:xfrm>
             <a:custGeom>
@@ -19135,7 +19135,7 @@
           </p:nvSpPr>
           <p:spPr>
             <a:xfrm>
-              <a:off x="5867436" y="3623379"/>
+              <a:off x="5866580" y="3625228"/>
               <a:ext cx="16938" cy="33876"/>
             </a:xfrm>
             <a:custGeom>
@@ -19232,7 +19232,7 @@
           </p:nvSpPr>
           <p:spPr>
             <a:xfrm>
-              <a:off x="5828478" y="3623803"/>
+              <a:off x="5827622" y="3625651"/>
               <a:ext cx="22866" cy="31759"/>
             </a:xfrm>
             <a:custGeom>
@@ -19329,7 +19329,7 @@
           </p:nvSpPr>
           <p:spPr>
             <a:xfrm>
-              <a:off x="5806458" y="3569600"/>
+              <a:off x="5805602" y="3571449"/>
               <a:ext cx="19902" cy="18632"/>
             </a:xfrm>
             <a:custGeom>
@@ -19426,7 +19426,7 @@
           </p:nvSpPr>
           <p:spPr>
             <a:xfrm>
-              <a:off x="5803917" y="3595008"/>
+              <a:off x="5803061" y="3596856"/>
               <a:ext cx="20325" cy="18632"/>
             </a:xfrm>
             <a:custGeom>
@@ -19523,7 +19523,7 @@
           </p:nvSpPr>
           <p:spPr>
             <a:xfrm>
-              <a:off x="5803917" y="3623379"/>
+              <a:off x="5803061" y="3625228"/>
               <a:ext cx="20749" cy="42345"/>
             </a:xfrm>
             <a:custGeom>
@@ -19620,7 +19620,7 @@
           </p:nvSpPr>
           <p:spPr>
             <a:xfrm>
-              <a:off x="5911475" y="3567906"/>
+              <a:off x="5910619" y="3569755"/>
               <a:ext cx="48697" cy="98665"/>
             </a:xfrm>
             <a:custGeom>
@@ -19951,7 +19951,7 @@
           </p:nvSpPr>
           <p:spPr>
             <a:xfrm>
-              <a:off x="5968218" y="3576799"/>
+              <a:off x="5967363" y="3578648"/>
               <a:ext cx="38534" cy="82997"/>
             </a:xfrm>
             <a:custGeom>
@@ -20006,7 +20006,7 @@
           </p:nvSpPr>
           <p:spPr>
             <a:xfrm>
-              <a:off x="5976264" y="3584421"/>
+              <a:off x="5975408" y="3586270"/>
               <a:ext cx="22443" cy="60130"/>
             </a:xfrm>
             <a:custGeom>
@@ -20049,7 +20049,7 @@
           </p:nvSpPr>
           <p:spPr>
             <a:xfrm>
-              <a:off x="6021574" y="3567483"/>
+              <a:off x="6020718" y="3569332"/>
               <a:ext cx="62248" cy="54625"/>
             </a:xfrm>
             <a:custGeom>
@@ -20410,7 +20410,7 @@
           </p:nvSpPr>
           <p:spPr>
             <a:xfrm>
-              <a:off x="6063920" y="3620415"/>
+              <a:off x="6063064" y="3622264"/>
               <a:ext cx="8469" cy="45309"/>
             </a:xfrm>
             <a:custGeom>
@@ -20453,7 +20453,7 @@
           </p:nvSpPr>
           <p:spPr>
             <a:xfrm>
-              <a:off x="6024538" y="3621262"/>
+              <a:off x="6023682" y="3623111"/>
               <a:ext cx="22866" cy="44462"/>
             </a:xfrm>
             <a:custGeom>
@@ -20610,7 +20610,7 @@
           </p:nvSpPr>
           <p:spPr>
             <a:xfrm>
-              <a:off x="6089327" y="3568330"/>
+              <a:off x="6088471" y="3570179"/>
               <a:ext cx="26254" cy="96971"/>
             </a:xfrm>
             <a:custGeom>
@@ -20803,7 +20803,7 @@
           </p:nvSpPr>
           <p:spPr>
             <a:xfrm>
-              <a:off x="6088480" y="3579340"/>
+              <a:off x="6087625" y="3581188"/>
               <a:ext cx="8469" cy="61401"/>
             </a:xfrm>
             <a:custGeom>
@@ -20846,7 +20846,7 @@
           </p:nvSpPr>
           <p:spPr>
             <a:xfrm>
-              <a:off x="4904557" y="4017858"/>
+              <a:off x="4903539" y="4020109"/>
               <a:ext cx="55631" cy="79556"/>
             </a:xfrm>
             <a:custGeom>
@@ -21663,7 +21663,7 @@
           </p:nvSpPr>
           <p:spPr>
             <a:xfrm>
-              <a:off x="4973845" y="4018970"/>
+              <a:off x="4972827" y="4021220"/>
               <a:ext cx="40175" cy="77386"/>
             </a:xfrm>
             <a:custGeom>
@@ -21724,7 +21724,7 @@
           </p:nvSpPr>
           <p:spPr>
             <a:xfrm>
-              <a:off x="5026301" y="4018864"/>
+              <a:off x="5025283" y="4021114"/>
               <a:ext cx="56160" cy="78551"/>
             </a:xfrm>
             <a:custGeom>
@@ -22193,7 +22193,7 @@
           </p:nvSpPr>
           <p:spPr>
             <a:xfrm>
-              <a:off x="5096489" y="4008701"/>
+              <a:off x="5095471" y="4010951"/>
               <a:ext cx="30912" cy="97395"/>
             </a:xfrm>
             <a:custGeom>
@@ -22329,7 +22329,7 @@
           </p:nvSpPr>
           <p:spPr>
             <a:xfrm>
-              <a:off x="5127825" y="4008701"/>
+              <a:off x="5126807" y="4010951"/>
               <a:ext cx="67329" cy="20325"/>
             </a:xfrm>
             <a:custGeom>
@@ -22438,7 +22438,7 @@
           </p:nvSpPr>
           <p:spPr>
             <a:xfrm>
-              <a:off x="5133330" y="4037496"/>
+              <a:off x="5132311" y="4039746"/>
               <a:ext cx="55896" cy="7622"/>
             </a:xfrm>
             <a:custGeom>
@@ -22481,7 +22481,7 @@
           </p:nvSpPr>
           <p:spPr>
             <a:xfrm>
-              <a:off x="5133330" y="4053587"/>
+              <a:off x="5132311" y="4055838"/>
               <a:ext cx="55896" cy="7622"/>
             </a:xfrm>
             <a:custGeom>
@@ -22524,7 +22524,7 @@
           </p:nvSpPr>
           <p:spPr>
             <a:xfrm>
-              <a:off x="5134176" y="4069679"/>
+              <a:off x="5133158" y="4071929"/>
               <a:ext cx="54202" cy="35993"/>
             </a:xfrm>
             <a:custGeom>
@@ -22579,7 +22579,7 @@
           </p:nvSpPr>
           <p:spPr>
             <a:xfrm>
-              <a:off x="5142646" y="4077301"/>
+              <a:off x="5141628" y="4079551"/>
               <a:ext cx="37264" cy="15244"/>
             </a:xfrm>
             <a:custGeom>
@@ -22622,7 +22622,7 @@
           </p:nvSpPr>
           <p:spPr>
             <a:xfrm>
-              <a:off x="5218444" y="4007431"/>
+              <a:off x="5217426" y="4009681"/>
               <a:ext cx="73258" cy="59707"/>
             </a:xfrm>
             <a:custGeom>
@@ -22677,7 +22677,7 @@
           </p:nvSpPr>
           <p:spPr>
             <a:xfrm>
-              <a:off x="5226914" y="4024369"/>
+              <a:off x="5225895" y="4026619"/>
               <a:ext cx="56319" cy="7198"/>
             </a:xfrm>
             <a:custGeom>
@@ -22720,7 +22720,7 @@
           </p:nvSpPr>
           <p:spPr>
             <a:xfrm>
-              <a:off x="5226914" y="4038343"/>
+              <a:off x="5225895" y="4040593"/>
               <a:ext cx="56319" cy="7198"/>
             </a:xfrm>
             <a:custGeom>
@@ -22763,7 +22763,7 @@
           </p:nvSpPr>
           <p:spPr>
             <a:xfrm>
-              <a:off x="5226914" y="4051894"/>
+              <a:off x="5225895" y="4054144"/>
               <a:ext cx="56319" cy="7198"/>
             </a:xfrm>
             <a:custGeom>
@@ -22806,7 +22806,7 @@
           </p:nvSpPr>
           <p:spPr>
             <a:xfrm>
-              <a:off x="5246393" y="4070949"/>
+              <a:off x="5245374" y="4073200"/>
               <a:ext cx="22443" cy="19479"/>
             </a:xfrm>
             <a:custGeom>
@@ -22903,7 +22903,7 @@
           </p:nvSpPr>
           <p:spPr>
             <a:xfrm>
-              <a:off x="5204894" y="4073913"/>
+              <a:off x="5203876" y="4076164"/>
               <a:ext cx="20325" cy="27948"/>
             </a:xfrm>
             <a:custGeom>
@@ -23000,7 +23000,7 @@
           </p:nvSpPr>
           <p:spPr>
             <a:xfrm>
-              <a:off x="5231148" y="4074337"/>
+              <a:off x="5230130" y="4076587"/>
               <a:ext cx="52932" cy="29641"/>
             </a:xfrm>
             <a:custGeom>
@@ -23316,7 +23316,7 @@
           </p:nvSpPr>
           <p:spPr>
             <a:xfrm>
-              <a:off x="5281963" y="4074337"/>
+              <a:off x="5280945" y="4076587"/>
               <a:ext cx="22443" cy="26677"/>
             </a:xfrm>
             <a:custGeom>
@@ -23413,7 +23413,7 @@
           </p:nvSpPr>
           <p:spPr>
             <a:xfrm>
-              <a:off x="4877489" y="4449495"/>
+              <a:off x="4876465" y="4452148"/>
               <a:ext cx="29641" cy="97395"/>
             </a:xfrm>
             <a:custGeom>
@@ -23549,7 +23549,7 @@
           </p:nvSpPr>
           <p:spPr>
             <a:xfrm>
-              <a:off x="4902050" y="4449072"/>
+              <a:off x="4901026" y="4451724"/>
               <a:ext cx="74104" cy="97395"/>
             </a:xfrm>
             <a:custGeom>
@@ -23880,7 +23880,7 @@
           </p:nvSpPr>
           <p:spPr>
             <a:xfrm>
-              <a:off x="4918565" y="4484642"/>
+              <a:off x="4917540" y="4487295"/>
               <a:ext cx="18632" cy="15244"/>
             </a:xfrm>
             <a:custGeom>
@@ -23953,7 +23953,7 @@
           </p:nvSpPr>
           <p:spPr>
             <a:xfrm>
-              <a:off x="4945666" y="4484642"/>
+              <a:off x="4944642" y="4487295"/>
               <a:ext cx="18208" cy="15244"/>
             </a:xfrm>
             <a:custGeom>
@@ -23999,7 +23999,7 @@
           </p:nvSpPr>
           <p:spPr>
             <a:xfrm>
-              <a:off x="4986318" y="4454577"/>
+              <a:off x="4985294" y="4457229"/>
               <a:ext cx="91466" cy="92313"/>
             </a:xfrm>
             <a:custGeom>
@@ -24303,7 +24303,7 @@
           </p:nvSpPr>
           <p:spPr>
             <a:xfrm>
-              <a:off x="5006220" y="4462623"/>
+              <a:off x="5005196" y="4465275"/>
               <a:ext cx="27101" cy="17361"/>
             </a:xfrm>
             <a:custGeom>
@@ -24346,7 +24346,7 @@
           </p:nvSpPr>
           <p:spPr>
             <a:xfrm>
-              <a:off x="5041791" y="4462623"/>
+              <a:off x="5040766" y="4465275"/>
               <a:ext cx="27524" cy="17361"/>
             </a:xfrm>
             <a:custGeom>
@@ -24389,7 +24389,7 @@
           </p:nvSpPr>
           <p:spPr>
             <a:xfrm>
-              <a:off x="5005797" y="4488030"/>
+              <a:off x="5004773" y="4490682"/>
               <a:ext cx="27524" cy="17361"/>
             </a:xfrm>
             <a:custGeom>
@@ -24462,7 +24462,7 @@
           </p:nvSpPr>
           <p:spPr>
             <a:xfrm>
-              <a:off x="5041791" y="4488030"/>
+              <a:off x="5040766" y="4490682"/>
               <a:ext cx="27524" cy="17361"/>
             </a:xfrm>
             <a:custGeom>
@@ -24505,7 +24505,7 @@
           </p:nvSpPr>
           <p:spPr>
             <a:xfrm>
-              <a:off x="5106580" y="4498616"/>
+              <a:off x="5105555" y="4501269"/>
               <a:ext cx="74528" cy="7198"/>
             </a:xfrm>
             <a:custGeom>
@@ -24548,7 +24548,7 @@
           </p:nvSpPr>
           <p:spPr>
             <a:xfrm>
-              <a:off x="5097687" y="4512167"/>
+              <a:off x="5096663" y="4514819"/>
               <a:ext cx="93160" cy="33876"/>
             </a:xfrm>
             <a:custGeom>
@@ -24753,7 +24753,7 @@
           </p:nvSpPr>
           <p:spPr>
             <a:xfrm>
-              <a:off x="5159088" y="4521907"/>
+              <a:off x="5158064" y="4524559"/>
               <a:ext cx="30912" cy="21596"/>
             </a:xfrm>
             <a:custGeom>
@@ -24850,7 +24850,7 @@
           </p:nvSpPr>
           <p:spPr>
             <a:xfrm>
-              <a:off x="5096840" y="4521907"/>
+              <a:off x="5095816" y="4524559"/>
               <a:ext cx="33029" cy="21172"/>
             </a:xfrm>
             <a:custGeom>
@@ -24947,7 +24947,7 @@
           </p:nvSpPr>
           <p:spPr>
             <a:xfrm>
-              <a:off x="5094723" y="4449495"/>
+              <a:off x="5093699" y="4452148"/>
               <a:ext cx="47427" cy="47003"/>
             </a:xfrm>
             <a:custGeom>
@@ -25143,7 +25143,7 @@
           </p:nvSpPr>
           <p:spPr>
             <a:xfrm>
-              <a:off x="5140033" y="4449495"/>
+              <a:off x="5139008" y="4452148"/>
               <a:ext cx="53779" cy="47003"/>
             </a:xfrm>
             <a:custGeom>
@@ -25336,7 +25336,7 @@
           </p:nvSpPr>
           <p:spPr>
             <a:xfrm>
-              <a:off x="5212867" y="4453730"/>
+              <a:off x="5211843" y="4456382"/>
               <a:ext cx="84691" cy="52508"/>
             </a:xfrm>
             <a:custGeom>
@@ -25637,7 +25637,7 @@
           </p:nvSpPr>
           <p:spPr>
             <a:xfrm>
-              <a:off x="5246320" y="4508356"/>
+              <a:off x="5245296" y="4511008"/>
               <a:ext cx="18208" cy="20325"/>
             </a:xfrm>
             <a:custGeom>
@@ -25734,7 +25734,7 @@
           </p:nvSpPr>
           <p:spPr>
             <a:xfrm>
-              <a:off x="5281044" y="4511320"/>
+              <a:off x="5280020" y="4513972"/>
               <a:ext cx="21172" cy="28795"/>
             </a:xfrm>
             <a:custGeom>
@@ -25831,7 +25831,7 @@
           </p:nvSpPr>
           <p:spPr>
             <a:xfrm>
-              <a:off x="5228959" y="4511744"/>
+              <a:off x="5227934" y="4514396"/>
               <a:ext cx="52932" cy="33029"/>
             </a:xfrm>
             <a:custGeom>
@@ -26147,7 +26147,7 @@
           </p:nvSpPr>
           <p:spPr>
             <a:xfrm>
-              <a:off x="5202281" y="4513014"/>
+              <a:off x="5201257" y="4515666"/>
               <a:ext cx="20749" cy="30065"/>
             </a:xfrm>
             <a:custGeom>
@@ -26244,7 +26244,7 @@
           </p:nvSpPr>
           <p:spPr>
             <a:xfrm>
-              <a:off x="4579019" y="4890290"/>
+              <a:off x="4577919" y="4893344"/>
               <a:ext cx="30912" cy="97395"/>
             </a:xfrm>
             <a:custGeom>
@@ -26380,7 +26380,7 @@
           </p:nvSpPr>
           <p:spPr>
             <a:xfrm>
-              <a:off x="4605696" y="4893678"/>
+              <a:off x="4604597" y="4896732"/>
               <a:ext cx="73258" cy="94007"/>
             </a:xfrm>
             <a:custGeom>
@@ -26585,7 +26585,7 @@
           </p:nvSpPr>
           <p:spPr>
             <a:xfrm>
-              <a:off x="4624752" y="4901300"/>
+              <a:off x="4623652" y="4904354"/>
               <a:ext cx="34723" cy="17785"/>
             </a:xfrm>
             <a:custGeom>
@@ -26628,7 +26628,7 @@
           </p:nvSpPr>
           <p:spPr>
             <a:xfrm>
-              <a:off x="4688694" y="4891137"/>
+              <a:off x="4687594" y="4894191"/>
               <a:ext cx="94007" cy="96971"/>
             </a:xfrm>
             <a:custGeom>
@@ -26821,7 +26821,7 @@
           </p:nvSpPr>
           <p:spPr>
             <a:xfrm>
-              <a:off x="4706056" y="4904264"/>
+              <a:off x="4704956" y="4907318"/>
               <a:ext cx="79186" cy="63095"/>
             </a:xfrm>
             <a:custGeom>
@@ -26966,7 +26966,7 @@
           </p:nvSpPr>
           <p:spPr>
             <a:xfrm>
-              <a:off x="4707749" y="4945339"/>
+              <a:off x="4706650" y="4948394"/>
               <a:ext cx="43192" cy="43192"/>
             </a:xfrm>
             <a:custGeom>
@@ -27063,7 +27063,7 @@
           </p:nvSpPr>
           <p:spPr>
             <a:xfrm>
-              <a:off x="4749672" y="4965665"/>
+              <a:off x="4748572" y="4968719"/>
               <a:ext cx="33876" cy="22866"/>
             </a:xfrm>
             <a:custGeom>
@@ -27160,7 +27160,7 @@
           </p:nvSpPr>
           <p:spPr>
             <a:xfrm>
-              <a:off x="4844526" y="4893678"/>
+              <a:off x="4843427" y="4896732"/>
               <a:ext cx="46156" cy="94007"/>
             </a:xfrm>
             <a:custGeom>
@@ -27422,7 +27422,7 @@
           </p:nvSpPr>
           <p:spPr>
             <a:xfrm>
-              <a:off x="4863582" y="4901723"/>
+              <a:off x="4862482" y="4904777"/>
               <a:ext cx="18632" cy="17785"/>
             </a:xfrm>
             <a:custGeom>
@@ -27465,7 +27465,7 @@
           </p:nvSpPr>
           <p:spPr>
             <a:xfrm>
-              <a:off x="4863582" y="4927131"/>
+              <a:off x="4862482" y="4930185"/>
               <a:ext cx="18632" cy="17785"/>
             </a:xfrm>
             <a:custGeom>
@@ -27508,7 +27508,7 @@
           </p:nvSpPr>
           <p:spPr>
             <a:xfrm>
-              <a:off x="4797099" y="4890290"/>
+              <a:off x="4795999" y="4893344"/>
               <a:ext cx="52932" cy="74104"/>
             </a:xfrm>
             <a:custGeom>
@@ -27599,7 +27599,7 @@
           </p:nvSpPr>
           <p:spPr>
             <a:xfrm>
-              <a:off x="4815308" y="4910616"/>
+              <a:off x="4814208" y="4913670"/>
               <a:ext cx="17785" cy="10586"/>
             </a:xfrm>
             <a:custGeom>
@@ -27642,7 +27642,7 @@
           </p:nvSpPr>
           <p:spPr>
             <a:xfrm>
-              <a:off x="4815308" y="4928401"/>
+              <a:off x="4814208" y="4931455"/>
               <a:ext cx="17785" cy="10586"/>
             </a:xfrm>
             <a:custGeom>
@@ -27685,7 +27685,7 @@
           </p:nvSpPr>
           <p:spPr>
             <a:xfrm>
-              <a:off x="4815308" y="4946186"/>
+              <a:off x="4814208" y="4949240"/>
               <a:ext cx="17785" cy="10586"/>
             </a:xfrm>
             <a:custGeom>
@@ -27728,7 +27728,7 @@
           </p:nvSpPr>
           <p:spPr>
             <a:xfrm>
-              <a:off x="4798369" y="4966512"/>
+              <a:off x="4797270" y="4969566"/>
               <a:ext cx="22866" cy="21596"/>
             </a:xfrm>
             <a:custGeom>
@@ -27825,7 +27825,7 @@
           </p:nvSpPr>
           <p:spPr>
             <a:xfrm>
-              <a:off x="4827588" y="4966512"/>
+              <a:off x="4826488" y="4969566"/>
               <a:ext cx="15667" cy="17361"/>
             </a:xfrm>
             <a:custGeom>
@@ -27922,7 +27922,7 @@
           </p:nvSpPr>
           <p:spPr>
             <a:xfrm>
-              <a:off x="2454240" y="5336166"/>
+              <a:off x="2452605" y="5339622"/>
               <a:ext cx="95277" cy="92313"/>
             </a:xfrm>
             <a:custGeom>
@@ -28070,7 +28070,7 @@
           </p:nvSpPr>
           <p:spPr>
             <a:xfrm>
-              <a:off x="2511830" y="5362844"/>
+              <a:off x="2510195" y="5366300"/>
               <a:ext cx="41498" cy="41075"/>
             </a:xfrm>
             <a:custGeom>
@@ -28167,7 +28167,7 @@
           </p:nvSpPr>
           <p:spPr>
             <a:xfrm>
-              <a:off x="2564339" y="5330661"/>
+              <a:off x="2562704" y="5334117"/>
               <a:ext cx="96971" cy="98242"/>
             </a:xfrm>
             <a:custGeom>
@@ -28486,7 +28486,7 @@
           </p:nvSpPr>
           <p:spPr>
             <a:xfrm>
-              <a:off x="2584665" y="5331508"/>
+              <a:off x="2583030" y="5334964"/>
               <a:ext cx="16091" cy="19055"/>
             </a:xfrm>
             <a:custGeom>
@@ -28583,7 +28583,7 @@
           </p:nvSpPr>
           <p:spPr>
             <a:xfrm>
-              <a:off x="2675708" y="5331931"/>
+              <a:off x="2674073" y="5335387"/>
               <a:ext cx="22866" cy="19479"/>
             </a:xfrm>
             <a:custGeom>
@@ -28680,7 +28680,7 @@
           </p:nvSpPr>
           <p:spPr>
             <a:xfrm>
-              <a:off x="2671474" y="5358186"/>
+              <a:off x="2669838" y="5361642"/>
               <a:ext cx="21596" cy="17785"/>
             </a:xfrm>
             <a:custGeom>
@@ -28777,7 +28777,7 @@
           </p:nvSpPr>
           <p:spPr>
             <a:xfrm>
-              <a:off x="2671050" y="5384863"/>
+              <a:off x="2669415" y="5388320"/>
               <a:ext cx="23290" cy="43616"/>
             </a:xfrm>
             <a:custGeom>
@@ -28874,7 +28874,7 @@
           </p:nvSpPr>
           <p:spPr>
             <a:xfrm>
-              <a:off x="2723135" y="5331084"/>
+              <a:off x="2721500" y="5334540"/>
               <a:ext cx="17361" cy="17361"/>
             </a:xfrm>
             <a:custGeom>
@@ -28971,7 +28971,7 @@
           </p:nvSpPr>
           <p:spPr>
             <a:xfrm>
-              <a:off x="2698151" y="5351410"/>
+              <a:off x="2696516" y="5354866"/>
               <a:ext cx="71140" cy="72834"/>
             </a:xfrm>
             <a:custGeom>
@@ -29062,7 +29062,7 @@
           </p:nvSpPr>
           <p:spPr>
             <a:xfrm>
-              <a:off x="2777338" y="5331084"/>
+              <a:off x="2775703" y="5334540"/>
               <a:ext cx="44462" cy="97395"/>
             </a:xfrm>
             <a:custGeom>
@@ -29258,7 +29258,7 @@
           </p:nvSpPr>
           <p:spPr>
             <a:xfrm>
-              <a:off x="2824341" y="5336166"/>
+              <a:off x="2822706" y="5339622"/>
               <a:ext cx="49121" cy="92313"/>
             </a:xfrm>
             <a:custGeom>
@@ -29313,7 +29313,7 @@
           </p:nvSpPr>
           <p:spPr>
             <a:xfrm>
-              <a:off x="2832387" y="5343788"/>
+              <a:off x="2830752" y="5347244"/>
               <a:ext cx="33029" cy="17361"/>
             </a:xfrm>
             <a:custGeom>
@@ -29356,7 +29356,7 @@
           </p:nvSpPr>
           <p:spPr>
             <a:xfrm>
-              <a:off x="2832387" y="5368772"/>
+              <a:off x="2830752" y="5372228"/>
               <a:ext cx="33029" cy="17361"/>
             </a:xfrm>
             <a:custGeom>
@@ -29399,7 +29399,7 @@
           </p:nvSpPr>
           <p:spPr>
             <a:xfrm>
-              <a:off x="2832387" y="5393756"/>
+              <a:off x="2830752" y="5397212"/>
               <a:ext cx="33029" cy="17785"/>
             </a:xfrm>
             <a:custGeom>
@@ -29442,7 +29442,7 @@
           </p:nvSpPr>
           <p:spPr>
             <a:xfrm>
-              <a:off x="2889554" y="5330661"/>
+              <a:off x="2887919" y="5334117"/>
               <a:ext cx="96971" cy="98242"/>
             </a:xfrm>
             <a:custGeom>
@@ -29761,7 +29761,7 @@
           </p:nvSpPr>
           <p:spPr>
             <a:xfrm>
-              <a:off x="2909880" y="5331508"/>
+              <a:off x="2908245" y="5334964"/>
               <a:ext cx="16091" cy="19055"/>
             </a:xfrm>
             <a:custGeom>
@@ -29858,7 +29858,7 @@
           </p:nvSpPr>
           <p:spPr>
             <a:xfrm>
-              <a:off x="2995842" y="5331084"/>
+              <a:off x="2994206" y="5334540"/>
               <a:ext cx="30912" cy="97395"/>
             </a:xfrm>
             <a:custGeom>
@@ -29994,7 +29994,7 @@
           </p:nvSpPr>
           <p:spPr>
             <a:xfrm>
-              <a:off x="3027177" y="5331084"/>
+              <a:off x="3025542" y="5334540"/>
               <a:ext cx="67329" cy="20325"/>
             </a:xfrm>
             <a:custGeom>
@@ -30103,7 +30103,7 @@
           </p:nvSpPr>
           <p:spPr>
             <a:xfrm>
-              <a:off x="3032682" y="5359880"/>
+              <a:off x="3031047" y="5363336"/>
               <a:ext cx="55896" cy="7622"/>
             </a:xfrm>
             <a:custGeom>
@@ -30146,7 +30146,7 @@
           </p:nvSpPr>
           <p:spPr>
             <a:xfrm>
-              <a:off x="3032682" y="5375971"/>
+              <a:off x="3031047" y="5379427"/>
               <a:ext cx="55896" cy="7622"/>
             </a:xfrm>
             <a:custGeom>
@@ -30189,7 +30189,7 @@
           </p:nvSpPr>
           <p:spPr>
             <a:xfrm>
-              <a:off x="3033529" y="5392062"/>
+              <a:off x="3031894" y="5395518"/>
               <a:ext cx="54202" cy="35993"/>
             </a:xfrm>
             <a:custGeom>
@@ -30244,7 +30244,7 @@
           </p:nvSpPr>
           <p:spPr>
             <a:xfrm>
-              <a:off x="3041998" y="5399684"/>
+              <a:off x="3040363" y="5403141"/>
               <a:ext cx="37264" cy="15244"/>
             </a:xfrm>
             <a:custGeom>
@@ -30287,7 +30287,7 @@
           </p:nvSpPr>
           <p:spPr>
             <a:xfrm>
-              <a:off x="3117797" y="5329814"/>
+              <a:off x="3116162" y="5333270"/>
               <a:ext cx="73258" cy="59707"/>
             </a:xfrm>
             <a:custGeom>
@@ -30342,7 +30342,7 @@
           </p:nvSpPr>
           <p:spPr>
             <a:xfrm>
-              <a:off x="3126266" y="5346752"/>
+              <a:off x="3124631" y="5350208"/>
               <a:ext cx="56319" cy="7198"/>
             </a:xfrm>
             <a:custGeom>
@@ -30385,7 +30385,7 @@
           </p:nvSpPr>
           <p:spPr>
             <a:xfrm>
-              <a:off x="3126266" y="5360726"/>
+              <a:off x="3124631" y="5364182"/>
               <a:ext cx="56319" cy="7198"/>
             </a:xfrm>
             <a:custGeom>
@@ -30428,7 +30428,7 @@
           </p:nvSpPr>
           <p:spPr>
             <a:xfrm>
-              <a:off x="3126266" y="5374277"/>
+              <a:off x="3124631" y="5377733"/>
               <a:ext cx="56319" cy="7198"/>
             </a:xfrm>
             <a:custGeom>
@@ -30471,7 +30471,7 @@
           </p:nvSpPr>
           <p:spPr>
             <a:xfrm>
-              <a:off x="3145745" y="5393333"/>
+              <a:off x="3144110" y="5396789"/>
               <a:ext cx="22443" cy="19479"/>
             </a:xfrm>
             <a:custGeom>
@@ -30568,7 +30568,7 @@
           </p:nvSpPr>
           <p:spPr>
             <a:xfrm>
-              <a:off x="3104247" y="5396297"/>
+              <a:off x="3102611" y="5399753"/>
               <a:ext cx="20325" cy="27948"/>
             </a:xfrm>
             <a:custGeom>
@@ -30665,7 +30665,7 @@
           </p:nvSpPr>
           <p:spPr>
             <a:xfrm>
-              <a:off x="3130501" y="5396720"/>
+              <a:off x="3128866" y="5400176"/>
               <a:ext cx="52932" cy="29641"/>
             </a:xfrm>
             <a:custGeom>
@@ -30981,7 +30981,7 @@
           </p:nvSpPr>
           <p:spPr>
             <a:xfrm>
-              <a:off x="3181316" y="5396720"/>
+              <a:off x="3179681" y="5400176"/>
               <a:ext cx="22443" cy="26677"/>
             </a:xfrm>
             <a:custGeom>
@@ -31078,8 +31078,8 @@
           </p:nvSpPr>
           <p:spPr>
             <a:xfrm>
-              <a:off x="2019661" y="1590617"/>
-              <a:ext cx="6917431" cy="4055309"/>
+              <a:off x="2017917" y="1590617"/>
+              <a:ext cx="6919174" cy="4059006"/>
             </a:xfrm>
             <a:prstGeom prst="rect">
               <a:avLst/>
@@ -31108,7 +31108,7 @@
           </p:nvSpPr>
           <p:spPr>
             <a:xfrm>
-              <a:off x="1926585" y="5341859"/>
+              <a:off x="1924841" y="5345315"/>
               <a:ext cx="54133" cy="79126"/>
             </a:xfrm>
             <a:custGeom>
@@ -31982,7 +31982,7 @@
           </p:nvSpPr>
           <p:spPr>
             <a:xfrm>
-              <a:off x="1942138" y="5353864"/>
+              <a:off x="1940394" y="5357320"/>
               <a:ext cx="22373" cy="27939"/>
             </a:xfrm>
             <a:custGeom>
@@ -32493,7 +32493,7 @@
           </p:nvSpPr>
           <p:spPr>
             <a:xfrm>
-              <a:off x="1926258" y="4901064"/>
+              <a:off x="1924514" y="4904118"/>
               <a:ext cx="55170" cy="79126"/>
             </a:xfrm>
             <a:custGeom>
@@ -33490,7 +33490,7 @@
           </p:nvSpPr>
           <p:spPr>
             <a:xfrm>
-              <a:off x="1943720" y="4911814"/>
+              <a:off x="1941977" y="4914869"/>
               <a:ext cx="20027" cy="21555"/>
             </a:xfrm>
             <a:custGeom>
@@ -34001,7 +34001,7 @@
           </p:nvSpPr>
           <p:spPr>
             <a:xfrm>
-              <a:off x="1942028" y="4944120"/>
+              <a:off x="1940285" y="4947174"/>
               <a:ext cx="23519" cy="25266"/>
             </a:xfrm>
             <a:custGeom>
@@ -34512,7 +34512,7 @@
           </p:nvSpPr>
           <p:spPr>
             <a:xfrm>
-              <a:off x="1927513" y="4461416"/>
+              <a:off x="1925769" y="4464068"/>
               <a:ext cx="52442" cy="76889"/>
             </a:xfrm>
             <a:custGeom>
@@ -34798,7 +34798,7 @@
           </p:nvSpPr>
           <p:spPr>
             <a:xfrm>
-              <a:off x="1926803" y="4019475"/>
+              <a:off x="1925060" y="4021726"/>
               <a:ext cx="54024" cy="79126"/>
             </a:xfrm>
             <a:custGeom>
@@ -35492,7 +35492,7 @@
           </p:nvSpPr>
           <p:spPr>
             <a:xfrm>
-              <a:off x="1942902" y="4059311"/>
+              <a:off x="1941158" y="4061562"/>
               <a:ext cx="22537" cy="27339"/>
             </a:xfrm>
             <a:custGeom>
@@ -35943,7 +35943,7 @@
           </p:nvSpPr>
           <p:spPr>
             <a:xfrm>
-              <a:off x="1926148" y="3579827"/>
+              <a:off x="1924405" y="3581675"/>
               <a:ext cx="55607" cy="77980"/>
             </a:xfrm>
             <a:custGeom>
@@ -36775,7 +36775,7 @@
           </p:nvSpPr>
           <p:spPr>
             <a:xfrm>
-              <a:off x="1924402" y="3139032"/>
+              <a:off x="1922659" y="3140479"/>
               <a:ext cx="59863" cy="76889"/>
             </a:xfrm>
             <a:custGeom>
@@ -36839,7 +36839,7 @@
           </p:nvSpPr>
           <p:spPr>
             <a:xfrm>
-              <a:off x="1936899" y="3153018"/>
+              <a:off x="1935155" y="3154465"/>
               <a:ext cx="22952" cy="35836"/>
             </a:xfrm>
             <a:custGeom>
@@ -36991,7 +36991,7 @@
                     <a:pt x="22327" y="1184"/>
                   </a:lnTo>
                   <a:lnTo>
-                    <a:pt x="22217" y="1396"/>
+                    <a:pt x="22217" y="1397"/>
                   </a:lnTo>
                   <a:lnTo>
                     <a:pt x="22100" y="1620"/>
@@ -37116,7 +37116,7 @@
           </p:nvSpPr>
           <p:spPr>
             <a:xfrm>
-              <a:off x="1925275" y="2697092"/>
+              <a:off x="1923532" y="2698137"/>
               <a:ext cx="55552" cy="79290"/>
             </a:xfrm>
             <a:custGeom>
@@ -38039,7 +38039,7 @@
                     <a:pt x="26919" y="13"/>
                   </a:lnTo>
                   <a:lnTo>
-                    <a:pt x="27939" y="0"/>
+                    <a:pt x="27940" y="0"/>
                   </a:lnTo>
                   <a:lnTo>
                     <a:pt x="29274" y="16"/>
@@ -38425,7 +38425,7 @@
           </p:nvSpPr>
           <p:spPr>
             <a:xfrm>
-              <a:off x="1926585" y="2256297"/>
+              <a:off x="1924841" y="2256940"/>
               <a:ext cx="53806" cy="78035"/>
             </a:xfrm>
             <a:custGeom>
@@ -39191,7 +39191,7 @@
           </p:nvSpPr>
           <p:spPr>
             <a:xfrm>
-              <a:off x="1929750" y="1816649"/>
+              <a:off x="1928007" y="1816890"/>
               <a:ext cx="52005" cy="76889"/>
             </a:xfrm>
             <a:custGeom>
@@ -39255,7 +39255,7 @@
           </p:nvSpPr>
           <p:spPr>
             <a:xfrm>
-              <a:off x="1984866" y="5381449"/>
+              <a:off x="1983123" y="5384905"/>
               <a:ext cx="34794" cy="0"/>
             </a:xfrm>
             <a:custGeom>
@@ -39295,7 +39295,7 @@
           </p:nvSpPr>
           <p:spPr>
             <a:xfrm>
-              <a:off x="1984866" y="4940655"/>
+              <a:off x="1983123" y="4943709"/>
               <a:ext cx="34794" cy="0"/>
             </a:xfrm>
             <a:custGeom>
@@ -39335,7 +39335,7 @@
           </p:nvSpPr>
           <p:spPr>
             <a:xfrm>
-              <a:off x="1984866" y="4499860"/>
+              <a:off x="1983123" y="4502513"/>
               <a:ext cx="34794" cy="0"/>
             </a:xfrm>
             <a:custGeom>
@@ -39375,7 +39375,7 @@
           </p:nvSpPr>
           <p:spPr>
             <a:xfrm>
-              <a:off x="1984866" y="4059066"/>
+              <a:off x="1983123" y="4061316"/>
               <a:ext cx="34794" cy="0"/>
             </a:xfrm>
             <a:custGeom>
@@ -39415,7 +39415,7 @@
           </p:nvSpPr>
           <p:spPr>
             <a:xfrm>
-              <a:off x="1984866" y="3618271"/>
+              <a:off x="1983123" y="3620120"/>
               <a:ext cx="34794" cy="0"/>
             </a:xfrm>
             <a:custGeom>
@@ -39455,7 +39455,7 @@
           </p:nvSpPr>
           <p:spPr>
             <a:xfrm>
-              <a:off x="1984866" y="3177477"/>
+              <a:off x="1983123" y="3178924"/>
               <a:ext cx="34794" cy="0"/>
             </a:xfrm>
             <a:custGeom>
@@ -39495,7 +39495,7 @@
           </p:nvSpPr>
           <p:spPr>
             <a:xfrm>
-              <a:off x="1984866" y="2736682"/>
+              <a:off x="1983123" y="2737727"/>
               <a:ext cx="34794" cy="0"/>
             </a:xfrm>
             <a:custGeom>
@@ -39535,7 +39535,7 @@
           </p:nvSpPr>
           <p:spPr>
             <a:xfrm>
-              <a:off x="1984866" y="2295888"/>
+              <a:off x="1983123" y="2296531"/>
               <a:ext cx="34794" cy="0"/>
             </a:xfrm>
             <a:custGeom>
@@ -39575,7 +39575,7 @@
           </p:nvSpPr>
           <p:spPr>
             <a:xfrm>
-              <a:off x="1984866" y="1855093"/>
+              <a:off x="1983123" y="1855335"/>
               <a:ext cx="34794" cy="0"/>
             </a:xfrm>
             <a:custGeom>
@@ -39615,7 +39615,7 @@
           </p:nvSpPr>
           <p:spPr>
             <a:xfrm>
-              <a:off x="2019661" y="5645926"/>
+              <a:off x="2017917" y="5649623"/>
               <a:ext cx="0" cy="34794"/>
             </a:xfrm>
             <a:custGeom>
@@ -39655,7 +39655,7 @@
           </p:nvSpPr>
           <p:spPr>
             <a:xfrm>
-              <a:off x="4263802" y="5645926"/>
+              <a:off x="4262624" y="5649623"/>
               <a:ext cx="0" cy="34794"/>
             </a:xfrm>
             <a:custGeom>
@@ -39695,7 +39695,7 @@
           </p:nvSpPr>
           <p:spPr>
             <a:xfrm>
-              <a:off x="6507944" y="5645926"/>
+              <a:off x="6507331" y="5649623"/>
               <a:ext cx="0" cy="34794"/>
             </a:xfrm>
             <a:custGeom>
@@ -39735,7 +39735,7 @@
           </p:nvSpPr>
           <p:spPr>
             <a:xfrm>
-              <a:off x="8752085" y="5645926"/>
+              <a:off x="8752038" y="5649623"/>
               <a:ext cx="0" cy="34794"/>
             </a:xfrm>
             <a:custGeom>
@@ -39775,7 +39775,7 @@
           </p:nvSpPr>
           <p:spPr>
             <a:xfrm>
-              <a:off x="1992948" y="5707410"/>
+              <a:off x="1991205" y="5711107"/>
               <a:ext cx="53424" cy="79126"/>
             </a:xfrm>
             <a:custGeom>
@@ -40218,7 +40218,7 @@
                     <a:pt x="48312" y="12306"/>
                   </a:lnTo>
                   <a:lnTo>
-                    <a:pt x="48894" y="13492"/>
+                    <a:pt x="48895" y="13492"/>
                   </a:lnTo>
                   <a:lnTo>
                     <a:pt x="49447" y="14740"/>
@@ -40286,7 +40286,7 @@
           </p:nvSpPr>
           <p:spPr>
             <a:xfrm>
-              <a:off x="2002880" y="5715377"/>
+              <a:off x="2001137" y="5719075"/>
               <a:ext cx="33506" cy="63137"/>
             </a:xfrm>
             <a:custGeom>
@@ -40797,7 +40797,7 @@
           </p:nvSpPr>
           <p:spPr>
             <a:xfrm>
-              <a:off x="4148004" y="5708556"/>
+              <a:off x="4146826" y="5712253"/>
               <a:ext cx="48185" cy="76889"/>
             </a:xfrm>
             <a:custGeom>
@@ -40861,7 +40861,7 @@
           </p:nvSpPr>
           <p:spPr>
             <a:xfrm>
-              <a:off x="4206012" y="5707410"/>
+              <a:off x="4204834" y="5711107"/>
               <a:ext cx="53424" cy="79126"/>
             </a:xfrm>
             <a:custGeom>
@@ -41372,7 +41372,7 @@
           </p:nvSpPr>
           <p:spPr>
             <a:xfrm>
-              <a:off x="4215944" y="5715377"/>
+              <a:off x="4214766" y="5719075"/>
               <a:ext cx="33506" cy="63137"/>
             </a:xfrm>
             <a:custGeom>
@@ -41883,7 +41883,7 @@
           </p:nvSpPr>
           <p:spPr>
             <a:xfrm>
-              <a:off x="4268168" y="5707410"/>
+              <a:off x="4266990" y="5711107"/>
               <a:ext cx="53424" cy="79126"/>
             </a:xfrm>
             <a:custGeom>
@@ -42394,7 +42394,7 @@
           </p:nvSpPr>
           <p:spPr>
             <a:xfrm>
-              <a:off x="4278099" y="5715377"/>
+              <a:off x="4276922" y="5719075"/>
               <a:ext cx="33506" cy="63137"/>
             </a:xfrm>
             <a:custGeom>
@@ -42905,7 +42905,7 @@
           </p:nvSpPr>
           <p:spPr>
             <a:xfrm>
-              <a:off x="4330323" y="5707410"/>
+              <a:off x="4329145" y="5711107"/>
               <a:ext cx="53424" cy="79126"/>
             </a:xfrm>
             <a:custGeom>
@@ -43416,7 +43416,7 @@
           </p:nvSpPr>
           <p:spPr>
             <a:xfrm>
-              <a:off x="4340255" y="5715377"/>
+              <a:off x="4339077" y="5719075"/>
               <a:ext cx="33506" cy="63137"/>
             </a:xfrm>
             <a:custGeom>
@@ -43927,7 +43927,7 @@
           </p:nvSpPr>
           <p:spPr>
             <a:xfrm>
-              <a:off x="6389253" y="5707410"/>
+              <a:off x="6388641" y="5711107"/>
               <a:ext cx="50914" cy="78035"/>
             </a:xfrm>
             <a:custGeom>
@@ -44873,7 +44873,7 @@
           </p:nvSpPr>
           <p:spPr>
             <a:xfrm>
-              <a:off x="6450154" y="5707410"/>
+              <a:off x="6449541" y="5711107"/>
               <a:ext cx="53424" cy="79126"/>
             </a:xfrm>
             <a:custGeom>
@@ -45384,7 +45384,7 @@
           </p:nvSpPr>
           <p:spPr>
             <a:xfrm>
-              <a:off x="6460085" y="5715377"/>
+              <a:off x="6459473" y="5719075"/>
               <a:ext cx="33506" cy="63137"/>
             </a:xfrm>
             <a:custGeom>
@@ -45895,7 +45895,7 @@
           </p:nvSpPr>
           <p:spPr>
             <a:xfrm>
-              <a:off x="6512309" y="5707410"/>
+              <a:off x="6511697" y="5711107"/>
               <a:ext cx="53424" cy="79126"/>
             </a:xfrm>
             <a:custGeom>
@@ -46338,7 +46338,7 @@
                     <a:pt x="48312" y="12306"/>
                   </a:lnTo>
                   <a:lnTo>
-                    <a:pt x="48894" y="13492"/>
+                    <a:pt x="48895" y="13492"/>
                   </a:lnTo>
                   <a:lnTo>
                     <a:pt x="49447" y="14740"/>
@@ -46406,7 +46406,7 @@
           </p:nvSpPr>
           <p:spPr>
             <a:xfrm>
-              <a:off x="6522241" y="5715377"/>
+              <a:off x="6521629" y="5719075"/>
               <a:ext cx="33506" cy="63137"/>
             </a:xfrm>
             <a:custGeom>
@@ -46917,7 +46917,7 @@
           </p:nvSpPr>
           <p:spPr>
             <a:xfrm>
-              <a:off x="6574465" y="5707410"/>
+              <a:off x="6573852" y="5711107"/>
               <a:ext cx="53424" cy="79126"/>
             </a:xfrm>
             <a:custGeom>
@@ -47428,7 +47428,7 @@
           </p:nvSpPr>
           <p:spPr>
             <a:xfrm>
-              <a:off x="6584397" y="5715377"/>
+              <a:off x="6583784" y="5719075"/>
               <a:ext cx="33506" cy="63137"/>
             </a:xfrm>
             <a:custGeom>
@@ -47939,7 +47939,7 @@
           </p:nvSpPr>
           <p:spPr>
             <a:xfrm>
-              <a:off x="8632030" y="5707410"/>
+              <a:off x="8631984" y="5711107"/>
               <a:ext cx="52987" cy="79126"/>
             </a:xfrm>
             <a:custGeom>
@@ -49248,7 +49248,7 @@
           </p:nvSpPr>
           <p:spPr>
             <a:xfrm>
-              <a:off x="8694295" y="5707410"/>
+              <a:off x="8694248" y="5711107"/>
               <a:ext cx="53424" cy="79126"/>
             </a:xfrm>
             <a:custGeom>
@@ -49759,7 +49759,7 @@
           </p:nvSpPr>
           <p:spPr>
             <a:xfrm>
-              <a:off x="8704227" y="5715377"/>
+              <a:off x="8704180" y="5719075"/>
               <a:ext cx="33506" cy="63137"/>
             </a:xfrm>
             <a:custGeom>
@@ -50270,7 +50270,7 @@
           </p:nvSpPr>
           <p:spPr>
             <a:xfrm>
-              <a:off x="8756451" y="5707410"/>
+              <a:off x="8756404" y="5711107"/>
               <a:ext cx="53424" cy="79126"/>
             </a:xfrm>
             <a:custGeom>
@@ -50781,7 +50781,7 @@
           </p:nvSpPr>
           <p:spPr>
             <a:xfrm>
-              <a:off x="8766382" y="5715377"/>
+              <a:off x="8766336" y="5719075"/>
               <a:ext cx="33506" cy="63137"/>
             </a:xfrm>
             <a:custGeom>
@@ -51292,7 +51292,7 @@
           </p:nvSpPr>
           <p:spPr>
             <a:xfrm>
-              <a:off x="8818606" y="5707410"/>
+              <a:off x="8818560" y="5711107"/>
               <a:ext cx="53424" cy="79126"/>
             </a:xfrm>
             <a:custGeom>
@@ -51735,7 +51735,7 @@
                     <a:pt x="48312" y="12306"/>
                   </a:lnTo>
                   <a:lnTo>
-                    <a:pt x="48894" y="13492"/>
+                    <a:pt x="48895" y="13492"/>
                   </a:lnTo>
                   <a:lnTo>
                     <a:pt x="49447" y="14740"/>
@@ -51803,7 +51803,7 @@
           </p:nvSpPr>
           <p:spPr>
             <a:xfrm>
-              <a:off x="8828538" y="5715377"/>
+              <a:off x="8828491" y="5719075"/>
               <a:ext cx="33506" cy="63137"/>
             </a:xfrm>
             <a:custGeom>
